--- a/Glynn Presentation.pptx
+++ b/Glynn Presentation.pptx
@@ -13,8 +13,8 @@
     <p:sldId id="267" r:id="rId4"/>
     <p:sldId id="269" r:id="rId5"/>
     <p:sldId id="266" r:id="rId6"/>
-    <p:sldId id="268" r:id="rId7"/>
-    <p:sldId id="259" r:id="rId8"/>
+    <p:sldId id="271" r:id="rId7"/>
+    <p:sldId id="268" r:id="rId8"/>
     <p:sldId id="260" r:id="rId9"/>
     <p:sldId id="261" r:id="rId10"/>
     <p:sldId id="263" r:id="rId11"/>
@@ -120,6 +120,3686 @@
     </a:lvl9pPr>
   </p:defaultTextStyle>
 </p:presentation>
+</file>
+
+<file path=ppt/diagrams/colors1.xml><?xml version="1.0" encoding="utf-8"?>
+<dgm:colorsDef xmlns:dgm="http://schemas.openxmlformats.org/drawingml/2006/diagram" xmlns:a="http://schemas.openxmlformats.org/drawingml/2006/main" uniqueId="urn:microsoft.com/office/officeart/2018/5/colors/Iconchunking_neutralbg_colorful5">
+  <dgm:title val=""/>
+  <dgm:desc val=""/>
+  <dgm:catLst>
+    <dgm:cat type="colorful" pri="10500"/>
+  </dgm:catLst>
+  <dgm:styleLbl name="node0">
+    <dgm:fillClrLst meth="repeat">
+      <a:schemeClr val="accent4"/>
+    </dgm:fillClrLst>
+    <dgm:linClrLst meth="repeat">
+      <a:schemeClr val="lt1"/>
+    </dgm:linClrLst>
+    <dgm:effectClrLst/>
+    <dgm:txLinClrLst/>
+    <dgm:txFillClrLst/>
+    <dgm:txEffectClrLst/>
+  </dgm:styleLbl>
+  <dgm:styleLbl name="node1">
+    <dgm:fillClrLst>
+      <a:schemeClr val="accent5"/>
+      <a:schemeClr val="accent6"/>
+    </dgm:fillClrLst>
+    <dgm:linClrLst meth="repeat">
+      <a:schemeClr val="lt1">
+        <a:alpha val="0"/>
+      </a:schemeClr>
+    </dgm:linClrLst>
+    <dgm:effectClrLst/>
+    <dgm:txLinClrLst/>
+    <dgm:txFillClrLst/>
+    <dgm:txEffectClrLst/>
+  </dgm:styleLbl>
+  <dgm:styleLbl name="alignNode1">
+    <dgm:fillClrLst>
+      <a:schemeClr val="accent5"/>
+      <a:schemeClr val="accent6"/>
+    </dgm:fillClrLst>
+    <dgm:linClrLst>
+      <a:schemeClr val="accent5"/>
+      <a:schemeClr val="accent6"/>
+    </dgm:linClrLst>
+    <dgm:effectClrLst/>
+    <dgm:txLinClrLst/>
+    <dgm:txFillClrLst/>
+    <dgm:txEffectClrLst/>
+  </dgm:styleLbl>
+  <dgm:styleLbl name="lnNode1">
+    <dgm:fillClrLst>
+      <a:schemeClr val="accent5"/>
+      <a:schemeClr val="accent6"/>
+    </dgm:fillClrLst>
+    <dgm:linClrLst meth="repeat">
+      <a:schemeClr val="lt1"/>
+    </dgm:linClrLst>
+    <dgm:effectClrLst/>
+    <dgm:txLinClrLst/>
+    <dgm:txFillClrLst/>
+    <dgm:txEffectClrLst/>
+  </dgm:styleLbl>
+  <dgm:styleLbl name="vennNode1">
+    <dgm:fillClrLst>
+      <a:schemeClr val="accent5">
+        <a:alpha val="50000"/>
+      </a:schemeClr>
+      <a:schemeClr val="accent6">
+        <a:alpha val="50000"/>
+      </a:schemeClr>
+    </dgm:fillClrLst>
+    <dgm:linClrLst meth="repeat">
+      <a:schemeClr val="lt1"/>
+    </dgm:linClrLst>
+    <dgm:effectClrLst/>
+    <dgm:txLinClrLst/>
+    <dgm:txFillClrLst/>
+    <dgm:txEffectClrLst/>
+  </dgm:styleLbl>
+  <dgm:styleLbl name="node2">
+    <dgm:fillClrLst>
+      <a:schemeClr val="accent6"/>
+    </dgm:fillClrLst>
+    <dgm:linClrLst meth="repeat">
+      <a:schemeClr val="lt1"/>
+    </dgm:linClrLst>
+    <dgm:effectClrLst/>
+    <dgm:txLinClrLst/>
+    <dgm:txFillClrLst/>
+    <dgm:txEffectClrLst/>
+  </dgm:styleLbl>
+  <dgm:styleLbl name="node3">
+    <dgm:fillClrLst>
+      <a:schemeClr val="accent1"/>
+    </dgm:fillClrLst>
+    <dgm:linClrLst meth="repeat">
+      <a:schemeClr val="lt1"/>
+    </dgm:linClrLst>
+    <dgm:effectClrLst/>
+    <dgm:txLinClrLst/>
+    <dgm:txFillClrLst/>
+    <dgm:txEffectClrLst/>
+  </dgm:styleLbl>
+  <dgm:styleLbl name="node4">
+    <dgm:fillClrLst>
+      <a:schemeClr val="accent2"/>
+    </dgm:fillClrLst>
+    <dgm:linClrLst meth="repeat">
+      <a:schemeClr val="lt1"/>
+    </dgm:linClrLst>
+    <dgm:effectClrLst/>
+    <dgm:txLinClrLst/>
+    <dgm:txFillClrLst/>
+    <dgm:txEffectClrLst/>
+  </dgm:styleLbl>
+  <dgm:styleLbl name="fgImgPlace1">
+    <dgm:fillClrLst>
+      <a:schemeClr val="accent5">
+        <a:tint val="50000"/>
+      </a:schemeClr>
+      <a:schemeClr val="accent6">
+        <a:tint val="50000"/>
+      </a:schemeClr>
+    </dgm:fillClrLst>
+    <dgm:linClrLst meth="repeat">
+      <a:schemeClr val="lt1"/>
+    </dgm:linClrLst>
+    <dgm:effectClrLst/>
+    <dgm:txLinClrLst/>
+    <dgm:txFillClrLst meth="repeat">
+      <a:schemeClr val="lt1"/>
+    </dgm:txFillClrLst>
+    <dgm:txEffectClrLst/>
+  </dgm:styleLbl>
+  <dgm:styleLbl name="alignImgPlace1">
+    <dgm:fillClrLst>
+      <a:schemeClr val="accent5">
+        <a:tint val="50000"/>
+      </a:schemeClr>
+      <a:schemeClr val="accent6">
+        <a:tint val="20000"/>
+      </a:schemeClr>
+    </dgm:fillClrLst>
+    <dgm:linClrLst meth="repeat">
+      <a:schemeClr val="lt1"/>
+    </dgm:linClrLst>
+    <dgm:effectClrLst/>
+    <dgm:txLinClrLst/>
+    <dgm:txFillClrLst meth="repeat">
+      <a:schemeClr val="lt1"/>
+    </dgm:txFillClrLst>
+    <dgm:txEffectClrLst/>
+  </dgm:styleLbl>
+  <dgm:styleLbl name="bgImgPlace1">
+    <dgm:fillClrLst>
+      <a:schemeClr val="accent5">
+        <a:tint val="50000"/>
+      </a:schemeClr>
+      <a:schemeClr val="accent6">
+        <a:tint val="20000"/>
+      </a:schemeClr>
+    </dgm:fillClrLst>
+    <dgm:linClrLst meth="repeat">
+      <a:schemeClr val="lt1"/>
+    </dgm:linClrLst>
+    <dgm:effectClrLst/>
+    <dgm:txLinClrLst/>
+    <dgm:txFillClrLst meth="repeat">
+      <a:schemeClr val="lt1"/>
+    </dgm:txFillClrLst>
+    <dgm:txEffectClrLst/>
+  </dgm:styleLbl>
+  <dgm:styleLbl name="sibTrans2D1">
+    <dgm:fillClrLst>
+      <a:schemeClr val="accent5"/>
+      <a:schemeClr val="accent6"/>
+    </dgm:fillClrLst>
+    <dgm:linClrLst meth="repeat">
+      <a:schemeClr val="lt1"/>
+    </dgm:linClrLst>
+    <dgm:effectClrLst/>
+    <dgm:txLinClrLst/>
+    <dgm:txFillClrLst/>
+    <dgm:txEffectClrLst/>
+  </dgm:styleLbl>
+  <dgm:styleLbl name="fgSibTrans2D1">
+    <dgm:fillClrLst>
+      <a:schemeClr val="accent5"/>
+      <a:schemeClr val="accent6"/>
+    </dgm:fillClrLst>
+    <dgm:linClrLst meth="repeat">
+      <a:schemeClr val="lt1"/>
+    </dgm:linClrLst>
+    <dgm:effectClrLst/>
+    <dgm:txLinClrLst/>
+    <dgm:txFillClrLst meth="repeat">
+      <a:schemeClr val="lt1"/>
+    </dgm:txFillClrLst>
+    <dgm:txEffectClrLst/>
+  </dgm:styleLbl>
+  <dgm:styleLbl name="bgSibTrans2D1">
+    <dgm:fillClrLst>
+      <a:schemeClr val="accent5"/>
+      <a:schemeClr val="accent6"/>
+    </dgm:fillClrLst>
+    <dgm:linClrLst meth="repeat">
+      <a:schemeClr val="lt1"/>
+    </dgm:linClrLst>
+    <dgm:effectClrLst/>
+    <dgm:txLinClrLst/>
+    <dgm:txFillClrLst meth="repeat">
+      <a:schemeClr val="lt1"/>
+    </dgm:txFillClrLst>
+    <dgm:txEffectClrLst/>
+  </dgm:styleLbl>
+  <dgm:styleLbl name="sibTrans1D1">
+    <dgm:fillClrLst/>
+    <dgm:linClrLst>
+      <a:schemeClr val="accent5"/>
+      <a:schemeClr val="accent6"/>
+    </dgm:linClrLst>
+    <dgm:effectClrLst/>
+    <dgm:txLinClrLst/>
+    <dgm:txFillClrLst meth="repeat">
+      <a:schemeClr val="tx1"/>
+    </dgm:txFillClrLst>
+    <dgm:txEffectClrLst/>
+  </dgm:styleLbl>
+  <dgm:styleLbl name="callout">
+    <dgm:fillClrLst meth="repeat">
+      <a:schemeClr val="accent5"/>
+    </dgm:fillClrLst>
+    <dgm:linClrLst meth="repeat">
+      <a:schemeClr val="accent5">
+        <a:tint val="50000"/>
+      </a:schemeClr>
+    </dgm:linClrLst>
+    <dgm:effectClrLst/>
+    <dgm:txLinClrLst/>
+    <dgm:txFillClrLst meth="repeat">
+      <a:schemeClr val="tx1"/>
+    </dgm:txFillClrLst>
+    <dgm:txEffectClrLst/>
+  </dgm:styleLbl>
+  <dgm:styleLbl name="asst0">
+    <dgm:fillClrLst meth="repeat">
+      <a:schemeClr val="accent5"/>
+    </dgm:fillClrLst>
+    <dgm:linClrLst meth="repeat">
+      <a:schemeClr val="lt1">
+        <a:shade val="80000"/>
+      </a:schemeClr>
+    </dgm:linClrLst>
+    <dgm:effectClrLst/>
+    <dgm:txLinClrLst/>
+    <dgm:txFillClrLst/>
+    <dgm:txEffectClrLst/>
+  </dgm:styleLbl>
+  <dgm:styleLbl name="asst1">
+    <dgm:fillClrLst meth="repeat">
+      <a:schemeClr val="accent6"/>
+    </dgm:fillClrLst>
+    <dgm:linClrLst meth="repeat">
+      <a:schemeClr val="lt1">
+        <a:shade val="80000"/>
+      </a:schemeClr>
+    </dgm:linClrLst>
+    <dgm:effectClrLst/>
+    <dgm:txLinClrLst/>
+    <dgm:txFillClrLst/>
+    <dgm:txEffectClrLst/>
+  </dgm:styleLbl>
+  <dgm:styleLbl name="asst2">
+    <dgm:fillClrLst>
+      <a:schemeClr val="accent1"/>
+    </dgm:fillClrLst>
+    <dgm:linClrLst meth="repeat">
+      <a:schemeClr val="lt1"/>
+    </dgm:linClrLst>
+    <dgm:effectClrLst/>
+    <dgm:txLinClrLst/>
+    <dgm:txFillClrLst/>
+    <dgm:txEffectClrLst/>
+  </dgm:styleLbl>
+  <dgm:styleLbl name="asst3">
+    <dgm:fillClrLst>
+      <a:schemeClr val="accent2"/>
+    </dgm:fillClrLst>
+    <dgm:linClrLst meth="repeat">
+      <a:schemeClr val="lt1"/>
+    </dgm:linClrLst>
+    <dgm:effectClrLst/>
+    <dgm:txLinClrLst/>
+    <dgm:txFillClrLst/>
+    <dgm:txEffectClrLst/>
+  </dgm:styleLbl>
+  <dgm:styleLbl name="asst4">
+    <dgm:fillClrLst>
+      <a:schemeClr val="accent3"/>
+    </dgm:fillClrLst>
+    <dgm:linClrLst meth="repeat">
+      <a:schemeClr val="lt1"/>
+    </dgm:linClrLst>
+    <dgm:effectClrLst/>
+    <dgm:txLinClrLst/>
+    <dgm:txFillClrLst/>
+    <dgm:txEffectClrLst/>
+  </dgm:styleLbl>
+  <dgm:styleLbl name="parChTrans2D1">
+    <dgm:fillClrLst meth="repeat">
+      <a:schemeClr val="accent5"/>
+    </dgm:fillClrLst>
+    <dgm:linClrLst meth="repeat">
+      <a:schemeClr val="lt1"/>
+    </dgm:linClrLst>
+    <dgm:effectClrLst/>
+    <dgm:txLinClrLst/>
+    <dgm:txFillClrLst meth="repeat">
+      <a:schemeClr val="lt1"/>
+    </dgm:txFillClrLst>
+    <dgm:txEffectClrLst/>
+  </dgm:styleLbl>
+  <dgm:styleLbl name="parChTrans2D2">
+    <dgm:fillClrLst meth="repeat">
+      <a:schemeClr val="accent6"/>
+    </dgm:fillClrLst>
+    <dgm:linClrLst meth="repeat">
+      <a:schemeClr val="lt1"/>
+    </dgm:linClrLst>
+    <dgm:effectClrLst/>
+    <dgm:txLinClrLst/>
+    <dgm:txFillClrLst/>
+    <dgm:txEffectClrLst/>
+  </dgm:styleLbl>
+  <dgm:styleLbl name="parChTrans2D3">
+    <dgm:fillClrLst meth="repeat">
+      <a:schemeClr val="accent6"/>
+    </dgm:fillClrLst>
+    <dgm:linClrLst meth="repeat">
+      <a:schemeClr val="lt1"/>
+    </dgm:linClrLst>
+    <dgm:effectClrLst/>
+    <dgm:txLinClrLst/>
+    <dgm:txFillClrLst/>
+    <dgm:txEffectClrLst/>
+  </dgm:styleLbl>
+  <dgm:styleLbl name="parChTrans2D4">
+    <dgm:fillClrLst meth="repeat">
+      <a:schemeClr val="accent1"/>
+    </dgm:fillClrLst>
+    <dgm:linClrLst meth="repeat">
+      <a:schemeClr val="lt1"/>
+    </dgm:linClrLst>
+    <dgm:effectClrLst/>
+    <dgm:txLinClrLst/>
+    <dgm:txFillClrLst meth="repeat">
+      <a:schemeClr val="lt1"/>
+    </dgm:txFillClrLst>
+    <dgm:txEffectClrLst/>
+  </dgm:styleLbl>
+  <dgm:styleLbl name="parChTrans1D1">
+    <dgm:fillClrLst meth="repeat">
+      <a:schemeClr val="accent5"/>
+    </dgm:fillClrLst>
+    <dgm:linClrLst meth="repeat">
+      <a:schemeClr val="accent5"/>
+    </dgm:linClrLst>
+    <dgm:effectClrLst/>
+    <dgm:txLinClrLst/>
+    <dgm:txFillClrLst meth="repeat">
+      <a:schemeClr val="tx1"/>
+    </dgm:txFillClrLst>
+    <dgm:txEffectClrLst/>
+  </dgm:styleLbl>
+  <dgm:styleLbl name="parChTrans1D2">
+    <dgm:fillClrLst meth="repeat">
+      <a:schemeClr val="accent6">
+        <a:tint val="90000"/>
+      </a:schemeClr>
+    </dgm:fillClrLst>
+    <dgm:linClrLst meth="repeat">
+      <a:schemeClr val="accent6"/>
+    </dgm:linClrLst>
+    <dgm:effectClrLst/>
+    <dgm:txLinClrLst/>
+    <dgm:txFillClrLst meth="repeat">
+      <a:schemeClr val="tx1"/>
+    </dgm:txFillClrLst>
+    <dgm:txEffectClrLst/>
+  </dgm:styleLbl>
+  <dgm:styleLbl name="parChTrans1D3">
+    <dgm:fillClrLst meth="repeat">
+      <a:schemeClr val="accent6">
+        <a:tint val="70000"/>
+      </a:schemeClr>
+    </dgm:fillClrLst>
+    <dgm:linClrLst meth="repeat">
+      <a:schemeClr val="accent1"/>
+    </dgm:linClrLst>
+    <dgm:effectClrLst/>
+    <dgm:txLinClrLst/>
+    <dgm:txFillClrLst meth="repeat">
+      <a:schemeClr val="tx1"/>
+    </dgm:txFillClrLst>
+    <dgm:txEffectClrLst/>
+  </dgm:styleLbl>
+  <dgm:styleLbl name="parChTrans1D4">
+    <dgm:fillClrLst meth="repeat">
+      <a:schemeClr val="accent6">
+        <a:tint val="50000"/>
+      </a:schemeClr>
+    </dgm:fillClrLst>
+    <dgm:linClrLst meth="repeat">
+      <a:schemeClr val="accent2"/>
+    </dgm:linClrLst>
+    <dgm:effectClrLst/>
+    <dgm:txLinClrLst/>
+    <dgm:txFillClrLst meth="repeat">
+      <a:schemeClr val="tx1"/>
+    </dgm:txFillClrLst>
+    <dgm:txEffectClrLst/>
+  </dgm:styleLbl>
+  <dgm:styleLbl name="fgAcc1">
+    <dgm:fillClrLst meth="repeat">
+      <a:schemeClr val="lt1">
+        <a:alpha val="90000"/>
+      </a:schemeClr>
+    </dgm:fillClrLst>
+    <dgm:linClrLst>
+      <a:schemeClr val="accent5"/>
+      <a:schemeClr val="accent6"/>
+    </dgm:linClrLst>
+    <dgm:effectClrLst/>
+    <dgm:txLinClrLst/>
+    <dgm:txFillClrLst meth="repeat">
+      <a:schemeClr val="dk1"/>
+    </dgm:txFillClrLst>
+    <dgm:txEffectClrLst/>
+  </dgm:styleLbl>
+  <dgm:styleLbl name="conFgAcc1">
+    <dgm:fillClrLst meth="repeat">
+      <a:schemeClr val="lt1">
+        <a:alpha val="90000"/>
+      </a:schemeClr>
+    </dgm:fillClrLst>
+    <dgm:linClrLst>
+      <a:schemeClr val="accent5"/>
+      <a:schemeClr val="accent6"/>
+    </dgm:linClrLst>
+    <dgm:effectClrLst/>
+    <dgm:txLinClrLst/>
+    <dgm:txFillClrLst meth="repeat">
+      <a:schemeClr val="dk1"/>
+    </dgm:txFillClrLst>
+    <dgm:txEffectClrLst/>
+  </dgm:styleLbl>
+  <dgm:styleLbl name="alignAcc1">
+    <dgm:fillClrLst meth="repeat">
+      <a:schemeClr val="lt1">
+        <a:alpha val="90000"/>
+      </a:schemeClr>
+    </dgm:fillClrLst>
+    <dgm:linClrLst>
+      <a:schemeClr val="accent5"/>
+      <a:schemeClr val="accent6"/>
+    </dgm:linClrLst>
+    <dgm:effectClrLst/>
+    <dgm:txLinClrLst/>
+    <dgm:txFillClrLst meth="repeat">
+      <a:schemeClr val="dk1"/>
+    </dgm:txFillClrLst>
+    <dgm:txEffectClrLst/>
+  </dgm:styleLbl>
+  <dgm:styleLbl name="trAlignAcc1">
+    <dgm:fillClrLst meth="repeat">
+      <a:schemeClr val="lt1">
+        <a:alpha val="40000"/>
+      </a:schemeClr>
+    </dgm:fillClrLst>
+    <dgm:linClrLst meth="repeat">
+      <a:schemeClr val="accent5"/>
+    </dgm:linClrLst>
+    <dgm:effectClrLst/>
+    <dgm:txLinClrLst/>
+    <dgm:txFillClrLst meth="repeat">
+      <a:schemeClr val="dk1"/>
+    </dgm:txFillClrLst>
+    <dgm:txEffectClrLst/>
+  </dgm:styleLbl>
+  <dgm:styleLbl name="bgAcc1">
+    <dgm:fillClrLst meth="repeat">
+      <a:schemeClr val="lt1">
+        <a:alpha val="90000"/>
+      </a:schemeClr>
+    </dgm:fillClrLst>
+    <dgm:linClrLst>
+      <a:schemeClr val="accent5"/>
+      <a:schemeClr val="accent6"/>
+    </dgm:linClrLst>
+    <dgm:effectClrLst/>
+    <dgm:txLinClrLst/>
+    <dgm:txFillClrLst meth="repeat">
+      <a:schemeClr val="dk1"/>
+    </dgm:txFillClrLst>
+    <dgm:txEffectClrLst/>
+  </dgm:styleLbl>
+  <dgm:styleLbl name="solidFgAcc1">
+    <dgm:fillClrLst meth="repeat">
+      <a:schemeClr val="lt1"/>
+    </dgm:fillClrLst>
+    <dgm:linClrLst>
+      <a:schemeClr val="accent5"/>
+      <a:schemeClr val="accent6"/>
+    </dgm:linClrLst>
+    <dgm:effectClrLst/>
+    <dgm:txLinClrLst/>
+    <dgm:txFillClrLst meth="repeat">
+      <a:schemeClr val="dk1"/>
+    </dgm:txFillClrLst>
+    <dgm:txEffectClrLst/>
+  </dgm:styleLbl>
+  <dgm:styleLbl name="solidAlignAcc1">
+    <dgm:fillClrLst meth="repeat">
+      <a:schemeClr val="lt1"/>
+    </dgm:fillClrLst>
+    <dgm:linClrLst>
+      <a:schemeClr val="accent5"/>
+      <a:schemeClr val="accent6"/>
+    </dgm:linClrLst>
+    <dgm:effectClrLst/>
+    <dgm:txLinClrLst/>
+    <dgm:txFillClrLst meth="repeat">
+      <a:schemeClr val="dk1"/>
+    </dgm:txFillClrLst>
+    <dgm:txEffectClrLst/>
+  </dgm:styleLbl>
+  <dgm:styleLbl name="solidBgAcc1">
+    <dgm:fillClrLst meth="repeat">
+      <a:schemeClr val="lt1"/>
+    </dgm:fillClrLst>
+    <dgm:linClrLst>
+      <a:schemeClr val="accent5"/>
+      <a:schemeClr val="accent6"/>
+    </dgm:linClrLst>
+    <dgm:effectClrLst/>
+    <dgm:txLinClrLst/>
+    <dgm:txFillClrLst meth="repeat">
+      <a:schemeClr val="dk1"/>
+    </dgm:txFillClrLst>
+    <dgm:txEffectClrLst/>
+  </dgm:styleLbl>
+  <dgm:styleLbl name="fgAccFollowNode1">
+    <dgm:fillClrLst>
+      <a:schemeClr val="accent5">
+        <a:tint val="40000"/>
+        <a:alpha val="90000"/>
+      </a:schemeClr>
+      <a:schemeClr val="accent6">
+        <a:tint val="40000"/>
+        <a:alpha val="90000"/>
+      </a:schemeClr>
+    </dgm:fillClrLst>
+    <dgm:linClrLst>
+      <a:schemeClr val="accent5">
+        <a:tint val="40000"/>
+        <a:alpha val="90000"/>
+      </a:schemeClr>
+      <a:schemeClr val="accent5">
+        <a:tint val="40000"/>
+        <a:alpha val="90000"/>
+      </a:schemeClr>
+    </dgm:linClrLst>
+    <dgm:effectClrLst/>
+    <dgm:txLinClrLst/>
+    <dgm:txFillClrLst meth="repeat">
+      <a:schemeClr val="dk1"/>
+    </dgm:txFillClrLst>
+    <dgm:txEffectClrLst/>
+  </dgm:styleLbl>
+  <dgm:styleLbl name="alignAccFollowNode1">
+    <dgm:fillClrLst>
+      <a:schemeClr val="accent5">
+        <a:tint val="40000"/>
+        <a:alpha val="90000"/>
+      </a:schemeClr>
+      <a:schemeClr val="accent6">
+        <a:tint val="40000"/>
+        <a:alpha val="90000"/>
+      </a:schemeClr>
+    </dgm:fillClrLst>
+    <dgm:linClrLst>
+      <a:schemeClr val="accent5">
+        <a:tint val="40000"/>
+        <a:alpha val="90000"/>
+      </a:schemeClr>
+      <a:schemeClr val="accent6">
+        <a:tint val="40000"/>
+        <a:alpha val="90000"/>
+      </a:schemeClr>
+    </dgm:linClrLst>
+    <dgm:effectClrLst/>
+    <dgm:txLinClrLst/>
+    <dgm:txFillClrLst meth="repeat">
+      <a:schemeClr val="dk1"/>
+    </dgm:txFillClrLst>
+    <dgm:txEffectClrLst/>
+  </dgm:styleLbl>
+  <dgm:styleLbl name="bgAccFollowNode1">
+    <dgm:fillClrLst>
+      <a:schemeClr val="accent5">
+        <a:tint val="40000"/>
+        <a:alpha val="90000"/>
+      </a:schemeClr>
+      <a:schemeClr val="accent6">
+        <a:tint val="40000"/>
+        <a:alpha val="90000"/>
+      </a:schemeClr>
+    </dgm:fillClrLst>
+    <dgm:linClrLst>
+      <a:schemeClr val="accent5">
+        <a:tint val="40000"/>
+        <a:alpha val="90000"/>
+      </a:schemeClr>
+      <a:schemeClr val="accent6">
+        <a:tint val="40000"/>
+        <a:alpha val="90000"/>
+      </a:schemeClr>
+    </dgm:linClrLst>
+    <dgm:effectClrLst/>
+    <dgm:txLinClrLst/>
+    <dgm:txFillClrLst meth="repeat">
+      <a:schemeClr val="dk1"/>
+    </dgm:txFillClrLst>
+    <dgm:txEffectClrLst/>
+  </dgm:styleLbl>
+  <dgm:styleLbl name="fgAcc0">
+    <dgm:fillClrLst meth="repeat">
+      <a:schemeClr val="lt1">
+        <a:alpha val="90000"/>
+      </a:schemeClr>
+    </dgm:fillClrLst>
+    <dgm:linClrLst>
+      <a:schemeClr val="accent4"/>
+    </dgm:linClrLst>
+    <dgm:effectClrLst/>
+    <dgm:txLinClrLst/>
+    <dgm:txFillClrLst meth="repeat">
+      <a:schemeClr val="dk1"/>
+    </dgm:txFillClrLst>
+    <dgm:txEffectClrLst/>
+  </dgm:styleLbl>
+  <dgm:styleLbl name="fgAcc2">
+    <dgm:fillClrLst meth="repeat">
+      <a:schemeClr val="lt1">
+        <a:alpha val="90000"/>
+      </a:schemeClr>
+    </dgm:fillClrLst>
+    <dgm:linClrLst>
+      <a:schemeClr val="accent6"/>
+    </dgm:linClrLst>
+    <dgm:effectClrLst/>
+    <dgm:txLinClrLst/>
+    <dgm:txFillClrLst meth="repeat">
+      <a:schemeClr val="dk1"/>
+    </dgm:txFillClrLst>
+    <dgm:txEffectClrLst/>
+  </dgm:styleLbl>
+  <dgm:styleLbl name="fgAcc3">
+    <dgm:fillClrLst meth="repeat">
+      <a:schemeClr val="lt1">
+        <a:alpha val="90000"/>
+      </a:schemeClr>
+    </dgm:fillClrLst>
+    <dgm:linClrLst>
+      <a:schemeClr val="accent1"/>
+    </dgm:linClrLst>
+    <dgm:effectClrLst/>
+    <dgm:txLinClrLst/>
+    <dgm:txFillClrLst meth="repeat">
+      <a:schemeClr val="dk1"/>
+    </dgm:txFillClrLst>
+    <dgm:txEffectClrLst/>
+  </dgm:styleLbl>
+  <dgm:styleLbl name="fgAcc4">
+    <dgm:fillClrLst meth="repeat">
+      <a:schemeClr val="lt1">
+        <a:alpha val="90000"/>
+      </a:schemeClr>
+    </dgm:fillClrLst>
+    <dgm:linClrLst>
+      <a:schemeClr val="accent2"/>
+    </dgm:linClrLst>
+    <dgm:effectClrLst/>
+    <dgm:txLinClrLst/>
+    <dgm:txFillClrLst meth="repeat">
+      <a:schemeClr val="dk1"/>
+    </dgm:txFillClrLst>
+    <dgm:txEffectClrLst/>
+  </dgm:styleLbl>
+  <dgm:styleLbl name="bgShp">
+    <dgm:fillClrLst meth="repeat">
+      <a:schemeClr val="bg1">
+        <a:lumMod val="95000"/>
+      </a:schemeClr>
+    </dgm:fillClrLst>
+    <dgm:linClrLst meth="repeat">
+      <a:schemeClr val="dk1"/>
+    </dgm:linClrLst>
+    <dgm:effectClrLst/>
+    <dgm:txLinClrLst/>
+    <dgm:txFillClrLst meth="repeat">
+      <a:schemeClr val="dk1"/>
+    </dgm:txFillClrLst>
+    <dgm:txEffectClrLst/>
+  </dgm:styleLbl>
+  <dgm:styleLbl name="dkBgShp">
+    <dgm:fillClrLst meth="repeat">
+      <a:schemeClr val="accent5">
+        <a:shade val="90000"/>
+      </a:schemeClr>
+    </dgm:fillClrLst>
+    <dgm:linClrLst meth="repeat">
+      <a:schemeClr val="dk1"/>
+    </dgm:linClrLst>
+    <dgm:effectClrLst/>
+    <dgm:txLinClrLst/>
+    <dgm:txFillClrLst meth="repeat">
+      <a:schemeClr val="lt1"/>
+    </dgm:txFillClrLst>
+    <dgm:txEffectClrLst/>
+  </dgm:styleLbl>
+  <dgm:styleLbl name="trBgShp">
+    <dgm:fillClrLst meth="repeat">
+      <a:schemeClr val="accent5">
+        <a:tint val="50000"/>
+        <a:alpha val="40000"/>
+      </a:schemeClr>
+    </dgm:fillClrLst>
+    <dgm:linClrLst meth="repeat">
+      <a:schemeClr val="accent5"/>
+    </dgm:linClrLst>
+    <dgm:effectClrLst/>
+    <dgm:txLinClrLst/>
+    <dgm:txFillClrLst meth="repeat">
+      <a:schemeClr val="lt1"/>
+    </dgm:txFillClrLst>
+    <dgm:txEffectClrLst/>
+  </dgm:styleLbl>
+  <dgm:styleLbl name="fgShp">
+    <dgm:fillClrLst meth="repeat">
+      <a:schemeClr val="accent5">
+        <a:tint val="40000"/>
+      </a:schemeClr>
+    </dgm:fillClrLst>
+    <dgm:linClrLst meth="repeat">
+      <a:schemeClr val="lt1"/>
+    </dgm:linClrLst>
+    <dgm:effectClrLst/>
+    <dgm:txLinClrLst/>
+    <dgm:txFillClrLst meth="repeat">
+      <a:schemeClr val="dk1"/>
+    </dgm:txFillClrLst>
+    <dgm:txEffectClrLst/>
+  </dgm:styleLbl>
+  <dgm:styleLbl name="revTx">
+    <dgm:fillClrLst meth="repeat">
+      <a:schemeClr val="lt1">
+        <a:alpha val="0"/>
+      </a:schemeClr>
+    </dgm:fillClrLst>
+    <dgm:linClrLst meth="repeat">
+      <a:schemeClr val="dk1">
+        <a:alpha val="0"/>
+      </a:schemeClr>
+    </dgm:linClrLst>
+    <dgm:effectClrLst/>
+    <dgm:txLinClrLst/>
+    <dgm:txFillClrLst meth="repeat">
+      <a:schemeClr val="tx1"/>
+    </dgm:txFillClrLst>
+    <dgm:txEffectClrLst/>
+  </dgm:styleLbl>
+</dgm:colorsDef>
+</file>
+
+<file path=ppt/diagrams/data1.xml><?xml version="1.0" encoding="utf-8"?>
+<dgm:dataModel xmlns:dgm="http://schemas.openxmlformats.org/drawingml/2006/diagram" xmlns:a="http://schemas.openxmlformats.org/drawingml/2006/main">
+  <dgm:ptLst>
+    <dgm:pt modelId="{93AD92A7-27BA-44A5-914A-FDBA25AC6957}" type="doc">
+      <dgm:prSet loTypeId="urn:microsoft.com/office/officeart/2018/2/layout/IconVerticalSolidList" loCatId="icon" qsTypeId="urn:microsoft.com/office/officeart/2005/8/quickstyle/simple1" qsCatId="simple" csTypeId="urn:microsoft.com/office/officeart/2018/5/colors/Iconchunking_neutralbg_colorful5" csCatId="colorful" phldr="1"/>
+      <dgm:spPr/>
+      <dgm:t>
+        <a:bodyPr/>
+        <a:lstStyle/>
+        <a:p>
+          <a:endParaRPr lang="en-US"/>
+        </a:p>
+      </dgm:t>
+    </dgm:pt>
+    <dgm:pt modelId="{8BE4758E-0A70-4BC8-A820-CBF884996378}">
+      <dgm:prSet/>
+      <dgm:spPr/>
+      <dgm:t>
+        <a:bodyPr/>
+        <a:lstStyle/>
+        <a:p>
+          <a:pPr>
+            <a:lnSpc>
+              <a:spcPct val="100000"/>
+            </a:lnSpc>
+          </a:pPr>
+          <a:r>
+            <a:rPr lang="en-US"/>
+            <a:t>Definitions/Concepts</a:t>
+          </a:r>
+        </a:p>
+      </dgm:t>
+    </dgm:pt>
+    <dgm:pt modelId="{DFB9E5CE-54FB-47E9-98F2-346C3DA8D8A1}" type="parTrans" cxnId="{292A2B87-990E-41F3-BC3C-FED5D127BFD5}">
+      <dgm:prSet/>
+      <dgm:spPr/>
+      <dgm:t>
+        <a:bodyPr/>
+        <a:lstStyle/>
+        <a:p>
+          <a:endParaRPr lang="en-US"/>
+        </a:p>
+      </dgm:t>
+    </dgm:pt>
+    <dgm:pt modelId="{5F905D48-FEC8-4C88-92F1-3875F8E8CCAA}" type="sibTrans" cxnId="{292A2B87-990E-41F3-BC3C-FED5D127BFD5}">
+      <dgm:prSet/>
+      <dgm:spPr/>
+      <dgm:t>
+        <a:bodyPr/>
+        <a:lstStyle/>
+        <a:p>
+          <a:endParaRPr lang="en-US"/>
+        </a:p>
+      </dgm:t>
+    </dgm:pt>
+    <dgm:pt modelId="{DE44471A-EF53-4C51-B1BD-7BFDDEAF3B82}">
+      <dgm:prSet/>
+      <dgm:spPr/>
+      <dgm:t>
+        <a:bodyPr/>
+        <a:lstStyle/>
+        <a:p>
+          <a:pPr>
+            <a:lnSpc>
+              <a:spcPct val="100000"/>
+            </a:lnSpc>
+          </a:pPr>
+          <a:r>
+            <a:rPr lang="en-US"/>
+            <a:t>The Project</a:t>
+          </a:r>
+        </a:p>
+      </dgm:t>
+    </dgm:pt>
+    <dgm:pt modelId="{76D63873-6AEA-47ED-BFD8-1D682301FADB}" type="parTrans" cxnId="{3BFB8034-453E-45BC-8C1D-D033511D5DD6}">
+      <dgm:prSet/>
+      <dgm:spPr/>
+      <dgm:t>
+        <a:bodyPr/>
+        <a:lstStyle/>
+        <a:p>
+          <a:endParaRPr lang="en-US"/>
+        </a:p>
+      </dgm:t>
+    </dgm:pt>
+    <dgm:pt modelId="{6B59FD03-C2C9-4BEF-84E0-0A63A2D4DE6C}" type="sibTrans" cxnId="{3BFB8034-453E-45BC-8C1D-D033511D5DD6}">
+      <dgm:prSet/>
+      <dgm:spPr/>
+      <dgm:t>
+        <a:bodyPr/>
+        <a:lstStyle/>
+        <a:p>
+          <a:endParaRPr lang="en-US"/>
+        </a:p>
+      </dgm:t>
+    </dgm:pt>
+    <dgm:pt modelId="{6B4F2857-C52C-48F9-AEBC-BC5DA1D8F73B}">
+      <dgm:prSet/>
+      <dgm:spPr/>
+      <dgm:t>
+        <a:bodyPr/>
+        <a:lstStyle/>
+        <a:p>
+          <a:pPr>
+            <a:lnSpc>
+              <a:spcPct val="100000"/>
+            </a:lnSpc>
+          </a:pPr>
+          <a:r>
+            <a:rPr lang="en-US"/>
+            <a:t>Tuning Issues</a:t>
+          </a:r>
+        </a:p>
+      </dgm:t>
+    </dgm:pt>
+    <dgm:pt modelId="{8D4E53EA-BEFC-4929-B791-091F7B08A3A3}" type="parTrans" cxnId="{4ABBD618-D78E-49D1-B05D-ACB6920AC5DE}">
+      <dgm:prSet/>
+      <dgm:spPr/>
+      <dgm:t>
+        <a:bodyPr/>
+        <a:lstStyle/>
+        <a:p>
+          <a:endParaRPr lang="en-US"/>
+        </a:p>
+      </dgm:t>
+    </dgm:pt>
+    <dgm:pt modelId="{5B80DF3C-DDCD-42E0-9BF8-AFAF6B087277}" type="sibTrans" cxnId="{4ABBD618-D78E-49D1-B05D-ACB6920AC5DE}">
+      <dgm:prSet/>
+      <dgm:spPr/>
+      <dgm:t>
+        <a:bodyPr/>
+        <a:lstStyle/>
+        <a:p>
+          <a:endParaRPr lang="en-US"/>
+        </a:p>
+      </dgm:t>
+    </dgm:pt>
+    <dgm:pt modelId="{3EF469DB-9256-4288-846F-A54DACE48B58}">
+      <dgm:prSet/>
+      <dgm:spPr/>
+      <dgm:t>
+        <a:bodyPr/>
+        <a:lstStyle/>
+        <a:p>
+          <a:pPr>
+            <a:lnSpc>
+              <a:spcPct val="100000"/>
+            </a:lnSpc>
+          </a:pPr>
+          <a:r>
+            <a:rPr lang="en-US"/>
+            <a:t>Time-Series Issues</a:t>
+          </a:r>
+        </a:p>
+      </dgm:t>
+    </dgm:pt>
+    <dgm:pt modelId="{2B6DE4C6-D77E-4996-BD0A-415063E1237E}" type="parTrans" cxnId="{89E452F6-3544-4519-90A6-1960B17F0E02}">
+      <dgm:prSet/>
+      <dgm:spPr/>
+      <dgm:t>
+        <a:bodyPr/>
+        <a:lstStyle/>
+        <a:p>
+          <a:endParaRPr lang="en-US"/>
+        </a:p>
+      </dgm:t>
+    </dgm:pt>
+    <dgm:pt modelId="{1C064DCD-6946-4C3F-8FD1-1B971AB50FB4}" type="sibTrans" cxnId="{89E452F6-3544-4519-90A6-1960B17F0E02}">
+      <dgm:prSet/>
+      <dgm:spPr/>
+      <dgm:t>
+        <a:bodyPr/>
+        <a:lstStyle/>
+        <a:p>
+          <a:endParaRPr lang="en-US"/>
+        </a:p>
+      </dgm:t>
+    </dgm:pt>
+    <dgm:pt modelId="{7EE2744B-392D-419A-BC7E-6748E3332202}">
+      <dgm:prSet/>
+      <dgm:spPr/>
+      <dgm:t>
+        <a:bodyPr/>
+        <a:lstStyle/>
+        <a:p>
+          <a:pPr>
+            <a:lnSpc>
+              <a:spcPct val="100000"/>
+            </a:lnSpc>
+          </a:pPr>
+          <a:r>
+            <a:rPr lang="en-US"/>
+            <a:t>Results</a:t>
+          </a:r>
+        </a:p>
+      </dgm:t>
+    </dgm:pt>
+    <dgm:pt modelId="{C64FEE4F-39A2-475C-8992-867866289914}" type="parTrans" cxnId="{BEE2F312-80D3-40ED-9A29-3175907946E2}">
+      <dgm:prSet/>
+      <dgm:spPr/>
+      <dgm:t>
+        <a:bodyPr/>
+        <a:lstStyle/>
+        <a:p>
+          <a:endParaRPr lang="en-US"/>
+        </a:p>
+      </dgm:t>
+    </dgm:pt>
+    <dgm:pt modelId="{6FA6B2EA-4B71-4860-8C38-1113D88C2371}" type="sibTrans" cxnId="{BEE2F312-80D3-40ED-9A29-3175907946E2}">
+      <dgm:prSet/>
+      <dgm:spPr/>
+      <dgm:t>
+        <a:bodyPr/>
+        <a:lstStyle/>
+        <a:p>
+          <a:endParaRPr lang="en-US"/>
+        </a:p>
+      </dgm:t>
+    </dgm:pt>
+    <dgm:pt modelId="{B240780D-4EFC-4FEF-AB0E-711B846CBD59}">
+      <dgm:prSet/>
+      <dgm:spPr/>
+      <dgm:t>
+        <a:bodyPr/>
+        <a:lstStyle/>
+        <a:p>
+          <a:pPr>
+            <a:lnSpc>
+              <a:spcPct val="100000"/>
+            </a:lnSpc>
+          </a:pPr>
+          <a:r>
+            <a:rPr lang="en-US"/>
+            <a:t>Next Steps</a:t>
+          </a:r>
+        </a:p>
+      </dgm:t>
+    </dgm:pt>
+    <dgm:pt modelId="{6F358F32-1CE3-40E9-BC98-FD213DDC2480}" type="parTrans" cxnId="{FD56AF30-C7D4-4F23-BFA9-AEA6AC5EAE0B}">
+      <dgm:prSet/>
+      <dgm:spPr/>
+      <dgm:t>
+        <a:bodyPr/>
+        <a:lstStyle/>
+        <a:p>
+          <a:endParaRPr lang="en-US"/>
+        </a:p>
+      </dgm:t>
+    </dgm:pt>
+    <dgm:pt modelId="{E476553C-90E4-4C22-A63E-9136661D2ED8}" type="sibTrans" cxnId="{FD56AF30-C7D4-4F23-BFA9-AEA6AC5EAE0B}">
+      <dgm:prSet/>
+      <dgm:spPr/>
+      <dgm:t>
+        <a:bodyPr/>
+        <a:lstStyle/>
+        <a:p>
+          <a:endParaRPr lang="en-US"/>
+        </a:p>
+      </dgm:t>
+    </dgm:pt>
+    <dgm:pt modelId="{1B6DFCC5-06B6-4DA6-A6C3-1AB34316E32D}" type="pres">
+      <dgm:prSet presAssocID="{93AD92A7-27BA-44A5-914A-FDBA25AC6957}" presName="root" presStyleCnt="0">
+        <dgm:presLayoutVars>
+          <dgm:dir/>
+          <dgm:resizeHandles val="exact"/>
+        </dgm:presLayoutVars>
+      </dgm:prSet>
+      <dgm:spPr/>
+    </dgm:pt>
+    <dgm:pt modelId="{E5AD3CDE-7628-47C3-AFC4-3D06BD49E3D3}" type="pres">
+      <dgm:prSet presAssocID="{8BE4758E-0A70-4BC8-A820-CBF884996378}" presName="compNode" presStyleCnt="0"/>
+      <dgm:spPr/>
+    </dgm:pt>
+    <dgm:pt modelId="{04AE6D97-CB49-4541-AADF-88F8F88EBD7B}" type="pres">
+      <dgm:prSet presAssocID="{8BE4758E-0A70-4BC8-A820-CBF884996378}" presName="bgRect" presStyleLbl="bgShp" presStyleIdx="0" presStyleCnt="6"/>
+      <dgm:spPr/>
+    </dgm:pt>
+    <dgm:pt modelId="{8B0FC9A6-C647-4EF5-9030-1063BEC76451}" type="pres">
+      <dgm:prSet presAssocID="{8BE4758E-0A70-4BC8-A820-CBF884996378}" presName="iconRect" presStyleLbl="node1" presStyleIdx="0" presStyleCnt="6"/>
+      <dgm:spPr>
+        <a:blipFill>
+          <a:blip xmlns:r="http://schemas.openxmlformats.org/officeDocument/2006/relationships" r:embed="rId1">
+            <a:extLst>
+              <a:ext uri="{28A0092B-C50C-407E-A947-70E740481C1C}">
+                <a14:useLocalDpi xmlns:a14="http://schemas.microsoft.com/office/drawing/2010/main" val="0"/>
+              </a:ext>
+              <a:ext uri="{96DAC541-7B7A-43D3-8B79-37D633B846F1}">
+                <asvg:svgBlip xmlns:asvg="http://schemas.microsoft.com/office/drawing/2016/SVG/main" r:embed="rId2"/>
+              </a:ext>
+            </a:extLst>
+          </a:blip>
+          <a:stretch>
+            <a:fillRect/>
+          </a:stretch>
+        </a:blipFill>
+        <a:ln>
+          <a:noFill/>
+        </a:ln>
+      </dgm:spPr>
+      <dgm:extLst>
+        <a:ext uri="{E40237B7-FDA0-4F09-8148-C483321AD2D9}">
+          <dgm14:cNvPr xmlns:dgm14="http://schemas.microsoft.com/office/drawing/2010/diagram" id="0" name="" descr="Document"/>
+        </a:ext>
+      </dgm:extLst>
+    </dgm:pt>
+    <dgm:pt modelId="{A9434F58-9ED1-4B1A-AD49-E6CF07C412FF}" type="pres">
+      <dgm:prSet presAssocID="{8BE4758E-0A70-4BC8-A820-CBF884996378}" presName="spaceRect" presStyleCnt="0"/>
+      <dgm:spPr/>
+    </dgm:pt>
+    <dgm:pt modelId="{F9E735AB-0AFE-4D97-8205-A23CFB8B4880}" type="pres">
+      <dgm:prSet presAssocID="{8BE4758E-0A70-4BC8-A820-CBF884996378}" presName="parTx" presStyleLbl="revTx" presStyleIdx="0" presStyleCnt="6">
+        <dgm:presLayoutVars>
+          <dgm:chMax val="0"/>
+          <dgm:chPref val="0"/>
+        </dgm:presLayoutVars>
+      </dgm:prSet>
+      <dgm:spPr/>
+    </dgm:pt>
+    <dgm:pt modelId="{E8B24478-D30D-45A8-A133-E9342B1CB6DC}" type="pres">
+      <dgm:prSet presAssocID="{5F905D48-FEC8-4C88-92F1-3875F8E8CCAA}" presName="sibTrans" presStyleCnt="0"/>
+      <dgm:spPr/>
+    </dgm:pt>
+    <dgm:pt modelId="{A285AA1F-EDFF-4D06-A3CC-47D65B0625C9}" type="pres">
+      <dgm:prSet presAssocID="{DE44471A-EF53-4C51-B1BD-7BFDDEAF3B82}" presName="compNode" presStyleCnt="0"/>
+      <dgm:spPr/>
+    </dgm:pt>
+    <dgm:pt modelId="{D2C8A372-D5CE-4BA5-A9B0-CADDDD9896CC}" type="pres">
+      <dgm:prSet presAssocID="{DE44471A-EF53-4C51-B1BD-7BFDDEAF3B82}" presName="bgRect" presStyleLbl="bgShp" presStyleIdx="1" presStyleCnt="6"/>
+      <dgm:spPr/>
+    </dgm:pt>
+    <dgm:pt modelId="{7C127C6E-A484-4FCA-A0F8-9EAB91E652B0}" type="pres">
+      <dgm:prSet presAssocID="{DE44471A-EF53-4C51-B1BD-7BFDDEAF3B82}" presName="iconRect" presStyleLbl="node1" presStyleIdx="1" presStyleCnt="6"/>
+      <dgm:spPr>
+        <a:blipFill>
+          <a:blip xmlns:r="http://schemas.openxmlformats.org/officeDocument/2006/relationships" r:embed="rId3">
+            <a:extLst>
+              <a:ext uri="{28A0092B-C50C-407E-A947-70E740481C1C}">
+                <a14:useLocalDpi xmlns:a14="http://schemas.microsoft.com/office/drawing/2010/main" val="0"/>
+              </a:ext>
+              <a:ext uri="{96DAC541-7B7A-43D3-8B79-37D633B846F1}">
+                <asvg:svgBlip xmlns:asvg="http://schemas.microsoft.com/office/drawing/2016/SVG/main" r:embed="rId4"/>
+              </a:ext>
+            </a:extLst>
+          </a:blip>
+          <a:stretch>
+            <a:fillRect/>
+          </a:stretch>
+        </a:blipFill>
+        <a:ln>
+          <a:noFill/>
+        </a:ln>
+      </dgm:spPr>
+      <dgm:extLst>
+        <a:ext uri="{E40237B7-FDA0-4F09-8148-C483321AD2D9}">
+          <dgm14:cNvPr xmlns:dgm14="http://schemas.microsoft.com/office/drawing/2010/diagram" id="0" name="" descr="Meeting"/>
+        </a:ext>
+      </dgm:extLst>
+    </dgm:pt>
+    <dgm:pt modelId="{573E3BB3-D0C6-46B8-BA64-71DCF35DABEC}" type="pres">
+      <dgm:prSet presAssocID="{DE44471A-EF53-4C51-B1BD-7BFDDEAF3B82}" presName="spaceRect" presStyleCnt="0"/>
+      <dgm:spPr/>
+    </dgm:pt>
+    <dgm:pt modelId="{2738BC4F-D8CA-4AE0-8D4F-20ECE058B2F1}" type="pres">
+      <dgm:prSet presAssocID="{DE44471A-EF53-4C51-B1BD-7BFDDEAF3B82}" presName="parTx" presStyleLbl="revTx" presStyleIdx="1" presStyleCnt="6">
+        <dgm:presLayoutVars>
+          <dgm:chMax val="0"/>
+          <dgm:chPref val="0"/>
+        </dgm:presLayoutVars>
+      </dgm:prSet>
+      <dgm:spPr/>
+    </dgm:pt>
+    <dgm:pt modelId="{51CD5B40-7D9F-40B3-9D00-4BE8BB4AE9F8}" type="pres">
+      <dgm:prSet presAssocID="{6B59FD03-C2C9-4BEF-84E0-0A63A2D4DE6C}" presName="sibTrans" presStyleCnt="0"/>
+      <dgm:spPr/>
+    </dgm:pt>
+    <dgm:pt modelId="{7EC2DDA6-0027-4B53-BC48-C85781A897C2}" type="pres">
+      <dgm:prSet presAssocID="{6B4F2857-C52C-48F9-AEBC-BC5DA1D8F73B}" presName="compNode" presStyleCnt="0"/>
+      <dgm:spPr/>
+    </dgm:pt>
+    <dgm:pt modelId="{06FC101A-7CF6-4B80-A5C2-2B81575E12EA}" type="pres">
+      <dgm:prSet presAssocID="{6B4F2857-C52C-48F9-AEBC-BC5DA1D8F73B}" presName="bgRect" presStyleLbl="bgShp" presStyleIdx="2" presStyleCnt="6"/>
+      <dgm:spPr/>
+    </dgm:pt>
+    <dgm:pt modelId="{06AB804C-DF66-421B-9A68-8E0225A8BCEF}" type="pres">
+      <dgm:prSet presAssocID="{6B4F2857-C52C-48F9-AEBC-BC5DA1D8F73B}" presName="iconRect" presStyleLbl="node1" presStyleIdx="2" presStyleCnt="6"/>
+      <dgm:spPr>
+        <a:blipFill>
+          <a:blip xmlns:r="http://schemas.openxmlformats.org/officeDocument/2006/relationships" r:embed="rId5">
+            <a:extLst>
+              <a:ext uri="{28A0092B-C50C-407E-A947-70E740481C1C}">
+                <a14:useLocalDpi xmlns:a14="http://schemas.microsoft.com/office/drawing/2010/main" val="0"/>
+              </a:ext>
+              <a:ext uri="{96DAC541-7B7A-43D3-8B79-37D633B846F1}">
+                <asvg:svgBlip xmlns:asvg="http://schemas.microsoft.com/office/drawing/2016/SVG/main" r:embed="rId6"/>
+              </a:ext>
+            </a:extLst>
+          </a:blip>
+          <a:stretch>
+            <a:fillRect/>
+          </a:stretch>
+        </a:blipFill>
+        <a:ln>
+          <a:noFill/>
+        </a:ln>
+      </dgm:spPr>
+      <dgm:extLst>
+        <a:ext uri="{E40237B7-FDA0-4F09-8148-C483321AD2D9}">
+          <dgm14:cNvPr xmlns:dgm14="http://schemas.microsoft.com/office/drawing/2010/diagram" id="0" name="" descr="Checkmark"/>
+        </a:ext>
+      </dgm:extLst>
+    </dgm:pt>
+    <dgm:pt modelId="{FB52F7BD-D316-482F-BBA2-237DE4F58406}" type="pres">
+      <dgm:prSet presAssocID="{6B4F2857-C52C-48F9-AEBC-BC5DA1D8F73B}" presName="spaceRect" presStyleCnt="0"/>
+      <dgm:spPr/>
+    </dgm:pt>
+    <dgm:pt modelId="{247EB02F-A55A-4BF4-891E-BE5AC335B6EE}" type="pres">
+      <dgm:prSet presAssocID="{6B4F2857-C52C-48F9-AEBC-BC5DA1D8F73B}" presName="parTx" presStyleLbl="revTx" presStyleIdx="2" presStyleCnt="6">
+        <dgm:presLayoutVars>
+          <dgm:chMax val="0"/>
+          <dgm:chPref val="0"/>
+        </dgm:presLayoutVars>
+      </dgm:prSet>
+      <dgm:spPr/>
+    </dgm:pt>
+    <dgm:pt modelId="{FE10F8BA-ECCC-4132-A2EF-EFA617EE2FBE}" type="pres">
+      <dgm:prSet presAssocID="{5B80DF3C-DDCD-42E0-9BF8-AFAF6B087277}" presName="sibTrans" presStyleCnt="0"/>
+      <dgm:spPr/>
+    </dgm:pt>
+    <dgm:pt modelId="{DEF1955F-828E-4BC7-B27D-F74EB005B7B7}" type="pres">
+      <dgm:prSet presAssocID="{3EF469DB-9256-4288-846F-A54DACE48B58}" presName="compNode" presStyleCnt="0"/>
+      <dgm:spPr/>
+    </dgm:pt>
+    <dgm:pt modelId="{FCA19DCA-25E9-45DA-BEB5-ADF00C592918}" type="pres">
+      <dgm:prSet presAssocID="{3EF469DB-9256-4288-846F-A54DACE48B58}" presName="bgRect" presStyleLbl="bgShp" presStyleIdx="3" presStyleCnt="6"/>
+      <dgm:spPr/>
+    </dgm:pt>
+    <dgm:pt modelId="{B0ABD5F9-19DA-46D2-9EA4-658687630E50}" type="pres">
+      <dgm:prSet presAssocID="{3EF469DB-9256-4288-846F-A54DACE48B58}" presName="iconRect" presStyleLbl="node1" presStyleIdx="3" presStyleCnt="6"/>
+      <dgm:spPr>
+        <a:blipFill>
+          <a:blip xmlns:r="http://schemas.openxmlformats.org/officeDocument/2006/relationships" r:embed="rId7">
+            <a:extLst>
+              <a:ext uri="{28A0092B-C50C-407E-A947-70E740481C1C}">
+                <a14:useLocalDpi xmlns:a14="http://schemas.microsoft.com/office/drawing/2010/main" val="0"/>
+              </a:ext>
+              <a:ext uri="{96DAC541-7B7A-43D3-8B79-37D633B846F1}">
+                <asvg:svgBlip xmlns:asvg="http://schemas.microsoft.com/office/drawing/2016/SVG/main" r:embed="rId8"/>
+              </a:ext>
+            </a:extLst>
+          </a:blip>
+          <a:stretch>
+            <a:fillRect/>
+          </a:stretch>
+        </a:blipFill>
+        <a:ln>
+          <a:noFill/>
+        </a:ln>
+      </dgm:spPr>
+      <dgm:extLst>
+        <a:ext uri="{E40237B7-FDA0-4F09-8148-C483321AD2D9}">
+          <dgm14:cNvPr xmlns:dgm14="http://schemas.microsoft.com/office/drawing/2010/diagram" id="0" name="" descr="Stopwatch"/>
+        </a:ext>
+      </dgm:extLst>
+    </dgm:pt>
+    <dgm:pt modelId="{3FE8F58B-B83C-4309-B792-A39C07E87F6B}" type="pres">
+      <dgm:prSet presAssocID="{3EF469DB-9256-4288-846F-A54DACE48B58}" presName="spaceRect" presStyleCnt="0"/>
+      <dgm:spPr/>
+    </dgm:pt>
+    <dgm:pt modelId="{E9D7A9CC-2166-4462-B2D2-C7BFC1D98667}" type="pres">
+      <dgm:prSet presAssocID="{3EF469DB-9256-4288-846F-A54DACE48B58}" presName="parTx" presStyleLbl="revTx" presStyleIdx="3" presStyleCnt="6">
+        <dgm:presLayoutVars>
+          <dgm:chMax val="0"/>
+          <dgm:chPref val="0"/>
+        </dgm:presLayoutVars>
+      </dgm:prSet>
+      <dgm:spPr/>
+    </dgm:pt>
+    <dgm:pt modelId="{03646230-36F3-4CFE-B3A3-03009C558E36}" type="pres">
+      <dgm:prSet presAssocID="{1C064DCD-6946-4C3F-8FD1-1B971AB50FB4}" presName="sibTrans" presStyleCnt="0"/>
+      <dgm:spPr/>
+    </dgm:pt>
+    <dgm:pt modelId="{E4B05C30-901D-4143-A579-1B1B24CE150A}" type="pres">
+      <dgm:prSet presAssocID="{7EE2744B-392D-419A-BC7E-6748E3332202}" presName="compNode" presStyleCnt="0"/>
+      <dgm:spPr/>
+    </dgm:pt>
+    <dgm:pt modelId="{1198E562-6DD7-4EB4-A36D-12FBDECC9865}" type="pres">
+      <dgm:prSet presAssocID="{7EE2744B-392D-419A-BC7E-6748E3332202}" presName="bgRect" presStyleLbl="bgShp" presStyleIdx="4" presStyleCnt="6"/>
+      <dgm:spPr/>
+    </dgm:pt>
+    <dgm:pt modelId="{54E18DA1-EA96-4395-91EE-5A0EF7AF9077}" type="pres">
+      <dgm:prSet presAssocID="{7EE2744B-392D-419A-BC7E-6748E3332202}" presName="iconRect" presStyleLbl="node1" presStyleIdx="4" presStyleCnt="6"/>
+      <dgm:spPr>
+        <a:blipFill>
+          <a:blip xmlns:r="http://schemas.openxmlformats.org/officeDocument/2006/relationships" r:embed="rId9">
+            <a:extLst>
+              <a:ext uri="{28A0092B-C50C-407E-A947-70E740481C1C}">
+                <a14:useLocalDpi xmlns:a14="http://schemas.microsoft.com/office/drawing/2010/main" val="0"/>
+              </a:ext>
+              <a:ext uri="{96DAC541-7B7A-43D3-8B79-37D633B846F1}">
+                <asvg:svgBlip xmlns:asvg="http://schemas.microsoft.com/office/drawing/2016/SVG/main" r:embed="rId10"/>
+              </a:ext>
+            </a:extLst>
+          </a:blip>
+          <a:stretch>
+            <a:fillRect/>
+          </a:stretch>
+        </a:blipFill>
+        <a:ln>
+          <a:noFill/>
+        </a:ln>
+      </dgm:spPr>
+      <dgm:extLst>
+        <a:ext uri="{E40237B7-FDA0-4F09-8148-C483321AD2D9}">
+          <dgm14:cNvPr xmlns:dgm14="http://schemas.microsoft.com/office/drawing/2010/diagram" id="0" name="" descr="Bar chart"/>
+        </a:ext>
+      </dgm:extLst>
+    </dgm:pt>
+    <dgm:pt modelId="{1812984E-9D15-4347-956E-B18155841D98}" type="pres">
+      <dgm:prSet presAssocID="{7EE2744B-392D-419A-BC7E-6748E3332202}" presName="spaceRect" presStyleCnt="0"/>
+      <dgm:spPr/>
+    </dgm:pt>
+    <dgm:pt modelId="{D0364DCC-49C6-4AD5-BE96-42BA8D8D41F9}" type="pres">
+      <dgm:prSet presAssocID="{7EE2744B-392D-419A-BC7E-6748E3332202}" presName="parTx" presStyleLbl="revTx" presStyleIdx="4" presStyleCnt="6">
+        <dgm:presLayoutVars>
+          <dgm:chMax val="0"/>
+          <dgm:chPref val="0"/>
+        </dgm:presLayoutVars>
+      </dgm:prSet>
+      <dgm:spPr/>
+    </dgm:pt>
+    <dgm:pt modelId="{55D63DD3-9C47-4030-9CE7-DEF424B0E7A4}" type="pres">
+      <dgm:prSet presAssocID="{6FA6B2EA-4B71-4860-8C38-1113D88C2371}" presName="sibTrans" presStyleCnt="0"/>
+      <dgm:spPr/>
+    </dgm:pt>
+    <dgm:pt modelId="{8923182E-770E-4E90-BEC3-7C0B25AEE200}" type="pres">
+      <dgm:prSet presAssocID="{B240780D-4EFC-4FEF-AB0E-711B846CBD59}" presName="compNode" presStyleCnt="0"/>
+      <dgm:spPr/>
+    </dgm:pt>
+    <dgm:pt modelId="{92A797F2-5500-4279-B078-BFECDEAA0505}" type="pres">
+      <dgm:prSet presAssocID="{B240780D-4EFC-4FEF-AB0E-711B846CBD59}" presName="bgRect" presStyleLbl="bgShp" presStyleIdx="5" presStyleCnt="6"/>
+      <dgm:spPr/>
+    </dgm:pt>
+    <dgm:pt modelId="{63E2F776-6A24-410A-8486-2603ECAD67DB}" type="pres">
+      <dgm:prSet presAssocID="{B240780D-4EFC-4FEF-AB0E-711B846CBD59}" presName="iconRect" presStyleLbl="node1" presStyleIdx="5" presStyleCnt="6"/>
+      <dgm:spPr>
+        <a:blipFill>
+          <a:blip xmlns:r="http://schemas.openxmlformats.org/officeDocument/2006/relationships" r:embed="rId11">
+            <a:extLst>
+              <a:ext uri="{28A0092B-C50C-407E-A947-70E740481C1C}">
+                <a14:useLocalDpi xmlns:a14="http://schemas.microsoft.com/office/drawing/2010/main" val="0"/>
+              </a:ext>
+              <a:ext uri="{96DAC541-7B7A-43D3-8B79-37D633B846F1}">
+                <asvg:svgBlip xmlns:asvg="http://schemas.microsoft.com/office/drawing/2016/SVG/main" r:embed="rId12"/>
+              </a:ext>
+            </a:extLst>
+          </a:blip>
+          <a:stretch>
+            <a:fillRect/>
+          </a:stretch>
+        </a:blipFill>
+        <a:ln>
+          <a:noFill/>
+        </a:ln>
+      </dgm:spPr>
+      <dgm:extLst>
+        <a:ext uri="{E40237B7-FDA0-4F09-8148-C483321AD2D9}">
+          <dgm14:cNvPr xmlns:dgm14="http://schemas.microsoft.com/office/drawing/2010/diagram" id="0" name="" descr="Footprints"/>
+        </a:ext>
+      </dgm:extLst>
+    </dgm:pt>
+    <dgm:pt modelId="{A54C311A-6D62-4FD7-87B2-8ACD2C2696E0}" type="pres">
+      <dgm:prSet presAssocID="{B240780D-4EFC-4FEF-AB0E-711B846CBD59}" presName="spaceRect" presStyleCnt="0"/>
+      <dgm:spPr/>
+    </dgm:pt>
+    <dgm:pt modelId="{11FF74FA-ABE4-4FE5-8096-AD2373334694}" type="pres">
+      <dgm:prSet presAssocID="{B240780D-4EFC-4FEF-AB0E-711B846CBD59}" presName="parTx" presStyleLbl="revTx" presStyleIdx="5" presStyleCnt="6">
+        <dgm:presLayoutVars>
+          <dgm:chMax val="0"/>
+          <dgm:chPref val="0"/>
+        </dgm:presLayoutVars>
+      </dgm:prSet>
+      <dgm:spPr/>
+    </dgm:pt>
+  </dgm:ptLst>
+  <dgm:cxnLst>
+    <dgm:cxn modelId="{B7D29D04-C552-B24D-BD86-4274A6458C6E}" type="presOf" srcId="{DE44471A-EF53-4C51-B1BD-7BFDDEAF3B82}" destId="{2738BC4F-D8CA-4AE0-8D4F-20ECE058B2F1}" srcOrd="0" destOrd="0" presId="urn:microsoft.com/office/officeart/2018/2/layout/IconVerticalSolidList"/>
+    <dgm:cxn modelId="{BEE2F312-80D3-40ED-9A29-3175907946E2}" srcId="{93AD92A7-27BA-44A5-914A-FDBA25AC6957}" destId="{7EE2744B-392D-419A-BC7E-6748E3332202}" srcOrd="4" destOrd="0" parTransId="{C64FEE4F-39A2-475C-8992-867866289914}" sibTransId="{6FA6B2EA-4B71-4860-8C38-1113D88C2371}"/>
+    <dgm:cxn modelId="{4ABBD618-D78E-49D1-B05D-ACB6920AC5DE}" srcId="{93AD92A7-27BA-44A5-914A-FDBA25AC6957}" destId="{6B4F2857-C52C-48F9-AEBC-BC5DA1D8F73B}" srcOrd="2" destOrd="0" parTransId="{8D4E53EA-BEFC-4929-B791-091F7B08A3A3}" sibTransId="{5B80DF3C-DDCD-42E0-9BF8-AFAF6B087277}"/>
+    <dgm:cxn modelId="{FD56AF30-C7D4-4F23-BFA9-AEA6AC5EAE0B}" srcId="{93AD92A7-27BA-44A5-914A-FDBA25AC6957}" destId="{B240780D-4EFC-4FEF-AB0E-711B846CBD59}" srcOrd="5" destOrd="0" parTransId="{6F358F32-1CE3-40E9-BC98-FD213DDC2480}" sibTransId="{E476553C-90E4-4C22-A63E-9136661D2ED8}"/>
+    <dgm:cxn modelId="{3BFB8034-453E-45BC-8C1D-D033511D5DD6}" srcId="{93AD92A7-27BA-44A5-914A-FDBA25AC6957}" destId="{DE44471A-EF53-4C51-B1BD-7BFDDEAF3B82}" srcOrd="1" destOrd="0" parTransId="{76D63873-6AEA-47ED-BFD8-1D682301FADB}" sibTransId="{6B59FD03-C2C9-4BEF-84E0-0A63A2D4DE6C}"/>
+    <dgm:cxn modelId="{B9E7A15F-5F24-014E-948B-77825A1257F7}" type="presOf" srcId="{7EE2744B-392D-419A-BC7E-6748E3332202}" destId="{D0364DCC-49C6-4AD5-BE96-42BA8D8D41F9}" srcOrd="0" destOrd="0" presId="urn:microsoft.com/office/officeart/2018/2/layout/IconVerticalSolidList"/>
+    <dgm:cxn modelId="{4E830166-DCDD-8145-94C4-EFB351DB0C20}" type="presOf" srcId="{6B4F2857-C52C-48F9-AEBC-BC5DA1D8F73B}" destId="{247EB02F-A55A-4BF4-891E-BE5AC335B6EE}" srcOrd="0" destOrd="0" presId="urn:microsoft.com/office/officeart/2018/2/layout/IconVerticalSolidList"/>
+    <dgm:cxn modelId="{3790B772-FE1D-4F7B-8A16-63AF9B9A8EE5}" type="presOf" srcId="{93AD92A7-27BA-44A5-914A-FDBA25AC6957}" destId="{1B6DFCC5-06B6-4DA6-A6C3-1AB34316E32D}" srcOrd="0" destOrd="0" presId="urn:microsoft.com/office/officeart/2018/2/layout/IconVerticalSolidList"/>
+    <dgm:cxn modelId="{292A2B87-990E-41F3-BC3C-FED5D127BFD5}" srcId="{93AD92A7-27BA-44A5-914A-FDBA25AC6957}" destId="{8BE4758E-0A70-4BC8-A820-CBF884996378}" srcOrd="0" destOrd="0" parTransId="{DFB9E5CE-54FB-47E9-98F2-346C3DA8D8A1}" sibTransId="{5F905D48-FEC8-4C88-92F1-3875F8E8CCAA}"/>
+    <dgm:cxn modelId="{E421AC89-3691-BE49-815D-0F1F209EA5AD}" type="presOf" srcId="{8BE4758E-0A70-4BC8-A820-CBF884996378}" destId="{F9E735AB-0AFE-4D97-8205-A23CFB8B4880}" srcOrd="0" destOrd="0" presId="urn:microsoft.com/office/officeart/2018/2/layout/IconVerticalSolidList"/>
+    <dgm:cxn modelId="{214579A8-42A8-6E47-9D26-FA64812FB3B7}" type="presOf" srcId="{B240780D-4EFC-4FEF-AB0E-711B846CBD59}" destId="{11FF74FA-ABE4-4FE5-8096-AD2373334694}" srcOrd="0" destOrd="0" presId="urn:microsoft.com/office/officeart/2018/2/layout/IconVerticalSolidList"/>
+    <dgm:cxn modelId="{D8EADBB0-B1CB-DB41-A5E0-9AAA4F65A158}" type="presOf" srcId="{3EF469DB-9256-4288-846F-A54DACE48B58}" destId="{E9D7A9CC-2166-4462-B2D2-C7BFC1D98667}" srcOrd="0" destOrd="0" presId="urn:microsoft.com/office/officeart/2018/2/layout/IconVerticalSolidList"/>
+    <dgm:cxn modelId="{89E452F6-3544-4519-90A6-1960B17F0E02}" srcId="{93AD92A7-27BA-44A5-914A-FDBA25AC6957}" destId="{3EF469DB-9256-4288-846F-A54DACE48B58}" srcOrd="3" destOrd="0" parTransId="{2B6DE4C6-D77E-4996-BD0A-415063E1237E}" sibTransId="{1C064DCD-6946-4C3F-8FD1-1B971AB50FB4}"/>
+    <dgm:cxn modelId="{1A630F79-AAF0-D546-8E72-CB8ABC86CD46}" type="presParOf" srcId="{1B6DFCC5-06B6-4DA6-A6C3-1AB34316E32D}" destId="{E5AD3CDE-7628-47C3-AFC4-3D06BD49E3D3}" srcOrd="0" destOrd="0" presId="urn:microsoft.com/office/officeart/2018/2/layout/IconVerticalSolidList"/>
+    <dgm:cxn modelId="{3254035A-AF70-8D44-B36B-A589C7BACB08}" type="presParOf" srcId="{E5AD3CDE-7628-47C3-AFC4-3D06BD49E3D3}" destId="{04AE6D97-CB49-4541-AADF-88F8F88EBD7B}" srcOrd="0" destOrd="0" presId="urn:microsoft.com/office/officeart/2018/2/layout/IconVerticalSolidList"/>
+    <dgm:cxn modelId="{2C1865D6-D827-CC48-9EE5-B68EEEBF07EB}" type="presParOf" srcId="{E5AD3CDE-7628-47C3-AFC4-3D06BD49E3D3}" destId="{8B0FC9A6-C647-4EF5-9030-1063BEC76451}" srcOrd="1" destOrd="0" presId="urn:microsoft.com/office/officeart/2018/2/layout/IconVerticalSolidList"/>
+    <dgm:cxn modelId="{AB77C347-1408-924E-AD01-26B076C23E41}" type="presParOf" srcId="{E5AD3CDE-7628-47C3-AFC4-3D06BD49E3D3}" destId="{A9434F58-9ED1-4B1A-AD49-E6CF07C412FF}" srcOrd="2" destOrd="0" presId="urn:microsoft.com/office/officeart/2018/2/layout/IconVerticalSolidList"/>
+    <dgm:cxn modelId="{DAC590EF-BAEE-324D-B37F-26272D3D2771}" type="presParOf" srcId="{E5AD3CDE-7628-47C3-AFC4-3D06BD49E3D3}" destId="{F9E735AB-0AFE-4D97-8205-A23CFB8B4880}" srcOrd="3" destOrd="0" presId="urn:microsoft.com/office/officeart/2018/2/layout/IconVerticalSolidList"/>
+    <dgm:cxn modelId="{3D67C4AF-4D31-F445-958C-C696848F1C93}" type="presParOf" srcId="{1B6DFCC5-06B6-4DA6-A6C3-1AB34316E32D}" destId="{E8B24478-D30D-45A8-A133-E9342B1CB6DC}" srcOrd="1" destOrd="0" presId="urn:microsoft.com/office/officeart/2018/2/layout/IconVerticalSolidList"/>
+    <dgm:cxn modelId="{E2E9F9FF-57E9-D64C-8EF5-46ED97102344}" type="presParOf" srcId="{1B6DFCC5-06B6-4DA6-A6C3-1AB34316E32D}" destId="{A285AA1F-EDFF-4D06-A3CC-47D65B0625C9}" srcOrd="2" destOrd="0" presId="urn:microsoft.com/office/officeart/2018/2/layout/IconVerticalSolidList"/>
+    <dgm:cxn modelId="{E0645BE8-8362-FC41-8334-308F8FD942FE}" type="presParOf" srcId="{A285AA1F-EDFF-4D06-A3CC-47D65B0625C9}" destId="{D2C8A372-D5CE-4BA5-A9B0-CADDDD9896CC}" srcOrd="0" destOrd="0" presId="urn:microsoft.com/office/officeart/2018/2/layout/IconVerticalSolidList"/>
+    <dgm:cxn modelId="{B7627A75-46C5-C147-9C09-9A711DAAD10E}" type="presParOf" srcId="{A285AA1F-EDFF-4D06-A3CC-47D65B0625C9}" destId="{7C127C6E-A484-4FCA-A0F8-9EAB91E652B0}" srcOrd="1" destOrd="0" presId="urn:microsoft.com/office/officeart/2018/2/layout/IconVerticalSolidList"/>
+    <dgm:cxn modelId="{6243B790-C55C-0B47-9842-180D4B934BDE}" type="presParOf" srcId="{A285AA1F-EDFF-4D06-A3CC-47D65B0625C9}" destId="{573E3BB3-D0C6-46B8-BA64-71DCF35DABEC}" srcOrd="2" destOrd="0" presId="urn:microsoft.com/office/officeart/2018/2/layout/IconVerticalSolidList"/>
+    <dgm:cxn modelId="{69ACBA3B-0817-344E-A514-DBDAE2DBAB0E}" type="presParOf" srcId="{A285AA1F-EDFF-4D06-A3CC-47D65B0625C9}" destId="{2738BC4F-D8CA-4AE0-8D4F-20ECE058B2F1}" srcOrd="3" destOrd="0" presId="urn:microsoft.com/office/officeart/2018/2/layout/IconVerticalSolidList"/>
+    <dgm:cxn modelId="{2A9B1A54-EE51-F643-8975-278C9776ABBD}" type="presParOf" srcId="{1B6DFCC5-06B6-4DA6-A6C3-1AB34316E32D}" destId="{51CD5B40-7D9F-40B3-9D00-4BE8BB4AE9F8}" srcOrd="3" destOrd="0" presId="urn:microsoft.com/office/officeart/2018/2/layout/IconVerticalSolidList"/>
+    <dgm:cxn modelId="{870263F7-8F36-8D4E-9703-42491DB51F78}" type="presParOf" srcId="{1B6DFCC5-06B6-4DA6-A6C3-1AB34316E32D}" destId="{7EC2DDA6-0027-4B53-BC48-C85781A897C2}" srcOrd="4" destOrd="0" presId="urn:microsoft.com/office/officeart/2018/2/layout/IconVerticalSolidList"/>
+    <dgm:cxn modelId="{5303E71B-4FD5-1D49-A4B3-10979E2392E2}" type="presParOf" srcId="{7EC2DDA6-0027-4B53-BC48-C85781A897C2}" destId="{06FC101A-7CF6-4B80-A5C2-2B81575E12EA}" srcOrd="0" destOrd="0" presId="urn:microsoft.com/office/officeart/2018/2/layout/IconVerticalSolidList"/>
+    <dgm:cxn modelId="{5D9390AD-2CD6-074E-8165-5A89AF06CC63}" type="presParOf" srcId="{7EC2DDA6-0027-4B53-BC48-C85781A897C2}" destId="{06AB804C-DF66-421B-9A68-8E0225A8BCEF}" srcOrd="1" destOrd="0" presId="urn:microsoft.com/office/officeart/2018/2/layout/IconVerticalSolidList"/>
+    <dgm:cxn modelId="{16888E7D-444C-3A43-B7F9-8BBD7AA3DDA9}" type="presParOf" srcId="{7EC2DDA6-0027-4B53-BC48-C85781A897C2}" destId="{FB52F7BD-D316-482F-BBA2-237DE4F58406}" srcOrd="2" destOrd="0" presId="urn:microsoft.com/office/officeart/2018/2/layout/IconVerticalSolidList"/>
+    <dgm:cxn modelId="{8906CC58-B044-8E43-8ABE-CECF5085C06E}" type="presParOf" srcId="{7EC2DDA6-0027-4B53-BC48-C85781A897C2}" destId="{247EB02F-A55A-4BF4-891E-BE5AC335B6EE}" srcOrd="3" destOrd="0" presId="urn:microsoft.com/office/officeart/2018/2/layout/IconVerticalSolidList"/>
+    <dgm:cxn modelId="{A51F0B17-E721-0241-BE51-C7C011C39941}" type="presParOf" srcId="{1B6DFCC5-06B6-4DA6-A6C3-1AB34316E32D}" destId="{FE10F8BA-ECCC-4132-A2EF-EFA617EE2FBE}" srcOrd="5" destOrd="0" presId="urn:microsoft.com/office/officeart/2018/2/layout/IconVerticalSolidList"/>
+    <dgm:cxn modelId="{C904053D-2C70-3C41-ACE9-03AB89130DBD}" type="presParOf" srcId="{1B6DFCC5-06B6-4DA6-A6C3-1AB34316E32D}" destId="{DEF1955F-828E-4BC7-B27D-F74EB005B7B7}" srcOrd="6" destOrd="0" presId="urn:microsoft.com/office/officeart/2018/2/layout/IconVerticalSolidList"/>
+    <dgm:cxn modelId="{068C4CEF-A5F1-484A-864D-3FE5AF288722}" type="presParOf" srcId="{DEF1955F-828E-4BC7-B27D-F74EB005B7B7}" destId="{FCA19DCA-25E9-45DA-BEB5-ADF00C592918}" srcOrd="0" destOrd="0" presId="urn:microsoft.com/office/officeart/2018/2/layout/IconVerticalSolidList"/>
+    <dgm:cxn modelId="{80A0548E-B9DA-AE4A-8F0B-E5ACB32A5BA8}" type="presParOf" srcId="{DEF1955F-828E-4BC7-B27D-F74EB005B7B7}" destId="{B0ABD5F9-19DA-46D2-9EA4-658687630E50}" srcOrd="1" destOrd="0" presId="urn:microsoft.com/office/officeart/2018/2/layout/IconVerticalSolidList"/>
+    <dgm:cxn modelId="{95BB7FFF-0279-E349-9C5A-A6677C5B0B82}" type="presParOf" srcId="{DEF1955F-828E-4BC7-B27D-F74EB005B7B7}" destId="{3FE8F58B-B83C-4309-B792-A39C07E87F6B}" srcOrd="2" destOrd="0" presId="urn:microsoft.com/office/officeart/2018/2/layout/IconVerticalSolidList"/>
+    <dgm:cxn modelId="{F8DF7270-A96B-BE4F-8D77-8E058B44E3C7}" type="presParOf" srcId="{DEF1955F-828E-4BC7-B27D-F74EB005B7B7}" destId="{E9D7A9CC-2166-4462-B2D2-C7BFC1D98667}" srcOrd="3" destOrd="0" presId="urn:microsoft.com/office/officeart/2018/2/layout/IconVerticalSolidList"/>
+    <dgm:cxn modelId="{BC000162-DC0F-D64E-9B98-BA020C5DE8CB}" type="presParOf" srcId="{1B6DFCC5-06B6-4DA6-A6C3-1AB34316E32D}" destId="{03646230-36F3-4CFE-B3A3-03009C558E36}" srcOrd="7" destOrd="0" presId="urn:microsoft.com/office/officeart/2018/2/layout/IconVerticalSolidList"/>
+    <dgm:cxn modelId="{3BD2564E-C559-E24B-86BC-CC4E39A0440C}" type="presParOf" srcId="{1B6DFCC5-06B6-4DA6-A6C3-1AB34316E32D}" destId="{E4B05C30-901D-4143-A579-1B1B24CE150A}" srcOrd="8" destOrd="0" presId="urn:microsoft.com/office/officeart/2018/2/layout/IconVerticalSolidList"/>
+    <dgm:cxn modelId="{6D1FEFAC-5EE8-C245-81DD-E37E2598D352}" type="presParOf" srcId="{E4B05C30-901D-4143-A579-1B1B24CE150A}" destId="{1198E562-6DD7-4EB4-A36D-12FBDECC9865}" srcOrd="0" destOrd="0" presId="urn:microsoft.com/office/officeart/2018/2/layout/IconVerticalSolidList"/>
+    <dgm:cxn modelId="{54557ACB-AC70-E949-A09E-CFEE88370FD5}" type="presParOf" srcId="{E4B05C30-901D-4143-A579-1B1B24CE150A}" destId="{54E18DA1-EA96-4395-91EE-5A0EF7AF9077}" srcOrd="1" destOrd="0" presId="urn:microsoft.com/office/officeart/2018/2/layout/IconVerticalSolidList"/>
+    <dgm:cxn modelId="{B1E0C701-B2C9-844D-8DEE-AE6514AE03C7}" type="presParOf" srcId="{E4B05C30-901D-4143-A579-1B1B24CE150A}" destId="{1812984E-9D15-4347-956E-B18155841D98}" srcOrd="2" destOrd="0" presId="urn:microsoft.com/office/officeart/2018/2/layout/IconVerticalSolidList"/>
+    <dgm:cxn modelId="{05C3EF9A-DF2F-F640-A1EA-C4099C8B2287}" type="presParOf" srcId="{E4B05C30-901D-4143-A579-1B1B24CE150A}" destId="{D0364DCC-49C6-4AD5-BE96-42BA8D8D41F9}" srcOrd="3" destOrd="0" presId="urn:microsoft.com/office/officeart/2018/2/layout/IconVerticalSolidList"/>
+    <dgm:cxn modelId="{B6131BE0-FDBF-E645-B351-447A892CEC70}" type="presParOf" srcId="{1B6DFCC5-06B6-4DA6-A6C3-1AB34316E32D}" destId="{55D63DD3-9C47-4030-9CE7-DEF424B0E7A4}" srcOrd="9" destOrd="0" presId="urn:microsoft.com/office/officeart/2018/2/layout/IconVerticalSolidList"/>
+    <dgm:cxn modelId="{93835E3B-CADB-5745-9CBE-92DEFC2E4E96}" type="presParOf" srcId="{1B6DFCC5-06B6-4DA6-A6C3-1AB34316E32D}" destId="{8923182E-770E-4E90-BEC3-7C0B25AEE200}" srcOrd="10" destOrd="0" presId="urn:microsoft.com/office/officeart/2018/2/layout/IconVerticalSolidList"/>
+    <dgm:cxn modelId="{2E628506-2B6C-8341-9C7D-25965C059898}" type="presParOf" srcId="{8923182E-770E-4E90-BEC3-7C0B25AEE200}" destId="{92A797F2-5500-4279-B078-BFECDEAA0505}" srcOrd="0" destOrd="0" presId="urn:microsoft.com/office/officeart/2018/2/layout/IconVerticalSolidList"/>
+    <dgm:cxn modelId="{96F1EA25-D055-2F43-B3DC-646184EFA35F}" type="presParOf" srcId="{8923182E-770E-4E90-BEC3-7C0B25AEE200}" destId="{63E2F776-6A24-410A-8486-2603ECAD67DB}" srcOrd="1" destOrd="0" presId="urn:microsoft.com/office/officeart/2018/2/layout/IconVerticalSolidList"/>
+    <dgm:cxn modelId="{72152656-1BC2-CC45-ABDA-016FCB6A1ED3}" type="presParOf" srcId="{8923182E-770E-4E90-BEC3-7C0B25AEE200}" destId="{A54C311A-6D62-4FD7-87B2-8ACD2C2696E0}" srcOrd="2" destOrd="0" presId="urn:microsoft.com/office/officeart/2018/2/layout/IconVerticalSolidList"/>
+    <dgm:cxn modelId="{F3C51BCC-F480-5649-B53D-F901FD8314F1}" type="presParOf" srcId="{8923182E-770E-4E90-BEC3-7C0B25AEE200}" destId="{11FF74FA-ABE4-4FE5-8096-AD2373334694}" srcOrd="3" destOrd="0" presId="urn:microsoft.com/office/officeart/2018/2/layout/IconVerticalSolidList"/>
+  </dgm:cxnLst>
+  <dgm:bg/>
+  <dgm:whole/>
+  <dgm:extLst>
+    <a:ext uri="http://schemas.microsoft.com/office/drawing/2008/diagram">
+      <dsp:dataModelExt xmlns:dsp="http://schemas.microsoft.com/office/drawing/2008/diagram" relId="rId6" minVer="http://schemas.openxmlformats.org/drawingml/2006/diagram"/>
+    </a:ext>
+  </dgm:extLst>
+</dgm:dataModel>
+</file>
+
+<file path=ppt/diagrams/drawing1.xml><?xml version="1.0" encoding="utf-8"?>
+<dsp:drawing xmlns:dgm="http://schemas.openxmlformats.org/drawingml/2006/diagram" xmlns:dsp="http://schemas.microsoft.com/office/drawing/2008/diagram" xmlns:a="http://schemas.openxmlformats.org/drawingml/2006/main">
+  <dsp:spTree>
+    <dsp:nvGrpSpPr>
+      <dsp:cNvPr id="0" name=""/>
+      <dsp:cNvGrpSpPr/>
+    </dsp:nvGrpSpPr>
+    <dsp:grpSpPr/>
+    <dsp:sp modelId="{04AE6D97-CB49-4541-AADF-88F8F88EBD7B}">
+      <dsp:nvSpPr>
+        <dsp:cNvPr id="0" name=""/>
+        <dsp:cNvSpPr/>
+      </dsp:nvSpPr>
+      <dsp:spPr>
+        <a:xfrm>
+          <a:off x="0" y="1907"/>
+          <a:ext cx="6588691" cy="812817"/>
+        </a:xfrm>
+        <a:prstGeom prst="roundRect">
+          <a:avLst>
+            <a:gd name="adj" fmla="val 10000"/>
+          </a:avLst>
+        </a:prstGeom>
+        <a:solidFill>
+          <a:schemeClr val="bg1">
+            <a:lumMod val="95000"/>
+            <a:hueOff val="0"/>
+            <a:satOff val="0"/>
+            <a:lumOff val="0"/>
+            <a:alphaOff val="0"/>
+          </a:schemeClr>
+        </a:solidFill>
+        <a:ln>
+          <a:noFill/>
+        </a:ln>
+        <a:effectLst/>
+      </dsp:spPr>
+      <dsp:style>
+        <a:lnRef idx="0">
+          <a:scrgbClr r="0" g="0" b="0"/>
+        </a:lnRef>
+        <a:fillRef idx="1">
+          <a:scrgbClr r="0" g="0" b="0"/>
+        </a:fillRef>
+        <a:effectRef idx="0">
+          <a:scrgbClr r="0" g="0" b="0"/>
+        </a:effectRef>
+        <a:fontRef idx="minor"/>
+      </dsp:style>
+    </dsp:sp>
+    <dsp:sp modelId="{8B0FC9A6-C647-4EF5-9030-1063BEC76451}">
+      <dsp:nvSpPr>
+        <dsp:cNvPr id="0" name=""/>
+        <dsp:cNvSpPr/>
+      </dsp:nvSpPr>
+      <dsp:spPr>
+        <a:xfrm>
+          <a:off x="245877" y="184791"/>
+          <a:ext cx="447049" cy="447049"/>
+        </a:xfrm>
+        <a:prstGeom prst="rect">
+          <a:avLst/>
+        </a:prstGeom>
+        <a:blipFill>
+          <a:blip xmlns:r="http://schemas.openxmlformats.org/officeDocument/2006/relationships" r:embed="rId1">
+            <a:extLst>
+              <a:ext uri="{28A0092B-C50C-407E-A947-70E740481C1C}">
+                <a14:useLocalDpi xmlns:a14="http://schemas.microsoft.com/office/drawing/2010/main" val="0"/>
+              </a:ext>
+              <a:ext uri="{96DAC541-7B7A-43D3-8B79-37D633B846F1}">
+                <asvg:svgBlip xmlns:asvg="http://schemas.microsoft.com/office/drawing/2016/SVG/main" r:embed="rId2"/>
+              </a:ext>
+            </a:extLst>
+          </a:blip>
+          <a:stretch>
+            <a:fillRect/>
+          </a:stretch>
+        </a:blipFill>
+        <a:ln w="12700" cap="flat" cmpd="sng" algn="ctr">
+          <a:noFill/>
+          <a:prstDash val="solid"/>
+          <a:miter lim="800000"/>
+        </a:ln>
+        <a:effectLst/>
+      </dsp:spPr>
+      <dsp:style>
+        <a:lnRef idx="2">
+          <a:scrgbClr r="0" g="0" b="0"/>
+        </a:lnRef>
+        <a:fillRef idx="1">
+          <a:scrgbClr r="0" g="0" b="0"/>
+        </a:fillRef>
+        <a:effectRef idx="0">
+          <a:scrgbClr r="0" g="0" b="0"/>
+        </a:effectRef>
+        <a:fontRef idx="minor">
+          <a:schemeClr val="lt1"/>
+        </a:fontRef>
+      </dsp:style>
+    </dsp:sp>
+    <dsp:sp modelId="{F9E735AB-0AFE-4D97-8205-A23CFB8B4880}">
+      <dsp:nvSpPr>
+        <dsp:cNvPr id="0" name=""/>
+        <dsp:cNvSpPr/>
+      </dsp:nvSpPr>
+      <dsp:spPr>
+        <a:xfrm>
+          <a:off x="938804" y="1907"/>
+          <a:ext cx="5649886" cy="812817"/>
+        </a:xfrm>
+        <a:prstGeom prst="rect">
+          <a:avLst/>
+        </a:prstGeom>
+        <a:noFill/>
+        <a:ln>
+          <a:noFill/>
+        </a:ln>
+        <a:effectLst/>
+      </dsp:spPr>
+      <dsp:style>
+        <a:lnRef idx="0">
+          <a:scrgbClr r="0" g="0" b="0"/>
+        </a:lnRef>
+        <a:fillRef idx="0">
+          <a:scrgbClr r="0" g="0" b="0"/>
+        </a:fillRef>
+        <a:effectRef idx="0">
+          <a:scrgbClr r="0" g="0" b="0"/>
+        </a:effectRef>
+        <a:fontRef idx="minor"/>
+      </dsp:style>
+      <dsp:txBody>
+        <a:bodyPr spcFirstLastPara="0" vert="horz" wrap="square" lIns="86023" tIns="86023" rIns="86023" bIns="86023" numCol="1" spcCol="1270" anchor="ctr" anchorCtr="0">
+          <a:noAutofit/>
+        </a:bodyPr>
+        <a:lstStyle/>
+        <a:p>
+          <a:pPr marL="0" lvl="0" indent="0" algn="l" defTabSz="844550">
+            <a:lnSpc>
+              <a:spcPct val="100000"/>
+            </a:lnSpc>
+            <a:spcBef>
+              <a:spcPct val="0"/>
+            </a:spcBef>
+            <a:spcAft>
+              <a:spcPct val="35000"/>
+            </a:spcAft>
+            <a:buNone/>
+          </a:pPr>
+          <a:r>
+            <a:rPr lang="en-US" sz="1900" kern="1200"/>
+            <a:t>Definitions/Concepts</a:t>
+          </a:r>
+        </a:p>
+      </dsp:txBody>
+      <dsp:txXfrm>
+        <a:off x="938804" y="1907"/>
+        <a:ext cx="5649886" cy="812817"/>
+      </dsp:txXfrm>
+    </dsp:sp>
+    <dsp:sp modelId="{D2C8A372-D5CE-4BA5-A9B0-CADDDD9896CC}">
+      <dsp:nvSpPr>
+        <dsp:cNvPr id="0" name=""/>
+        <dsp:cNvSpPr/>
+      </dsp:nvSpPr>
+      <dsp:spPr>
+        <a:xfrm>
+          <a:off x="0" y="1017929"/>
+          <a:ext cx="6588691" cy="812817"/>
+        </a:xfrm>
+        <a:prstGeom prst="roundRect">
+          <a:avLst>
+            <a:gd name="adj" fmla="val 10000"/>
+          </a:avLst>
+        </a:prstGeom>
+        <a:solidFill>
+          <a:schemeClr val="bg1">
+            <a:lumMod val="95000"/>
+            <a:hueOff val="0"/>
+            <a:satOff val="0"/>
+            <a:lumOff val="0"/>
+            <a:alphaOff val="0"/>
+          </a:schemeClr>
+        </a:solidFill>
+        <a:ln>
+          <a:noFill/>
+        </a:ln>
+        <a:effectLst/>
+      </dsp:spPr>
+      <dsp:style>
+        <a:lnRef idx="0">
+          <a:scrgbClr r="0" g="0" b="0"/>
+        </a:lnRef>
+        <a:fillRef idx="1">
+          <a:scrgbClr r="0" g="0" b="0"/>
+        </a:fillRef>
+        <a:effectRef idx="0">
+          <a:scrgbClr r="0" g="0" b="0"/>
+        </a:effectRef>
+        <a:fontRef idx="minor"/>
+      </dsp:style>
+    </dsp:sp>
+    <dsp:sp modelId="{7C127C6E-A484-4FCA-A0F8-9EAB91E652B0}">
+      <dsp:nvSpPr>
+        <dsp:cNvPr id="0" name=""/>
+        <dsp:cNvSpPr/>
+      </dsp:nvSpPr>
+      <dsp:spPr>
+        <a:xfrm>
+          <a:off x="245877" y="1200813"/>
+          <a:ext cx="447049" cy="447049"/>
+        </a:xfrm>
+        <a:prstGeom prst="rect">
+          <a:avLst/>
+        </a:prstGeom>
+        <a:blipFill>
+          <a:blip xmlns:r="http://schemas.openxmlformats.org/officeDocument/2006/relationships" r:embed="rId3">
+            <a:extLst>
+              <a:ext uri="{28A0092B-C50C-407E-A947-70E740481C1C}">
+                <a14:useLocalDpi xmlns:a14="http://schemas.microsoft.com/office/drawing/2010/main" val="0"/>
+              </a:ext>
+              <a:ext uri="{96DAC541-7B7A-43D3-8B79-37D633B846F1}">
+                <asvg:svgBlip xmlns:asvg="http://schemas.microsoft.com/office/drawing/2016/SVG/main" r:embed="rId4"/>
+              </a:ext>
+            </a:extLst>
+          </a:blip>
+          <a:stretch>
+            <a:fillRect/>
+          </a:stretch>
+        </a:blipFill>
+        <a:ln w="12700" cap="flat" cmpd="sng" algn="ctr">
+          <a:noFill/>
+          <a:prstDash val="solid"/>
+          <a:miter lim="800000"/>
+        </a:ln>
+        <a:effectLst/>
+      </dsp:spPr>
+      <dsp:style>
+        <a:lnRef idx="2">
+          <a:scrgbClr r="0" g="0" b="0"/>
+        </a:lnRef>
+        <a:fillRef idx="1">
+          <a:scrgbClr r="0" g="0" b="0"/>
+        </a:fillRef>
+        <a:effectRef idx="0">
+          <a:scrgbClr r="0" g="0" b="0"/>
+        </a:effectRef>
+        <a:fontRef idx="minor">
+          <a:schemeClr val="lt1"/>
+        </a:fontRef>
+      </dsp:style>
+    </dsp:sp>
+    <dsp:sp modelId="{2738BC4F-D8CA-4AE0-8D4F-20ECE058B2F1}">
+      <dsp:nvSpPr>
+        <dsp:cNvPr id="0" name=""/>
+        <dsp:cNvSpPr/>
+      </dsp:nvSpPr>
+      <dsp:spPr>
+        <a:xfrm>
+          <a:off x="938804" y="1017929"/>
+          <a:ext cx="5649886" cy="812817"/>
+        </a:xfrm>
+        <a:prstGeom prst="rect">
+          <a:avLst/>
+        </a:prstGeom>
+        <a:noFill/>
+        <a:ln>
+          <a:noFill/>
+        </a:ln>
+        <a:effectLst/>
+      </dsp:spPr>
+      <dsp:style>
+        <a:lnRef idx="0">
+          <a:scrgbClr r="0" g="0" b="0"/>
+        </a:lnRef>
+        <a:fillRef idx="0">
+          <a:scrgbClr r="0" g="0" b="0"/>
+        </a:fillRef>
+        <a:effectRef idx="0">
+          <a:scrgbClr r="0" g="0" b="0"/>
+        </a:effectRef>
+        <a:fontRef idx="minor"/>
+      </dsp:style>
+      <dsp:txBody>
+        <a:bodyPr spcFirstLastPara="0" vert="horz" wrap="square" lIns="86023" tIns="86023" rIns="86023" bIns="86023" numCol="1" spcCol="1270" anchor="ctr" anchorCtr="0">
+          <a:noAutofit/>
+        </a:bodyPr>
+        <a:lstStyle/>
+        <a:p>
+          <a:pPr marL="0" lvl="0" indent="0" algn="l" defTabSz="844550">
+            <a:lnSpc>
+              <a:spcPct val="100000"/>
+            </a:lnSpc>
+            <a:spcBef>
+              <a:spcPct val="0"/>
+            </a:spcBef>
+            <a:spcAft>
+              <a:spcPct val="35000"/>
+            </a:spcAft>
+            <a:buNone/>
+          </a:pPr>
+          <a:r>
+            <a:rPr lang="en-US" sz="1900" kern="1200"/>
+            <a:t>The Project</a:t>
+          </a:r>
+        </a:p>
+      </dsp:txBody>
+      <dsp:txXfrm>
+        <a:off x="938804" y="1017929"/>
+        <a:ext cx="5649886" cy="812817"/>
+      </dsp:txXfrm>
+    </dsp:sp>
+    <dsp:sp modelId="{06FC101A-7CF6-4B80-A5C2-2B81575E12EA}">
+      <dsp:nvSpPr>
+        <dsp:cNvPr id="0" name=""/>
+        <dsp:cNvSpPr/>
+      </dsp:nvSpPr>
+      <dsp:spPr>
+        <a:xfrm>
+          <a:off x="0" y="2033951"/>
+          <a:ext cx="6588691" cy="812817"/>
+        </a:xfrm>
+        <a:prstGeom prst="roundRect">
+          <a:avLst>
+            <a:gd name="adj" fmla="val 10000"/>
+          </a:avLst>
+        </a:prstGeom>
+        <a:solidFill>
+          <a:schemeClr val="bg1">
+            <a:lumMod val="95000"/>
+            <a:hueOff val="0"/>
+            <a:satOff val="0"/>
+            <a:lumOff val="0"/>
+            <a:alphaOff val="0"/>
+          </a:schemeClr>
+        </a:solidFill>
+        <a:ln>
+          <a:noFill/>
+        </a:ln>
+        <a:effectLst/>
+      </dsp:spPr>
+      <dsp:style>
+        <a:lnRef idx="0">
+          <a:scrgbClr r="0" g="0" b="0"/>
+        </a:lnRef>
+        <a:fillRef idx="1">
+          <a:scrgbClr r="0" g="0" b="0"/>
+        </a:fillRef>
+        <a:effectRef idx="0">
+          <a:scrgbClr r="0" g="0" b="0"/>
+        </a:effectRef>
+        <a:fontRef idx="minor"/>
+      </dsp:style>
+    </dsp:sp>
+    <dsp:sp modelId="{06AB804C-DF66-421B-9A68-8E0225A8BCEF}">
+      <dsp:nvSpPr>
+        <dsp:cNvPr id="0" name=""/>
+        <dsp:cNvSpPr/>
+      </dsp:nvSpPr>
+      <dsp:spPr>
+        <a:xfrm>
+          <a:off x="245877" y="2216835"/>
+          <a:ext cx="447049" cy="447049"/>
+        </a:xfrm>
+        <a:prstGeom prst="rect">
+          <a:avLst/>
+        </a:prstGeom>
+        <a:blipFill>
+          <a:blip xmlns:r="http://schemas.openxmlformats.org/officeDocument/2006/relationships" r:embed="rId5">
+            <a:extLst>
+              <a:ext uri="{28A0092B-C50C-407E-A947-70E740481C1C}">
+                <a14:useLocalDpi xmlns:a14="http://schemas.microsoft.com/office/drawing/2010/main" val="0"/>
+              </a:ext>
+              <a:ext uri="{96DAC541-7B7A-43D3-8B79-37D633B846F1}">
+                <asvg:svgBlip xmlns:asvg="http://schemas.microsoft.com/office/drawing/2016/SVG/main" r:embed="rId6"/>
+              </a:ext>
+            </a:extLst>
+          </a:blip>
+          <a:stretch>
+            <a:fillRect/>
+          </a:stretch>
+        </a:blipFill>
+        <a:ln w="12700" cap="flat" cmpd="sng" algn="ctr">
+          <a:noFill/>
+          <a:prstDash val="solid"/>
+          <a:miter lim="800000"/>
+        </a:ln>
+        <a:effectLst/>
+      </dsp:spPr>
+      <dsp:style>
+        <a:lnRef idx="2">
+          <a:scrgbClr r="0" g="0" b="0"/>
+        </a:lnRef>
+        <a:fillRef idx="1">
+          <a:scrgbClr r="0" g="0" b="0"/>
+        </a:fillRef>
+        <a:effectRef idx="0">
+          <a:scrgbClr r="0" g="0" b="0"/>
+        </a:effectRef>
+        <a:fontRef idx="minor">
+          <a:schemeClr val="lt1"/>
+        </a:fontRef>
+      </dsp:style>
+    </dsp:sp>
+    <dsp:sp modelId="{247EB02F-A55A-4BF4-891E-BE5AC335B6EE}">
+      <dsp:nvSpPr>
+        <dsp:cNvPr id="0" name=""/>
+        <dsp:cNvSpPr/>
+      </dsp:nvSpPr>
+      <dsp:spPr>
+        <a:xfrm>
+          <a:off x="938804" y="2033951"/>
+          <a:ext cx="5649886" cy="812817"/>
+        </a:xfrm>
+        <a:prstGeom prst="rect">
+          <a:avLst/>
+        </a:prstGeom>
+        <a:noFill/>
+        <a:ln>
+          <a:noFill/>
+        </a:ln>
+        <a:effectLst/>
+      </dsp:spPr>
+      <dsp:style>
+        <a:lnRef idx="0">
+          <a:scrgbClr r="0" g="0" b="0"/>
+        </a:lnRef>
+        <a:fillRef idx="0">
+          <a:scrgbClr r="0" g="0" b="0"/>
+        </a:fillRef>
+        <a:effectRef idx="0">
+          <a:scrgbClr r="0" g="0" b="0"/>
+        </a:effectRef>
+        <a:fontRef idx="minor"/>
+      </dsp:style>
+      <dsp:txBody>
+        <a:bodyPr spcFirstLastPara="0" vert="horz" wrap="square" lIns="86023" tIns="86023" rIns="86023" bIns="86023" numCol="1" spcCol="1270" anchor="ctr" anchorCtr="0">
+          <a:noAutofit/>
+        </a:bodyPr>
+        <a:lstStyle/>
+        <a:p>
+          <a:pPr marL="0" lvl="0" indent="0" algn="l" defTabSz="844550">
+            <a:lnSpc>
+              <a:spcPct val="100000"/>
+            </a:lnSpc>
+            <a:spcBef>
+              <a:spcPct val="0"/>
+            </a:spcBef>
+            <a:spcAft>
+              <a:spcPct val="35000"/>
+            </a:spcAft>
+            <a:buNone/>
+          </a:pPr>
+          <a:r>
+            <a:rPr lang="en-US" sz="1900" kern="1200"/>
+            <a:t>Tuning Issues</a:t>
+          </a:r>
+        </a:p>
+      </dsp:txBody>
+      <dsp:txXfrm>
+        <a:off x="938804" y="2033951"/>
+        <a:ext cx="5649886" cy="812817"/>
+      </dsp:txXfrm>
+    </dsp:sp>
+    <dsp:sp modelId="{FCA19DCA-25E9-45DA-BEB5-ADF00C592918}">
+      <dsp:nvSpPr>
+        <dsp:cNvPr id="0" name=""/>
+        <dsp:cNvSpPr/>
+      </dsp:nvSpPr>
+      <dsp:spPr>
+        <a:xfrm>
+          <a:off x="0" y="3049973"/>
+          <a:ext cx="6588691" cy="812817"/>
+        </a:xfrm>
+        <a:prstGeom prst="roundRect">
+          <a:avLst>
+            <a:gd name="adj" fmla="val 10000"/>
+          </a:avLst>
+        </a:prstGeom>
+        <a:solidFill>
+          <a:schemeClr val="bg1">
+            <a:lumMod val="95000"/>
+            <a:hueOff val="0"/>
+            <a:satOff val="0"/>
+            <a:lumOff val="0"/>
+            <a:alphaOff val="0"/>
+          </a:schemeClr>
+        </a:solidFill>
+        <a:ln>
+          <a:noFill/>
+        </a:ln>
+        <a:effectLst/>
+      </dsp:spPr>
+      <dsp:style>
+        <a:lnRef idx="0">
+          <a:scrgbClr r="0" g="0" b="0"/>
+        </a:lnRef>
+        <a:fillRef idx="1">
+          <a:scrgbClr r="0" g="0" b="0"/>
+        </a:fillRef>
+        <a:effectRef idx="0">
+          <a:scrgbClr r="0" g="0" b="0"/>
+        </a:effectRef>
+        <a:fontRef idx="minor"/>
+      </dsp:style>
+    </dsp:sp>
+    <dsp:sp modelId="{B0ABD5F9-19DA-46D2-9EA4-658687630E50}">
+      <dsp:nvSpPr>
+        <dsp:cNvPr id="0" name=""/>
+        <dsp:cNvSpPr/>
+      </dsp:nvSpPr>
+      <dsp:spPr>
+        <a:xfrm>
+          <a:off x="245877" y="3232857"/>
+          <a:ext cx="447049" cy="447049"/>
+        </a:xfrm>
+        <a:prstGeom prst="rect">
+          <a:avLst/>
+        </a:prstGeom>
+        <a:blipFill>
+          <a:blip xmlns:r="http://schemas.openxmlformats.org/officeDocument/2006/relationships" r:embed="rId7">
+            <a:extLst>
+              <a:ext uri="{28A0092B-C50C-407E-A947-70E740481C1C}">
+                <a14:useLocalDpi xmlns:a14="http://schemas.microsoft.com/office/drawing/2010/main" val="0"/>
+              </a:ext>
+              <a:ext uri="{96DAC541-7B7A-43D3-8B79-37D633B846F1}">
+                <asvg:svgBlip xmlns:asvg="http://schemas.microsoft.com/office/drawing/2016/SVG/main" r:embed="rId8"/>
+              </a:ext>
+            </a:extLst>
+          </a:blip>
+          <a:stretch>
+            <a:fillRect/>
+          </a:stretch>
+        </a:blipFill>
+        <a:ln w="12700" cap="flat" cmpd="sng" algn="ctr">
+          <a:noFill/>
+          <a:prstDash val="solid"/>
+          <a:miter lim="800000"/>
+        </a:ln>
+        <a:effectLst/>
+      </dsp:spPr>
+      <dsp:style>
+        <a:lnRef idx="2">
+          <a:scrgbClr r="0" g="0" b="0"/>
+        </a:lnRef>
+        <a:fillRef idx="1">
+          <a:scrgbClr r="0" g="0" b="0"/>
+        </a:fillRef>
+        <a:effectRef idx="0">
+          <a:scrgbClr r="0" g="0" b="0"/>
+        </a:effectRef>
+        <a:fontRef idx="minor">
+          <a:schemeClr val="lt1"/>
+        </a:fontRef>
+      </dsp:style>
+    </dsp:sp>
+    <dsp:sp modelId="{E9D7A9CC-2166-4462-B2D2-C7BFC1D98667}">
+      <dsp:nvSpPr>
+        <dsp:cNvPr id="0" name=""/>
+        <dsp:cNvSpPr/>
+      </dsp:nvSpPr>
+      <dsp:spPr>
+        <a:xfrm>
+          <a:off x="938804" y="3049973"/>
+          <a:ext cx="5649886" cy="812817"/>
+        </a:xfrm>
+        <a:prstGeom prst="rect">
+          <a:avLst/>
+        </a:prstGeom>
+        <a:noFill/>
+        <a:ln>
+          <a:noFill/>
+        </a:ln>
+        <a:effectLst/>
+      </dsp:spPr>
+      <dsp:style>
+        <a:lnRef idx="0">
+          <a:scrgbClr r="0" g="0" b="0"/>
+        </a:lnRef>
+        <a:fillRef idx="0">
+          <a:scrgbClr r="0" g="0" b="0"/>
+        </a:fillRef>
+        <a:effectRef idx="0">
+          <a:scrgbClr r="0" g="0" b="0"/>
+        </a:effectRef>
+        <a:fontRef idx="minor"/>
+      </dsp:style>
+      <dsp:txBody>
+        <a:bodyPr spcFirstLastPara="0" vert="horz" wrap="square" lIns="86023" tIns="86023" rIns="86023" bIns="86023" numCol="1" spcCol="1270" anchor="ctr" anchorCtr="0">
+          <a:noAutofit/>
+        </a:bodyPr>
+        <a:lstStyle/>
+        <a:p>
+          <a:pPr marL="0" lvl="0" indent="0" algn="l" defTabSz="844550">
+            <a:lnSpc>
+              <a:spcPct val="100000"/>
+            </a:lnSpc>
+            <a:spcBef>
+              <a:spcPct val="0"/>
+            </a:spcBef>
+            <a:spcAft>
+              <a:spcPct val="35000"/>
+            </a:spcAft>
+            <a:buNone/>
+          </a:pPr>
+          <a:r>
+            <a:rPr lang="en-US" sz="1900" kern="1200"/>
+            <a:t>Time-Series Issues</a:t>
+          </a:r>
+        </a:p>
+      </dsp:txBody>
+      <dsp:txXfrm>
+        <a:off x="938804" y="3049973"/>
+        <a:ext cx="5649886" cy="812817"/>
+      </dsp:txXfrm>
+    </dsp:sp>
+    <dsp:sp modelId="{1198E562-6DD7-4EB4-A36D-12FBDECC9865}">
+      <dsp:nvSpPr>
+        <dsp:cNvPr id="0" name=""/>
+        <dsp:cNvSpPr/>
+      </dsp:nvSpPr>
+      <dsp:spPr>
+        <a:xfrm>
+          <a:off x="0" y="4065995"/>
+          <a:ext cx="6588691" cy="812817"/>
+        </a:xfrm>
+        <a:prstGeom prst="roundRect">
+          <a:avLst>
+            <a:gd name="adj" fmla="val 10000"/>
+          </a:avLst>
+        </a:prstGeom>
+        <a:solidFill>
+          <a:schemeClr val="bg1">
+            <a:lumMod val="95000"/>
+            <a:hueOff val="0"/>
+            <a:satOff val="0"/>
+            <a:lumOff val="0"/>
+            <a:alphaOff val="0"/>
+          </a:schemeClr>
+        </a:solidFill>
+        <a:ln>
+          <a:noFill/>
+        </a:ln>
+        <a:effectLst/>
+      </dsp:spPr>
+      <dsp:style>
+        <a:lnRef idx="0">
+          <a:scrgbClr r="0" g="0" b="0"/>
+        </a:lnRef>
+        <a:fillRef idx="1">
+          <a:scrgbClr r="0" g="0" b="0"/>
+        </a:fillRef>
+        <a:effectRef idx="0">
+          <a:scrgbClr r="0" g="0" b="0"/>
+        </a:effectRef>
+        <a:fontRef idx="minor"/>
+      </dsp:style>
+    </dsp:sp>
+    <dsp:sp modelId="{54E18DA1-EA96-4395-91EE-5A0EF7AF9077}">
+      <dsp:nvSpPr>
+        <dsp:cNvPr id="0" name=""/>
+        <dsp:cNvSpPr/>
+      </dsp:nvSpPr>
+      <dsp:spPr>
+        <a:xfrm>
+          <a:off x="245877" y="4248879"/>
+          <a:ext cx="447049" cy="447049"/>
+        </a:xfrm>
+        <a:prstGeom prst="rect">
+          <a:avLst/>
+        </a:prstGeom>
+        <a:blipFill>
+          <a:blip xmlns:r="http://schemas.openxmlformats.org/officeDocument/2006/relationships" r:embed="rId9">
+            <a:extLst>
+              <a:ext uri="{28A0092B-C50C-407E-A947-70E740481C1C}">
+                <a14:useLocalDpi xmlns:a14="http://schemas.microsoft.com/office/drawing/2010/main" val="0"/>
+              </a:ext>
+              <a:ext uri="{96DAC541-7B7A-43D3-8B79-37D633B846F1}">
+                <asvg:svgBlip xmlns:asvg="http://schemas.microsoft.com/office/drawing/2016/SVG/main" r:embed="rId10"/>
+              </a:ext>
+            </a:extLst>
+          </a:blip>
+          <a:stretch>
+            <a:fillRect/>
+          </a:stretch>
+        </a:blipFill>
+        <a:ln w="12700" cap="flat" cmpd="sng" algn="ctr">
+          <a:noFill/>
+          <a:prstDash val="solid"/>
+          <a:miter lim="800000"/>
+        </a:ln>
+        <a:effectLst/>
+      </dsp:spPr>
+      <dsp:style>
+        <a:lnRef idx="2">
+          <a:scrgbClr r="0" g="0" b="0"/>
+        </a:lnRef>
+        <a:fillRef idx="1">
+          <a:scrgbClr r="0" g="0" b="0"/>
+        </a:fillRef>
+        <a:effectRef idx="0">
+          <a:scrgbClr r="0" g="0" b="0"/>
+        </a:effectRef>
+        <a:fontRef idx="minor">
+          <a:schemeClr val="lt1"/>
+        </a:fontRef>
+      </dsp:style>
+    </dsp:sp>
+    <dsp:sp modelId="{D0364DCC-49C6-4AD5-BE96-42BA8D8D41F9}">
+      <dsp:nvSpPr>
+        <dsp:cNvPr id="0" name=""/>
+        <dsp:cNvSpPr/>
+      </dsp:nvSpPr>
+      <dsp:spPr>
+        <a:xfrm>
+          <a:off x="938804" y="4065995"/>
+          <a:ext cx="5649886" cy="812817"/>
+        </a:xfrm>
+        <a:prstGeom prst="rect">
+          <a:avLst/>
+        </a:prstGeom>
+        <a:noFill/>
+        <a:ln>
+          <a:noFill/>
+        </a:ln>
+        <a:effectLst/>
+      </dsp:spPr>
+      <dsp:style>
+        <a:lnRef idx="0">
+          <a:scrgbClr r="0" g="0" b="0"/>
+        </a:lnRef>
+        <a:fillRef idx="0">
+          <a:scrgbClr r="0" g="0" b="0"/>
+        </a:fillRef>
+        <a:effectRef idx="0">
+          <a:scrgbClr r="0" g="0" b="0"/>
+        </a:effectRef>
+        <a:fontRef idx="minor"/>
+      </dsp:style>
+      <dsp:txBody>
+        <a:bodyPr spcFirstLastPara="0" vert="horz" wrap="square" lIns="86023" tIns="86023" rIns="86023" bIns="86023" numCol="1" spcCol="1270" anchor="ctr" anchorCtr="0">
+          <a:noAutofit/>
+        </a:bodyPr>
+        <a:lstStyle/>
+        <a:p>
+          <a:pPr marL="0" lvl="0" indent="0" algn="l" defTabSz="844550">
+            <a:lnSpc>
+              <a:spcPct val="100000"/>
+            </a:lnSpc>
+            <a:spcBef>
+              <a:spcPct val="0"/>
+            </a:spcBef>
+            <a:spcAft>
+              <a:spcPct val="35000"/>
+            </a:spcAft>
+            <a:buNone/>
+          </a:pPr>
+          <a:r>
+            <a:rPr lang="en-US" sz="1900" kern="1200"/>
+            <a:t>Results</a:t>
+          </a:r>
+        </a:p>
+      </dsp:txBody>
+      <dsp:txXfrm>
+        <a:off x="938804" y="4065995"/>
+        <a:ext cx="5649886" cy="812817"/>
+      </dsp:txXfrm>
+    </dsp:sp>
+    <dsp:sp modelId="{92A797F2-5500-4279-B078-BFECDEAA0505}">
+      <dsp:nvSpPr>
+        <dsp:cNvPr id="0" name=""/>
+        <dsp:cNvSpPr/>
+      </dsp:nvSpPr>
+      <dsp:spPr>
+        <a:xfrm>
+          <a:off x="0" y="5082017"/>
+          <a:ext cx="6588691" cy="812817"/>
+        </a:xfrm>
+        <a:prstGeom prst="roundRect">
+          <a:avLst>
+            <a:gd name="adj" fmla="val 10000"/>
+          </a:avLst>
+        </a:prstGeom>
+        <a:solidFill>
+          <a:schemeClr val="bg1">
+            <a:lumMod val="95000"/>
+            <a:hueOff val="0"/>
+            <a:satOff val="0"/>
+            <a:lumOff val="0"/>
+            <a:alphaOff val="0"/>
+          </a:schemeClr>
+        </a:solidFill>
+        <a:ln>
+          <a:noFill/>
+        </a:ln>
+        <a:effectLst/>
+      </dsp:spPr>
+      <dsp:style>
+        <a:lnRef idx="0">
+          <a:scrgbClr r="0" g="0" b="0"/>
+        </a:lnRef>
+        <a:fillRef idx="1">
+          <a:scrgbClr r="0" g="0" b="0"/>
+        </a:fillRef>
+        <a:effectRef idx="0">
+          <a:scrgbClr r="0" g="0" b="0"/>
+        </a:effectRef>
+        <a:fontRef idx="minor"/>
+      </dsp:style>
+    </dsp:sp>
+    <dsp:sp modelId="{63E2F776-6A24-410A-8486-2603ECAD67DB}">
+      <dsp:nvSpPr>
+        <dsp:cNvPr id="0" name=""/>
+        <dsp:cNvSpPr/>
+      </dsp:nvSpPr>
+      <dsp:spPr>
+        <a:xfrm>
+          <a:off x="245877" y="5264901"/>
+          <a:ext cx="447049" cy="447049"/>
+        </a:xfrm>
+        <a:prstGeom prst="rect">
+          <a:avLst/>
+        </a:prstGeom>
+        <a:blipFill>
+          <a:blip xmlns:r="http://schemas.openxmlformats.org/officeDocument/2006/relationships" r:embed="rId11">
+            <a:extLst>
+              <a:ext uri="{28A0092B-C50C-407E-A947-70E740481C1C}">
+                <a14:useLocalDpi xmlns:a14="http://schemas.microsoft.com/office/drawing/2010/main" val="0"/>
+              </a:ext>
+              <a:ext uri="{96DAC541-7B7A-43D3-8B79-37D633B846F1}">
+                <asvg:svgBlip xmlns:asvg="http://schemas.microsoft.com/office/drawing/2016/SVG/main" r:embed="rId12"/>
+              </a:ext>
+            </a:extLst>
+          </a:blip>
+          <a:stretch>
+            <a:fillRect/>
+          </a:stretch>
+        </a:blipFill>
+        <a:ln w="12700" cap="flat" cmpd="sng" algn="ctr">
+          <a:noFill/>
+          <a:prstDash val="solid"/>
+          <a:miter lim="800000"/>
+        </a:ln>
+        <a:effectLst/>
+      </dsp:spPr>
+      <dsp:style>
+        <a:lnRef idx="2">
+          <a:scrgbClr r="0" g="0" b="0"/>
+        </a:lnRef>
+        <a:fillRef idx="1">
+          <a:scrgbClr r="0" g="0" b="0"/>
+        </a:fillRef>
+        <a:effectRef idx="0">
+          <a:scrgbClr r="0" g="0" b="0"/>
+        </a:effectRef>
+        <a:fontRef idx="minor">
+          <a:schemeClr val="lt1"/>
+        </a:fontRef>
+      </dsp:style>
+    </dsp:sp>
+    <dsp:sp modelId="{11FF74FA-ABE4-4FE5-8096-AD2373334694}">
+      <dsp:nvSpPr>
+        <dsp:cNvPr id="0" name=""/>
+        <dsp:cNvSpPr/>
+      </dsp:nvSpPr>
+      <dsp:spPr>
+        <a:xfrm>
+          <a:off x="938804" y="5082017"/>
+          <a:ext cx="5649886" cy="812817"/>
+        </a:xfrm>
+        <a:prstGeom prst="rect">
+          <a:avLst/>
+        </a:prstGeom>
+        <a:noFill/>
+        <a:ln>
+          <a:noFill/>
+        </a:ln>
+        <a:effectLst/>
+      </dsp:spPr>
+      <dsp:style>
+        <a:lnRef idx="0">
+          <a:scrgbClr r="0" g="0" b="0"/>
+        </a:lnRef>
+        <a:fillRef idx="0">
+          <a:scrgbClr r="0" g="0" b="0"/>
+        </a:fillRef>
+        <a:effectRef idx="0">
+          <a:scrgbClr r="0" g="0" b="0"/>
+        </a:effectRef>
+        <a:fontRef idx="minor"/>
+      </dsp:style>
+      <dsp:txBody>
+        <a:bodyPr spcFirstLastPara="0" vert="horz" wrap="square" lIns="86023" tIns="86023" rIns="86023" bIns="86023" numCol="1" spcCol="1270" anchor="ctr" anchorCtr="0">
+          <a:noAutofit/>
+        </a:bodyPr>
+        <a:lstStyle/>
+        <a:p>
+          <a:pPr marL="0" lvl="0" indent="0" algn="l" defTabSz="844550">
+            <a:lnSpc>
+              <a:spcPct val="100000"/>
+            </a:lnSpc>
+            <a:spcBef>
+              <a:spcPct val="0"/>
+            </a:spcBef>
+            <a:spcAft>
+              <a:spcPct val="35000"/>
+            </a:spcAft>
+            <a:buNone/>
+          </a:pPr>
+          <a:r>
+            <a:rPr lang="en-US" sz="1900" kern="1200"/>
+            <a:t>Next Steps</a:t>
+          </a:r>
+        </a:p>
+      </dsp:txBody>
+      <dsp:txXfrm>
+        <a:off x="938804" y="5082017"/>
+        <a:ext cx="5649886" cy="812817"/>
+      </dsp:txXfrm>
+    </dsp:sp>
+  </dsp:spTree>
+</dsp:drawing>
+</file>
+
+<file path=ppt/diagrams/layout1.xml><?xml version="1.0" encoding="utf-8"?>
+<dgm:layoutDef xmlns:dgm="http://schemas.openxmlformats.org/drawingml/2006/diagram" xmlns:a="http://schemas.openxmlformats.org/drawingml/2006/main" uniqueId="urn:microsoft.com/office/officeart/2018/2/layout/IconVerticalSolidList">
+  <dgm:title val="Icon Vertical Solid List"/>
+  <dgm:desc val="Use to show a series of visuals from top to bottom with Level 1 or Level 1 and Level 2 text grouped in a shape. Works best with icons or small pictures with lengthier descriptions."/>
+  <dgm:catLst>
+    <dgm:cat type="icon" pri="500"/>
+  </dgm:catLst>
+  <dgm:sampData useDef="1">
+    <dgm:dataModel>
+      <dgm:ptLst/>
+      <dgm:bg/>
+      <dgm:whole/>
+    </dgm:dataModel>
+  </dgm:sampData>
+  <dgm:styleData useDef="1">
+    <dgm:dataModel>
+      <dgm:ptLst/>
+      <dgm:bg/>
+      <dgm:whole/>
+    </dgm:dataModel>
+  </dgm:styleData>
+  <dgm:clrData useDef="1">
+    <dgm:dataModel>
+      <dgm:ptLst/>
+      <dgm:bg/>
+      <dgm:whole/>
+    </dgm:dataModel>
+  </dgm:clrData>
+  <dgm:layoutNode name="root">
+    <dgm:varLst>
+      <dgm:dir/>
+      <dgm:resizeHandles val="exact"/>
+    </dgm:varLst>
+    <dgm:choose name="Name0">
+      <dgm:if name="Name1" axis="self" func="var" arg="dir" op="equ" val="norm">
+        <dgm:alg type="lin">
+          <dgm:param type="linDir" val="fromT"/>
+          <dgm:param type="nodeHorzAlign" val="l"/>
+        </dgm:alg>
+      </dgm:if>
+      <dgm:else name="Name2">
+        <dgm:alg type="lin">
+          <dgm:param type="linDir" val="fromT"/>
+          <dgm:param type="nodeHorzAlign" val="r"/>
+        </dgm:alg>
+      </dgm:else>
+    </dgm:choose>
+    <dgm:shape xmlns:r="http://schemas.openxmlformats.org/officeDocument/2006/relationships" r:blip="">
+      <dgm:adjLst/>
+    </dgm:shape>
+    <dgm:presOf/>
+    <dgm:choose name="Name3">
+      <dgm:if name="Name4" axis="ch" ptType="node" func="cnt" op="lte" val="3">
+        <dgm:constrLst>
+          <dgm:constr type="h" for="ch" forName="compNode" refType="h" fact="0.3"/>
+          <dgm:constr type="w" for="ch" forName="compNode" refType="w"/>
+          <dgm:constr type="h" for="ch" forName="sibTrans" refType="h" refFor="ch" refForName="compNode" fact="0.25"/>
+          <dgm:constr type="primFontSz" for="des" forName="parTx" val="25"/>
+          <dgm:constr type="primFontSz" for="des" forName="desTx" refType="primFontSz" refFor="des" refForName="parTx" op="lte" fact="0.75"/>
+          <dgm:constr type="h" for="des" forName="compNode" op="equ"/>
+          <dgm:constr type="h" for="des" forName="bgRect" op="equ"/>
+          <dgm:constr type="h" for="des" forName="iconRect" op="equ"/>
+          <dgm:constr type="w" for="des" forName="iconRect" op="equ"/>
+          <dgm:constr type="h" for="des" forName="spaceRect" op="equ"/>
+          <dgm:constr type="h" for="des" forName="parTx" op="equ"/>
+          <dgm:constr type="h" for="des" forName="desTx" op="equ"/>
+        </dgm:constrLst>
+      </dgm:if>
+      <dgm:if name="Name5" axis="ch" ptType="node" func="cnt" op="lte" val="4">
+        <dgm:constrLst>
+          <dgm:constr type="h" for="ch" forName="compNode" refType="h" fact="0.3"/>
+          <dgm:constr type="w" for="ch" forName="compNode" refType="w"/>
+          <dgm:constr type="h" for="ch" forName="sibTrans" refType="h" refFor="ch" refForName="compNode" fact="0.25"/>
+          <dgm:constr type="primFontSz" for="des" forName="parTx" val="22"/>
+          <dgm:constr type="primFontSz" for="des" forName="desTx" refType="primFontSz" refFor="des" refForName="parTx" op="lte" fact="0.75"/>
+          <dgm:constr type="h" for="des" forName="compNode" op="equ"/>
+          <dgm:constr type="h" for="des" forName="bgRect" op="equ"/>
+          <dgm:constr type="h" for="des" forName="iconRect" op="equ"/>
+          <dgm:constr type="w" for="des" forName="iconRect" op="equ"/>
+          <dgm:constr type="h" for="des" forName="spaceRect" op="equ"/>
+          <dgm:constr type="h" for="des" forName="parTx" op="equ"/>
+          <dgm:constr type="h" for="des" forName="desTx" op="equ"/>
+        </dgm:constrLst>
+      </dgm:if>
+      <dgm:if name="Name6" axis="ch" ptType="node" func="cnt" op="lte" val="6">
+        <dgm:constrLst>
+          <dgm:constr type="h" for="ch" forName="compNode" refType="h" fact="0.3"/>
+          <dgm:constr type="w" for="ch" forName="compNode" refType="w"/>
+          <dgm:constr type="h" for="ch" forName="sibTrans" refType="h" refFor="ch" refForName="compNode" fact="0.25"/>
+          <dgm:constr type="primFontSz" for="des" forName="parTx" val="19"/>
+          <dgm:constr type="primFontSz" for="des" forName="desTx" refType="primFontSz" refFor="des" refForName="parTx" op="lte" fact="0.75"/>
+          <dgm:constr type="h" for="des" forName="compNode" op="equ"/>
+          <dgm:constr type="h" for="des" forName="bgRect" op="equ"/>
+          <dgm:constr type="h" for="des" forName="iconRect" op="equ"/>
+          <dgm:constr type="w" for="des" forName="iconRect" op="equ"/>
+          <dgm:constr type="h" for="des" forName="spaceRect" op="equ"/>
+          <dgm:constr type="h" for="des" forName="parTx" op="equ"/>
+          <dgm:constr type="h" for="des" forName="desTx" op="equ"/>
+        </dgm:constrLst>
+      </dgm:if>
+      <dgm:else name="Name7">
+        <dgm:constrLst>
+          <dgm:constr type="h" for="ch" forName="compNode" refType="h" fact="0.3"/>
+          <dgm:constr type="w" for="ch" forName="compNode" refType="w"/>
+          <dgm:constr type="h" for="ch" forName="sibTrans" refType="h" refFor="ch" refForName="compNode" fact="0.25"/>
+          <dgm:constr type="primFontSz" for="des" forName="parTx" val="16"/>
+          <dgm:constr type="primFontSz" for="des" forName="desTx" refType="primFontSz" refFor="des" refForName="parTx" op="lte" fact="0.75"/>
+          <dgm:constr type="h" for="des" forName="compNode" op="equ"/>
+          <dgm:constr type="h" for="des" forName="bgRect" op="equ"/>
+          <dgm:constr type="h" for="des" forName="iconRect" op="equ"/>
+          <dgm:constr type="w" for="des" forName="iconRect" op="equ"/>
+          <dgm:constr type="h" for="des" forName="spaceRect" op="equ"/>
+          <dgm:constr type="h" for="des" forName="parTx" op="equ"/>
+          <dgm:constr type="h" for="des" forName="desTx" op="equ"/>
+        </dgm:constrLst>
+      </dgm:else>
+    </dgm:choose>
+    <dgm:ruleLst>
+      <dgm:rule type="h" for="ch" forName="compNode" val="0" fact="NaN" max="NaN"/>
+    </dgm:ruleLst>
+    <dgm:forEach name="Name8" axis="ch" ptType="node">
+      <dgm:layoutNode name="compNode">
+        <dgm:alg type="composite"/>
+        <dgm:shape xmlns:r="http://schemas.openxmlformats.org/officeDocument/2006/relationships" r:blip="">
+          <dgm:adjLst/>
+        </dgm:shape>
+        <dgm:presOf axis="self"/>
+        <dgm:choose name="Name9">
+          <dgm:if name="Name10" axis="ch" ptType="node" func="cnt" op="gte" val="1">
+            <dgm:constrLst>
+              <dgm:constr type="w" for="ch" forName="bgRect" refType="w"/>
+              <dgm:constr type="h" for="ch" forName="bgRect" refType="h"/>
+              <dgm:constr type="l" for="ch" forName="bgRect"/>
+              <dgm:constr type="t" for="ch" forName="bgRect"/>
+              <dgm:constr type="h" for="ch" forName="iconRect" refType="h" fact="0.55"/>
+              <dgm:constr type="w" for="ch" forName="iconRect" refType="h" refFor="ch" refForName="iconRect"/>
+              <dgm:constr type="l" for="ch" forName="iconRect" refType="h" refFor="ch" refForName="iconRect" fact="0.55"/>
+              <dgm:constr type="ctrY" for="ch" forName="iconRect" refType="ctrY" refFor="ch" refForName="bgRect"/>
+              <dgm:constr type="w" for="ch" forName="spaceRect" refType="l" refFor="ch" refForName="iconRect"/>
+              <dgm:constr type="h" for="ch" forName="spaceRect" refType="h"/>
+              <dgm:constr type="l" for="ch" forName="spaceRect" refType="r" refFor="ch" refForName="iconRect"/>
+              <dgm:constr type="t" for="ch" forName="spaceRect"/>
+              <dgm:constr type="w" for="ch" forName="parTx" refType="w" fact="0.45"/>
+              <dgm:constr type="h" for="ch" forName="parTx" refType="h"/>
+              <dgm:constr type="l" for="ch" forName="parTx" refType="r" refFor="ch" refForName="spaceRect"/>
+              <dgm:constr type="t" for="ch" forName="parTx"/>
+              <dgm:constr type="h" for="ch" forName="desTx" refType="h"/>
+              <dgm:constr type="l" for="ch" forName="desTx" refType="r" refFor="ch" refForName="parTx"/>
+              <dgm:constr type="t" for="ch" forName="desTx"/>
+            </dgm:constrLst>
+          </dgm:if>
+          <dgm:else name="Name11">
+            <dgm:constrLst>
+              <dgm:constr type="w" for="ch" forName="bgRect" refType="w"/>
+              <dgm:constr type="h" for="ch" forName="bgRect" refType="h"/>
+              <dgm:constr type="l" for="ch" forName="bgRect"/>
+              <dgm:constr type="t" for="ch" forName="bgRect"/>
+              <dgm:constr type="h" for="ch" forName="iconRect" refType="h" fact="0.55"/>
+              <dgm:constr type="w" for="ch" forName="iconRect" refType="h" refFor="ch" refForName="iconRect"/>
+              <dgm:constr type="l" for="ch" forName="iconRect" refType="h" refFor="ch" refForName="iconRect" fact="0.55"/>
+              <dgm:constr type="ctrY" for="ch" forName="iconRect" refType="ctrY" refFor="ch" refForName="bgRect"/>
+              <dgm:constr type="w" for="ch" forName="spaceRect" refType="l" refFor="ch" refForName="iconRect"/>
+              <dgm:constr type="h" for="ch" forName="spaceRect" refType="h"/>
+              <dgm:constr type="l" for="ch" forName="spaceRect" refType="r" refFor="ch" refForName="iconRect"/>
+              <dgm:constr type="t" for="ch" forName="spaceRect"/>
+              <dgm:constr type="h" for="ch" forName="parTx" refType="h"/>
+              <dgm:constr type="l" for="ch" forName="parTx" refType="r" refFor="ch" refForName="spaceRect"/>
+              <dgm:constr type="t" for="ch" forName="parTx"/>
+            </dgm:constrLst>
+          </dgm:else>
+        </dgm:choose>
+        <dgm:ruleLst>
+          <dgm:rule type="h" val="INF" fact="NaN" max="NaN"/>
+        </dgm:ruleLst>
+        <dgm:layoutNode name="bgRect" styleLbl="bgShp">
+          <dgm:alg type="sp"/>
+          <dgm:shape xmlns:r="http://schemas.openxmlformats.org/officeDocument/2006/relationships" type="roundRect" r:blip="">
+            <dgm:adjLst>
+              <dgm:adj idx="1" val="0.1"/>
+            </dgm:adjLst>
+          </dgm:shape>
+          <dgm:presOf/>
+          <dgm:constrLst/>
+          <dgm:ruleLst/>
+        </dgm:layoutNode>
+        <dgm:layoutNode name="iconRect" styleLbl="node1">
+          <dgm:alg type="sp"/>
+          <dgm:shape xmlns:r="http://schemas.openxmlformats.org/officeDocument/2006/relationships" type="rect" r:blip="" blipPhldr="1">
+            <dgm:adjLst/>
+          </dgm:shape>
+          <dgm:presOf/>
+          <dgm:constrLst/>
+          <dgm:ruleLst/>
+        </dgm:layoutNode>
+        <dgm:layoutNode name="spaceRect">
+          <dgm:alg type="sp"/>
+          <dgm:shape xmlns:r="http://schemas.openxmlformats.org/officeDocument/2006/relationships" r:blip="">
+            <dgm:adjLst/>
+          </dgm:shape>
+          <dgm:presOf/>
+          <dgm:constrLst/>
+          <dgm:ruleLst/>
+        </dgm:layoutNode>
+        <dgm:layoutNode name="parTx" styleLbl="revTx">
+          <dgm:varLst>
+            <dgm:chMax val="0"/>
+            <dgm:chPref val="0"/>
+          </dgm:varLst>
+          <dgm:alg type="tx">
+            <dgm:param type="txAnchorVert" val="mid"/>
+            <dgm:param type="parTxLTRAlign" val="l"/>
+            <dgm:param type="shpTxLTRAlignCh" val="l"/>
+            <dgm:param type="parTxRTLAlign" val="r"/>
+            <dgm:param type="shpTxRTLAlignCh" val="r"/>
+          </dgm:alg>
+          <dgm:shape xmlns:r="http://schemas.openxmlformats.org/officeDocument/2006/relationships" type="rect" r:blip="">
+            <dgm:adjLst/>
+          </dgm:shape>
+          <dgm:presOf axis="self" ptType="node"/>
+          <dgm:constrLst>
+            <dgm:constr type="lMarg" refType="h" fact="0.3"/>
+            <dgm:constr type="rMarg" refType="h" fact="0.3"/>
+            <dgm:constr type="tMarg" refType="h" fact="0.3"/>
+            <dgm:constr type="bMarg" refType="h" fact="0.3"/>
+          </dgm:constrLst>
+          <dgm:ruleLst>
+            <dgm:rule type="primFontSz" val="14" fact="NaN" max="NaN"/>
+            <dgm:rule type="h" val="INF" fact="NaN" max="NaN"/>
+          </dgm:ruleLst>
+        </dgm:layoutNode>
+        <dgm:choose name="Name12">
+          <dgm:if name="Name13" axis="ch" ptType="node" func="cnt" op="gte" val="1">
+            <dgm:layoutNode name="desTx" styleLbl="revTx">
+              <dgm:varLst/>
+              <dgm:alg type="tx">
+                <dgm:param type="txAnchorVertCh" val="mid"/>
+                <dgm:param type="parTxLTRAlign" val="l"/>
+                <dgm:param type="shpTxLTRAlignCh" val="l"/>
+                <dgm:param type="parTxRTLAlign" val="r"/>
+                <dgm:param type="shpTxRTLAlignCh" val="r"/>
+                <dgm:param type="stBulletLvl" val="0"/>
+              </dgm:alg>
+              <dgm:shape xmlns:r="http://schemas.openxmlformats.org/officeDocument/2006/relationships" type="rect" r:blip="">
+                <dgm:adjLst/>
+              </dgm:shape>
+              <dgm:presOf axis="des" ptType="node"/>
+              <dgm:constrLst>
+                <dgm:constr type="primFontSz" val="18"/>
+                <dgm:constr type="secFontSz" refType="primFontSz"/>
+                <dgm:constr type="lMarg" refType="h" fact="0.3"/>
+                <dgm:constr type="rMarg" refType="h" fact="0.3"/>
+                <dgm:constr type="tMarg" refType="h" fact="0.3"/>
+                <dgm:constr type="bMarg" refType="h" fact="0.3"/>
+              </dgm:constrLst>
+              <dgm:ruleLst>
+                <dgm:rule type="primFontSz" val="11" fact="NaN" max="NaN"/>
+              </dgm:ruleLst>
+            </dgm:layoutNode>
+          </dgm:if>
+          <dgm:else name="Name14"/>
+        </dgm:choose>
+      </dgm:layoutNode>
+      <dgm:forEach name="Name15" axis="followSib" ptType="sibTrans" cnt="1">
+        <dgm:layoutNode name="sibTrans">
+          <dgm:alg type="sp"/>
+          <dgm:shape xmlns:r="http://schemas.openxmlformats.org/officeDocument/2006/relationships" r:blip="">
+            <dgm:adjLst/>
+          </dgm:shape>
+          <dgm:presOf axis="self"/>
+          <dgm:constrLst/>
+          <dgm:ruleLst/>
+        </dgm:layoutNode>
+      </dgm:forEach>
+    </dgm:forEach>
+  </dgm:layoutNode>
+  <dgm:extLst>
+    <a:ext uri="{68A01E43-0DF5-4B5B-8FA6-DAF915123BFB}">
+      <dgm1612:lstStyle xmlns:dgm1612="http://schemas.microsoft.com/office/drawing/2016/12/diagram">
+        <a:lvl1pPr>
+          <a:lnSpc>
+            <a:spcPct val="100000"/>
+          </a:lnSpc>
+        </a:lvl1pPr>
+        <a:lvl2pPr>
+          <a:lnSpc>
+            <a:spcPct val="100000"/>
+          </a:lnSpc>
+        </a:lvl2pPr>
+      </dgm1612:lstStyle>
+    </a:ext>
+  </dgm:extLst>
+</dgm:layoutDef>
+</file>
+
+<file path=ppt/diagrams/quickStyle1.xml><?xml version="1.0" encoding="utf-8"?>
+<dgm:styleDef xmlns:dgm="http://schemas.openxmlformats.org/drawingml/2006/diagram" xmlns:a="http://schemas.openxmlformats.org/drawingml/2006/main" uniqueId="urn:microsoft.com/office/officeart/2005/8/quickstyle/simple1">
+  <dgm:title val=""/>
+  <dgm:desc val=""/>
+  <dgm:catLst>
+    <dgm:cat type="simple" pri="10100"/>
+  </dgm:catLst>
+  <dgm:scene3d>
+    <a:camera prst="orthographicFront"/>
+    <a:lightRig rig="threePt" dir="t"/>
+  </dgm:scene3d>
+  <dgm:styleLbl name="node0">
+    <dgm:scene3d>
+      <a:camera prst="orthographicFront"/>
+      <a:lightRig rig="threePt" dir="t"/>
+    </dgm:scene3d>
+    <dgm:sp3d/>
+    <dgm:txPr/>
+    <dgm:style>
+      <a:lnRef idx="2">
+        <a:scrgbClr r="0" g="0" b="0"/>
+      </a:lnRef>
+      <a:fillRef idx="1">
+        <a:scrgbClr r="0" g="0" b="0"/>
+      </a:fillRef>
+      <a:effectRef idx="0">
+        <a:scrgbClr r="0" g="0" b="0"/>
+      </a:effectRef>
+      <a:fontRef idx="minor">
+        <a:schemeClr val="lt1"/>
+      </a:fontRef>
+    </dgm:style>
+  </dgm:styleLbl>
+  <dgm:styleLbl name="lnNode1">
+    <dgm:scene3d>
+      <a:camera prst="orthographicFront"/>
+      <a:lightRig rig="threePt" dir="t"/>
+    </dgm:scene3d>
+    <dgm:sp3d/>
+    <dgm:txPr/>
+    <dgm:style>
+      <a:lnRef idx="2">
+        <a:scrgbClr r="0" g="0" b="0"/>
+      </a:lnRef>
+      <a:fillRef idx="1">
+        <a:scrgbClr r="0" g="0" b="0"/>
+      </a:fillRef>
+      <a:effectRef idx="0">
+        <a:scrgbClr r="0" g="0" b="0"/>
+      </a:effectRef>
+      <a:fontRef idx="minor">
+        <a:schemeClr val="lt1"/>
+      </a:fontRef>
+    </dgm:style>
+  </dgm:styleLbl>
+  <dgm:styleLbl name="vennNode1">
+    <dgm:scene3d>
+      <a:camera prst="orthographicFront"/>
+      <a:lightRig rig="threePt" dir="t"/>
+    </dgm:scene3d>
+    <dgm:sp3d/>
+    <dgm:txPr/>
+    <dgm:style>
+      <a:lnRef idx="2">
+        <a:scrgbClr r="0" g="0" b="0"/>
+      </a:lnRef>
+      <a:fillRef idx="1">
+        <a:scrgbClr r="0" g="0" b="0"/>
+      </a:fillRef>
+      <a:effectRef idx="0">
+        <a:scrgbClr r="0" g="0" b="0"/>
+      </a:effectRef>
+      <a:fontRef idx="minor">
+        <a:schemeClr val="tx1"/>
+      </a:fontRef>
+    </dgm:style>
+  </dgm:styleLbl>
+  <dgm:styleLbl name="alignNode1">
+    <dgm:scene3d>
+      <a:camera prst="orthographicFront"/>
+      <a:lightRig rig="threePt" dir="t"/>
+    </dgm:scene3d>
+    <dgm:sp3d/>
+    <dgm:txPr/>
+    <dgm:style>
+      <a:lnRef idx="2">
+        <a:scrgbClr r="0" g="0" b="0"/>
+      </a:lnRef>
+      <a:fillRef idx="1">
+        <a:scrgbClr r="0" g="0" b="0"/>
+      </a:fillRef>
+      <a:effectRef idx="0">
+        <a:scrgbClr r="0" g="0" b="0"/>
+      </a:effectRef>
+      <a:fontRef idx="minor">
+        <a:schemeClr val="lt1"/>
+      </a:fontRef>
+    </dgm:style>
+  </dgm:styleLbl>
+  <dgm:styleLbl name="node1">
+    <dgm:scene3d>
+      <a:camera prst="orthographicFront"/>
+      <a:lightRig rig="threePt" dir="t"/>
+    </dgm:scene3d>
+    <dgm:sp3d/>
+    <dgm:txPr/>
+    <dgm:style>
+      <a:lnRef idx="2">
+        <a:scrgbClr r="0" g="0" b="0"/>
+      </a:lnRef>
+      <a:fillRef idx="1">
+        <a:scrgbClr r="0" g="0" b="0"/>
+      </a:fillRef>
+      <a:effectRef idx="0">
+        <a:scrgbClr r="0" g="0" b="0"/>
+      </a:effectRef>
+      <a:fontRef idx="minor">
+        <a:schemeClr val="lt1"/>
+      </a:fontRef>
+    </dgm:style>
+  </dgm:styleLbl>
+  <dgm:styleLbl name="node2">
+    <dgm:scene3d>
+      <a:camera prst="orthographicFront"/>
+      <a:lightRig rig="threePt" dir="t"/>
+    </dgm:scene3d>
+    <dgm:sp3d/>
+    <dgm:txPr/>
+    <dgm:style>
+      <a:lnRef idx="2">
+        <a:scrgbClr r="0" g="0" b="0"/>
+      </a:lnRef>
+      <a:fillRef idx="1">
+        <a:scrgbClr r="0" g="0" b="0"/>
+      </a:fillRef>
+      <a:effectRef idx="0">
+        <a:scrgbClr r="0" g="0" b="0"/>
+      </a:effectRef>
+      <a:fontRef idx="minor">
+        <a:schemeClr val="lt1"/>
+      </a:fontRef>
+    </dgm:style>
+  </dgm:styleLbl>
+  <dgm:styleLbl name="node3">
+    <dgm:scene3d>
+      <a:camera prst="orthographicFront"/>
+      <a:lightRig rig="threePt" dir="t"/>
+    </dgm:scene3d>
+    <dgm:sp3d/>
+    <dgm:txPr/>
+    <dgm:style>
+      <a:lnRef idx="2">
+        <a:scrgbClr r="0" g="0" b="0"/>
+      </a:lnRef>
+      <a:fillRef idx="1">
+        <a:scrgbClr r="0" g="0" b="0"/>
+      </a:fillRef>
+      <a:effectRef idx="0">
+        <a:scrgbClr r="0" g="0" b="0"/>
+      </a:effectRef>
+      <a:fontRef idx="minor">
+        <a:schemeClr val="lt1"/>
+      </a:fontRef>
+    </dgm:style>
+  </dgm:styleLbl>
+  <dgm:styleLbl name="node4">
+    <dgm:scene3d>
+      <a:camera prst="orthographicFront"/>
+      <a:lightRig rig="threePt" dir="t"/>
+    </dgm:scene3d>
+    <dgm:sp3d/>
+    <dgm:txPr/>
+    <dgm:style>
+      <a:lnRef idx="2">
+        <a:scrgbClr r="0" g="0" b="0"/>
+      </a:lnRef>
+      <a:fillRef idx="1">
+        <a:scrgbClr r="0" g="0" b="0"/>
+      </a:fillRef>
+      <a:effectRef idx="0">
+        <a:scrgbClr r="0" g="0" b="0"/>
+      </a:effectRef>
+      <a:fontRef idx="minor">
+        <a:schemeClr val="lt1"/>
+      </a:fontRef>
+    </dgm:style>
+  </dgm:styleLbl>
+  <dgm:styleLbl name="fgImgPlace1">
+    <dgm:scene3d>
+      <a:camera prst="orthographicFront"/>
+      <a:lightRig rig="threePt" dir="t"/>
+    </dgm:scene3d>
+    <dgm:sp3d/>
+    <dgm:txPr/>
+    <dgm:style>
+      <a:lnRef idx="2">
+        <a:scrgbClr r="0" g="0" b="0"/>
+      </a:lnRef>
+      <a:fillRef idx="1">
+        <a:scrgbClr r="0" g="0" b="0"/>
+      </a:fillRef>
+      <a:effectRef idx="0">
+        <a:scrgbClr r="0" g="0" b="0"/>
+      </a:effectRef>
+      <a:fontRef idx="minor"/>
+    </dgm:style>
+  </dgm:styleLbl>
+  <dgm:styleLbl name="alignImgPlace1">
+    <dgm:scene3d>
+      <a:camera prst="orthographicFront"/>
+      <a:lightRig rig="threePt" dir="t"/>
+    </dgm:scene3d>
+    <dgm:sp3d/>
+    <dgm:txPr/>
+    <dgm:style>
+      <a:lnRef idx="2">
+        <a:scrgbClr r="0" g="0" b="0"/>
+      </a:lnRef>
+      <a:fillRef idx="1">
+        <a:scrgbClr r="0" g="0" b="0"/>
+      </a:fillRef>
+      <a:effectRef idx="0">
+        <a:scrgbClr r="0" g="0" b="0"/>
+      </a:effectRef>
+      <a:fontRef idx="minor"/>
+    </dgm:style>
+  </dgm:styleLbl>
+  <dgm:styleLbl name="bgImgPlace1">
+    <dgm:scene3d>
+      <a:camera prst="orthographicFront"/>
+      <a:lightRig rig="threePt" dir="t"/>
+    </dgm:scene3d>
+    <dgm:sp3d/>
+    <dgm:txPr/>
+    <dgm:style>
+      <a:lnRef idx="2">
+        <a:scrgbClr r="0" g="0" b="0"/>
+      </a:lnRef>
+      <a:fillRef idx="1">
+        <a:scrgbClr r="0" g="0" b="0"/>
+      </a:fillRef>
+      <a:effectRef idx="0">
+        <a:scrgbClr r="0" g="0" b="0"/>
+      </a:effectRef>
+      <a:fontRef idx="minor"/>
+    </dgm:style>
+  </dgm:styleLbl>
+  <dgm:styleLbl name="sibTrans2D1">
+    <dgm:scene3d>
+      <a:camera prst="orthographicFront"/>
+      <a:lightRig rig="threePt" dir="t"/>
+    </dgm:scene3d>
+    <dgm:sp3d/>
+    <dgm:txPr/>
+    <dgm:style>
+      <a:lnRef idx="0">
+        <a:scrgbClr r="0" g="0" b="0"/>
+      </a:lnRef>
+      <a:fillRef idx="1">
+        <a:scrgbClr r="0" g="0" b="0"/>
+      </a:fillRef>
+      <a:effectRef idx="0">
+        <a:scrgbClr r="0" g="0" b="0"/>
+      </a:effectRef>
+      <a:fontRef idx="minor">
+        <a:schemeClr val="lt1"/>
+      </a:fontRef>
+    </dgm:style>
+  </dgm:styleLbl>
+  <dgm:styleLbl name="fgSibTrans2D1">
+    <dgm:scene3d>
+      <a:camera prst="orthographicFront"/>
+      <a:lightRig rig="threePt" dir="t"/>
+    </dgm:scene3d>
+    <dgm:sp3d/>
+    <dgm:txPr/>
+    <dgm:style>
+      <a:lnRef idx="0">
+        <a:scrgbClr r="0" g="0" b="0"/>
+      </a:lnRef>
+      <a:fillRef idx="1">
+        <a:scrgbClr r="0" g="0" b="0"/>
+      </a:fillRef>
+      <a:effectRef idx="0">
+        <a:scrgbClr r="0" g="0" b="0"/>
+      </a:effectRef>
+      <a:fontRef idx="minor">
+        <a:schemeClr val="lt1"/>
+      </a:fontRef>
+    </dgm:style>
+  </dgm:styleLbl>
+  <dgm:styleLbl name="bgSibTrans2D1">
+    <dgm:scene3d>
+      <a:camera prst="orthographicFront"/>
+      <a:lightRig rig="threePt" dir="t"/>
+    </dgm:scene3d>
+    <dgm:sp3d/>
+    <dgm:txPr/>
+    <dgm:style>
+      <a:lnRef idx="0">
+        <a:scrgbClr r="0" g="0" b="0"/>
+      </a:lnRef>
+      <a:fillRef idx="1">
+        <a:scrgbClr r="0" g="0" b="0"/>
+      </a:fillRef>
+      <a:effectRef idx="0">
+        <a:scrgbClr r="0" g="0" b="0"/>
+      </a:effectRef>
+      <a:fontRef idx="minor">
+        <a:schemeClr val="lt1"/>
+      </a:fontRef>
+    </dgm:style>
+  </dgm:styleLbl>
+  <dgm:styleLbl name="sibTrans1D1">
+    <dgm:scene3d>
+      <a:camera prst="orthographicFront"/>
+      <a:lightRig rig="threePt" dir="t"/>
+    </dgm:scene3d>
+    <dgm:sp3d/>
+    <dgm:txPr/>
+    <dgm:style>
+      <a:lnRef idx="1">
+        <a:scrgbClr r="0" g="0" b="0"/>
+      </a:lnRef>
+      <a:fillRef idx="0">
+        <a:scrgbClr r="0" g="0" b="0"/>
+      </a:fillRef>
+      <a:effectRef idx="0">
+        <a:scrgbClr r="0" g="0" b="0"/>
+      </a:effectRef>
+      <a:fontRef idx="minor"/>
+    </dgm:style>
+  </dgm:styleLbl>
+  <dgm:styleLbl name="callout">
+    <dgm:scene3d>
+      <a:camera prst="orthographicFront"/>
+      <a:lightRig rig="threePt" dir="t"/>
+    </dgm:scene3d>
+    <dgm:sp3d/>
+    <dgm:txPr/>
+    <dgm:style>
+      <a:lnRef idx="2">
+        <a:scrgbClr r="0" g="0" b="0"/>
+      </a:lnRef>
+      <a:fillRef idx="1">
+        <a:scrgbClr r="0" g="0" b="0"/>
+      </a:fillRef>
+      <a:effectRef idx="0">
+        <a:scrgbClr r="0" g="0" b="0"/>
+      </a:effectRef>
+      <a:fontRef idx="minor"/>
+    </dgm:style>
+  </dgm:styleLbl>
+  <dgm:styleLbl name="asst0">
+    <dgm:scene3d>
+      <a:camera prst="orthographicFront"/>
+      <a:lightRig rig="threePt" dir="t"/>
+    </dgm:scene3d>
+    <dgm:sp3d/>
+    <dgm:txPr/>
+    <dgm:style>
+      <a:lnRef idx="2">
+        <a:scrgbClr r="0" g="0" b="0"/>
+      </a:lnRef>
+      <a:fillRef idx="1">
+        <a:scrgbClr r="0" g="0" b="0"/>
+      </a:fillRef>
+      <a:effectRef idx="0">
+        <a:scrgbClr r="0" g="0" b="0"/>
+      </a:effectRef>
+      <a:fontRef idx="minor">
+        <a:schemeClr val="lt1"/>
+      </a:fontRef>
+    </dgm:style>
+  </dgm:styleLbl>
+  <dgm:styleLbl name="asst1">
+    <dgm:scene3d>
+      <a:camera prst="orthographicFront"/>
+      <a:lightRig rig="threePt" dir="t"/>
+    </dgm:scene3d>
+    <dgm:sp3d/>
+    <dgm:txPr/>
+    <dgm:style>
+      <a:lnRef idx="2">
+        <a:scrgbClr r="0" g="0" b="0"/>
+      </a:lnRef>
+      <a:fillRef idx="1">
+        <a:scrgbClr r="0" g="0" b="0"/>
+      </a:fillRef>
+      <a:effectRef idx="0">
+        <a:scrgbClr r="0" g="0" b="0"/>
+      </a:effectRef>
+      <a:fontRef idx="minor">
+        <a:schemeClr val="lt1"/>
+      </a:fontRef>
+    </dgm:style>
+  </dgm:styleLbl>
+  <dgm:styleLbl name="asst2">
+    <dgm:scene3d>
+      <a:camera prst="orthographicFront"/>
+      <a:lightRig rig="threePt" dir="t"/>
+    </dgm:scene3d>
+    <dgm:sp3d/>
+    <dgm:txPr/>
+    <dgm:style>
+      <a:lnRef idx="2">
+        <a:scrgbClr r="0" g="0" b="0"/>
+      </a:lnRef>
+      <a:fillRef idx="1">
+        <a:scrgbClr r="0" g="0" b="0"/>
+      </a:fillRef>
+      <a:effectRef idx="0">
+        <a:scrgbClr r="0" g="0" b="0"/>
+      </a:effectRef>
+      <a:fontRef idx="minor">
+        <a:schemeClr val="lt1"/>
+      </a:fontRef>
+    </dgm:style>
+  </dgm:styleLbl>
+  <dgm:styleLbl name="asst3">
+    <dgm:scene3d>
+      <a:camera prst="orthographicFront"/>
+      <a:lightRig rig="threePt" dir="t"/>
+    </dgm:scene3d>
+    <dgm:sp3d/>
+    <dgm:txPr/>
+    <dgm:style>
+      <a:lnRef idx="2">
+        <a:scrgbClr r="0" g="0" b="0"/>
+      </a:lnRef>
+      <a:fillRef idx="1">
+        <a:scrgbClr r="0" g="0" b="0"/>
+      </a:fillRef>
+      <a:effectRef idx="0">
+        <a:scrgbClr r="0" g="0" b="0"/>
+      </a:effectRef>
+      <a:fontRef idx="minor">
+        <a:schemeClr val="lt1"/>
+      </a:fontRef>
+    </dgm:style>
+  </dgm:styleLbl>
+  <dgm:styleLbl name="asst4">
+    <dgm:scene3d>
+      <a:camera prst="orthographicFront"/>
+      <a:lightRig rig="threePt" dir="t"/>
+    </dgm:scene3d>
+    <dgm:sp3d/>
+    <dgm:txPr/>
+    <dgm:style>
+      <a:lnRef idx="2">
+        <a:scrgbClr r="0" g="0" b="0"/>
+      </a:lnRef>
+      <a:fillRef idx="1">
+        <a:scrgbClr r="0" g="0" b="0"/>
+      </a:fillRef>
+      <a:effectRef idx="0">
+        <a:scrgbClr r="0" g="0" b="0"/>
+      </a:effectRef>
+      <a:fontRef idx="minor">
+        <a:schemeClr val="lt1"/>
+      </a:fontRef>
+    </dgm:style>
+  </dgm:styleLbl>
+  <dgm:styleLbl name="parChTrans2D1">
+    <dgm:scene3d>
+      <a:camera prst="orthographicFront"/>
+      <a:lightRig rig="threePt" dir="t"/>
+    </dgm:scene3d>
+    <dgm:sp3d/>
+    <dgm:txPr/>
+    <dgm:style>
+      <a:lnRef idx="2">
+        <a:scrgbClr r="0" g="0" b="0"/>
+      </a:lnRef>
+      <a:fillRef idx="1">
+        <a:scrgbClr r="0" g="0" b="0"/>
+      </a:fillRef>
+      <a:effectRef idx="0">
+        <a:scrgbClr r="0" g="0" b="0"/>
+      </a:effectRef>
+      <a:fontRef idx="minor">
+        <a:schemeClr val="lt1"/>
+      </a:fontRef>
+    </dgm:style>
+  </dgm:styleLbl>
+  <dgm:styleLbl name="parChTrans2D2">
+    <dgm:scene3d>
+      <a:camera prst="orthographicFront"/>
+      <a:lightRig rig="threePt" dir="t"/>
+    </dgm:scene3d>
+    <dgm:sp3d/>
+    <dgm:txPr/>
+    <dgm:style>
+      <a:lnRef idx="2">
+        <a:scrgbClr r="0" g="0" b="0"/>
+      </a:lnRef>
+      <a:fillRef idx="1">
+        <a:scrgbClr r="0" g="0" b="0"/>
+      </a:fillRef>
+      <a:effectRef idx="0">
+        <a:scrgbClr r="0" g="0" b="0"/>
+      </a:effectRef>
+      <a:fontRef idx="minor">
+        <a:schemeClr val="lt1"/>
+      </a:fontRef>
+    </dgm:style>
+  </dgm:styleLbl>
+  <dgm:styleLbl name="parChTrans2D3">
+    <dgm:scene3d>
+      <a:camera prst="orthographicFront"/>
+      <a:lightRig rig="threePt" dir="t"/>
+    </dgm:scene3d>
+    <dgm:sp3d/>
+    <dgm:txPr/>
+    <dgm:style>
+      <a:lnRef idx="2">
+        <a:scrgbClr r="0" g="0" b="0"/>
+      </a:lnRef>
+      <a:fillRef idx="1">
+        <a:scrgbClr r="0" g="0" b="0"/>
+      </a:fillRef>
+      <a:effectRef idx="0">
+        <a:scrgbClr r="0" g="0" b="0"/>
+      </a:effectRef>
+      <a:fontRef idx="minor">
+        <a:schemeClr val="lt1"/>
+      </a:fontRef>
+    </dgm:style>
+  </dgm:styleLbl>
+  <dgm:styleLbl name="parChTrans2D4">
+    <dgm:scene3d>
+      <a:camera prst="orthographicFront"/>
+      <a:lightRig rig="threePt" dir="t"/>
+    </dgm:scene3d>
+    <dgm:sp3d/>
+    <dgm:txPr/>
+    <dgm:style>
+      <a:lnRef idx="2">
+        <a:scrgbClr r="0" g="0" b="0"/>
+      </a:lnRef>
+      <a:fillRef idx="1">
+        <a:scrgbClr r="0" g="0" b="0"/>
+      </a:fillRef>
+      <a:effectRef idx="0">
+        <a:scrgbClr r="0" g="0" b="0"/>
+      </a:effectRef>
+      <a:fontRef idx="minor">
+        <a:schemeClr val="lt1"/>
+      </a:fontRef>
+    </dgm:style>
+  </dgm:styleLbl>
+  <dgm:styleLbl name="parChTrans1D1">
+    <dgm:scene3d>
+      <a:camera prst="orthographicFront"/>
+      <a:lightRig rig="threePt" dir="t"/>
+    </dgm:scene3d>
+    <dgm:sp3d/>
+    <dgm:txPr/>
+    <dgm:style>
+      <a:lnRef idx="2">
+        <a:scrgbClr r="0" g="0" b="0"/>
+      </a:lnRef>
+      <a:fillRef idx="0">
+        <a:scrgbClr r="0" g="0" b="0"/>
+      </a:fillRef>
+      <a:effectRef idx="0">
+        <a:scrgbClr r="0" g="0" b="0"/>
+      </a:effectRef>
+      <a:fontRef idx="minor"/>
+    </dgm:style>
+  </dgm:styleLbl>
+  <dgm:styleLbl name="parChTrans1D2">
+    <dgm:scene3d>
+      <a:camera prst="orthographicFront"/>
+      <a:lightRig rig="threePt" dir="t"/>
+    </dgm:scene3d>
+    <dgm:sp3d/>
+    <dgm:txPr/>
+    <dgm:style>
+      <a:lnRef idx="2">
+        <a:scrgbClr r="0" g="0" b="0"/>
+      </a:lnRef>
+      <a:fillRef idx="0">
+        <a:scrgbClr r="0" g="0" b="0"/>
+      </a:fillRef>
+      <a:effectRef idx="0">
+        <a:scrgbClr r="0" g="0" b="0"/>
+      </a:effectRef>
+      <a:fontRef idx="minor"/>
+    </dgm:style>
+  </dgm:styleLbl>
+  <dgm:styleLbl name="parChTrans1D3">
+    <dgm:scene3d>
+      <a:camera prst="orthographicFront"/>
+      <a:lightRig rig="threePt" dir="t"/>
+    </dgm:scene3d>
+    <dgm:sp3d/>
+    <dgm:txPr/>
+    <dgm:style>
+      <a:lnRef idx="2">
+        <a:scrgbClr r="0" g="0" b="0"/>
+      </a:lnRef>
+      <a:fillRef idx="0">
+        <a:scrgbClr r="0" g="0" b="0"/>
+      </a:fillRef>
+      <a:effectRef idx="0">
+        <a:scrgbClr r="0" g="0" b="0"/>
+      </a:effectRef>
+      <a:fontRef idx="minor"/>
+    </dgm:style>
+  </dgm:styleLbl>
+  <dgm:styleLbl name="parChTrans1D4">
+    <dgm:scene3d>
+      <a:camera prst="orthographicFront"/>
+      <a:lightRig rig="threePt" dir="t"/>
+    </dgm:scene3d>
+    <dgm:sp3d/>
+    <dgm:txPr/>
+    <dgm:style>
+      <a:lnRef idx="2">
+        <a:scrgbClr r="0" g="0" b="0"/>
+      </a:lnRef>
+      <a:fillRef idx="0">
+        <a:scrgbClr r="0" g="0" b="0"/>
+      </a:fillRef>
+      <a:effectRef idx="0">
+        <a:scrgbClr r="0" g="0" b="0"/>
+      </a:effectRef>
+      <a:fontRef idx="minor"/>
+    </dgm:style>
+  </dgm:styleLbl>
+  <dgm:styleLbl name="fgAcc1">
+    <dgm:scene3d>
+      <a:camera prst="orthographicFront"/>
+      <a:lightRig rig="threePt" dir="t"/>
+    </dgm:scene3d>
+    <dgm:sp3d/>
+    <dgm:txPr/>
+    <dgm:style>
+      <a:lnRef idx="2">
+        <a:scrgbClr r="0" g="0" b="0"/>
+      </a:lnRef>
+      <a:fillRef idx="1">
+        <a:scrgbClr r="0" g="0" b="0"/>
+      </a:fillRef>
+      <a:effectRef idx="0">
+        <a:scrgbClr r="0" g="0" b="0"/>
+      </a:effectRef>
+      <a:fontRef idx="minor"/>
+    </dgm:style>
+  </dgm:styleLbl>
+  <dgm:styleLbl name="conFgAcc1">
+    <dgm:scene3d>
+      <a:camera prst="orthographicFront"/>
+      <a:lightRig rig="threePt" dir="t"/>
+    </dgm:scene3d>
+    <dgm:sp3d/>
+    <dgm:txPr/>
+    <dgm:style>
+      <a:lnRef idx="2">
+        <a:scrgbClr r="0" g="0" b="0"/>
+      </a:lnRef>
+      <a:fillRef idx="1">
+        <a:scrgbClr r="0" g="0" b="0"/>
+      </a:fillRef>
+      <a:effectRef idx="0">
+        <a:scrgbClr r="0" g="0" b="0"/>
+      </a:effectRef>
+      <a:fontRef idx="minor"/>
+    </dgm:style>
+  </dgm:styleLbl>
+  <dgm:styleLbl name="alignAcc1">
+    <dgm:scene3d>
+      <a:camera prst="orthographicFront"/>
+      <a:lightRig rig="threePt" dir="t"/>
+    </dgm:scene3d>
+    <dgm:sp3d/>
+    <dgm:txPr/>
+    <dgm:style>
+      <a:lnRef idx="2">
+        <a:scrgbClr r="0" g="0" b="0"/>
+      </a:lnRef>
+      <a:fillRef idx="1">
+        <a:scrgbClr r="0" g="0" b="0"/>
+      </a:fillRef>
+      <a:effectRef idx="0">
+        <a:scrgbClr r="0" g="0" b="0"/>
+      </a:effectRef>
+      <a:fontRef idx="minor"/>
+    </dgm:style>
+  </dgm:styleLbl>
+  <dgm:styleLbl name="trAlignAcc1">
+    <dgm:scene3d>
+      <a:camera prst="orthographicFront"/>
+      <a:lightRig rig="threePt" dir="t"/>
+    </dgm:scene3d>
+    <dgm:sp3d/>
+    <dgm:txPr/>
+    <dgm:style>
+      <a:lnRef idx="1">
+        <a:scrgbClr r="0" g="0" b="0"/>
+      </a:lnRef>
+      <a:fillRef idx="1">
+        <a:scrgbClr r="0" g="0" b="0"/>
+      </a:fillRef>
+      <a:effectRef idx="0">
+        <a:scrgbClr r="0" g="0" b="0"/>
+      </a:effectRef>
+      <a:fontRef idx="minor"/>
+    </dgm:style>
+  </dgm:styleLbl>
+  <dgm:styleLbl name="bgAcc1">
+    <dgm:scene3d>
+      <a:camera prst="orthographicFront"/>
+      <a:lightRig rig="threePt" dir="t"/>
+    </dgm:scene3d>
+    <dgm:sp3d/>
+    <dgm:txPr/>
+    <dgm:style>
+      <a:lnRef idx="2">
+        <a:scrgbClr r="0" g="0" b="0"/>
+      </a:lnRef>
+      <a:fillRef idx="1">
+        <a:scrgbClr r="0" g="0" b="0"/>
+      </a:fillRef>
+      <a:effectRef idx="0">
+        <a:scrgbClr r="0" g="0" b="0"/>
+      </a:effectRef>
+      <a:fontRef idx="minor"/>
+    </dgm:style>
+  </dgm:styleLbl>
+  <dgm:styleLbl name="solidFgAcc1">
+    <dgm:scene3d>
+      <a:camera prst="orthographicFront"/>
+      <a:lightRig rig="threePt" dir="t"/>
+    </dgm:scene3d>
+    <dgm:sp3d/>
+    <dgm:txPr/>
+    <dgm:style>
+      <a:lnRef idx="2">
+        <a:scrgbClr r="0" g="0" b="0"/>
+      </a:lnRef>
+      <a:fillRef idx="1">
+        <a:scrgbClr r="0" g="0" b="0"/>
+      </a:fillRef>
+      <a:effectRef idx="0">
+        <a:scrgbClr r="0" g="0" b="0"/>
+      </a:effectRef>
+      <a:fontRef idx="minor"/>
+    </dgm:style>
+  </dgm:styleLbl>
+  <dgm:styleLbl name="solidAlignAcc1">
+    <dgm:scene3d>
+      <a:camera prst="orthographicFront"/>
+      <a:lightRig rig="threePt" dir="t"/>
+    </dgm:scene3d>
+    <dgm:sp3d/>
+    <dgm:txPr/>
+    <dgm:style>
+      <a:lnRef idx="2">
+        <a:scrgbClr r="0" g="0" b="0"/>
+      </a:lnRef>
+      <a:fillRef idx="1">
+        <a:scrgbClr r="0" g="0" b="0"/>
+      </a:fillRef>
+      <a:effectRef idx="0">
+        <a:scrgbClr r="0" g="0" b="0"/>
+      </a:effectRef>
+      <a:fontRef idx="minor"/>
+    </dgm:style>
+  </dgm:styleLbl>
+  <dgm:styleLbl name="solidBgAcc1">
+    <dgm:scene3d>
+      <a:camera prst="orthographicFront"/>
+      <a:lightRig rig="threePt" dir="t"/>
+    </dgm:scene3d>
+    <dgm:sp3d/>
+    <dgm:txPr/>
+    <dgm:style>
+      <a:lnRef idx="2">
+        <a:scrgbClr r="0" g="0" b="0"/>
+      </a:lnRef>
+      <a:fillRef idx="1">
+        <a:scrgbClr r="0" g="0" b="0"/>
+      </a:fillRef>
+      <a:effectRef idx="0">
+        <a:scrgbClr r="0" g="0" b="0"/>
+      </a:effectRef>
+      <a:fontRef idx="minor"/>
+    </dgm:style>
+  </dgm:styleLbl>
+  <dgm:styleLbl name="fgAccFollowNode1">
+    <dgm:scene3d>
+      <a:camera prst="orthographicFront"/>
+      <a:lightRig rig="threePt" dir="t"/>
+    </dgm:scene3d>
+    <dgm:sp3d/>
+    <dgm:txPr/>
+    <dgm:style>
+      <a:lnRef idx="2">
+        <a:scrgbClr r="0" g="0" b="0"/>
+      </a:lnRef>
+      <a:fillRef idx="1">
+        <a:scrgbClr r="0" g="0" b="0"/>
+      </a:fillRef>
+      <a:effectRef idx="0">
+        <a:scrgbClr r="0" g="0" b="0"/>
+      </a:effectRef>
+      <a:fontRef idx="minor"/>
+    </dgm:style>
+  </dgm:styleLbl>
+  <dgm:styleLbl name="alignAccFollowNode1">
+    <dgm:scene3d>
+      <a:camera prst="orthographicFront"/>
+      <a:lightRig rig="threePt" dir="t"/>
+    </dgm:scene3d>
+    <dgm:sp3d/>
+    <dgm:txPr/>
+    <dgm:style>
+      <a:lnRef idx="2">
+        <a:scrgbClr r="0" g="0" b="0"/>
+      </a:lnRef>
+      <a:fillRef idx="1">
+        <a:scrgbClr r="0" g="0" b="0"/>
+      </a:fillRef>
+      <a:effectRef idx="0">
+        <a:scrgbClr r="0" g="0" b="0"/>
+      </a:effectRef>
+      <a:fontRef idx="minor"/>
+    </dgm:style>
+  </dgm:styleLbl>
+  <dgm:styleLbl name="bgAccFollowNode1">
+    <dgm:scene3d>
+      <a:camera prst="orthographicFront"/>
+      <a:lightRig rig="threePt" dir="t"/>
+    </dgm:scene3d>
+    <dgm:sp3d/>
+    <dgm:txPr/>
+    <dgm:style>
+      <a:lnRef idx="2">
+        <a:scrgbClr r="0" g="0" b="0"/>
+      </a:lnRef>
+      <a:fillRef idx="1">
+        <a:scrgbClr r="0" g="0" b="0"/>
+      </a:fillRef>
+      <a:effectRef idx="0">
+        <a:scrgbClr r="0" g="0" b="0"/>
+      </a:effectRef>
+      <a:fontRef idx="minor"/>
+    </dgm:style>
+  </dgm:styleLbl>
+  <dgm:styleLbl name="fgAcc0">
+    <dgm:scene3d>
+      <a:camera prst="orthographicFront"/>
+      <a:lightRig rig="threePt" dir="t"/>
+    </dgm:scene3d>
+    <dgm:sp3d/>
+    <dgm:txPr/>
+    <dgm:style>
+      <a:lnRef idx="2">
+        <a:scrgbClr r="0" g="0" b="0"/>
+      </a:lnRef>
+      <a:fillRef idx="1">
+        <a:scrgbClr r="0" g="0" b="0"/>
+      </a:fillRef>
+      <a:effectRef idx="0">
+        <a:scrgbClr r="0" g="0" b="0"/>
+      </a:effectRef>
+      <a:fontRef idx="minor"/>
+    </dgm:style>
+  </dgm:styleLbl>
+  <dgm:styleLbl name="fgAcc2">
+    <dgm:scene3d>
+      <a:camera prst="orthographicFront"/>
+      <a:lightRig rig="threePt" dir="t"/>
+    </dgm:scene3d>
+    <dgm:sp3d/>
+    <dgm:txPr/>
+    <dgm:style>
+      <a:lnRef idx="2">
+        <a:scrgbClr r="0" g="0" b="0"/>
+      </a:lnRef>
+      <a:fillRef idx="1">
+        <a:scrgbClr r="0" g="0" b="0"/>
+      </a:fillRef>
+      <a:effectRef idx="0">
+        <a:scrgbClr r="0" g="0" b="0"/>
+      </a:effectRef>
+      <a:fontRef idx="minor"/>
+    </dgm:style>
+  </dgm:styleLbl>
+  <dgm:styleLbl name="fgAcc3">
+    <dgm:scene3d>
+      <a:camera prst="orthographicFront"/>
+      <a:lightRig rig="threePt" dir="t"/>
+    </dgm:scene3d>
+    <dgm:sp3d/>
+    <dgm:txPr/>
+    <dgm:style>
+      <a:lnRef idx="2">
+        <a:scrgbClr r="0" g="0" b="0"/>
+      </a:lnRef>
+      <a:fillRef idx="1">
+        <a:scrgbClr r="0" g="0" b="0"/>
+      </a:fillRef>
+      <a:effectRef idx="0">
+        <a:scrgbClr r="0" g="0" b="0"/>
+      </a:effectRef>
+      <a:fontRef idx="minor"/>
+    </dgm:style>
+  </dgm:styleLbl>
+  <dgm:styleLbl name="fgAcc4">
+    <dgm:scene3d>
+      <a:camera prst="orthographicFront"/>
+      <a:lightRig rig="threePt" dir="t"/>
+    </dgm:scene3d>
+    <dgm:sp3d/>
+    <dgm:txPr/>
+    <dgm:style>
+      <a:lnRef idx="2">
+        <a:scrgbClr r="0" g="0" b="0"/>
+      </a:lnRef>
+      <a:fillRef idx="1">
+        <a:scrgbClr r="0" g="0" b="0"/>
+      </a:fillRef>
+      <a:effectRef idx="0">
+        <a:scrgbClr r="0" g="0" b="0"/>
+      </a:effectRef>
+      <a:fontRef idx="minor"/>
+    </dgm:style>
+  </dgm:styleLbl>
+  <dgm:styleLbl name="bgShp">
+    <dgm:scene3d>
+      <a:camera prst="orthographicFront"/>
+      <a:lightRig rig="threePt" dir="t"/>
+    </dgm:scene3d>
+    <dgm:sp3d/>
+    <dgm:txPr/>
+    <dgm:style>
+      <a:lnRef idx="0">
+        <a:scrgbClr r="0" g="0" b="0"/>
+      </a:lnRef>
+      <a:fillRef idx="1">
+        <a:scrgbClr r="0" g="0" b="0"/>
+      </a:fillRef>
+      <a:effectRef idx="0">
+        <a:scrgbClr r="0" g="0" b="0"/>
+      </a:effectRef>
+      <a:fontRef idx="minor"/>
+    </dgm:style>
+  </dgm:styleLbl>
+  <dgm:styleLbl name="dkBgShp">
+    <dgm:scene3d>
+      <a:camera prst="orthographicFront"/>
+      <a:lightRig rig="threePt" dir="t"/>
+    </dgm:scene3d>
+    <dgm:sp3d/>
+    <dgm:txPr/>
+    <dgm:style>
+      <a:lnRef idx="0">
+        <a:scrgbClr r="0" g="0" b="0"/>
+      </a:lnRef>
+      <a:fillRef idx="1">
+        <a:scrgbClr r="0" g="0" b="0"/>
+      </a:fillRef>
+      <a:effectRef idx="0">
+        <a:scrgbClr r="0" g="0" b="0"/>
+      </a:effectRef>
+      <a:fontRef idx="minor"/>
+    </dgm:style>
+  </dgm:styleLbl>
+  <dgm:styleLbl name="trBgShp">
+    <dgm:scene3d>
+      <a:camera prst="orthographicFront"/>
+      <a:lightRig rig="threePt" dir="t"/>
+    </dgm:scene3d>
+    <dgm:sp3d/>
+    <dgm:txPr/>
+    <dgm:style>
+      <a:lnRef idx="0">
+        <a:scrgbClr r="0" g="0" b="0"/>
+      </a:lnRef>
+      <a:fillRef idx="1">
+        <a:scrgbClr r="0" g="0" b="0"/>
+      </a:fillRef>
+      <a:effectRef idx="0">
+        <a:scrgbClr r="0" g="0" b="0"/>
+      </a:effectRef>
+      <a:fontRef idx="minor"/>
+    </dgm:style>
+  </dgm:styleLbl>
+  <dgm:styleLbl name="fgShp">
+    <dgm:scene3d>
+      <a:camera prst="orthographicFront"/>
+      <a:lightRig rig="threePt" dir="t"/>
+    </dgm:scene3d>
+    <dgm:sp3d/>
+    <dgm:txPr/>
+    <dgm:style>
+      <a:lnRef idx="2">
+        <a:scrgbClr r="0" g="0" b="0"/>
+      </a:lnRef>
+      <a:fillRef idx="1">
+        <a:scrgbClr r="0" g="0" b="0"/>
+      </a:fillRef>
+      <a:effectRef idx="0">
+        <a:scrgbClr r="0" g="0" b="0"/>
+      </a:effectRef>
+      <a:fontRef idx="minor"/>
+    </dgm:style>
+  </dgm:styleLbl>
+  <dgm:styleLbl name="revTx">
+    <dgm:scene3d>
+      <a:camera prst="orthographicFront"/>
+      <a:lightRig rig="threePt" dir="t"/>
+    </dgm:scene3d>
+    <dgm:sp3d/>
+    <dgm:txPr/>
+    <dgm:style>
+      <a:lnRef idx="0">
+        <a:scrgbClr r="0" g="0" b="0"/>
+      </a:lnRef>
+      <a:fillRef idx="0">
+        <a:scrgbClr r="0" g="0" b="0"/>
+      </a:fillRef>
+      <a:effectRef idx="0">
+        <a:scrgbClr r="0" g="0" b="0"/>
+      </a:effectRef>
+      <a:fontRef idx="minor"/>
+    </dgm:style>
+  </dgm:styleLbl>
+</dgm:styleDef>
 </file>
 
 <file path=ppt/notesMasters/notesMaster1.xml><?xml version="1.0" encoding="utf-8"?>
@@ -4100,6 +7780,14 @@
 <file path=ppt/slides/slide12.xml><?xml version="1.0" encoding="utf-8"?>
 <p:sld xmlns:a="http://schemas.openxmlformats.org/drawingml/2006/main" xmlns:r="http://schemas.openxmlformats.org/officeDocument/2006/relationships" xmlns:p="http://schemas.openxmlformats.org/presentationml/2006/main">
   <p:cSld>
+    <p:bg>
+      <p:bgPr>
+        <a:solidFill>
+          <a:schemeClr val="bg1"/>
+        </a:solidFill>
+        <a:effectLst/>
+      </p:bgPr>
+    </p:bg>
     <p:spTree>
       <p:nvGrpSpPr>
         <p:cNvPr id="1" name=""/>
@@ -4116,6 +7804,137 @@
       </p:grpSpPr>
       <p:sp>
         <p:nvSpPr>
+          <p:cNvPr id="17" name="Rectangle 16">
+            <a:extLst>
+              <a:ext uri="{FF2B5EF4-FFF2-40B4-BE49-F238E27FC236}">
+                <a16:creationId xmlns:a16="http://schemas.microsoft.com/office/drawing/2014/main" id="{B34F5AD2-EDBD-4BBD-A55C-EAFFD0C7097A}"/>
+              </a:ext>
+              <a:ext uri="{C183D7F6-B498-43B3-948B-1728B52AA6E4}">
+                <adec:decorative xmlns:adec="http://schemas.microsoft.com/office/drawing/2017/decorative" val="1"/>
+              </a:ext>
+            </a:extLst>
+          </p:cNvPr>
+          <p:cNvSpPr>
+            <a:spLocks noGrp="1" noRot="1" noChangeAspect="1" noMove="1" noResize="1" noEditPoints="1" noAdjustHandles="1" noChangeArrowheads="1" noChangeShapeType="1" noTextEdit="1"/>
+          </p:cNvSpPr>
+          <p:nvPr>
+            <p:extLst>
+              <p:ext uri="{386F3935-93C4-4BCD-93E2-E3B085C9AB24}">
+                <p16:designElem xmlns:p16="http://schemas.microsoft.com/office/powerpoint/2015/main" val="1"/>
+              </p:ext>
+            </p:extLst>
+          </p:nvPr>
+        </p:nvSpPr>
+        <p:spPr>
+          <a:xfrm>
+            <a:off x="3738193" y="0"/>
+            <a:ext cx="8453797" cy="6858001"/>
+          </a:xfrm>
+          <a:prstGeom prst="rect">
+            <a:avLst/>
+          </a:prstGeom>
+          <a:solidFill>
+            <a:schemeClr val="bg1">
+              <a:lumMod val="95000"/>
+            </a:schemeClr>
+          </a:solidFill>
+          <a:ln>
+            <a:noFill/>
+          </a:ln>
+        </p:spPr>
+        <p:style>
+          <a:lnRef idx="2">
+            <a:schemeClr val="accent1">
+              <a:shade val="50000"/>
+            </a:schemeClr>
+          </a:lnRef>
+          <a:fillRef idx="1">
+            <a:schemeClr val="accent1"/>
+          </a:fillRef>
+          <a:effectRef idx="0">
+            <a:schemeClr val="accent1"/>
+          </a:effectRef>
+          <a:fontRef idx="minor">
+            <a:schemeClr val="lt1"/>
+          </a:fontRef>
+        </p:style>
+        <p:txBody>
+          <a:bodyPr rtlCol="0" anchor="ctr"/>
+          <a:lstStyle/>
+          <a:p>
+            <a:pPr algn="ctr"/>
+            <a:endParaRPr lang="en-US"/>
+          </a:p>
+        </p:txBody>
+      </p:sp>
+      <p:sp>
+        <p:nvSpPr>
+          <p:cNvPr id="19" name="Rectangle 18">
+            <a:extLst>
+              <a:ext uri="{FF2B5EF4-FFF2-40B4-BE49-F238E27FC236}">
+                <a16:creationId xmlns:a16="http://schemas.microsoft.com/office/drawing/2014/main" id="{C3896A03-3945-419A-B66B-4EE266EDD152}"/>
+              </a:ext>
+              <a:ext uri="{C183D7F6-B498-43B3-948B-1728B52AA6E4}">
+                <adec:decorative xmlns:adec="http://schemas.microsoft.com/office/drawing/2017/decorative" val="1"/>
+              </a:ext>
+            </a:extLst>
+          </p:cNvPr>
+          <p:cNvSpPr>
+            <a:spLocks noGrp="1" noRot="1" noChangeAspect="1" noMove="1" noResize="1" noEditPoints="1" noAdjustHandles="1" noChangeArrowheads="1" noChangeShapeType="1" noTextEdit="1"/>
+          </p:cNvSpPr>
+          <p:nvPr>
+            <p:extLst>
+              <p:ext uri="{386F3935-93C4-4BCD-93E2-E3B085C9AB24}">
+                <p16:designElem xmlns:p16="http://schemas.microsoft.com/office/powerpoint/2015/main" val="1"/>
+              </p:ext>
+            </p:extLst>
+          </p:nvPr>
+        </p:nvSpPr>
+        <p:spPr>
+          <a:xfrm>
+            <a:off x="10" y="0"/>
+            <a:ext cx="4067739" cy="6858001"/>
+          </a:xfrm>
+          <a:prstGeom prst="rect">
+            <a:avLst/>
+          </a:prstGeom>
+          <a:solidFill>
+            <a:schemeClr val="tx1">
+              <a:lumMod val="85000"/>
+              <a:lumOff val="15000"/>
+            </a:schemeClr>
+          </a:solidFill>
+          <a:ln>
+            <a:noFill/>
+          </a:ln>
+        </p:spPr>
+        <p:style>
+          <a:lnRef idx="2">
+            <a:schemeClr val="accent1">
+              <a:shade val="50000"/>
+            </a:schemeClr>
+          </a:lnRef>
+          <a:fillRef idx="1">
+            <a:schemeClr val="accent1"/>
+          </a:fillRef>
+          <a:effectRef idx="0">
+            <a:schemeClr val="accent1"/>
+          </a:effectRef>
+          <a:fontRef idx="minor">
+            <a:schemeClr val="lt1"/>
+          </a:fontRef>
+        </p:style>
+        <p:txBody>
+          <a:bodyPr rtlCol="0" anchor="ctr"/>
+          <a:lstStyle/>
+          <a:p>
+            <a:pPr algn="ctr"/>
+            <a:endParaRPr lang="en-US"/>
+          </a:p>
+        </p:txBody>
+      </p:sp>
+      <p:sp>
+        <p:nvSpPr>
           <p:cNvPr id="2" name="Title 1">
             <a:extLst>
               <a:ext uri="{FF2B5EF4-FFF2-40B4-BE49-F238E27FC236}">
@@ -4130,15 +7949,89 @@
             <p:ph type="title"/>
           </p:nvPr>
         </p:nvSpPr>
-        <p:spPr/>
+        <p:spPr>
+          <a:xfrm>
+            <a:off x="1156852" y="653222"/>
+            <a:ext cx="2568804" cy="599217"/>
+          </a:xfrm>
+        </p:spPr>
         <p:txBody>
-          <a:bodyPr/>
+          <a:bodyPr anchor="t">
+            <a:normAutofit/>
+          </a:bodyPr>
           <a:lstStyle/>
           <a:p>
             <a:r>
-              <a:rPr lang="en-US" dirty="0"/>
+              <a:rPr lang="en-US" sz="3200" dirty="0">
+                <a:solidFill>
+                  <a:schemeClr val="bg1"/>
+                </a:solidFill>
+              </a:rPr>
               <a:t>Results</a:t>
             </a:r>
+          </a:p>
+        </p:txBody>
+      </p:sp>
+      <p:sp>
+        <p:nvSpPr>
+          <p:cNvPr id="21" name="Rectangle 20">
+            <a:extLst>
+              <a:ext uri="{FF2B5EF4-FFF2-40B4-BE49-F238E27FC236}">
+                <a16:creationId xmlns:a16="http://schemas.microsoft.com/office/drawing/2014/main" id="{450D3AD2-FA80-415F-A9CE-54D884561CD7}"/>
+              </a:ext>
+              <a:ext uri="{C183D7F6-B498-43B3-948B-1728B52AA6E4}">
+                <adec:decorative xmlns:adec="http://schemas.microsoft.com/office/drawing/2017/decorative" val="1"/>
+              </a:ext>
+            </a:extLst>
+          </p:cNvPr>
+          <p:cNvSpPr>
+            <a:spLocks noGrp="1" noRot="1" noChangeAspect="1" noMove="1" noResize="1" noEditPoints="1" noAdjustHandles="1" noChangeArrowheads="1" noChangeShapeType="1" noTextEdit="1"/>
+          </p:cNvSpPr>
+          <p:nvPr>
+            <p:extLst>
+              <p:ext uri="{386F3935-93C4-4BCD-93E2-E3B085C9AB24}">
+                <p16:designElem xmlns:p16="http://schemas.microsoft.com/office/powerpoint/2015/main" val="1"/>
+              </p:ext>
+            </p:extLst>
+          </p:nvPr>
+        </p:nvSpPr>
+        <p:spPr>
+          <a:xfrm>
+            <a:off x="1156852" y="2794337"/>
+            <a:ext cx="457200" cy="45720"/>
+          </a:xfrm>
+          <a:prstGeom prst="rect">
+            <a:avLst/>
+          </a:prstGeom>
+          <a:solidFill>
+            <a:schemeClr val="bg1"/>
+          </a:solidFill>
+          <a:ln>
+            <a:noFill/>
+          </a:ln>
+        </p:spPr>
+        <p:style>
+          <a:lnRef idx="2">
+            <a:schemeClr val="accent1">
+              <a:shade val="50000"/>
+            </a:schemeClr>
+          </a:lnRef>
+          <a:fillRef idx="1">
+            <a:schemeClr val="accent1"/>
+          </a:fillRef>
+          <a:effectRef idx="0">
+            <a:schemeClr val="accent1"/>
+          </a:effectRef>
+          <a:fontRef idx="minor">
+            <a:schemeClr val="lt1"/>
+          </a:fontRef>
+        </p:style>
+        <p:txBody>
+          <a:bodyPr rtlCol="0" anchor="ctr"/>
+          <a:lstStyle/>
+          <a:p>
+            <a:pPr algn="ctr"/>
+            <a:endParaRPr lang="en-US"/>
           </a:p>
         </p:txBody>
       </p:sp>
@@ -4158,15 +8051,92 @@
             <p:ph idx="1"/>
           </p:nvPr>
         </p:nvSpPr>
-        <p:spPr/>
+        <p:spPr>
+          <a:xfrm>
+            <a:off x="1168114" y="3000924"/>
+            <a:ext cx="2557542" cy="1587674"/>
+          </a:xfrm>
+        </p:spPr>
         <p:txBody>
-          <a:bodyPr/>
+          <a:bodyPr>
+            <a:normAutofit/>
+          </a:bodyPr>
           <a:lstStyle/>
           <a:p>
-            <a:endParaRPr lang="en-US"/>
+            <a:pPr marL="0" indent="0">
+              <a:buNone/>
+            </a:pPr>
+            <a:r>
+              <a:rPr lang="en-US" sz="2200" dirty="0">
+                <a:solidFill>
+                  <a:schemeClr val="bg1"/>
+                </a:solidFill>
+              </a:rPr>
+              <a:t>RMSE</a:t>
+            </a:r>
+            <a:endParaRPr lang="en-US" sz="1600" dirty="0">
+              <a:solidFill>
+                <a:schemeClr val="bg1"/>
+              </a:solidFill>
+            </a:endParaRPr>
+          </a:p>
+          <a:p>
+            <a:pPr marL="0" indent="0">
+              <a:buNone/>
+            </a:pPr>
+            <a:r>
+              <a:rPr lang="en-US" sz="1600" dirty="0">
+                <a:solidFill>
+                  <a:schemeClr val="bg1"/>
+                </a:solidFill>
+              </a:rPr>
+              <a:t>Forest: 0.00314665</a:t>
+            </a:r>
+          </a:p>
+          <a:p>
+            <a:pPr marL="0" indent="0">
+              <a:buNone/>
+            </a:pPr>
+            <a:r>
+              <a:rPr lang="en-US" sz="1600" dirty="0">
+                <a:solidFill>
+                  <a:schemeClr val="bg1"/>
+                </a:solidFill>
+              </a:rPr>
+              <a:t>Arima: 0.00291196</a:t>
+            </a:r>
           </a:p>
         </p:txBody>
       </p:sp>
+      <p:pic>
+        <p:nvPicPr>
+          <p:cNvPr id="7" name="Picture 6" descr="Chart&#10;&#10;Description automatically generated">
+            <a:extLst>
+              <a:ext uri="{FF2B5EF4-FFF2-40B4-BE49-F238E27FC236}">
+                <a16:creationId xmlns:a16="http://schemas.microsoft.com/office/drawing/2014/main" id="{74DE656F-6D5D-5A47-B05D-EC52FCDBAD03}"/>
+              </a:ext>
+            </a:extLst>
+          </p:cNvPr>
+          <p:cNvPicPr>
+            <a:picLocks noChangeAspect="1"/>
+          </p:cNvPicPr>
+          <p:nvPr/>
+        </p:nvPicPr>
+        <p:blipFill rotWithShape="1">
+          <a:blip r:embed="rId2"/>
+          <a:srcRect r="1" b="12398"/>
+          <a:stretch/>
+        </p:blipFill>
+        <p:spPr>
+          <a:xfrm>
+            <a:off x="4666834" y="637761"/>
+            <a:ext cx="6365960" cy="5576771"/>
+          </a:xfrm>
+          <a:prstGeom prst="rect">
+            <a:avLst/>
+          </a:prstGeom>
+        </p:spPr>
+      </p:pic>
     </p:spTree>
     <p:extLst>
       <p:ext uri="{BB962C8B-B14F-4D97-AF65-F5344CB8AC3E}">
@@ -4183,6 +8153,14 @@
 <file path=ppt/slides/slide13.xml><?xml version="1.0" encoding="utf-8"?>
 <p:sld xmlns:a="http://schemas.openxmlformats.org/drawingml/2006/main" xmlns:r="http://schemas.openxmlformats.org/officeDocument/2006/relationships" xmlns:p="http://schemas.openxmlformats.org/presentationml/2006/main">
   <p:cSld>
+    <p:bg>
+      <p:bgPr>
+        <a:solidFill>
+          <a:schemeClr val="bg1"/>
+        </a:solidFill>
+        <a:effectLst/>
+      </p:bgPr>
+    </p:bg>
     <p:spTree>
       <p:nvGrpSpPr>
         <p:cNvPr id="1" name=""/>
@@ -4199,6 +8177,72 @@
       </p:grpSpPr>
       <p:sp>
         <p:nvSpPr>
+          <p:cNvPr id="8" name="Rectangle 7">
+            <a:extLst>
+              <a:ext uri="{FF2B5EF4-FFF2-40B4-BE49-F238E27FC236}">
+                <a16:creationId xmlns:a16="http://schemas.microsoft.com/office/drawing/2014/main" id="{2BD55E05-51A2-4173-A7FA-869DE4F71AC3}"/>
+              </a:ext>
+              <a:ext uri="{C183D7F6-B498-43B3-948B-1728B52AA6E4}">
+                <adec:decorative xmlns:adec="http://schemas.microsoft.com/office/drawing/2017/decorative" val="1"/>
+              </a:ext>
+            </a:extLst>
+          </p:cNvPr>
+          <p:cNvSpPr>
+            <a:spLocks noGrp="1" noRot="1" noChangeAspect="1" noMove="1" noResize="1" noEditPoints="1" noAdjustHandles="1" noChangeArrowheads="1" noChangeShapeType="1" noTextEdit="1"/>
+          </p:cNvSpPr>
+          <p:nvPr>
+            <p:extLst>
+              <p:ext uri="{386F3935-93C4-4BCD-93E2-E3B085C9AB24}">
+                <p16:designElem xmlns:p16="http://schemas.microsoft.com/office/powerpoint/2015/main" val="1"/>
+              </p:ext>
+            </p:extLst>
+          </p:nvPr>
+        </p:nvSpPr>
+        <p:spPr>
+          <a:xfrm>
+            <a:off x="0" y="0"/>
+            <a:ext cx="6013450" cy="6858000"/>
+          </a:xfrm>
+          <a:prstGeom prst="rect">
+            <a:avLst/>
+          </a:prstGeom>
+          <a:solidFill>
+            <a:schemeClr val="tx1">
+              <a:lumMod val="75000"/>
+              <a:lumOff val="25000"/>
+            </a:schemeClr>
+          </a:solidFill>
+          <a:ln>
+            <a:noFill/>
+          </a:ln>
+        </p:spPr>
+        <p:style>
+          <a:lnRef idx="2">
+            <a:schemeClr val="accent1">
+              <a:shade val="50000"/>
+            </a:schemeClr>
+          </a:lnRef>
+          <a:fillRef idx="1">
+            <a:schemeClr val="accent1"/>
+          </a:fillRef>
+          <a:effectRef idx="0">
+            <a:schemeClr val="accent1"/>
+          </a:effectRef>
+          <a:fontRef idx="minor">
+            <a:schemeClr val="lt1"/>
+          </a:fontRef>
+        </p:style>
+        <p:txBody>
+          <a:bodyPr rtlCol="0" anchor="ctr"/>
+          <a:lstStyle/>
+          <a:p>
+            <a:pPr algn="ctr"/>
+            <a:endParaRPr lang="en-US"/>
+          </a:p>
+        </p:txBody>
+      </p:sp>
+      <p:sp>
+        <p:nvSpPr>
           <p:cNvPr id="2" name="Title 1">
             <a:extLst>
               <a:ext uri="{FF2B5EF4-FFF2-40B4-BE49-F238E27FC236}">
@@ -4213,13 +8257,24 @@
             <p:ph type="title"/>
           </p:nvPr>
         </p:nvSpPr>
-        <p:spPr/>
+        <p:spPr>
+          <a:xfrm>
+            <a:off x="838200" y="621792"/>
+            <a:ext cx="4795157" cy="5413248"/>
+          </a:xfrm>
+        </p:spPr>
         <p:txBody>
-          <a:bodyPr/>
+          <a:bodyPr>
+            <a:normAutofit/>
+          </a:bodyPr>
           <a:lstStyle/>
           <a:p>
             <a:r>
-              <a:rPr lang="en-US" dirty="0"/>
+              <a:rPr lang="en-US" sz="5200">
+                <a:solidFill>
+                  <a:schemeClr val="bg1"/>
+                </a:solidFill>
+              </a:rPr>
               <a:t>Next Steps</a:t>
             </a:r>
           </a:p>
@@ -4241,38 +8296,44 @@
             <p:ph idx="1"/>
           </p:nvPr>
         </p:nvSpPr>
-        <p:spPr/>
+        <p:spPr>
+          <a:xfrm>
+            <a:off x="6521450" y="621792"/>
+            <a:ext cx="4832349" cy="5413248"/>
+          </a:xfrm>
+        </p:spPr>
         <p:txBody>
-          <a:bodyPr/>
+          <a:bodyPr anchor="ctr">
+            <a:normAutofit/>
+          </a:bodyPr>
           <a:lstStyle/>
           <a:p>
             <a:r>
-              <a:rPr lang="en-US" dirty="0"/>
+              <a:rPr lang="en-US" sz="2400"/>
               <a:t>Tune the trees for time-series data</a:t>
             </a:r>
           </a:p>
           <a:p>
             <a:r>
-              <a:rPr lang="en-US"/>
+              <a:rPr lang="en-US" sz="2400"/>
               <a:t>Replicability</a:t>
             </a:r>
-            <a:endParaRPr lang="en-US" dirty="0"/>
           </a:p>
           <a:p>
             <a:r>
-              <a:rPr lang="en-US" dirty="0"/>
+              <a:rPr lang="en-US" sz="2400"/>
               <a:t>Tune the random forest</a:t>
             </a:r>
           </a:p>
           <a:p>
             <a:r>
-              <a:rPr lang="en-US" dirty="0"/>
+              <a:rPr lang="en-US" sz="2400"/>
               <a:t>Explore results with different horizons</a:t>
             </a:r>
           </a:p>
           <a:p>
             <a:r>
-              <a:rPr lang="en-US" dirty="0"/>
+              <a:rPr lang="en-US" sz="2400"/>
               <a:t>Explore results with different data</a:t>
             </a:r>
           </a:p>
@@ -4308,7 +8369,7 @@
             <a:pPr marL="0" indent="0">
               <a:buNone/>
             </a:pPr>
-            <a:endParaRPr lang="en-US" dirty="0"/>
+            <a:endParaRPr lang="en-US" sz="2400"/>
           </a:p>
         </p:txBody>
       </p:sp>
@@ -4328,6 +8389,14 @@
 <file path=ppt/slides/slide2.xml><?xml version="1.0" encoding="utf-8"?>
 <p:sld xmlns:a="http://schemas.openxmlformats.org/drawingml/2006/main" xmlns:r="http://schemas.openxmlformats.org/officeDocument/2006/relationships" xmlns:p="http://schemas.openxmlformats.org/presentationml/2006/main">
   <p:cSld>
+    <p:bg>
+      <p:bgPr>
+        <a:solidFill>
+          <a:schemeClr val="bg1"/>
+        </a:solidFill>
+        <a:effectLst/>
+      </p:bgPr>
+    </p:bg>
     <p:spTree>
       <p:nvGrpSpPr>
         <p:cNvPr id="1" name=""/>
@@ -4344,6 +8413,75 @@
       </p:grpSpPr>
       <p:sp>
         <p:nvSpPr>
+          <p:cNvPr id="9" name="Rectangle 8">
+            <a:extLst>
+              <a:ext uri="{FF2B5EF4-FFF2-40B4-BE49-F238E27FC236}">
+                <a16:creationId xmlns:a16="http://schemas.microsoft.com/office/drawing/2014/main" id="{3A5B4632-C963-4296-86F0-79AA9EA5AE98}"/>
+              </a:ext>
+              <a:ext uri="{C183D7F6-B498-43B3-948B-1728B52AA6E4}">
+                <adec:decorative xmlns:adec="http://schemas.microsoft.com/office/drawing/2017/decorative" val="1"/>
+              </a:ext>
+            </a:extLst>
+          </p:cNvPr>
+          <p:cNvSpPr>
+            <a:spLocks noGrp="1" noRot="1" noChangeAspect="1" noMove="1" noResize="1" noEditPoints="1" noAdjustHandles="1" noChangeArrowheads="1" noChangeShapeType="1" noTextEdit="1"/>
+          </p:cNvSpPr>
+          <p:nvPr>
+            <p:extLst>
+              <p:ext uri="{386F3935-93C4-4BCD-93E2-E3B085C9AB24}">
+                <p16:designElem xmlns:p16="http://schemas.microsoft.com/office/powerpoint/2015/main" val="1"/>
+              </p:ext>
+            </p:extLst>
+          </p:nvPr>
+        </p:nvSpPr>
+        <p:spPr bwMode="ltGray">
+          <a:xfrm>
+            <a:off x="338328" y="303591"/>
+            <a:ext cx="4335327" cy="5896743"/>
+          </a:xfrm>
+          <a:prstGeom prst="rect">
+            <a:avLst/>
+          </a:prstGeom>
+          <a:solidFill>
+            <a:schemeClr val="tx1">
+              <a:alpha val="15000"/>
+            </a:schemeClr>
+          </a:solidFill>
+          <a:ln w="127000" cap="sq" cmpd="thinThick">
+            <a:solidFill>
+              <a:schemeClr val="tx1">
+                <a:alpha val="10000"/>
+              </a:schemeClr>
+            </a:solidFill>
+          </a:ln>
+        </p:spPr>
+        <p:style>
+          <a:lnRef idx="2">
+            <a:schemeClr val="accent1">
+              <a:shade val="50000"/>
+            </a:schemeClr>
+          </a:lnRef>
+          <a:fillRef idx="1">
+            <a:schemeClr val="accent1"/>
+          </a:fillRef>
+          <a:effectRef idx="0">
+            <a:schemeClr val="accent1"/>
+          </a:effectRef>
+          <a:fontRef idx="minor">
+            <a:schemeClr val="lt1"/>
+          </a:fontRef>
+        </p:style>
+        <p:txBody>
+          <a:bodyPr rtlCol="0" anchor="ctr"/>
+          <a:lstStyle/>
+          <a:p>
+            <a:pPr algn="ctr"/>
+            <a:endParaRPr lang="en-US"/>
+          </a:p>
+        </p:txBody>
+      </p:sp>
+      <p:sp>
+        <p:nvSpPr>
           <p:cNvPr id="2" name="Title 1">
             <a:extLst>
               <a:ext uri="{FF2B5EF4-FFF2-40B4-BE49-F238E27FC236}">
@@ -4358,76 +8496,56 @@
             <p:ph type="title"/>
           </p:nvPr>
         </p:nvSpPr>
-        <p:spPr/>
+        <p:spPr>
+          <a:xfrm>
+            <a:off x="594360" y="637125"/>
+            <a:ext cx="3802276" cy="5256371"/>
+          </a:xfrm>
+        </p:spPr>
         <p:txBody>
-          <a:bodyPr/>
+          <a:bodyPr>
+            <a:normAutofit/>
+          </a:bodyPr>
           <a:lstStyle/>
           <a:p>
             <a:r>
-              <a:rPr lang="en-US" dirty="0"/>
+              <a:rPr lang="en-US" sz="4800"/>
               <a:t>Outline	</a:t>
             </a:r>
           </a:p>
         </p:txBody>
       </p:sp>
-      <p:sp>
-        <p:nvSpPr>
-          <p:cNvPr id="3" name="Content Placeholder 2">
-            <a:extLst>
-              <a:ext uri="{FF2B5EF4-FFF2-40B4-BE49-F238E27FC236}">
-                <a16:creationId xmlns:a16="http://schemas.microsoft.com/office/drawing/2014/main" id="{C31E79A7-C06A-984B-8FC2-1A2F3022A056}"/>
-              </a:ext>
-            </a:extLst>
-          </p:cNvPr>
-          <p:cNvSpPr>
-            <a:spLocks noGrp="1"/>
-          </p:cNvSpPr>
+      <p:graphicFrame>
+        <p:nvGraphicFramePr>
+          <p:cNvPr id="5" name="Content Placeholder 2">
+            <a:extLst>
+              <a:ext uri="{FF2B5EF4-FFF2-40B4-BE49-F238E27FC236}">
+                <a16:creationId xmlns:a16="http://schemas.microsoft.com/office/drawing/2014/main" id="{56092F34-37FD-4A37-9B4E-8DD59824F00F}"/>
+              </a:ext>
+            </a:extLst>
+          </p:cNvPr>
+          <p:cNvGraphicFramePr>
+            <a:graphicFrameLocks noGrp="1"/>
+          </p:cNvGraphicFramePr>
           <p:nvPr>
             <p:ph idx="1"/>
+            <p:extLst>
+              <p:ext uri="{D42A27DB-BD31-4B8C-83A1-F6EECF244321}">
+                <p14:modId xmlns:p14="http://schemas.microsoft.com/office/powerpoint/2010/main" val="2253789297"/>
+              </p:ext>
+            </p:extLst>
           </p:nvPr>
-        </p:nvSpPr>
-        <p:spPr/>
-        <p:txBody>
-          <a:bodyPr/>
-          <a:lstStyle/>
-          <a:p>
-            <a:r>
-              <a:rPr lang="en-US" dirty="0"/>
-              <a:t>Definitions/Concepts</a:t>
-            </a:r>
-          </a:p>
-          <a:p>
-            <a:r>
-              <a:rPr lang="en-US" dirty="0"/>
-              <a:t>The Project</a:t>
-            </a:r>
-          </a:p>
-          <a:p>
-            <a:r>
-              <a:rPr lang="en-US" dirty="0"/>
-              <a:t>Tuning Issues</a:t>
-            </a:r>
-          </a:p>
-          <a:p>
-            <a:r>
-              <a:rPr lang="en-US" dirty="0"/>
-              <a:t>Time-Series Issues</a:t>
-            </a:r>
-          </a:p>
-          <a:p>
-            <a:r>
-              <a:rPr lang="en-US" dirty="0"/>
-              <a:t>Results</a:t>
-            </a:r>
-          </a:p>
-          <a:p>
-            <a:r>
-              <a:rPr lang="en-US" dirty="0"/>
-              <a:t>Next Steps</a:t>
-            </a:r>
-          </a:p>
-        </p:txBody>
-      </p:sp>
+        </p:nvGraphicFramePr>
+        <p:xfrm>
+          <a:off x="5166985" y="303591"/>
+          <a:ext cx="6588691" cy="5896743"/>
+        </p:xfrm>
+        <a:graphic>
+          <a:graphicData uri="http://schemas.openxmlformats.org/drawingml/2006/diagram">
+            <dgm:relIds xmlns:dgm="http://schemas.openxmlformats.org/drawingml/2006/diagram" xmlns:r="http://schemas.openxmlformats.org/officeDocument/2006/relationships" r:dm="rId2" r:lo="rId3" r:qs="rId4" r:cs="rId5"/>
+          </a:graphicData>
+        </a:graphic>
+      </p:graphicFrame>
     </p:spTree>
     <p:extLst>
       <p:ext uri="{BB962C8B-B14F-4D97-AF65-F5344CB8AC3E}">
@@ -4502,6 +8620,14 @@
 <file path=ppt/slides/slide4.xml><?xml version="1.0" encoding="utf-8"?>
 <p:sld xmlns:a="http://schemas.openxmlformats.org/drawingml/2006/main" xmlns:r="http://schemas.openxmlformats.org/officeDocument/2006/relationships" xmlns:p="http://schemas.openxmlformats.org/presentationml/2006/main">
   <p:cSld>
+    <p:bg>
+      <p:bgPr>
+        <a:solidFill>
+          <a:schemeClr val="bg1"/>
+        </a:solidFill>
+        <a:effectLst/>
+      </p:bgPr>
+    </p:bg>
     <p:spTree>
       <p:nvGrpSpPr>
         <p:cNvPr id="1" name=""/>
@@ -4518,6 +8644,72 @@
       </p:grpSpPr>
       <p:sp>
         <p:nvSpPr>
+          <p:cNvPr id="8" name="Rectangle 7">
+            <a:extLst>
+              <a:ext uri="{FF2B5EF4-FFF2-40B4-BE49-F238E27FC236}">
+                <a16:creationId xmlns:a16="http://schemas.microsoft.com/office/drawing/2014/main" id="{2BD55E05-51A2-4173-A7FA-869DE4F71AC3}"/>
+              </a:ext>
+              <a:ext uri="{C183D7F6-B498-43B3-948B-1728B52AA6E4}">
+                <adec:decorative xmlns:adec="http://schemas.microsoft.com/office/drawing/2017/decorative" val="1"/>
+              </a:ext>
+            </a:extLst>
+          </p:cNvPr>
+          <p:cNvSpPr>
+            <a:spLocks noGrp="1" noRot="1" noChangeAspect="1" noMove="1" noResize="1" noEditPoints="1" noAdjustHandles="1" noChangeArrowheads="1" noChangeShapeType="1" noTextEdit="1"/>
+          </p:cNvSpPr>
+          <p:nvPr>
+            <p:extLst>
+              <p:ext uri="{386F3935-93C4-4BCD-93E2-E3B085C9AB24}">
+                <p16:designElem xmlns:p16="http://schemas.microsoft.com/office/powerpoint/2015/main" val="1"/>
+              </p:ext>
+            </p:extLst>
+          </p:nvPr>
+        </p:nvSpPr>
+        <p:spPr>
+          <a:xfrm>
+            <a:off x="0" y="0"/>
+            <a:ext cx="6013450" cy="6858000"/>
+          </a:xfrm>
+          <a:prstGeom prst="rect">
+            <a:avLst/>
+          </a:prstGeom>
+          <a:solidFill>
+            <a:schemeClr val="tx1">
+              <a:lumMod val="75000"/>
+              <a:lumOff val="25000"/>
+            </a:schemeClr>
+          </a:solidFill>
+          <a:ln>
+            <a:noFill/>
+          </a:ln>
+        </p:spPr>
+        <p:style>
+          <a:lnRef idx="2">
+            <a:schemeClr val="accent1">
+              <a:shade val="50000"/>
+            </a:schemeClr>
+          </a:lnRef>
+          <a:fillRef idx="1">
+            <a:schemeClr val="accent1"/>
+          </a:fillRef>
+          <a:effectRef idx="0">
+            <a:schemeClr val="accent1"/>
+          </a:effectRef>
+          <a:fontRef idx="minor">
+            <a:schemeClr val="lt1"/>
+          </a:fontRef>
+        </p:style>
+        <p:txBody>
+          <a:bodyPr rtlCol="0" anchor="ctr"/>
+          <a:lstStyle/>
+          <a:p>
+            <a:pPr algn="ctr"/>
+            <a:endParaRPr lang="en-US"/>
+          </a:p>
+        </p:txBody>
+      </p:sp>
+      <p:sp>
+        <p:nvSpPr>
           <p:cNvPr id="2" name="Title 1">
             <a:extLst>
               <a:ext uri="{FF2B5EF4-FFF2-40B4-BE49-F238E27FC236}">
@@ -4532,13 +8724,24 @@
             <p:ph type="title"/>
           </p:nvPr>
         </p:nvSpPr>
-        <p:spPr/>
+        <p:spPr>
+          <a:xfrm>
+            <a:off x="838200" y="621792"/>
+            <a:ext cx="4795157" cy="5413248"/>
+          </a:xfrm>
+        </p:spPr>
         <p:txBody>
-          <a:bodyPr/>
+          <a:bodyPr>
+            <a:normAutofit/>
+          </a:bodyPr>
           <a:lstStyle/>
           <a:p>
             <a:r>
-              <a:rPr lang="en-US" dirty="0"/>
+              <a:rPr lang="en-US" sz="5200">
+                <a:solidFill>
+                  <a:schemeClr val="bg1"/>
+                </a:solidFill>
+              </a:rPr>
               <a:t>Definitions: Regression Tree</a:t>
             </a:r>
           </a:p>
@@ -4562,18 +8765,18 @@
         </p:nvSpPr>
         <p:spPr>
           <a:xfrm>
-            <a:off x="838200" y="1825625"/>
-            <a:ext cx="10515600" cy="2517775"/>
+            <a:off x="6521450" y="621792"/>
+            <a:ext cx="4832349" cy="5413248"/>
           </a:xfrm>
         </p:spPr>
         <p:txBody>
-          <a:bodyPr>
+          <a:bodyPr anchor="ctr">
             <a:normAutofit/>
           </a:bodyPr>
           <a:lstStyle/>
           <a:p>
             <a:r>
-              <a:rPr lang="en-US" dirty="0"/>
+              <a:rPr lang="en-US" sz="2400"/>
               <a:t>A data modelling technique that splits data into different groups (“leaves”) which are assumed to be similar</a:t>
             </a:r>
           </a:p>
@@ -4581,7 +8784,7 @@
             <a:pPr marL="0" indent="0">
               <a:buNone/>
             </a:pPr>
-            <a:endParaRPr lang="en-US" dirty="0"/>
+            <a:endParaRPr lang="en-US" sz="2400"/>
           </a:p>
         </p:txBody>
       </p:sp>
@@ -8191,6 +12394,14 @@
 <file path=ppt/slides/slide6.xml><?xml version="1.0" encoding="utf-8"?>
 <p:sld xmlns:a="http://schemas.openxmlformats.org/drawingml/2006/main" xmlns:r="http://schemas.openxmlformats.org/officeDocument/2006/relationships" xmlns:p="http://schemas.openxmlformats.org/presentationml/2006/main">
   <p:cSld>
+    <p:bg>
+      <p:bgPr>
+        <a:solidFill>
+          <a:schemeClr val="bg1"/>
+        </a:solidFill>
+        <a:effectLst/>
+      </p:bgPr>
+    </p:bg>
     <p:spTree>
       <p:nvGrpSpPr>
         <p:cNvPr id="1" name=""/>
@@ -8207,6 +12418,72 @@
       </p:grpSpPr>
       <p:sp>
         <p:nvSpPr>
+          <p:cNvPr id="8" name="Rectangle 7">
+            <a:extLst>
+              <a:ext uri="{FF2B5EF4-FFF2-40B4-BE49-F238E27FC236}">
+                <a16:creationId xmlns:a16="http://schemas.microsoft.com/office/drawing/2014/main" id="{2BD55E05-51A2-4173-A7FA-869DE4F71AC3}"/>
+              </a:ext>
+              <a:ext uri="{C183D7F6-B498-43B3-948B-1728B52AA6E4}">
+                <adec:decorative xmlns:adec="http://schemas.microsoft.com/office/drawing/2017/decorative" val="1"/>
+              </a:ext>
+            </a:extLst>
+          </p:cNvPr>
+          <p:cNvSpPr>
+            <a:spLocks noGrp="1" noRot="1" noChangeAspect="1" noMove="1" noResize="1" noEditPoints="1" noAdjustHandles="1" noChangeArrowheads="1" noChangeShapeType="1" noTextEdit="1"/>
+          </p:cNvSpPr>
+          <p:nvPr>
+            <p:extLst>
+              <p:ext uri="{386F3935-93C4-4BCD-93E2-E3B085C9AB24}">
+                <p16:designElem xmlns:p16="http://schemas.microsoft.com/office/powerpoint/2015/main" val="1"/>
+              </p:ext>
+            </p:extLst>
+          </p:nvPr>
+        </p:nvSpPr>
+        <p:spPr>
+          <a:xfrm>
+            <a:off x="0" y="0"/>
+            <a:ext cx="6013450" cy="6858000"/>
+          </a:xfrm>
+          <a:prstGeom prst="rect">
+            <a:avLst/>
+          </a:prstGeom>
+          <a:solidFill>
+            <a:schemeClr val="tx1">
+              <a:lumMod val="75000"/>
+              <a:lumOff val="25000"/>
+            </a:schemeClr>
+          </a:solidFill>
+          <a:ln>
+            <a:noFill/>
+          </a:ln>
+        </p:spPr>
+        <p:style>
+          <a:lnRef idx="2">
+            <a:schemeClr val="accent1">
+              <a:shade val="50000"/>
+            </a:schemeClr>
+          </a:lnRef>
+          <a:fillRef idx="1">
+            <a:schemeClr val="accent1"/>
+          </a:fillRef>
+          <a:effectRef idx="0">
+            <a:schemeClr val="accent1"/>
+          </a:effectRef>
+          <a:fontRef idx="minor">
+            <a:schemeClr val="lt1"/>
+          </a:fontRef>
+        </p:style>
+        <p:txBody>
+          <a:bodyPr rtlCol="0" anchor="ctr"/>
+          <a:lstStyle/>
+          <a:p>
+            <a:pPr algn="ctr"/>
+            <a:endParaRPr lang="en-US"/>
+          </a:p>
+        </p:txBody>
+      </p:sp>
+      <p:sp>
+        <p:nvSpPr>
           <p:cNvPr id="2" name="Title 1">
             <a:extLst>
               <a:ext uri="{FF2B5EF4-FFF2-40B4-BE49-F238E27FC236}">
@@ -8221,13 +12498,24 @@
             <p:ph type="title"/>
           </p:nvPr>
         </p:nvSpPr>
-        <p:spPr/>
+        <p:spPr>
+          <a:xfrm>
+            <a:off x="838200" y="621792"/>
+            <a:ext cx="4795157" cy="5413248"/>
+          </a:xfrm>
+        </p:spPr>
         <p:txBody>
-          <a:bodyPr/>
+          <a:bodyPr>
+            <a:normAutofit/>
+          </a:bodyPr>
           <a:lstStyle/>
           <a:p>
             <a:r>
-              <a:rPr lang="en-US" dirty="0"/>
+              <a:rPr lang="en-US" sz="5200" dirty="0">
+                <a:solidFill>
+                  <a:schemeClr val="bg1"/>
+                </a:solidFill>
+              </a:rPr>
               <a:t>Definitions: Regression Tree</a:t>
             </a:r>
           </a:p>
@@ -8251,18 +12539,18 @@
         </p:nvSpPr>
         <p:spPr>
           <a:xfrm>
-            <a:off x="838200" y="1825625"/>
-            <a:ext cx="10515600" cy="2517775"/>
+            <a:off x="6521450" y="621792"/>
+            <a:ext cx="4832349" cy="5413248"/>
           </a:xfrm>
         </p:spPr>
         <p:txBody>
-          <a:bodyPr>
+          <a:bodyPr anchor="ctr">
             <a:normAutofit/>
           </a:bodyPr>
           <a:lstStyle/>
           <a:p>
             <a:r>
-              <a:rPr lang="en-US" dirty="0"/>
+              <a:rPr lang="en-US" sz="2400"/>
               <a:t>Needs to be tuned somehow</a:t>
             </a:r>
           </a:p>
@@ -8288,14 +12576,14 @@
             </a:r>
           </a:p>
           <a:p>
-            <a:endParaRPr lang="en-US" dirty="0"/>
+            <a:endParaRPr lang="en-US" sz="2400"/>
           </a:p>
         </p:txBody>
       </p:sp>
     </p:spTree>
     <p:extLst>
       <p:ext uri="{BB962C8B-B14F-4D97-AF65-F5344CB8AC3E}">
-        <p14:creationId xmlns:p14="http://schemas.microsoft.com/office/powerpoint/2010/main" val="3068074394"/>
+        <p14:creationId xmlns:p14="http://schemas.microsoft.com/office/powerpoint/2010/main" val="2660683210"/>
       </p:ext>
     </p:extLst>
   </p:cSld>
@@ -8308,6 +12596,14 @@
 <file path=ppt/slides/slide7.xml><?xml version="1.0" encoding="utf-8"?>
 <p:sld xmlns:a="http://schemas.openxmlformats.org/drawingml/2006/main" xmlns:r="http://schemas.openxmlformats.org/officeDocument/2006/relationships" xmlns:p="http://schemas.openxmlformats.org/presentationml/2006/main">
   <p:cSld>
+    <p:bg>
+      <p:bgPr>
+        <a:solidFill>
+          <a:schemeClr val="bg1"/>
+        </a:solidFill>
+        <a:effectLst/>
+      </p:bgPr>
+    </p:bg>
     <p:spTree>
       <p:nvGrpSpPr>
         <p:cNvPr id="1" name=""/>
@@ -8324,10 +12620,76 @@
       </p:grpSpPr>
       <p:sp>
         <p:nvSpPr>
+          <p:cNvPr id="8" name="Rectangle 7">
+            <a:extLst>
+              <a:ext uri="{FF2B5EF4-FFF2-40B4-BE49-F238E27FC236}">
+                <a16:creationId xmlns:a16="http://schemas.microsoft.com/office/drawing/2014/main" id="{2BD55E05-51A2-4173-A7FA-869DE4F71AC3}"/>
+              </a:ext>
+              <a:ext uri="{C183D7F6-B498-43B3-948B-1728B52AA6E4}">
+                <adec:decorative xmlns:adec="http://schemas.microsoft.com/office/drawing/2017/decorative" val="1"/>
+              </a:ext>
+            </a:extLst>
+          </p:cNvPr>
+          <p:cNvSpPr>
+            <a:spLocks noGrp="1" noRot="1" noChangeAspect="1" noMove="1" noResize="1" noEditPoints="1" noAdjustHandles="1" noChangeArrowheads="1" noChangeShapeType="1" noTextEdit="1"/>
+          </p:cNvSpPr>
+          <p:nvPr>
+            <p:extLst>
+              <p:ext uri="{386F3935-93C4-4BCD-93E2-E3B085C9AB24}">
+                <p16:designElem xmlns:p16="http://schemas.microsoft.com/office/powerpoint/2015/main" val="1"/>
+              </p:ext>
+            </p:extLst>
+          </p:nvPr>
+        </p:nvSpPr>
+        <p:spPr>
+          <a:xfrm>
+            <a:off x="0" y="0"/>
+            <a:ext cx="6013450" cy="6858000"/>
+          </a:xfrm>
+          <a:prstGeom prst="rect">
+            <a:avLst/>
+          </a:prstGeom>
+          <a:solidFill>
+            <a:schemeClr val="tx1">
+              <a:lumMod val="75000"/>
+              <a:lumOff val="25000"/>
+            </a:schemeClr>
+          </a:solidFill>
+          <a:ln>
+            <a:noFill/>
+          </a:ln>
+        </p:spPr>
+        <p:style>
+          <a:lnRef idx="2">
+            <a:schemeClr val="accent1">
+              <a:shade val="50000"/>
+            </a:schemeClr>
+          </a:lnRef>
+          <a:fillRef idx="1">
+            <a:schemeClr val="accent1"/>
+          </a:fillRef>
+          <a:effectRef idx="0">
+            <a:schemeClr val="accent1"/>
+          </a:effectRef>
+          <a:fontRef idx="minor">
+            <a:schemeClr val="lt1"/>
+          </a:fontRef>
+        </p:style>
+        <p:txBody>
+          <a:bodyPr rtlCol="0" anchor="ctr"/>
+          <a:lstStyle/>
+          <a:p>
+            <a:pPr algn="ctr"/>
+            <a:endParaRPr lang="en-US"/>
+          </a:p>
+        </p:txBody>
+      </p:sp>
+      <p:sp>
+        <p:nvSpPr>
           <p:cNvPr id="2" name="Title 1">
             <a:extLst>
               <a:ext uri="{FF2B5EF4-FFF2-40B4-BE49-F238E27FC236}">
-                <a16:creationId xmlns:a16="http://schemas.microsoft.com/office/drawing/2014/main" id="{ECD3CFC5-5245-AC45-AC5E-B7F6DFB6AE71}"/>
+                <a16:creationId xmlns:a16="http://schemas.microsoft.com/office/drawing/2014/main" id="{5B2855B0-BB7A-8740-80FF-E514885F64EB}"/>
               </a:ext>
             </a:extLst>
           </p:cNvPr>
@@ -8338,14 +12700,25 @@
             <p:ph type="title"/>
           </p:nvPr>
         </p:nvSpPr>
-        <p:spPr/>
+        <p:spPr>
+          <a:xfrm>
+            <a:off x="838200" y="621792"/>
+            <a:ext cx="4795157" cy="5413248"/>
+          </a:xfrm>
+        </p:spPr>
         <p:txBody>
-          <a:bodyPr/>
+          <a:bodyPr>
+            <a:normAutofit/>
+          </a:bodyPr>
           <a:lstStyle/>
           <a:p>
             <a:r>
-              <a:rPr lang="en-US" dirty="0"/>
-              <a:t>Definitions: Random Forest </a:t>
+              <a:rPr lang="en-US" sz="5200" dirty="0">
+                <a:solidFill>
+                  <a:schemeClr val="bg1"/>
+                </a:solidFill>
+              </a:rPr>
+              <a:t>Definitions: Random Forest</a:t>
             </a:r>
           </a:p>
         </p:txBody>
@@ -8355,7 +12728,7 @@
           <p:cNvPr id="3" name="Content Placeholder 2">
             <a:extLst>
               <a:ext uri="{FF2B5EF4-FFF2-40B4-BE49-F238E27FC236}">
-                <a16:creationId xmlns:a16="http://schemas.microsoft.com/office/drawing/2014/main" id="{80D438B8-254A-A54F-A17B-036223B5F826}"/>
+                <a16:creationId xmlns:a16="http://schemas.microsoft.com/office/drawing/2014/main" id="{B1C08B8F-D7BE-014F-878C-8C4C3C636371}"/>
               </a:ext>
             </a:extLst>
           </p:cNvPr>
@@ -8366,9 +12739,16 @@
             <p:ph idx="1"/>
           </p:nvPr>
         </p:nvSpPr>
-        <p:spPr/>
+        <p:spPr>
+          <a:xfrm>
+            <a:off x="6521450" y="621792"/>
+            <a:ext cx="4832349" cy="5413248"/>
+          </a:xfrm>
+        </p:spPr>
         <p:txBody>
-          <a:bodyPr/>
+          <a:bodyPr anchor="ctr">
+            <a:normAutofit/>
+          </a:bodyPr>
           <a:lstStyle/>
           <a:p>
             <a:r>
@@ -8416,12 +12796,15 @@
               <a:t>% of variables</a:t>
             </a:r>
           </a:p>
+          <a:p>
+            <a:endParaRPr lang="en-US" sz="2400" dirty="0"/>
+          </a:p>
         </p:txBody>
       </p:sp>
     </p:spTree>
     <p:extLst>
       <p:ext uri="{BB962C8B-B14F-4D97-AF65-F5344CB8AC3E}">
-        <p14:creationId xmlns:p14="http://schemas.microsoft.com/office/powerpoint/2010/main" val="54332793"/>
+        <p14:creationId xmlns:p14="http://schemas.microsoft.com/office/powerpoint/2010/main" val="3068074394"/>
       </p:ext>
     </p:extLst>
   </p:cSld>
@@ -8868,6 +13251,14 @@
 <file path=ppt/slides/slide9.xml><?xml version="1.0" encoding="utf-8"?>
 <p:sld xmlns:a="http://schemas.openxmlformats.org/drawingml/2006/main" xmlns:r="http://schemas.openxmlformats.org/officeDocument/2006/relationships" xmlns:p="http://schemas.openxmlformats.org/presentationml/2006/main">
   <p:cSld>
+    <p:bg>
+      <p:bgPr>
+        <a:solidFill>
+          <a:schemeClr val="bg1"/>
+        </a:solidFill>
+        <a:effectLst/>
+      </p:bgPr>
+    </p:bg>
     <p:spTree>
       <p:nvGrpSpPr>
         <p:cNvPr id="1" name=""/>
@@ -8884,6 +13275,72 @@
       </p:grpSpPr>
       <p:sp>
         <p:nvSpPr>
+          <p:cNvPr id="13" name="Rectangle 12">
+            <a:extLst>
+              <a:ext uri="{FF2B5EF4-FFF2-40B4-BE49-F238E27FC236}">
+                <a16:creationId xmlns:a16="http://schemas.microsoft.com/office/drawing/2014/main" id="{A3A6602B-CADB-48C2-8885-B1E1586EF3F2}"/>
+              </a:ext>
+              <a:ext uri="{C183D7F6-B498-43B3-948B-1728B52AA6E4}">
+                <adec:decorative xmlns:adec="http://schemas.microsoft.com/office/drawing/2017/decorative" val="1"/>
+              </a:ext>
+            </a:extLst>
+          </p:cNvPr>
+          <p:cNvSpPr>
+            <a:spLocks noGrp="1" noRot="1" noChangeAspect="1" noMove="1" noResize="1" noEditPoints="1" noAdjustHandles="1" noChangeArrowheads="1" noChangeShapeType="1" noTextEdit="1"/>
+          </p:cNvSpPr>
+          <p:nvPr>
+            <p:extLst>
+              <p:ext uri="{386F3935-93C4-4BCD-93E2-E3B085C9AB24}">
+                <p16:designElem xmlns:p16="http://schemas.microsoft.com/office/powerpoint/2015/main" val="1"/>
+              </p:ext>
+            </p:extLst>
+          </p:nvPr>
+        </p:nvSpPr>
+        <p:spPr>
+          <a:xfrm>
+            <a:off x="555625" y="381000"/>
+            <a:ext cx="11080750" cy="5759450"/>
+          </a:xfrm>
+          <a:prstGeom prst="rect">
+            <a:avLst/>
+          </a:prstGeom>
+          <a:solidFill>
+            <a:schemeClr val="tx1">
+              <a:lumMod val="75000"/>
+              <a:lumOff val="25000"/>
+            </a:schemeClr>
+          </a:solidFill>
+          <a:ln>
+            <a:noFill/>
+          </a:ln>
+        </p:spPr>
+        <p:style>
+          <a:lnRef idx="2">
+            <a:schemeClr val="accent1">
+              <a:shade val="50000"/>
+            </a:schemeClr>
+          </a:lnRef>
+          <a:fillRef idx="1">
+            <a:schemeClr val="accent1"/>
+          </a:fillRef>
+          <a:effectRef idx="0">
+            <a:schemeClr val="accent1"/>
+          </a:effectRef>
+          <a:fontRef idx="minor">
+            <a:schemeClr val="lt1"/>
+          </a:fontRef>
+        </p:style>
+        <p:txBody>
+          <a:bodyPr rtlCol="0" anchor="ctr"/>
+          <a:lstStyle/>
+          <a:p>
+            <a:pPr algn="ctr"/>
+            <a:endParaRPr lang="en-US"/>
+          </a:p>
+        </p:txBody>
+      </p:sp>
+      <p:sp>
+        <p:nvSpPr>
           <p:cNvPr id="2" name="Title 1">
             <a:extLst>
               <a:ext uri="{FF2B5EF4-FFF2-40B4-BE49-F238E27FC236}">
@@ -8898,13 +13355,24 @@
             <p:ph type="title"/>
           </p:nvPr>
         </p:nvSpPr>
-        <p:spPr/>
+        <p:spPr>
+          <a:xfrm>
+            <a:off x="1288064" y="1049781"/>
+            <a:ext cx="9637776" cy="1430696"/>
+          </a:xfrm>
+        </p:spPr>
         <p:txBody>
-          <a:bodyPr/>
+          <a:bodyPr>
+            <a:normAutofit/>
+          </a:bodyPr>
           <a:lstStyle/>
           <a:p>
             <a:r>
-              <a:rPr lang="en-US" dirty="0"/>
+              <a:rPr lang="en-US">
+                <a:solidFill>
+                  <a:schemeClr val="bg1"/>
+                </a:solidFill>
+              </a:rPr>
               <a:t>The Project</a:t>
             </a:r>
           </a:p>
@@ -8926,19 +13394,44 @@
             <p:ph idx="1"/>
           </p:nvPr>
         </p:nvSpPr>
-        <p:spPr/>
+        <p:spPr>
+          <a:xfrm>
+            <a:off x="1288064" y="2618928"/>
+            <a:ext cx="9637776" cy="3064321"/>
+          </a:xfrm>
+        </p:spPr>
         <p:txBody>
-          <a:bodyPr/>
+          <a:bodyPr>
+            <a:normAutofit/>
+          </a:bodyPr>
           <a:lstStyle/>
           <a:p>
             <a:r>
-              <a:rPr lang="en-US" dirty="0"/>
+              <a:rPr lang="en-US" sz="2400">
+                <a:solidFill>
+                  <a:schemeClr val="bg1"/>
+                </a:solidFill>
+              </a:rPr>
               <a:t>Modelling US monthly inflation using a random forest method</a:t>
             </a:r>
           </a:p>
           <a:p>
             <a:r>
-              <a:rPr lang="en-US" dirty="0"/>
+              <a:rPr lang="en-US" sz="2400">
+                <a:solidFill>
+                  <a:schemeClr val="bg1"/>
+                </a:solidFill>
+              </a:rPr>
+              <a:t>Advantages of random forest</a:t>
+            </a:r>
+          </a:p>
+          <a:p>
+            <a:r>
+              <a:rPr lang="en-US" sz="2400">
+                <a:solidFill>
+                  <a:schemeClr val="bg1"/>
+                </a:solidFill>
+              </a:rPr>
               <a:t>Goal: Outperform a standard autoregressive model with a 1-month horizon</a:t>
             </a:r>
           </a:p>
@@ -8946,7 +13439,11 @@
             <a:pPr marL="0" indent="0">
               <a:buNone/>
             </a:pPr>
-            <a:endParaRPr lang="en-US" dirty="0"/>
+            <a:endParaRPr lang="en-US" sz="2400">
+              <a:solidFill>
+                <a:schemeClr val="bg1"/>
+              </a:solidFill>
+            </a:endParaRPr>
           </a:p>
         </p:txBody>
       </p:sp>

--- a/Glynn Presentation.pptx
+++ b/Glynn Presentation.pptx
@@ -5,22 +5,25 @@
     <p:sldMasterId id="2147483648" r:id="rId1"/>
   </p:sldMasterIdLst>
   <p:notesMasterIdLst>
-    <p:notesMasterId r:id="rId15"/>
+    <p:notesMasterId r:id="rId18"/>
   </p:notesMasterIdLst>
   <p:sldIdLst>
     <p:sldId id="256" r:id="rId2"/>
     <p:sldId id="257" r:id="rId3"/>
     <p:sldId id="267" r:id="rId4"/>
-    <p:sldId id="269" r:id="rId5"/>
-    <p:sldId id="266" r:id="rId6"/>
-    <p:sldId id="271" r:id="rId7"/>
-    <p:sldId id="268" r:id="rId8"/>
-    <p:sldId id="260" r:id="rId9"/>
-    <p:sldId id="261" r:id="rId10"/>
-    <p:sldId id="263" r:id="rId11"/>
-    <p:sldId id="262" r:id="rId12"/>
-    <p:sldId id="264" r:id="rId13"/>
-    <p:sldId id="265" r:id="rId14"/>
+    <p:sldId id="274" r:id="rId5"/>
+    <p:sldId id="269" r:id="rId6"/>
+    <p:sldId id="266" r:id="rId7"/>
+    <p:sldId id="273" r:id="rId8"/>
+    <p:sldId id="271" r:id="rId9"/>
+    <p:sldId id="268" r:id="rId10"/>
+    <p:sldId id="260" r:id="rId11"/>
+    <p:sldId id="261" r:id="rId12"/>
+    <p:sldId id="272" r:id="rId13"/>
+    <p:sldId id="263" r:id="rId14"/>
+    <p:sldId id="262" r:id="rId15"/>
+    <p:sldId id="264" r:id="rId16"/>
+    <p:sldId id="265" r:id="rId17"/>
   </p:sldIdLst>
   <p:sldSz cx="12192000" cy="6858000"/>
   <p:notesSz cx="6858000" cy="9144000"/>
@@ -120,6 +123,2047 @@
     </a:lvl9pPr>
   </p:defaultTextStyle>
 </p:presentation>
+</file>
+
+<file path=ppt/charts/chart1.xml><?xml version="1.0" encoding="utf-8"?>
+<c:chartSpace xmlns:c="http://schemas.openxmlformats.org/drawingml/2006/chart" xmlns:a="http://schemas.openxmlformats.org/drawingml/2006/main" xmlns:r="http://schemas.openxmlformats.org/officeDocument/2006/relationships" xmlns:c16r2="http://schemas.microsoft.com/office/drawing/2015/06/chart">
+  <c:date1904 val="0"/>
+  <c:lang val="en-US"/>
+  <c:roundedCorners val="0"/>
+  <mc:AlternateContent xmlns:mc="http://schemas.openxmlformats.org/markup-compatibility/2006">
+    <mc:Choice xmlns:c14="http://schemas.microsoft.com/office/drawing/2007/8/2/chart" Requires="c14">
+      <c14:style val="102"/>
+    </mc:Choice>
+    <mc:Fallback>
+      <c:style val="2"/>
+    </mc:Fallback>
+  </mc:AlternateContent>
+  <c:chart>
+    <c:autoTitleDeleted val="0"/>
+    <c:plotArea>
+      <c:layout/>
+      <c:scatterChart>
+        <c:scatterStyle val="lineMarker"/>
+        <c:varyColors val="0"/>
+        <c:ser>
+          <c:idx val="0"/>
+          <c:order val="0"/>
+          <c:tx>
+            <c:strRef>
+              <c:f>Sheet1!$B$1</c:f>
+              <c:strCache>
+                <c:ptCount val="1"/>
+                <c:pt idx="0">
+                  <c:v>Y-Values</c:v>
+                </c:pt>
+              </c:strCache>
+            </c:strRef>
+          </c:tx>
+          <c:spPr>
+            <a:ln w="19050" cap="rnd">
+              <a:noFill/>
+              <a:round/>
+            </a:ln>
+            <a:effectLst/>
+          </c:spPr>
+          <c:marker>
+            <c:symbol val="circle"/>
+            <c:size val="5"/>
+            <c:spPr>
+              <a:solidFill>
+                <a:schemeClr val="tx1"/>
+              </a:solidFill>
+              <a:ln w="19050">
+                <a:solidFill>
+                  <a:schemeClr val="tx1"/>
+                </a:solidFill>
+              </a:ln>
+              <a:effectLst/>
+            </c:spPr>
+          </c:marker>
+          <c:xVal>
+            <c:numRef>
+              <c:f>Sheet1!$A$2:$A$53</c:f>
+              <c:numCache>
+                <c:formatCode>General</c:formatCode>
+                <c:ptCount val="52"/>
+                <c:pt idx="0">
+                  <c:v>1</c:v>
+                </c:pt>
+                <c:pt idx="1">
+                  <c:v>1.1000000000000001</c:v>
+                </c:pt>
+                <c:pt idx="2">
+                  <c:v>2.6</c:v>
+                </c:pt>
+                <c:pt idx="3">
+                  <c:v>2.5</c:v>
+                </c:pt>
+                <c:pt idx="4">
+                  <c:v>2.4</c:v>
+                </c:pt>
+                <c:pt idx="5">
+                  <c:v>2.2999999999999998</c:v>
+                </c:pt>
+                <c:pt idx="6">
+                  <c:v>2.2000000000000002</c:v>
+                </c:pt>
+                <c:pt idx="7">
+                  <c:v>2.1</c:v>
+                </c:pt>
+                <c:pt idx="8">
+                  <c:v>2</c:v>
+                </c:pt>
+                <c:pt idx="9">
+                  <c:v>1.9</c:v>
+                </c:pt>
+                <c:pt idx="10">
+                  <c:v>1.8</c:v>
+                </c:pt>
+                <c:pt idx="11">
+                  <c:v>1.7</c:v>
+                </c:pt>
+                <c:pt idx="12">
+                  <c:v>1.6</c:v>
+                </c:pt>
+                <c:pt idx="13">
+                  <c:v>1.5</c:v>
+                </c:pt>
+                <c:pt idx="14">
+                  <c:v>1.4</c:v>
+                </c:pt>
+                <c:pt idx="15">
+                  <c:v>1.3</c:v>
+                </c:pt>
+                <c:pt idx="16">
+                  <c:v>1.2</c:v>
+                </c:pt>
+                <c:pt idx="17">
+                  <c:v>0.9</c:v>
+                </c:pt>
+                <c:pt idx="18">
+                  <c:v>0.8</c:v>
+                </c:pt>
+                <c:pt idx="19">
+                  <c:v>0.7</c:v>
+                </c:pt>
+                <c:pt idx="20">
+                  <c:v>0.6</c:v>
+                </c:pt>
+                <c:pt idx="21">
+                  <c:v>0.5</c:v>
+                </c:pt>
+                <c:pt idx="22">
+                  <c:v>0.4</c:v>
+                </c:pt>
+                <c:pt idx="23">
+                  <c:v>0.3</c:v>
+                </c:pt>
+                <c:pt idx="24">
+                  <c:v>0.2</c:v>
+                </c:pt>
+                <c:pt idx="25">
+                  <c:v>0.1</c:v>
+                </c:pt>
+                <c:pt idx="26">
+                  <c:v>1</c:v>
+                </c:pt>
+                <c:pt idx="27">
+                  <c:v>1.1000000000000001</c:v>
+                </c:pt>
+                <c:pt idx="28">
+                  <c:v>2.6</c:v>
+                </c:pt>
+                <c:pt idx="29">
+                  <c:v>2.5</c:v>
+                </c:pt>
+                <c:pt idx="30">
+                  <c:v>2.4</c:v>
+                </c:pt>
+                <c:pt idx="31">
+                  <c:v>2.2999999999999998</c:v>
+                </c:pt>
+                <c:pt idx="32">
+                  <c:v>2.2000000000000002</c:v>
+                </c:pt>
+                <c:pt idx="33">
+                  <c:v>2.1</c:v>
+                </c:pt>
+                <c:pt idx="34">
+                  <c:v>2</c:v>
+                </c:pt>
+                <c:pt idx="35">
+                  <c:v>1.9</c:v>
+                </c:pt>
+                <c:pt idx="36">
+                  <c:v>1.8</c:v>
+                </c:pt>
+                <c:pt idx="37">
+                  <c:v>1.7</c:v>
+                </c:pt>
+                <c:pt idx="38">
+                  <c:v>1.6</c:v>
+                </c:pt>
+                <c:pt idx="39">
+                  <c:v>1.5</c:v>
+                </c:pt>
+                <c:pt idx="40">
+                  <c:v>1.4</c:v>
+                </c:pt>
+                <c:pt idx="41">
+                  <c:v>1.3</c:v>
+                </c:pt>
+                <c:pt idx="42">
+                  <c:v>1.2</c:v>
+                </c:pt>
+                <c:pt idx="43">
+                  <c:v>0.9</c:v>
+                </c:pt>
+                <c:pt idx="44">
+                  <c:v>0.8</c:v>
+                </c:pt>
+                <c:pt idx="45">
+                  <c:v>0.7</c:v>
+                </c:pt>
+                <c:pt idx="46">
+                  <c:v>0.6</c:v>
+                </c:pt>
+                <c:pt idx="47">
+                  <c:v>0.5</c:v>
+                </c:pt>
+                <c:pt idx="48">
+                  <c:v>0.4</c:v>
+                </c:pt>
+                <c:pt idx="49">
+                  <c:v>0.3</c:v>
+                </c:pt>
+                <c:pt idx="50">
+                  <c:v>0.2</c:v>
+                </c:pt>
+                <c:pt idx="51">
+                  <c:v>0.1</c:v>
+                </c:pt>
+              </c:numCache>
+            </c:numRef>
+          </c:xVal>
+          <c:yVal>
+            <c:numRef>
+              <c:f>Sheet1!$B$2:$B$53</c:f>
+              <c:numCache>
+                <c:formatCode>General</c:formatCode>
+                <c:ptCount val="52"/>
+                <c:pt idx="0">
+                  <c:v>2.25</c:v>
+                </c:pt>
+                <c:pt idx="1">
+                  <c:v>2.31</c:v>
+                </c:pt>
+                <c:pt idx="2">
+                  <c:v>2.5</c:v>
+                </c:pt>
+                <c:pt idx="3">
+                  <c:v>2.36</c:v>
+                </c:pt>
+                <c:pt idx="4">
+                  <c:v>2.36</c:v>
+                </c:pt>
+                <c:pt idx="5">
+                  <c:v>2.2000000000000002</c:v>
+                </c:pt>
+                <c:pt idx="6">
+                  <c:v>2.2000000000000002</c:v>
+                </c:pt>
+                <c:pt idx="7">
+                  <c:v>2.2999999999999998</c:v>
+                </c:pt>
+                <c:pt idx="8">
+                  <c:v>2.1</c:v>
+                </c:pt>
+                <c:pt idx="9">
+                  <c:v>2.48</c:v>
+                </c:pt>
+                <c:pt idx="10">
+                  <c:v>2.2999999999999998</c:v>
+                </c:pt>
+                <c:pt idx="11">
+                  <c:v>2.36</c:v>
+                </c:pt>
+                <c:pt idx="12">
+                  <c:v>2.3199999999999998</c:v>
+                </c:pt>
+                <c:pt idx="13">
+                  <c:v>2.2799999999999998</c:v>
+                </c:pt>
+                <c:pt idx="14">
+                  <c:v>2.0099999999999998</c:v>
+                </c:pt>
+                <c:pt idx="15">
+                  <c:v>2.06</c:v>
+                </c:pt>
+                <c:pt idx="16">
+                  <c:v>2.46</c:v>
+                </c:pt>
+                <c:pt idx="17">
+                  <c:v>2.29</c:v>
+                </c:pt>
+                <c:pt idx="18">
+                  <c:v>2.27</c:v>
+                </c:pt>
+                <c:pt idx="19">
+                  <c:v>2.4</c:v>
+                </c:pt>
+                <c:pt idx="20">
+                  <c:v>2.02</c:v>
+                </c:pt>
+                <c:pt idx="21">
+                  <c:v>2.17</c:v>
+                </c:pt>
+                <c:pt idx="22">
+                  <c:v>2.04</c:v>
+                </c:pt>
+                <c:pt idx="23">
+                  <c:v>2.15</c:v>
+                </c:pt>
+                <c:pt idx="24">
+                  <c:v>2.13</c:v>
+                </c:pt>
+                <c:pt idx="25">
+                  <c:v>2.13</c:v>
+                </c:pt>
+                <c:pt idx="26">
+                  <c:v>1.17</c:v>
+                </c:pt>
+                <c:pt idx="27">
+                  <c:v>1.32</c:v>
+                </c:pt>
+                <c:pt idx="28">
+                  <c:v>1.63</c:v>
+                </c:pt>
+                <c:pt idx="29">
+                  <c:v>1.34</c:v>
+                </c:pt>
+                <c:pt idx="30">
+                  <c:v>1.66</c:v>
+                </c:pt>
+                <c:pt idx="31">
+                  <c:v>1.49</c:v>
+                </c:pt>
+                <c:pt idx="32">
+                  <c:v>1.02</c:v>
+                </c:pt>
+                <c:pt idx="33">
+                  <c:v>1.32</c:v>
+                </c:pt>
+                <c:pt idx="34">
+                  <c:v>1.19</c:v>
+                </c:pt>
+                <c:pt idx="35">
+                  <c:v>1.22</c:v>
+                </c:pt>
+                <c:pt idx="36">
+                  <c:v>1.58</c:v>
+                </c:pt>
+                <c:pt idx="37">
+                  <c:v>1.0900000000000001</c:v>
+                </c:pt>
+                <c:pt idx="38">
+                  <c:v>1.42</c:v>
+                </c:pt>
+                <c:pt idx="39">
+                  <c:v>1.52</c:v>
+                </c:pt>
+                <c:pt idx="40">
+                  <c:v>1.35</c:v>
+                </c:pt>
+                <c:pt idx="41">
+                  <c:v>1.07</c:v>
+                </c:pt>
+                <c:pt idx="42">
+                  <c:v>1.57</c:v>
+                </c:pt>
+                <c:pt idx="43">
+                  <c:v>1.17</c:v>
+                </c:pt>
+                <c:pt idx="44">
+                  <c:v>1.01</c:v>
+                </c:pt>
+                <c:pt idx="45">
+                  <c:v>1.5</c:v>
+                </c:pt>
+                <c:pt idx="46">
+                  <c:v>1.37</c:v>
+                </c:pt>
+                <c:pt idx="47">
+                  <c:v>1.07</c:v>
+                </c:pt>
+                <c:pt idx="48">
+                  <c:v>1.1399999999999999</c:v>
+                </c:pt>
+                <c:pt idx="49">
+                  <c:v>1.66</c:v>
+                </c:pt>
+                <c:pt idx="50">
+                  <c:v>1.42</c:v>
+                </c:pt>
+                <c:pt idx="51">
+                  <c:v>1.3</c:v>
+                </c:pt>
+              </c:numCache>
+            </c:numRef>
+          </c:yVal>
+          <c:smooth val="0"/>
+          <c:extLst>
+            <c:ext xmlns:c16="http://schemas.microsoft.com/office/drawing/2014/chart" uri="{C3380CC4-5D6E-409C-BE32-E72D297353CC}">
+              <c16:uniqueId val="{00000000-ADD3-A846-A08F-60A95A479607}"/>
+            </c:ext>
+          </c:extLst>
+        </c:ser>
+        <c:ser>
+          <c:idx val="1"/>
+          <c:order val="1"/>
+          <c:tx>
+            <c:strRef>
+              <c:f>Sheet1!$C$1</c:f>
+              <c:strCache>
+                <c:ptCount val="1"/>
+                <c:pt idx="0">
+                  <c:v>Mean</c:v>
+                </c:pt>
+              </c:strCache>
+            </c:strRef>
+          </c:tx>
+          <c:spPr>
+            <a:ln w="25400" cap="rnd">
+              <a:noFill/>
+              <a:round/>
+            </a:ln>
+            <a:effectLst/>
+          </c:spPr>
+          <c:marker>
+            <c:symbol val="circle"/>
+            <c:size val="5"/>
+            <c:spPr>
+              <a:noFill/>
+              <a:ln w="9525">
+                <a:noFill/>
+              </a:ln>
+              <a:effectLst/>
+            </c:spPr>
+          </c:marker>
+          <c:trendline>
+            <c:spPr>
+              <a:ln w="38100" cap="rnd">
+                <a:solidFill>
+                  <a:schemeClr val="accent1"/>
+                </a:solidFill>
+                <a:prstDash val="solid"/>
+              </a:ln>
+              <a:effectLst/>
+            </c:spPr>
+            <c:trendlineType val="linear"/>
+            <c:dispRSqr val="0"/>
+            <c:dispEq val="0"/>
+          </c:trendline>
+          <c:xVal>
+            <c:numRef>
+              <c:f>Sheet1!$A$2:$A$53</c:f>
+              <c:numCache>
+                <c:formatCode>General</c:formatCode>
+                <c:ptCount val="52"/>
+                <c:pt idx="0">
+                  <c:v>1</c:v>
+                </c:pt>
+                <c:pt idx="1">
+                  <c:v>1.1000000000000001</c:v>
+                </c:pt>
+                <c:pt idx="2">
+                  <c:v>2.6</c:v>
+                </c:pt>
+                <c:pt idx="3">
+                  <c:v>2.5</c:v>
+                </c:pt>
+                <c:pt idx="4">
+                  <c:v>2.4</c:v>
+                </c:pt>
+                <c:pt idx="5">
+                  <c:v>2.2999999999999998</c:v>
+                </c:pt>
+                <c:pt idx="6">
+                  <c:v>2.2000000000000002</c:v>
+                </c:pt>
+                <c:pt idx="7">
+                  <c:v>2.1</c:v>
+                </c:pt>
+                <c:pt idx="8">
+                  <c:v>2</c:v>
+                </c:pt>
+                <c:pt idx="9">
+                  <c:v>1.9</c:v>
+                </c:pt>
+                <c:pt idx="10">
+                  <c:v>1.8</c:v>
+                </c:pt>
+                <c:pt idx="11">
+                  <c:v>1.7</c:v>
+                </c:pt>
+                <c:pt idx="12">
+                  <c:v>1.6</c:v>
+                </c:pt>
+                <c:pt idx="13">
+                  <c:v>1.5</c:v>
+                </c:pt>
+                <c:pt idx="14">
+                  <c:v>1.4</c:v>
+                </c:pt>
+                <c:pt idx="15">
+                  <c:v>1.3</c:v>
+                </c:pt>
+                <c:pt idx="16">
+                  <c:v>1.2</c:v>
+                </c:pt>
+                <c:pt idx="17">
+                  <c:v>0.9</c:v>
+                </c:pt>
+                <c:pt idx="18">
+                  <c:v>0.8</c:v>
+                </c:pt>
+                <c:pt idx="19">
+                  <c:v>0.7</c:v>
+                </c:pt>
+                <c:pt idx="20">
+                  <c:v>0.6</c:v>
+                </c:pt>
+                <c:pt idx="21">
+                  <c:v>0.5</c:v>
+                </c:pt>
+                <c:pt idx="22">
+                  <c:v>0.4</c:v>
+                </c:pt>
+                <c:pt idx="23">
+                  <c:v>0.3</c:v>
+                </c:pt>
+                <c:pt idx="24">
+                  <c:v>0.2</c:v>
+                </c:pt>
+                <c:pt idx="25">
+                  <c:v>0.1</c:v>
+                </c:pt>
+                <c:pt idx="26">
+                  <c:v>1</c:v>
+                </c:pt>
+                <c:pt idx="27">
+                  <c:v>1.1000000000000001</c:v>
+                </c:pt>
+                <c:pt idx="28">
+                  <c:v>2.6</c:v>
+                </c:pt>
+                <c:pt idx="29">
+                  <c:v>2.5</c:v>
+                </c:pt>
+                <c:pt idx="30">
+                  <c:v>2.4</c:v>
+                </c:pt>
+                <c:pt idx="31">
+                  <c:v>2.2999999999999998</c:v>
+                </c:pt>
+                <c:pt idx="32">
+                  <c:v>2.2000000000000002</c:v>
+                </c:pt>
+                <c:pt idx="33">
+                  <c:v>2.1</c:v>
+                </c:pt>
+                <c:pt idx="34">
+                  <c:v>2</c:v>
+                </c:pt>
+                <c:pt idx="35">
+                  <c:v>1.9</c:v>
+                </c:pt>
+                <c:pt idx="36">
+                  <c:v>1.8</c:v>
+                </c:pt>
+                <c:pt idx="37">
+                  <c:v>1.7</c:v>
+                </c:pt>
+                <c:pt idx="38">
+                  <c:v>1.6</c:v>
+                </c:pt>
+                <c:pt idx="39">
+                  <c:v>1.5</c:v>
+                </c:pt>
+                <c:pt idx="40">
+                  <c:v>1.4</c:v>
+                </c:pt>
+                <c:pt idx="41">
+                  <c:v>1.3</c:v>
+                </c:pt>
+                <c:pt idx="42">
+                  <c:v>1.2</c:v>
+                </c:pt>
+                <c:pt idx="43">
+                  <c:v>0.9</c:v>
+                </c:pt>
+                <c:pt idx="44">
+                  <c:v>0.8</c:v>
+                </c:pt>
+                <c:pt idx="45">
+                  <c:v>0.7</c:v>
+                </c:pt>
+                <c:pt idx="46">
+                  <c:v>0.6</c:v>
+                </c:pt>
+                <c:pt idx="47">
+                  <c:v>0.5</c:v>
+                </c:pt>
+                <c:pt idx="48">
+                  <c:v>0.4</c:v>
+                </c:pt>
+                <c:pt idx="49">
+                  <c:v>0.3</c:v>
+                </c:pt>
+                <c:pt idx="50">
+                  <c:v>0.2</c:v>
+                </c:pt>
+                <c:pt idx="51">
+                  <c:v>0.1</c:v>
+                </c:pt>
+              </c:numCache>
+            </c:numRef>
+          </c:xVal>
+          <c:yVal>
+            <c:numRef>
+              <c:f>Sheet1!$C$2:$C$53</c:f>
+              <c:numCache>
+                <c:formatCode>General</c:formatCode>
+                <c:ptCount val="52"/>
+                <c:pt idx="0">
+                  <c:v>1.7180440172947689</c:v>
+                </c:pt>
+                <c:pt idx="1">
+                  <c:v>1.7180440172947689</c:v>
+                </c:pt>
+                <c:pt idx="2">
+                  <c:v>1.7180440172947689</c:v>
+                </c:pt>
+                <c:pt idx="3">
+                  <c:v>1.7180440172947689</c:v>
+                </c:pt>
+                <c:pt idx="4">
+                  <c:v>1.7180440172947689</c:v>
+                </c:pt>
+                <c:pt idx="5">
+                  <c:v>1.7180440172947689</c:v>
+                </c:pt>
+                <c:pt idx="6">
+                  <c:v>1.7180440172947689</c:v>
+                </c:pt>
+                <c:pt idx="7">
+                  <c:v>1.7180440172947689</c:v>
+                </c:pt>
+                <c:pt idx="8">
+                  <c:v>1.7180440172947689</c:v>
+                </c:pt>
+                <c:pt idx="9">
+                  <c:v>1.7180440172947689</c:v>
+                </c:pt>
+                <c:pt idx="10">
+                  <c:v>1.7180440172947689</c:v>
+                </c:pt>
+                <c:pt idx="11">
+                  <c:v>1.7180440172947689</c:v>
+                </c:pt>
+                <c:pt idx="12">
+                  <c:v>1.7180440172947689</c:v>
+                </c:pt>
+                <c:pt idx="13">
+                  <c:v>1.7180440172947689</c:v>
+                </c:pt>
+                <c:pt idx="14">
+                  <c:v>1.7180440172947689</c:v>
+                </c:pt>
+                <c:pt idx="15">
+                  <c:v>1.7180440172947689</c:v>
+                </c:pt>
+                <c:pt idx="16">
+                  <c:v>1.7180440172947689</c:v>
+                </c:pt>
+                <c:pt idx="17">
+                  <c:v>1.7180440172947689</c:v>
+                </c:pt>
+                <c:pt idx="18">
+                  <c:v>1.7180440172947689</c:v>
+                </c:pt>
+                <c:pt idx="19">
+                  <c:v>1.7180440172947689</c:v>
+                </c:pt>
+                <c:pt idx="20">
+                  <c:v>1.7180440172947689</c:v>
+                </c:pt>
+                <c:pt idx="21">
+                  <c:v>1.7180440172947689</c:v>
+                </c:pt>
+                <c:pt idx="22">
+                  <c:v>1.7180440172947689</c:v>
+                </c:pt>
+                <c:pt idx="23">
+                  <c:v>1.7180440172947689</c:v>
+                </c:pt>
+                <c:pt idx="24">
+                  <c:v>1.7180440172947689</c:v>
+                </c:pt>
+                <c:pt idx="25">
+                  <c:v>1.7180440172947689</c:v>
+                </c:pt>
+              </c:numCache>
+            </c:numRef>
+          </c:yVal>
+          <c:smooth val="0"/>
+          <c:extLst>
+            <c:ext xmlns:c16="http://schemas.microsoft.com/office/drawing/2014/chart" uri="{C3380CC4-5D6E-409C-BE32-E72D297353CC}">
+              <c16:uniqueId val="{00000005-ADD3-A846-A08F-60A95A479607}"/>
+            </c:ext>
+          </c:extLst>
+        </c:ser>
+        <c:ser>
+          <c:idx val="2"/>
+          <c:order val="2"/>
+          <c:tx>
+            <c:strRef>
+              <c:f>Sheet1!$D$1</c:f>
+              <c:strCache>
+                <c:ptCount val="1"/>
+                <c:pt idx="0">
+                  <c:v>First mean</c:v>
+                </c:pt>
+              </c:strCache>
+            </c:strRef>
+          </c:tx>
+          <c:spPr>
+            <a:ln w="25400" cap="rnd">
+              <a:noFill/>
+              <a:round/>
+            </a:ln>
+            <a:effectLst/>
+          </c:spPr>
+          <c:marker>
+            <c:symbol val="circle"/>
+            <c:size val="5"/>
+            <c:spPr>
+              <a:noFill/>
+              <a:ln w="9525">
+                <a:noFill/>
+              </a:ln>
+              <a:effectLst/>
+            </c:spPr>
+          </c:marker>
+          <c:trendline>
+            <c:spPr>
+              <a:ln w="19050" cap="rnd">
+                <a:solidFill>
+                  <a:schemeClr val="accent2"/>
+                </a:solidFill>
+                <a:prstDash val="solid"/>
+              </a:ln>
+              <a:effectLst/>
+            </c:spPr>
+            <c:trendlineType val="linear"/>
+            <c:dispRSqr val="0"/>
+            <c:dispEq val="0"/>
+          </c:trendline>
+          <c:xVal>
+            <c:numRef>
+              <c:f>Sheet1!$A$2:$A$53</c:f>
+              <c:numCache>
+                <c:formatCode>General</c:formatCode>
+                <c:ptCount val="52"/>
+                <c:pt idx="0">
+                  <c:v>1</c:v>
+                </c:pt>
+                <c:pt idx="1">
+                  <c:v>1.1000000000000001</c:v>
+                </c:pt>
+                <c:pt idx="2">
+                  <c:v>2.6</c:v>
+                </c:pt>
+                <c:pt idx="3">
+                  <c:v>2.5</c:v>
+                </c:pt>
+                <c:pt idx="4">
+                  <c:v>2.4</c:v>
+                </c:pt>
+                <c:pt idx="5">
+                  <c:v>2.2999999999999998</c:v>
+                </c:pt>
+                <c:pt idx="6">
+                  <c:v>2.2000000000000002</c:v>
+                </c:pt>
+                <c:pt idx="7">
+                  <c:v>2.1</c:v>
+                </c:pt>
+                <c:pt idx="8">
+                  <c:v>2</c:v>
+                </c:pt>
+                <c:pt idx="9">
+                  <c:v>1.9</c:v>
+                </c:pt>
+                <c:pt idx="10">
+                  <c:v>1.8</c:v>
+                </c:pt>
+                <c:pt idx="11">
+                  <c:v>1.7</c:v>
+                </c:pt>
+                <c:pt idx="12">
+                  <c:v>1.6</c:v>
+                </c:pt>
+                <c:pt idx="13">
+                  <c:v>1.5</c:v>
+                </c:pt>
+                <c:pt idx="14">
+                  <c:v>1.4</c:v>
+                </c:pt>
+                <c:pt idx="15">
+                  <c:v>1.3</c:v>
+                </c:pt>
+                <c:pt idx="16">
+                  <c:v>1.2</c:v>
+                </c:pt>
+                <c:pt idx="17">
+                  <c:v>0.9</c:v>
+                </c:pt>
+                <c:pt idx="18">
+                  <c:v>0.8</c:v>
+                </c:pt>
+                <c:pt idx="19">
+                  <c:v>0.7</c:v>
+                </c:pt>
+                <c:pt idx="20">
+                  <c:v>0.6</c:v>
+                </c:pt>
+                <c:pt idx="21">
+                  <c:v>0.5</c:v>
+                </c:pt>
+                <c:pt idx="22">
+                  <c:v>0.4</c:v>
+                </c:pt>
+                <c:pt idx="23">
+                  <c:v>0.3</c:v>
+                </c:pt>
+                <c:pt idx="24">
+                  <c:v>0.2</c:v>
+                </c:pt>
+                <c:pt idx="25">
+                  <c:v>0.1</c:v>
+                </c:pt>
+                <c:pt idx="26">
+                  <c:v>1</c:v>
+                </c:pt>
+                <c:pt idx="27">
+                  <c:v>1.1000000000000001</c:v>
+                </c:pt>
+                <c:pt idx="28">
+                  <c:v>2.6</c:v>
+                </c:pt>
+                <c:pt idx="29">
+                  <c:v>2.5</c:v>
+                </c:pt>
+                <c:pt idx="30">
+                  <c:v>2.4</c:v>
+                </c:pt>
+                <c:pt idx="31">
+                  <c:v>2.2999999999999998</c:v>
+                </c:pt>
+                <c:pt idx="32">
+                  <c:v>2.2000000000000002</c:v>
+                </c:pt>
+                <c:pt idx="33">
+                  <c:v>2.1</c:v>
+                </c:pt>
+                <c:pt idx="34">
+                  <c:v>2</c:v>
+                </c:pt>
+                <c:pt idx="35">
+                  <c:v>1.9</c:v>
+                </c:pt>
+                <c:pt idx="36">
+                  <c:v>1.8</c:v>
+                </c:pt>
+                <c:pt idx="37">
+                  <c:v>1.7</c:v>
+                </c:pt>
+                <c:pt idx="38">
+                  <c:v>1.6</c:v>
+                </c:pt>
+                <c:pt idx="39">
+                  <c:v>1.5</c:v>
+                </c:pt>
+                <c:pt idx="40">
+                  <c:v>1.4</c:v>
+                </c:pt>
+                <c:pt idx="41">
+                  <c:v>1.3</c:v>
+                </c:pt>
+                <c:pt idx="42">
+                  <c:v>1.2</c:v>
+                </c:pt>
+                <c:pt idx="43">
+                  <c:v>0.9</c:v>
+                </c:pt>
+                <c:pt idx="44">
+                  <c:v>0.8</c:v>
+                </c:pt>
+                <c:pt idx="45">
+                  <c:v>0.7</c:v>
+                </c:pt>
+                <c:pt idx="46">
+                  <c:v>0.6</c:v>
+                </c:pt>
+                <c:pt idx="47">
+                  <c:v>0.5</c:v>
+                </c:pt>
+                <c:pt idx="48">
+                  <c:v>0.4</c:v>
+                </c:pt>
+                <c:pt idx="49">
+                  <c:v>0.3</c:v>
+                </c:pt>
+                <c:pt idx="50">
+                  <c:v>0.2</c:v>
+                </c:pt>
+                <c:pt idx="51">
+                  <c:v>0.1</c:v>
+                </c:pt>
+              </c:numCache>
+            </c:numRef>
+          </c:xVal>
+          <c:yVal>
+            <c:numRef>
+              <c:f>Sheet1!$D$2:$D$53</c:f>
+              <c:numCache>
+                <c:formatCode>General</c:formatCode>
+                <c:ptCount val="52"/>
+                <c:pt idx="0">
+                  <c:v>2.2437975209625312</c:v>
+                </c:pt>
+                <c:pt idx="1">
+                  <c:v>2.2437975209625312</c:v>
+                </c:pt>
+                <c:pt idx="2">
+                  <c:v>2.2437975209625312</c:v>
+                </c:pt>
+                <c:pt idx="3">
+                  <c:v>2.2437975209625312</c:v>
+                </c:pt>
+                <c:pt idx="4">
+                  <c:v>2.2437975209625312</c:v>
+                </c:pt>
+                <c:pt idx="5">
+                  <c:v>2.2437975209625312</c:v>
+                </c:pt>
+                <c:pt idx="6">
+                  <c:v>2.2437975209625312</c:v>
+                </c:pt>
+                <c:pt idx="7">
+                  <c:v>2.2437975209625312</c:v>
+                </c:pt>
+                <c:pt idx="8">
+                  <c:v>2.2437975209625312</c:v>
+                </c:pt>
+                <c:pt idx="9">
+                  <c:v>2.2437975209625312</c:v>
+                </c:pt>
+                <c:pt idx="10">
+                  <c:v>2.2437975209625312</c:v>
+                </c:pt>
+                <c:pt idx="11">
+                  <c:v>2.2437975209625312</c:v>
+                </c:pt>
+                <c:pt idx="12">
+                  <c:v>2.2437975209625312</c:v>
+                </c:pt>
+                <c:pt idx="13">
+                  <c:v>2.2437975209625312</c:v>
+                </c:pt>
+                <c:pt idx="14">
+                  <c:v>2.2437975209625312</c:v>
+                </c:pt>
+                <c:pt idx="15">
+                  <c:v>2.2437975209625312</c:v>
+                </c:pt>
+                <c:pt idx="16">
+                  <c:v>2.2437975209625312</c:v>
+                </c:pt>
+                <c:pt idx="17">
+                  <c:v>2.2437975209625312</c:v>
+                </c:pt>
+                <c:pt idx="18">
+                  <c:v>2.2437975209625312</c:v>
+                </c:pt>
+                <c:pt idx="19">
+                  <c:v>2.2437975209625312</c:v>
+                </c:pt>
+                <c:pt idx="20">
+                  <c:v>2.2437975209625312</c:v>
+                </c:pt>
+                <c:pt idx="21">
+                  <c:v>2.2437975209625312</c:v>
+                </c:pt>
+                <c:pt idx="22">
+                  <c:v>2.2437975209625312</c:v>
+                </c:pt>
+                <c:pt idx="23">
+                  <c:v>2.2437975209625312</c:v>
+                </c:pt>
+                <c:pt idx="24">
+                  <c:v>2.2437975209625312</c:v>
+                </c:pt>
+                <c:pt idx="25">
+                  <c:v>2.2437975209625312</c:v>
+                </c:pt>
+              </c:numCache>
+            </c:numRef>
+          </c:yVal>
+          <c:smooth val="0"/>
+          <c:extLst>
+            <c:ext xmlns:c16="http://schemas.microsoft.com/office/drawing/2014/chart" uri="{C3380CC4-5D6E-409C-BE32-E72D297353CC}">
+              <c16:uniqueId val="{00000008-ADD3-A846-A08F-60A95A479607}"/>
+            </c:ext>
+          </c:extLst>
+        </c:ser>
+        <c:ser>
+          <c:idx val="3"/>
+          <c:order val="3"/>
+          <c:tx>
+            <c:strRef>
+              <c:f>Sheet1!$E$1</c:f>
+              <c:strCache>
+                <c:ptCount val="1"/>
+                <c:pt idx="0">
+                  <c:v>Second mean</c:v>
+                </c:pt>
+              </c:strCache>
+            </c:strRef>
+          </c:tx>
+          <c:spPr>
+            <a:ln w="25400" cap="rnd">
+              <a:noFill/>
+              <a:round/>
+            </a:ln>
+            <a:effectLst/>
+          </c:spPr>
+          <c:marker>
+            <c:symbol val="circle"/>
+            <c:size val="5"/>
+            <c:spPr>
+              <a:noFill/>
+              <a:ln w="9525">
+                <a:noFill/>
+              </a:ln>
+              <a:effectLst/>
+            </c:spPr>
+          </c:marker>
+          <c:trendline>
+            <c:spPr>
+              <a:ln w="19050" cap="rnd">
+                <a:solidFill>
+                  <a:schemeClr val="accent2"/>
+                </a:solidFill>
+                <a:prstDash val="solid"/>
+              </a:ln>
+              <a:effectLst/>
+            </c:spPr>
+            <c:trendlineType val="linear"/>
+            <c:dispRSqr val="0"/>
+            <c:dispEq val="0"/>
+          </c:trendline>
+          <c:xVal>
+            <c:numRef>
+              <c:f>Sheet1!$A$2:$A$53</c:f>
+              <c:numCache>
+                <c:formatCode>General</c:formatCode>
+                <c:ptCount val="52"/>
+                <c:pt idx="0">
+                  <c:v>1</c:v>
+                </c:pt>
+                <c:pt idx="1">
+                  <c:v>1.1000000000000001</c:v>
+                </c:pt>
+                <c:pt idx="2">
+                  <c:v>2.6</c:v>
+                </c:pt>
+                <c:pt idx="3">
+                  <c:v>2.5</c:v>
+                </c:pt>
+                <c:pt idx="4">
+                  <c:v>2.4</c:v>
+                </c:pt>
+                <c:pt idx="5">
+                  <c:v>2.2999999999999998</c:v>
+                </c:pt>
+                <c:pt idx="6">
+                  <c:v>2.2000000000000002</c:v>
+                </c:pt>
+                <c:pt idx="7">
+                  <c:v>2.1</c:v>
+                </c:pt>
+                <c:pt idx="8">
+                  <c:v>2</c:v>
+                </c:pt>
+                <c:pt idx="9">
+                  <c:v>1.9</c:v>
+                </c:pt>
+                <c:pt idx="10">
+                  <c:v>1.8</c:v>
+                </c:pt>
+                <c:pt idx="11">
+                  <c:v>1.7</c:v>
+                </c:pt>
+                <c:pt idx="12">
+                  <c:v>1.6</c:v>
+                </c:pt>
+                <c:pt idx="13">
+                  <c:v>1.5</c:v>
+                </c:pt>
+                <c:pt idx="14">
+                  <c:v>1.4</c:v>
+                </c:pt>
+                <c:pt idx="15">
+                  <c:v>1.3</c:v>
+                </c:pt>
+                <c:pt idx="16">
+                  <c:v>1.2</c:v>
+                </c:pt>
+                <c:pt idx="17">
+                  <c:v>0.9</c:v>
+                </c:pt>
+                <c:pt idx="18">
+                  <c:v>0.8</c:v>
+                </c:pt>
+                <c:pt idx="19">
+                  <c:v>0.7</c:v>
+                </c:pt>
+                <c:pt idx="20">
+                  <c:v>0.6</c:v>
+                </c:pt>
+                <c:pt idx="21">
+                  <c:v>0.5</c:v>
+                </c:pt>
+                <c:pt idx="22">
+                  <c:v>0.4</c:v>
+                </c:pt>
+                <c:pt idx="23">
+                  <c:v>0.3</c:v>
+                </c:pt>
+                <c:pt idx="24">
+                  <c:v>0.2</c:v>
+                </c:pt>
+                <c:pt idx="25">
+                  <c:v>0.1</c:v>
+                </c:pt>
+                <c:pt idx="26">
+                  <c:v>1</c:v>
+                </c:pt>
+                <c:pt idx="27">
+                  <c:v>1.1000000000000001</c:v>
+                </c:pt>
+                <c:pt idx="28">
+                  <c:v>2.6</c:v>
+                </c:pt>
+                <c:pt idx="29">
+                  <c:v>2.5</c:v>
+                </c:pt>
+                <c:pt idx="30">
+                  <c:v>2.4</c:v>
+                </c:pt>
+                <c:pt idx="31">
+                  <c:v>2.2999999999999998</c:v>
+                </c:pt>
+                <c:pt idx="32">
+                  <c:v>2.2000000000000002</c:v>
+                </c:pt>
+                <c:pt idx="33">
+                  <c:v>2.1</c:v>
+                </c:pt>
+                <c:pt idx="34">
+                  <c:v>2</c:v>
+                </c:pt>
+                <c:pt idx="35">
+                  <c:v>1.9</c:v>
+                </c:pt>
+                <c:pt idx="36">
+                  <c:v>1.8</c:v>
+                </c:pt>
+                <c:pt idx="37">
+                  <c:v>1.7</c:v>
+                </c:pt>
+                <c:pt idx="38">
+                  <c:v>1.6</c:v>
+                </c:pt>
+                <c:pt idx="39">
+                  <c:v>1.5</c:v>
+                </c:pt>
+                <c:pt idx="40">
+                  <c:v>1.4</c:v>
+                </c:pt>
+                <c:pt idx="41">
+                  <c:v>1.3</c:v>
+                </c:pt>
+                <c:pt idx="42">
+                  <c:v>1.2</c:v>
+                </c:pt>
+                <c:pt idx="43">
+                  <c:v>0.9</c:v>
+                </c:pt>
+                <c:pt idx="44">
+                  <c:v>0.8</c:v>
+                </c:pt>
+                <c:pt idx="45">
+                  <c:v>0.7</c:v>
+                </c:pt>
+                <c:pt idx="46">
+                  <c:v>0.6</c:v>
+                </c:pt>
+                <c:pt idx="47">
+                  <c:v>0.5</c:v>
+                </c:pt>
+                <c:pt idx="48">
+                  <c:v>0.4</c:v>
+                </c:pt>
+                <c:pt idx="49">
+                  <c:v>0.3</c:v>
+                </c:pt>
+                <c:pt idx="50">
+                  <c:v>0.2</c:v>
+                </c:pt>
+                <c:pt idx="51">
+                  <c:v>0.1</c:v>
+                </c:pt>
+              </c:numCache>
+            </c:numRef>
+          </c:xVal>
+          <c:yVal>
+            <c:numRef>
+              <c:f>Sheet1!$E$2:$E$53</c:f>
+              <c:numCache>
+                <c:formatCode>General</c:formatCode>
+                <c:ptCount val="52"/>
+                <c:pt idx="0">
+                  <c:v>1.3154819977232863</c:v>
+                </c:pt>
+                <c:pt idx="1">
+                  <c:v>1.3154819977232863</c:v>
+                </c:pt>
+                <c:pt idx="2">
+                  <c:v>1.3154819977232863</c:v>
+                </c:pt>
+                <c:pt idx="3">
+                  <c:v>1.3154819977232863</c:v>
+                </c:pt>
+                <c:pt idx="4">
+                  <c:v>1.3154819977232863</c:v>
+                </c:pt>
+                <c:pt idx="5">
+                  <c:v>1.3154819977232863</c:v>
+                </c:pt>
+                <c:pt idx="6">
+                  <c:v>1.3154819977232863</c:v>
+                </c:pt>
+                <c:pt idx="7">
+                  <c:v>1.3154819977232863</c:v>
+                </c:pt>
+                <c:pt idx="8">
+                  <c:v>1.3154819977232863</c:v>
+                </c:pt>
+                <c:pt idx="9">
+                  <c:v>1.3154819977232863</c:v>
+                </c:pt>
+                <c:pt idx="10">
+                  <c:v>1.3154819977232863</c:v>
+                </c:pt>
+                <c:pt idx="11">
+                  <c:v>1.3154819977232863</c:v>
+                </c:pt>
+                <c:pt idx="12">
+                  <c:v>1.3154819977232863</c:v>
+                </c:pt>
+                <c:pt idx="13">
+                  <c:v>1.3154819977232863</c:v>
+                </c:pt>
+                <c:pt idx="14">
+                  <c:v>1.3154819977232863</c:v>
+                </c:pt>
+                <c:pt idx="15">
+                  <c:v>1.3154819977232863</c:v>
+                </c:pt>
+                <c:pt idx="16">
+                  <c:v>1.3154819977232863</c:v>
+                </c:pt>
+                <c:pt idx="17">
+                  <c:v>1.3154819977232863</c:v>
+                </c:pt>
+                <c:pt idx="18">
+                  <c:v>1.3154819977232863</c:v>
+                </c:pt>
+                <c:pt idx="19">
+                  <c:v>1.3154819977232863</c:v>
+                </c:pt>
+                <c:pt idx="20">
+                  <c:v>1.3154819977232863</c:v>
+                </c:pt>
+                <c:pt idx="21">
+                  <c:v>1.3154819977232863</c:v>
+                </c:pt>
+                <c:pt idx="22">
+                  <c:v>1.3154819977232863</c:v>
+                </c:pt>
+                <c:pt idx="23">
+                  <c:v>1.3154819977232863</c:v>
+                </c:pt>
+                <c:pt idx="24">
+                  <c:v>1.3154819977232863</c:v>
+                </c:pt>
+                <c:pt idx="25">
+                  <c:v>1.3154819977232863</c:v>
+                </c:pt>
+              </c:numCache>
+            </c:numRef>
+          </c:yVal>
+          <c:smooth val="0"/>
+          <c:extLst>
+            <c:ext xmlns:c16="http://schemas.microsoft.com/office/drawing/2014/chart" uri="{C3380CC4-5D6E-409C-BE32-E72D297353CC}">
+              <c16:uniqueId val="{00000009-ADD3-A846-A08F-60A95A479607}"/>
+            </c:ext>
+          </c:extLst>
+        </c:ser>
+        <c:dLbls>
+          <c:showLegendKey val="0"/>
+          <c:showVal val="0"/>
+          <c:showCatName val="0"/>
+          <c:showSerName val="0"/>
+          <c:showPercent val="0"/>
+          <c:showBubbleSize val="0"/>
+        </c:dLbls>
+        <c:axId val="269372143"/>
+        <c:axId val="259866879"/>
+      </c:scatterChart>
+      <c:valAx>
+        <c:axId val="269372143"/>
+        <c:scaling>
+          <c:orientation val="minMax"/>
+        </c:scaling>
+        <c:delete val="0"/>
+        <c:axPos val="b"/>
+        <c:majorGridlines>
+          <c:spPr>
+            <a:ln w="9525" cap="flat" cmpd="sng" algn="ctr">
+              <a:solidFill>
+                <a:schemeClr val="tx1">
+                  <a:lumMod val="15000"/>
+                  <a:lumOff val="85000"/>
+                </a:schemeClr>
+              </a:solidFill>
+              <a:round/>
+            </a:ln>
+            <a:effectLst/>
+          </c:spPr>
+        </c:majorGridlines>
+        <c:numFmt formatCode="General" sourceLinked="1"/>
+        <c:majorTickMark val="none"/>
+        <c:minorTickMark val="none"/>
+        <c:tickLblPos val="nextTo"/>
+        <c:spPr>
+          <a:noFill/>
+          <a:ln w="9525" cap="flat" cmpd="sng" algn="ctr">
+            <a:solidFill>
+              <a:schemeClr val="tx1">
+                <a:lumMod val="25000"/>
+                <a:lumOff val="75000"/>
+              </a:schemeClr>
+            </a:solidFill>
+            <a:round/>
+          </a:ln>
+          <a:effectLst/>
+        </c:spPr>
+        <c:txPr>
+          <a:bodyPr rot="-60000000" spcFirstLastPara="1" vertOverflow="ellipsis" vert="horz" wrap="square" anchor="ctr" anchorCtr="1"/>
+          <a:lstStyle/>
+          <a:p>
+            <a:pPr>
+              <a:defRPr sz="1197" b="0" i="0" u="none" strike="noStrike" kern="1200" baseline="0">
+                <a:solidFill>
+                  <a:schemeClr val="tx1">
+                    <a:lumMod val="65000"/>
+                    <a:lumOff val="35000"/>
+                  </a:schemeClr>
+                </a:solidFill>
+                <a:latin typeface="+mn-lt"/>
+                <a:ea typeface="+mn-ea"/>
+                <a:cs typeface="+mn-cs"/>
+              </a:defRPr>
+            </a:pPr>
+            <a:endParaRPr lang="en-US"/>
+          </a:p>
+        </c:txPr>
+        <c:crossAx val="259866879"/>
+        <c:crosses val="autoZero"/>
+        <c:crossBetween val="midCat"/>
+      </c:valAx>
+      <c:valAx>
+        <c:axId val="259866879"/>
+        <c:scaling>
+          <c:orientation val="minMax"/>
+        </c:scaling>
+        <c:delete val="0"/>
+        <c:axPos val="l"/>
+        <c:majorGridlines>
+          <c:spPr>
+            <a:ln w="9525" cap="flat" cmpd="sng" algn="ctr">
+              <a:solidFill>
+                <a:schemeClr val="tx1">
+                  <a:lumMod val="15000"/>
+                  <a:lumOff val="85000"/>
+                </a:schemeClr>
+              </a:solidFill>
+              <a:round/>
+            </a:ln>
+            <a:effectLst/>
+          </c:spPr>
+        </c:majorGridlines>
+        <c:numFmt formatCode="General" sourceLinked="1"/>
+        <c:majorTickMark val="none"/>
+        <c:minorTickMark val="none"/>
+        <c:tickLblPos val="nextTo"/>
+        <c:spPr>
+          <a:noFill/>
+          <a:ln w="9525" cap="flat" cmpd="sng" algn="ctr">
+            <a:solidFill>
+              <a:schemeClr val="tx1">
+                <a:lumMod val="25000"/>
+                <a:lumOff val="75000"/>
+              </a:schemeClr>
+            </a:solidFill>
+            <a:round/>
+          </a:ln>
+          <a:effectLst/>
+        </c:spPr>
+        <c:txPr>
+          <a:bodyPr rot="-60000000" spcFirstLastPara="1" vertOverflow="ellipsis" vert="horz" wrap="square" anchor="ctr" anchorCtr="1"/>
+          <a:lstStyle/>
+          <a:p>
+            <a:pPr>
+              <a:defRPr sz="1197" b="0" i="0" u="none" strike="noStrike" kern="1200" baseline="0">
+                <a:solidFill>
+                  <a:schemeClr val="tx1">
+                    <a:lumMod val="65000"/>
+                    <a:lumOff val="35000"/>
+                  </a:schemeClr>
+                </a:solidFill>
+                <a:latin typeface="+mn-lt"/>
+                <a:ea typeface="+mn-ea"/>
+                <a:cs typeface="+mn-cs"/>
+              </a:defRPr>
+            </a:pPr>
+            <a:endParaRPr lang="en-US"/>
+          </a:p>
+        </c:txPr>
+        <c:crossAx val="269372143"/>
+        <c:crosses val="autoZero"/>
+        <c:crossBetween val="midCat"/>
+      </c:valAx>
+      <c:spPr>
+        <a:noFill/>
+        <a:ln>
+          <a:noFill/>
+        </a:ln>
+        <a:effectLst/>
+      </c:spPr>
+    </c:plotArea>
+    <c:plotVisOnly val="1"/>
+    <c:dispBlanksAs val="gap"/>
+    <c:extLst>
+      <c:ext xmlns:c16r3="http://schemas.microsoft.com/office/drawing/2017/03/chart" uri="{56B9EC1D-385E-4148-901F-78D8002777C0}">
+        <c16r3:dataDisplayOptions16>
+          <c16r3:dispNaAsBlank val="1"/>
+        </c16r3:dataDisplayOptions16>
+      </c:ext>
+    </c:extLst>
+    <c:showDLblsOverMax val="0"/>
+  </c:chart>
+  <c:spPr>
+    <a:noFill/>
+    <a:ln>
+      <a:noFill/>
+    </a:ln>
+    <a:effectLst/>
+  </c:spPr>
+  <c:txPr>
+    <a:bodyPr/>
+    <a:lstStyle/>
+    <a:p>
+      <a:pPr>
+        <a:defRPr/>
+      </a:pPr>
+      <a:endParaRPr lang="en-US"/>
+    </a:p>
+  </c:txPr>
+  <c:externalData r:id="rId3">
+    <c:autoUpdate val="0"/>
+  </c:externalData>
+</c:chartSpace>
+</file>
+
+<file path=ppt/charts/colors1.xml><?xml version="1.0" encoding="utf-8"?>
+<cs:colorStyle xmlns:cs="http://schemas.microsoft.com/office/drawing/2012/chartStyle" xmlns:a="http://schemas.openxmlformats.org/drawingml/2006/main" meth="cycle" id="10">
+  <a:schemeClr val="accent1"/>
+  <a:schemeClr val="accent2"/>
+  <a:schemeClr val="accent3"/>
+  <a:schemeClr val="accent4"/>
+  <a:schemeClr val="accent5"/>
+  <a:schemeClr val="accent6"/>
+  <cs:variation/>
+  <cs:variation>
+    <a:lumMod val="60000"/>
+  </cs:variation>
+  <cs:variation>
+    <a:lumMod val="80000"/>
+    <a:lumOff val="20000"/>
+  </cs:variation>
+  <cs:variation>
+    <a:lumMod val="80000"/>
+  </cs:variation>
+  <cs:variation>
+    <a:lumMod val="60000"/>
+    <a:lumOff val="40000"/>
+  </cs:variation>
+  <cs:variation>
+    <a:lumMod val="50000"/>
+  </cs:variation>
+  <cs:variation>
+    <a:lumMod val="70000"/>
+    <a:lumOff val="30000"/>
+  </cs:variation>
+  <cs:variation>
+    <a:lumMod val="70000"/>
+  </cs:variation>
+  <cs:variation>
+    <a:lumMod val="50000"/>
+    <a:lumOff val="50000"/>
+  </cs:variation>
+</cs:colorStyle>
+</file>
+
+<file path=ppt/charts/style1.xml><?xml version="1.0" encoding="utf-8"?>
+<cs:chartStyle xmlns:cs="http://schemas.microsoft.com/office/drawing/2012/chartStyle" xmlns:a="http://schemas.openxmlformats.org/drawingml/2006/main" id="240">
+  <cs:axisTitle>
+    <cs:lnRef idx="0"/>
+    <cs:fillRef idx="0"/>
+    <cs:effectRef idx="0"/>
+    <cs:fontRef idx="minor">
+      <a:schemeClr val="tx1">
+        <a:lumMod val="65000"/>
+        <a:lumOff val="35000"/>
+      </a:schemeClr>
+    </cs:fontRef>
+    <cs:defRPr sz="1330" kern="1200"/>
+  </cs:axisTitle>
+  <cs:categoryAxis>
+    <cs:lnRef idx="0"/>
+    <cs:fillRef idx="0"/>
+    <cs:effectRef idx="0"/>
+    <cs:fontRef idx="minor">
+      <a:schemeClr val="tx1">
+        <a:lumMod val="65000"/>
+        <a:lumOff val="35000"/>
+      </a:schemeClr>
+    </cs:fontRef>
+    <cs:spPr>
+      <a:ln w="9525" cap="flat" cmpd="sng" algn="ctr">
+        <a:solidFill>
+          <a:schemeClr val="tx1">
+            <a:lumMod val="25000"/>
+            <a:lumOff val="75000"/>
+          </a:schemeClr>
+        </a:solidFill>
+        <a:round/>
+      </a:ln>
+    </cs:spPr>
+    <cs:defRPr sz="1197" kern="1200"/>
+  </cs:categoryAxis>
+  <cs:chartArea mods="allowNoFillOverride allowNoLineOverride">
+    <cs:lnRef idx="0"/>
+    <cs:fillRef idx="0"/>
+    <cs:effectRef idx="0"/>
+    <cs:fontRef idx="minor">
+      <a:schemeClr val="tx1"/>
+    </cs:fontRef>
+    <cs:spPr>
+      <a:solidFill>
+        <a:schemeClr val="bg1"/>
+      </a:solidFill>
+      <a:ln w="9525" cap="flat" cmpd="sng" algn="ctr">
+        <a:solidFill>
+          <a:schemeClr val="tx1">
+            <a:lumMod val="15000"/>
+            <a:lumOff val="85000"/>
+          </a:schemeClr>
+        </a:solidFill>
+        <a:round/>
+      </a:ln>
+    </cs:spPr>
+    <cs:defRPr sz="1330" kern="1200"/>
+  </cs:chartArea>
+  <cs:dataLabel>
+    <cs:lnRef idx="0"/>
+    <cs:fillRef idx="0"/>
+    <cs:effectRef idx="0"/>
+    <cs:fontRef idx="minor">
+      <a:schemeClr val="tx1">
+        <a:lumMod val="75000"/>
+        <a:lumOff val="25000"/>
+      </a:schemeClr>
+    </cs:fontRef>
+    <cs:defRPr sz="1197" kern="1200"/>
+  </cs:dataLabel>
+  <cs:dataLabelCallout>
+    <cs:lnRef idx="0"/>
+    <cs:fillRef idx="0"/>
+    <cs:effectRef idx="0"/>
+    <cs:fontRef idx="minor">
+      <a:schemeClr val="dk1">
+        <a:lumMod val="65000"/>
+        <a:lumOff val="35000"/>
+      </a:schemeClr>
+    </cs:fontRef>
+    <cs:spPr>
+      <a:solidFill>
+        <a:schemeClr val="lt1"/>
+      </a:solidFill>
+      <a:ln>
+        <a:solidFill>
+          <a:schemeClr val="dk1">
+            <a:lumMod val="25000"/>
+            <a:lumOff val="75000"/>
+          </a:schemeClr>
+        </a:solidFill>
+      </a:ln>
+    </cs:spPr>
+    <cs:defRPr sz="1197" kern="1200"/>
+    <cs:bodyPr rot="0" spcFirstLastPara="1" vertOverflow="clip" horzOverflow="clip" vert="horz" wrap="square" lIns="36576" tIns="18288" rIns="36576" bIns="18288" anchor="ctr" anchorCtr="1">
+      <a:spAutoFit/>
+    </cs:bodyPr>
+  </cs:dataLabelCallout>
+  <cs:dataPoint>
+    <cs:lnRef idx="0"/>
+    <cs:fillRef idx="1">
+      <cs:styleClr val="auto"/>
+    </cs:fillRef>
+    <cs:effectRef idx="0"/>
+    <cs:fontRef idx="minor">
+      <a:schemeClr val="tx1"/>
+    </cs:fontRef>
+  </cs:dataPoint>
+  <cs:dataPoint3D>
+    <cs:lnRef idx="0"/>
+    <cs:fillRef idx="1">
+      <cs:styleClr val="auto"/>
+    </cs:fillRef>
+    <cs:effectRef idx="0"/>
+    <cs:fontRef idx="minor">
+      <a:schemeClr val="tx1"/>
+    </cs:fontRef>
+  </cs:dataPoint3D>
+  <cs:dataPointLine>
+    <cs:lnRef idx="0">
+      <cs:styleClr val="auto"/>
+    </cs:lnRef>
+    <cs:fillRef idx="1"/>
+    <cs:effectRef idx="0"/>
+    <cs:fontRef idx="minor">
+      <a:schemeClr val="tx1"/>
+    </cs:fontRef>
+    <cs:spPr>
+      <a:ln w="19050" cap="rnd">
+        <a:solidFill>
+          <a:schemeClr val="phClr"/>
+        </a:solidFill>
+        <a:round/>
+      </a:ln>
+    </cs:spPr>
+  </cs:dataPointLine>
+  <cs:dataPointMarker>
+    <cs:lnRef idx="0">
+      <cs:styleClr val="auto"/>
+    </cs:lnRef>
+    <cs:fillRef idx="1">
+      <cs:styleClr val="auto"/>
+    </cs:fillRef>
+    <cs:effectRef idx="0"/>
+    <cs:fontRef idx="minor">
+      <a:schemeClr val="tx1"/>
+    </cs:fontRef>
+    <cs:spPr>
+      <a:ln w="9525">
+        <a:solidFill>
+          <a:schemeClr val="phClr"/>
+        </a:solidFill>
+      </a:ln>
+    </cs:spPr>
+  </cs:dataPointMarker>
+  <cs:dataPointMarkerLayout symbol="circle" size="5"/>
+  <cs:dataPointWireframe>
+    <cs:lnRef idx="0">
+      <cs:styleClr val="auto"/>
+    </cs:lnRef>
+    <cs:fillRef idx="0"/>
+    <cs:effectRef idx="0"/>
+    <cs:fontRef idx="minor">
+      <a:schemeClr val="dk1"/>
+    </cs:fontRef>
+    <cs:spPr>
+      <a:ln w="9525" cap="rnd">
+        <a:solidFill>
+          <a:schemeClr val="phClr"/>
+        </a:solidFill>
+        <a:round/>
+      </a:ln>
+    </cs:spPr>
+  </cs:dataPointWireframe>
+  <cs:dataTable>
+    <cs:lnRef idx="0"/>
+    <cs:fillRef idx="0"/>
+    <cs:effectRef idx="0"/>
+    <cs:fontRef idx="minor">
+      <a:schemeClr val="tx1">
+        <a:lumMod val="65000"/>
+        <a:lumOff val="35000"/>
+      </a:schemeClr>
+    </cs:fontRef>
+    <cs:spPr>
+      <a:noFill/>
+      <a:ln w="9525" cap="flat" cmpd="sng" algn="ctr">
+        <a:solidFill>
+          <a:schemeClr val="tx1">
+            <a:lumMod val="15000"/>
+            <a:lumOff val="85000"/>
+          </a:schemeClr>
+        </a:solidFill>
+        <a:round/>
+      </a:ln>
+    </cs:spPr>
+    <cs:defRPr sz="1197" kern="1200"/>
+  </cs:dataTable>
+  <cs:downBar>
+    <cs:lnRef idx="0"/>
+    <cs:fillRef idx="0"/>
+    <cs:effectRef idx="0"/>
+    <cs:fontRef idx="minor">
+      <a:schemeClr val="tx1"/>
+    </cs:fontRef>
+    <cs:spPr>
+      <a:solidFill>
+        <a:schemeClr val="dk1">
+          <a:lumMod val="75000"/>
+          <a:lumOff val="25000"/>
+        </a:schemeClr>
+      </a:solidFill>
+      <a:ln w="9525" cap="flat" cmpd="sng" algn="ctr">
+        <a:solidFill>
+          <a:schemeClr val="tx1">
+            <a:lumMod val="65000"/>
+            <a:lumOff val="35000"/>
+          </a:schemeClr>
+        </a:solidFill>
+        <a:round/>
+      </a:ln>
+    </cs:spPr>
+  </cs:downBar>
+  <cs:dropLine>
+    <cs:lnRef idx="0"/>
+    <cs:fillRef idx="0"/>
+    <cs:effectRef idx="0"/>
+    <cs:fontRef idx="minor">
+      <a:schemeClr val="tx1"/>
+    </cs:fontRef>
+    <cs:spPr>
+      <a:ln w="9525" cap="flat" cmpd="sng" algn="ctr">
+        <a:solidFill>
+          <a:schemeClr val="tx1">
+            <a:lumMod val="35000"/>
+            <a:lumOff val="65000"/>
+          </a:schemeClr>
+        </a:solidFill>
+        <a:round/>
+      </a:ln>
+    </cs:spPr>
+  </cs:dropLine>
+  <cs:errorBar>
+    <cs:lnRef idx="0"/>
+    <cs:fillRef idx="0"/>
+    <cs:effectRef idx="0"/>
+    <cs:fontRef idx="minor">
+      <a:schemeClr val="tx1"/>
+    </cs:fontRef>
+    <cs:spPr>
+      <a:ln w="9525" cap="flat" cmpd="sng" algn="ctr">
+        <a:solidFill>
+          <a:schemeClr val="tx1">
+            <a:lumMod val="65000"/>
+            <a:lumOff val="35000"/>
+          </a:schemeClr>
+        </a:solidFill>
+        <a:round/>
+      </a:ln>
+    </cs:spPr>
+  </cs:errorBar>
+  <cs:floor>
+    <cs:lnRef idx="0"/>
+    <cs:fillRef idx="0"/>
+    <cs:effectRef idx="0"/>
+    <cs:fontRef idx="minor">
+      <a:schemeClr val="tx1"/>
+    </cs:fontRef>
+    <cs:spPr>
+      <a:noFill/>
+      <a:ln>
+        <a:noFill/>
+      </a:ln>
+    </cs:spPr>
+  </cs:floor>
+  <cs:gridlineMajor>
+    <cs:lnRef idx="0"/>
+    <cs:fillRef idx="0"/>
+    <cs:effectRef idx="0"/>
+    <cs:fontRef idx="minor">
+      <a:schemeClr val="tx1"/>
+    </cs:fontRef>
+    <cs:spPr>
+      <a:ln w="9525" cap="flat" cmpd="sng" algn="ctr">
+        <a:solidFill>
+          <a:schemeClr val="tx1">
+            <a:lumMod val="15000"/>
+            <a:lumOff val="85000"/>
+          </a:schemeClr>
+        </a:solidFill>
+        <a:round/>
+      </a:ln>
+    </cs:spPr>
+  </cs:gridlineMajor>
+  <cs:gridlineMinor>
+    <cs:lnRef idx="0"/>
+    <cs:fillRef idx="0"/>
+    <cs:effectRef idx="0"/>
+    <cs:fontRef idx="minor">
+      <a:schemeClr val="tx1"/>
+    </cs:fontRef>
+    <cs:spPr>
+      <a:ln w="9525" cap="flat" cmpd="sng" algn="ctr">
+        <a:solidFill>
+          <a:schemeClr val="tx1">
+            <a:lumMod val="5000"/>
+            <a:lumOff val="95000"/>
+          </a:schemeClr>
+        </a:solidFill>
+        <a:round/>
+      </a:ln>
+    </cs:spPr>
+  </cs:gridlineMinor>
+  <cs:hiLoLine>
+    <cs:lnRef idx="0"/>
+    <cs:fillRef idx="0"/>
+    <cs:effectRef idx="0"/>
+    <cs:fontRef idx="minor">
+      <a:schemeClr val="tx1"/>
+    </cs:fontRef>
+    <cs:spPr>
+      <a:ln w="9525" cap="flat" cmpd="sng" algn="ctr">
+        <a:solidFill>
+          <a:schemeClr val="tx1">
+            <a:lumMod val="50000"/>
+            <a:lumOff val="50000"/>
+          </a:schemeClr>
+        </a:solidFill>
+        <a:round/>
+      </a:ln>
+    </cs:spPr>
+  </cs:hiLoLine>
+  <cs:leaderLine>
+    <cs:lnRef idx="0"/>
+    <cs:fillRef idx="0"/>
+    <cs:effectRef idx="0"/>
+    <cs:fontRef idx="minor">
+      <a:schemeClr val="tx1"/>
+    </cs:fontRef>
+    <cs:spPr>
+      <a:ln w="9525" cap="flat" cmpd="sng" algn="ctr">
+        <a:solidFill>
+          <a:schemeClr val="tx1">
+            <a:lumMod val="35000"/>
+            <a:lumOff val="65000"/>
+          </a:schemeClr>
+        </a:solidFill>
+        <a:round/>
+      </a:ln>
+    </cs:spPr>
+  </cs:leaderLine>
+  <cs:legend>
+    <cs:lnRef idx="0"/>
+    <cs:fillRef idx="0"/>
+    <cs:effectRef idx="0"/>
+    <cs:fontRef idx="minor">
+      <a:schemeClr val="tx1">
+        <a:lumMod val="65000"/>
+        <a:lumOff val="35000"/>
+      </a:schemeClr>
+    </cs:fontRef>
+    <cs:defRPr sz="1197" kern="1200"/>
+  </cs:legend>
+  <cs:plotArea mods="allowNoFillOverride allowNoLineOverride">
+    <cs:lnRef idx="0"/>
+    <cs:fillRef idx="0"/>
+    <cs:effectRef idx="0"/>
+    <cs:fontRef idx="minor">
+      <a:schemeClr val="tx1"/>
+    </cs:fontRef>
+  </cs:plotArea>
+  <cs:plotArea3D mods="allowNoFillOverride allowNoLineOverride">
+    <cs:lnRef idx="0"/>
+    <cs:fillRef idx="0"/>
+    <cs:effectRef idx="0"/>
+    <cs:fontRef idx="minor">
+      <a:schemeClr val="tx1"/>
+    </cs:fontRef>
+  </cs:plotArea3D>
+  <cs:seriesAxis>
+    <cs:lnRef idx="0"/>
+    <cs:fillRef idx="0"/>
+    <cs:effectRef idx="0"/>
+    <cs:fontRef idx="minor">
+      <a:schemeClr val="tx1">
+        <a:lumMod val="65000"/>
+        <a:lumOff val="35000"/>
+      </a:schemeClr>
+    </cs:fontRef>
+    <cs:defRPr sz="1197" kern="1200"/>
+  </cs:seriesAxis>
+  <cs:seriesLine>
+    <cs:lnRef idx="0"/>
+    <cs:fillRef idx="0"/>
+    <cs:effectRef idx="0"/>
+    <cs:fontRef idx="minor">
+      <a:schemeClr val="tx1"/>
+    </cs:fontRef>
+    <cs:spPr>
+      <a:ln w="9525" cap="flat" cmpd="sng" algn="ctr">
+        <a:solidFill>
+          <a:schemeClr val="tx1">
+            <a:lumMod val="35000"/>
+            <a:lumOff val="65000"/>
+          </a:schemeClr>
+        </a:solidFill>
+        <a:round/>
+      </a:ln>
+    </cs:spPr>
+  </cs:seriesLine>
+  <cs:title>
+    <cs:lnRef idx="0"/>
+    <cs:fillRef idx="0"/>
+    <cs:effectRef idx="0"/>
+    <cs:fontRef idx="minor">
+      <a:schemeClr val="tx1">
+        <a:lumMod val="65000"/>
+        <a:lumOff val="35000"/>
+      </a:schemeClr>
+    </cs:fontRef>
+    <cs:defRPr sz="1862" b="0" kern="1200" spc="0" baseline="0"/>
+  </cs:title>
+  <cs:trendline>
+    <cs:lnRef idx="0">
+      <cs:styleClr val="auto"/>
+    </cs:lnRef>
+    <cs:fillRef idx="0"/>
+    <cs:effectRef idx="0"/>
+    <cs:fontRef idx="minor">
+      <a:schemeClr val="tx1"/>
+    </cs:fontRef>
+    <cs:spPr>
+      <a:ln w="19050" cap="rnd">
+        <a:solidFill>
+          <a:schemeClr val="phClr"/>
+        </a:solidFill>
+        <a:prstDash val="sysDot"/>
+      </a:ln>
+    </cs:spPr>
+  </cs:trendline>
+  <cs:trendlineLabel>
+    <cs:lnRef idx="0"/>
+    <cs:fillRef idx="0"/>
+    <cs:effectRef idx="0"/>
+    <cs:fontRef idx="minor">
+      <a:schemeClr val="tx1">
+        <a:lumMod val="65000"/>
+        <a:lumOff val="35000"/>
+      </a:schemeClr>
+    </cs:fontRef>
+    <cs:defRPr sz="1197" kern="1200"/>
+  </cs:trendlineLabel>
+  <cs:upBar>
+    <cs:lnRef idx="0"/>
+    <cs:fillRef idx="0"/>
+    <cs:effectRef idx="0"/>
+    <cs:fontRef idx="minor">
+      <a:schemeClr val="tx1"/>
+    </cs:fontRef>
+    <cs:spPr>
+      <a:solidFill>
+        <a:schemeClr val="lt1"/>
+      </a:solidFill>
+      <a:ln w="9525" cap="flat" cmpd="sng" algn="ctr">
+        <a:solidFill>
+          <a:schemeClr val="tx1">
+            <a:lumMod val="65000"/>
+            <a:lumOff val="35000"/>
+          </a:schemeClr>
+        </a:solidFill>
+        <a:round/>
+      </a:ln>
+    </cs:spPr>
+  </cs:upBar>
+  <cs:valueAxis>
+    <cs:lnRef idx="0"/>
+    <cs:fillRef idx="0"/>
+    <cs:effectRef idx="0"/>
+    <cs:fontRef idx="minor">
+      <a:schemeClr val="tx1">
+        <a:lumMod val="65000"/>
+        <a:lumOff val="35000"/>
+      </a:schemeClr>
+    </cs:fontRef>
+    <cs:spPr>
+      <a:ln w="9525" cap="flat" cmpd="sng" algn="ctr">
+        <a:solidFill>
+          <a:schemeClr val="tx1">
+            <a:lumMod val="25000"/>
+            <a:lumOff val="75000"/>
+          </a:schemeClr>
+        </a:solidFill>
+        <a:round/>
+      </a:ln>
+    </cs:spPr>
+    <cs:defRPr sz="1197" kern="1200"/>
+  </cs:valueAxis>
+  <cs:wall>
+    <cs:lnRef idx="0"/>
+    <cs:fillRef idx="0"/>
+    <cs:effectRef idx="0"/>
+    <cs:fontRef idx="minor">
+      <a:schemeClr val="tx1"/>
+    </cs:fontRef>
+    <cs:spPr>
+      <a:noFill/>
+      <a:ln>
+        <a:noFill/>
+      </a:ln>
+    </cs:spPr>
+  </cs:wall>
+</cs:chartStyle>
 </file>
 
 <file path=ppt/diagrams/colors1.xml><?xml version="1.0" encoding="utf-8"?>
@@ -1207,7 +3251,7 @@
       </dgm:spPr>
       <dgm:extLst>
         <a:ext uri="{E40237B7-FDA0-4F09-8148-C483321AD2D9}">
-          <dgm14:cNvPr xmlns:dgm14="http://schemas.microsoft.com/office/drawing/2010/diagram" id="0" name="" descr="Document"/>
+          <dgm14:cNvPr xmlns:dgm14="http://schemas.microsoft.com/office/drawing/2010/diagram" id="0" name="" descr="Books"/>
         </a:ext>
       </dgm:extLst>
     </dgm:pt>
@@ -1250,6 +3294,7 @@
               </a:ext>
             </a:extLst>
           </a:blip>
+          <a:srcRect/>
           <a:stretch>
             <a:fillRect/>
           </a:stretch>
@@ -1260,7 +3305,7 @@
       </dgm:spPr>
       <dgm:extLst>
         <a:ext uri="{E40237B7-FDA0-4F09-8148-C483321AD2D9}">
-          <dgm14:cNvPr xmlns:dgm14="http://schemas.microsoft.com/office/drawing/2010/diagram" id="0" name="" descr="Meeting"/>
+          <dgm14:cNvPr xmlns:dgm14="http://schemas.microsoft.com/office/drawing/2010/diagram" id="0" name="" descr="Clipboard Mixed"/>
         </a:ext>
       </dgm:extLst>
     </dgm:pt>
@@ -1313,7 +3358,7 @@
       </dgm:spPr>
       <dgm:extLst>
         <a:ext uri="{E40237B7-FDA0-4F09-8148-C483321AD2D9}">
-          <dgm14:cNvPr xmlns:dgm14="http://schemas.microsoft.com/office/drawing/2010/diagram" id="0" name="" descr="Checkmark"/>
+          <dgm14:cNvPr xmlns:dgm14="http://schemas.microsoft.com/office/drawing/2010/diagram" id="0" name="" descr="Tools"/>
         </a:ext>
       </dgm:extLst>
     </dgm:pt>
@@ -1491,54 +3536,54 @@
     </dgm:pt>
   </dgm:ptLst>
   <dgm:cxnLst>
-    <dgm:cxn modelId="{B7D29D04-C552-B24D-BD86-4274A6458C6E}" type="presOf" srcId="{DE44471A-EF53-4C51-B1BD-7BFDDEAF3B82}" destId="{2738BC4F-D8CA-4AE0-8D4F-20ECE058B2F1}" srcOrd="0" destOrd="0" presId="urn:microsoft.com/office/officeart/2018/2/layout/IconVerticalSolidList"/>
     <dgm:cxn modelId="{BEE2F312-80D3-40ED-9A29-3175907946E2}" srcId="{93AD92A7-27BA-44A5-914A-FDBA25AC6957}" destId="{7EE2744B-392D-419A-BC7E-6748E3332202}" srcOrd="4" destOrd="0" parTransId="{C64FEE4F-39A2-475C-8992-867866289914}" sibTransId="{6FA6B2EA-4B71-4860-8C38-1113D88C2371}"/>
     <dgm:cxn modelId="{4ABBD618-D78E-49D1-B05D-ACB6920AC5DE}" srcId="{93AD92A7-27BA-44A5-914A-FDBA25AC6957}" destId="{6B4F2857-C52C-48F9-AEBC-BC5DA1D8F73B}" srcOrd="2" destOrd="0" parTransId="{8D4E53EA-BEFC-4929-B791-091F7B08A3A3}" sibTransId="{5B80DF3C-DDCD-42E0-9BF8-AFAF6B087277}"/>
     <dgm:cxn modelId="{FD56AF30-C7D4-4F23-BFA9-AEA6AC5EAE0B}" srcId="{93AD92A7-27BA-44A5-914A-FDBA25AC6957}" destId="{B240780D-4EFC-4FEF-AB0E-711B846CBD59}" srcOrd="5" destOrd="0" parTransId="{6F358F32-1CE3-40E9-BC98-FD213DDC2480}" sibTransId="{E476553C-90E4-4C22-A63E-9136661D2ED8}"/>
     <dgm:cxn modelId="{3BFB8034-453E-45BC-8C1D-D033511D5DD6}" srcId="{93AD92A7-27BA-44A5-914A-FDBA25AC6957}" destId="{DE44471A-EF53-4C51-B1BD-7BFDDEAF3B82}" srcOrd="1" destOrd="0" parTransId="{76D63873-6AEA-47ED-BFD8-1D682301FADB}" sibTransId="{6B59FD03-C2C9-4BEF-84E0-0A63A2D4DE6C}"/>
-    <dgm:cxn modelId="{B9E7A15F-5F24-014E-948B-77825A1257F7}" type="presOf" srcId="{7EE2744B-392D-419A-BC7E-6748E3332202}" destId="{D0364DCC-49C6-4AD5-BE96-42BA8D8D41F9}" srcOrd="0" destOrd="0" presId="urn:microsoft.com/office/officeart/2018/2/layout/IconVerticalSolidList"/>
-    <dgm:cxn modelId="{4E830166-DCDD-8145-94C4-EFB351DB0C20}" type="presOf" srcId="{6B4F2857-C52C-48F9-AEBC-BC5DA1D8F73B}" destId="{247EB02F-A55A-4BF4-891E-BE5AC335B6EE}" srcOrd="0" destOrd="0" presId="urn:microsoft.com/office/officeart/2018/2/layout/IconVerticalSolidList"/>
+    <dgm:cxn modelId="{10363345-9F7A-A04A-96B0-BDEBFAC3ED50}" type="presOf" srcId="{3EF469DB-9256-4288-846F-A54DACE48B58}" destId="{E9D7A9CC-2166-4462-B2D2-C7BFC1D98667}" srcOrd="0" destOrd="0" presId="urn:microsoft.com/office/officeart/2018/2/layout/IconVerticalSolidList"/>
+    <dgm:cxn modelId="{55A15B5E-27B6-9D47-9A24-0E23DF459E89}" type="presOf" srcId="{B240780D-4EFC-4FEF-AB0E-711B846CBD59}" destId="{11FF74FA-ABE4-4FE5-8096-AD2373334694}" srcOrd="0" destOrd="0" presId="urn:microsoft.com/office/officeart/2018/2/layout/IconVerticalSolidList"/>
+    <dgm:cxn modelId="{719EEC65-6652-1442-B531-33A971E59397}" type="presOf" srcId="{8BE4758E-0A70-4BC8-A820-CBF884996378}" destId="{F9E735AB-0AFE-4D97-8205-A23CFB8B4880}" srcOrd="0" destOrd="0" presId="urn:microsoft.com/office/officeart/2018/2/layout/IconVerticalSolidList"/>
     <dgm:cxn modelId="{3790B772-FE1D-4F7B-8A16-63AF9B9A8EE5}" type="presOf" srcId="{93AD92A7-27BA-44A5-914A-FDBA25AC6957}" destId="{1B6DFCC5-06B6-4DA6-A6C3-1AB34316E32D}" srcOrd="0" destOrd="0" presId="urn:microsoft.com/office/officeart/2018/2/layout/IconVerticalSolidList"/>
     <dgm:cxn modelId="{292A2B87-990E-41F3-BC3C-FED5D127BFD5}" srcId="{93AD92A7-27BA-44A5-914A-FDBA25AC6957}" destId="{8BE4758E-0A70-4BC8-A820-CBF884996378}" srcOrd="0" destOrd="0" parTransId="{DFB9E5CE-54FB-47E9-98F2-346C3DA8D8A1}" sibTransId="{5F905D48-FEC8-4C88-92F1-3875F8E8CCAA}"/>
-    <dgm:cxn modelId="{E421AC89-3691-BE49-815D-0F1F209EA5AD}" type="presOf" srcId="{8BE4758E-0A70-4BC8-A820-CBF884996378}" destId="{F9E735AB-0AFE-4D97-8205-A23CFB8B4880}" srcOrd="0" destOrd="0" presId="urn:microsoft.com/office/officeart/2018/2/layout/IconVerticalSolidList"/>
-    <dgm:cxn modelId="{214579A8-42A8-6E47-9D26-FA64812FB3B7}" type="presOf" srcId="{B240780D-4EFC-4FEF-AB0E-711B846CBD59}" destId="{11FF74FA-ABE4-4FE5-8096-AD2373334694}" srcOrd="0" destOrd="0" presId="urn:microsoft.com/office/officeart/2018/2/layout/IconVerticalSolidList"/>
-    <dgm:cxn modelId="{D8EADBB0-B1CB-DB41-A5E0-9AAA4F65A158}" type="presOf" srcId="{3EF469DB-9256-4288-846F-A54DACE48B58}" destId="{E9D7A9CC-2166-4462-B2D2-C7BFC1D98667}" srcOrd="0" destOrd="0" presId="urn:microsoft.com/office/officeart/2018/2/layout/IconVerticalSolidList"/>
+    <dgm:cxn modelId="{AFB0FF89-CF7E-7E41-AD38-1B962103AC31}" type="presOf" srcId="{DE44471A-EF53-4C51-B1BD-7BFDDEAF3B82}" destId="{2738BC4F-D8CA-4AE0-8D4F-20ECE058B2F1}" srcOrd="0" destOrd="0" presId="urn:microsoft.com/office/officeart/2018/2/layout/IconVerticalSolidList"/>
+    <dgm:cxn modelId="{329F4F91-C360-C246-84D0-91259F85AB09}" type="presOf" srcId="{6B4F2857-C52C-48F9-AEBC-BC5DA1D8F73B}" destId="{247EB02F-A55A-4BF4-891E-BE5AC335B6EE}" srcOrd="0" destOrd="0" presId="urn:microsoft.com/office/officeart/2018/2/layout/IconVerticalSolidList"/>
     <dgm:cxn modelId="{89E452F6-3544-4519-90A6-1960B17F0E02}" srcId="{93AD92A7-27BA-44A5-914A-FDBA25AC6957}" destId="{3EF469DB-9256-4288-846F-A54DACE48B58}" srcOrd="3" destOrd="0" parTransId="{2B6DE4C6-D77E-4996-BD0A-415063E1237E}" sibTransId="{1C064DCD-6946-4C3F-8FD1-1B971AB50FB4}"/>
+    <dgm:cxn modelId="{D08DF9FE-7E95-874F-8B9C-E0F5F971F61B}" type="presOf" srcId="{7EE2744B-392D-419A-BC7E-6748E3332202}" destId="{D0364DCC-49C6-4AD5-BE96-42BA8D8D41F9}" srcOrd="0" destOrd="0" presId="urn:microsoft.com/office/officeart/2018/2/layout/IconVerticalSolidList"/>
     <dgm:cxn modelId="{1A630F79-AAF0-D546-8E72-CB8ABC86CD46}" type="presParOf" srcId="{1B6DFCC5-06B6-4DA6-A6C3-1AB34316E32D}" destId="{E5AD3CDE-7628-47C3-AFC4-3D06BD49E3D3}" srcOrd="0" destOrd="0" presId="urn:microsoft.com/office/officeart/2018/2/layout/IconVerticalSolidList"/>
-    <dgm:cxn modelId="{3254035A-AF70-8D44-B36B-A589C7BACB08}" type="presParOf" srcId="{E5AD3CDE-7628-47C3-AFC4-3D06BD49E3D3}" destId="{04AE6D97-CB49-4541-AADF-88F8F88EBD7B}" srcOrd="0" destOrd="0" presId="urn:microsoft.com/office/officeart/2018/2/layout/IconVerticalSolidList"/>
-    <dgm:cxn modelId="{2C1865D6-D827-CC48-9EE5-B68EEEBF07EB}" type="presParOf" srcId="{E5AD3CDE-7628-47C3-AFC4-3D06BD49E3D3}" destId="{8B0FC9A6-C647-4EF5-9030-1063BEC76451}" srcOrd="1" destOrd="0" presId="urn:microsoft.com/office/officeart/2018/2/layout/IconVerticalSolidList"/>
-    <dgm:cxn modelId="{AB77C347-1408-924E-AD01-26B076C23E41}" type="presParOf" srcId="{E5AD3CDE-7628-47C3-AFC4-3D06BD49E3D3}" destId="{A9434F58-9ED1-4B1A-AD49-E6CF07C412FF}" srcOrd="2" destOrd="0" presId="urn:microsoft.com/office/officeart/2018/2/layout/IconVerticalSolidList"/>
-    <dgm:cxn modelId="{DAC590EF-BAEE-324D-B37F-26272D3D2771}" type="presParOf" srcId="{E5AD3CDE-7628-47C3-AFC4-3D06BD49E3D3}" destId="{F9E735AB-0AFE-4D97-8205-A23CFB8B4880}" srcOrd="3" destOrd="0" presId="urn:microsoft.com/office/officeart/2018/2/layout/IconVerticalSolidList"/>
+    <dgm:cxn modelId="{7C3249EA-845C-2845-A320-AA1C3238CF48}" type="presParOf" srcId="{E5AD3CDE-7628-47C3-AFC4-3D06BD49E3D3}" destId="{04AE6D97-CB49-4541-AADF-88F8F88EBD7B}" srcOrd="0" destOrd="0" presId="urn:microsoft.com/office/officeart/2018/2/layout/IconVerticalSolidList"/>
+    <dgm:cxn modelId="{B5CB7DB0-F35E-ED48-9153-690C36ECBD11}" type="presParOf" srcId="{E5AD3CDE-7628-47C3-AFC4-3D06BD49E3D3}" destId="{8B0FC9A6-C647-4EF5-9030-1063BEC76451}" srcOrd="1" destOrd="0" presId="urn:microsoft.com/office/officeart/2018/2/layout/IconVerticalSolidList"/>
+    <dgm:cxn modelId="{3E36771D-2F4E-9543-8ECA-2F8249776CA0}" type="presParOf" srcId="{E5AD3CDE-7628-47C3-AFC4-3D06BD49E3D3}" destId="{A9434F58-9ED1-4B1A-AD49-E6CF07C412FF}" srcOrd="2" destOrd="0" presId="urn:microsoft.com/office/officeart/2018/2/layout/IconVerticalSolidList"/>
+    <dgm:cxn modelId="{04CBBC91-DE50-B844-BC25-AAD15D3BD1AF}" type="presParOf" srcId="{E5AD3CDE-7628-47C3-AFC4-3D06BD49E3D3}" destId="{F9E735AB-0AFE-4D97-8205-A23CFB8B4880}" srcOrd="3" destOrd="0" presId="urn:microsoft.com/office/officeart/2018/2/layout/IconVerticalSolidList"/>
     <dgm:cxn modelId="{3D67C4AF-4D31-F445-958C-C696848F1C93}" type="presParOf" srcId="{1B6DFCC5-06B6-4DA6-A6C3-1AB34316E32D}" destId="{E8B24478-D30D-45A8-A133-E9342B1CB6DC}" srcOrd="1" destOrd="0" presId="urn:microsoft.com/office/officeart/2018/2/layout/IconVerticalSolidList"/>
     <dgm:cxn modelId="{E2E9F9FF-57E9-D64C-8EF5-46ED97102344}" type="presParOf" srcId="{1B6DFCC5-06B6-4DA6-A6C3-1AB34316E32D}" destId="{A285AA1F-EDFF-4D06-A3CC-47D65B0625C9}" srcOrd="2" destOrd="0" presId="urn:microsoft.com/office/officeart/2018/2/layout/IconVerticalSolidList"/>
-    <dgm:cxn modelId="{E0645BE8-8362-FC41-8334-308F8FD942FE}" type="presParOf" srcId="{A285AA1F-EDFF-4D06-A3CC-47D65B0625C9}" destId="{D2C8A372-D5CE-4BA5-A9B0-CADDDD9896CC}" srcOrd="0" destOrd="0" presId="urn:microsoft.com/office/officeart/2018/2/layout/IconVerticalSolidList"/>
-    <dgm:cxn modelId="{B7627A75-46C5-C147-9C09-9A711DAAD10E}" type="presParOf" srcId="{A285AA1F-EDFF-4D06-A3CC-47D65B0625C9}" destId="{7C127C6E-A484-4FCA-A0F8-9EAB91E652B0}" srcOrd="1" destOrd="0" presId="urn:microsoft.com/office/officeart/2018/2/layout/IconVerticalSolidList"/>
-    <dgm:cxn modelId="{6243B790-C55C-0B47-9842-180D4B934BDE}" type="presParOf" srcId="{A285AA1F-EDFF-4D06-A3CC-47D65B0625C9}" destId="{573E3BB3-D0C6-46B8-BA64-71DCF35DABEC}" srcOrd="2" destOrd="0" presId="urn:microsoft.com/office/officeart/2018/2/layout/IconVerticalSolidList"/>
-    <dgm:cxn modelId="{69ACBA3B-0817-344E-A514-DBDAE2DBAB0E}" type="presParOf" srcId="{A285AA1F-EDFF-4D06-A3CC-47D65B0625C9}" destId="{2738BC4F-D8CA-4AE0-8D4F-20ECE058B2F1}" srcOrd="3" destOrd="0" presId="urn:microsoft.com/office/officeart/2018/2/layout/IconVerticalSolidList"/>
+    <dgm:cxn modelId="{D741805E-50FF-774B-B03B-203DEF1F6156}" type="presParOf" srcId="{A285AA1F-EDFF-4D06-A3CC-47D65B0625C9}" destId="{D2C8A372-D5CE-4BA5-A9B0-CADDDD9896CC}" srcOrd="0" destOrd="0" presId="urn:microsoft.com/office/officeart/2018/2/layout/IconVerticalSolidList"/>
+    <dgm:cxn modelId="{D250AA3D-FBB7-9143-901A-703F6D76A8A2}" type="presParOf" srcId="{A285AA1F-EDFF-4D06-A3CC-47D65B0625C9}" destId="{7C127C6E-A484-4FCA-A0F8-9EAB91E652B0}" srcOrd="1" destOrd="0" presId="urn:microsoft.com/office/officeart/2018/2/layout/IconVerticalSolidList"/>
+    <dgm:cxn modelId="{A8897E29-7A6B-E544-A80C-5EB7A8C63D21}" type="presParOf" srcId="{A285AA1F-EDFF-4D06-A3CC-47D65B0625C9}" destId="{573E3BB3-D0C6-46B8-BA64-71DCF35DABEC}" srcOrd="2" destOrd="0" presId="urn:microsoft.com/office/officeart/2018/2/layout/IconVerticalSolidList"/>
+    <dgm:cxn modelId="{A4A41027-9D15-534C-B5D2-020DB8D85B03}" type="presParOf" srcId="{A285AA1F-EDFF-4D06-A3CC-47D65B0625C9}" destId="{2738BC4F-D8CA-4AE0-8D4F-20ECE058B2F1}" srcOrd="3" destOrd="0" presId="urn:microsoft.com/office/officeart/2018/2/layout/IconVerticalSolidList"/>
     <dgm:cxn modelId="{2A9B1A54-EE51-F643-8975-278C9776ABBD}" type="presParOf" srcId="{1B6DFCC5-06B6-4DA6-A6C3-1AB34316E32D}" destId="{51CD5B40-7D9F-40B3-9D00-4BE8BB4AE9F8}" srcOrd="3" destOrd="0" presId="urn:microsoft.com/office/officeart/2018/2/layout/IconVerticalSolidList"/>
     <dgm:cxn modelId="{870263F7-8F36-8D4E-9703-42491DB51F78}" type="presParOf" srcId="{1B6DFCC5-06B6-4DA6-A6C3-1AB34316E32D}" destId="{7EC2DDA6-0027-4B53-BC48-C85781A897C2}" srcOrd="4" destOrd="0" presId="urn:microsoft.com/office/officeart/2018/2/layout/IconVerticalSolidList"/>
-    <dgm:cxn modelId="{5303E71B-4FD5-1D49-A4B3-10979E2392E2}" type="presParOf" srcId="{7EC2DDA6-0027-4B53-BC48-C85781A897C2}" destId="{06FC101A-7CF6-4B80-A5C2-2B81575E12EA}" srcOrd="0" destOrd="0" presId="urn:microsoft.com/office/officeart/2018/2/layout/IconVerticalSolidList"/>
-    <dgm:cxn modelId="{5D9390AD-2CD6-074E-8165-5A89AF06CC63}" type="presParOf" srcId="{7EC2DDA6-0027-4B53-BC48-C85781A897C2}" destId="{06AB804C-DF66-421B-9A68-8E0225A8BCEF}" srcOrd="1" destOrd="0" presId="urn:microsoft.com/office/officeart/2018/2/layout/IconVerticalSolidList"/>
-    <dgm:cxn modelId="{16888E7D-444C-3A43-B7F9-8BBD7AA3DDA9}" type="presParOf" srcId="{7EC2DDA6-0027-4B53-BC48-C85781A897C2}" destId="{FB52F7BD-D316-482F-BBA2-237DE4F58406}" srcOrd="2" destOrd="0" presId="urn:microsoft.com/office/officeart/2018/2/layout/IconVerticalSolidList"/>
-    <dgm:cxn modelId="{8906CC58-B044-8E43-8ABE-CECF5085C06E}" type="presParOf" srcId="{7EC2DDA6-0027-4B53-BC48-C85781A897C2}" destId="{247EB02F-A55A-4BF4-891E-BE5AC335B6EE}" srcOrd="3" destOrd="0" presId="urn:microsoft.com/office/officeart/2018/2/layout/IconVerticalSolidList"/>
+    <dgm:cxn modelId="{5321C8C2-9586-A64A-954C-3807800E2918}" type="presParOf" srcId="{7EC2DDA6-0027-4B53-BC48-C85781A897C2}" destId="{06FC101A-7CF6-4B80-A5C2-2B81575E12EA}" srcOrd="0" destOrd="0" presId="urn:microsoft.com/office/officeart/2018/2/layout/IconVerticalSolidList"/>
+    <dgm:cxn modelId="{8F10362F-0895-4144-ACC3-DD59A9B1A709}" type="presParOf" srcId="{7EC2DDA6-0027-4B53-BC48-C85781A897C2}" destId="{06AB804C-DF66-421B-9A68-8E0225A8BCEF}" srcOrd="1" destOrd="0" presId="urn:microsoft.com/office/officeart/2018/2/layout/IconVerticalSolidList"/>
+    <dgm:cxn modelId="{B292ABC8-3B70-EC47-ACB0-B9E74A348533}" type="presParOf" srcId="{7EC2DDA6-0027-4B53-BC48-C85781A897C2}" destId="{FB52F7BD-D316-482F-BBA2-237DE4F58406}" srcOrd="2" destOrd="0" presId="urn:microsoft.com/office/officeart/2018/2/layout/IconVerticalSolidList"/>
+    <dgm:cxn modelId="{2091E013-C879-3E40-812C-B1DE7FE97F23}" type="presParOf" srcId="{7EC2DDA6-0027-4B53-BC48-C85781A897C2}" destId="{247EB02F-A55A-4BF4-891E-BE5AC335B6EE}" srcOrd="3" destOrd="0" presId="urn:microsoft.com/office/officeart/2018/2/layout/IconVerticalSolidList"/>
     <dgm:cxn modelId="{A51F0B17-E721-0241-BE51-C7C011C39941}" type="presParOf" srcId="{1B6DFCC5-06B6-4DA6-A6C3-1AB34316E32D}" destId="{FE10F8BA-ECCC-4132-A2EF-EFA617EE2FBE}" srcOrd="5" destOrd="0" presId="urn:microsoft.com/office/officeart/2018/2/layout/IconVerticalSolidList"/>
     <dgm:cxn modelId="{C904053D-2C70-3C41-ACE9-03AB89130DBD}" type="presParOf" srcId="{1B6DFCC5-06B6-4DA6-A6C3-1AB34316E32D}" destId="{DEF1955F-828E-4BC7-B27D-F74EB005B7B7}" srcOrd="6" destOrd="0" presId="urn:microsoft.com/office/officeart/2018/2/layout/IconVerticalSolidList"/>
-    <dgm:cxn modelId="{068C4CEF-A5F1-484A-864D-3FE5AF288722}" type="presParOf" srcId="{DEF1955F-828E-4BC7-B27D-F74EB005B7B7}" destId="{FCA19DCA-25E9-45DA-BEB5-ADF00C592918}" srcOrd="0" destOrd="0" presId="urn:microsoft.com/office/officeart/2018/2/layout/IconVerticalSolidList"/>
-    <dgm:cxn modelId="{80A0548E-B9DA-AE4A-8F0B-E5ACB32A5BA8}" type="presParOf" srcId="{DEF1955F-828E-4BC7-B27D-F74EB005B7B7}" destId="{B0ABD5F9-19DA-46D2-9EA4-658687630E50}" srcOrd="1" destOrd="0" presId="urn:microsoft.com/office/officeart/2018/2/layout/IconVerticalSolidList"/>
-    <dgm:cxn modelId="{95BB7FFF-0279-E349-9C5A-A6677C5B0B82}" type="presParOf" srcId="{DEF1955F-828E-4BC7-B27D-F74EB005B7B7}" destId="{3FE8F58B-B83C-4309-B792-A39C07E87F6B}" srcOrd="2" destOrd="0" presId="urn:microsoft.com/office/officeart/2018/2/layout/IconVerticalSolidList"/>
-    <dgm:cxn modelId="{F8DF7270-A96B-BE4F-8D77-8E058B44E3C7}" type="presParOf" srcId="{DEF1955F-828E-4BC7-B27D-F74EB005B7B7}" destId="{E9D7A9CC-2166-4462-B2D2-C7BFC1D98667}" srcOrd="3" destOrd="0" presId="urn:microsoft.com/office/officeart/2018/2/layout/IconVerticalSolidList"/>
+    <dgm:cxn modelId="{F3517ACA-6658-7949-931D-139A0D67CDFE}" type="presParOf" srcId="{DEF1955F-828E-4BC7-B27D-F74EB005B7B7}" destId="{FCA19DCA-25E9-45DA-BEB5-ADF00C592918}" srcOrd="0" destOrd="0" presId="urn:microsoft.com/office/officeart/2018/2/layout/IconVerticalSolidList"/>
+    <dgm:cxn modelId="{81E18BB5-F839-3A48-9E91-9E7254D7CB26}" type="presParOf" srcId="{DEF1955F-828E-4BC7-B27D-F74EB005B7B7}" destId="{B0ABD5F9-19DA-46D2-9EA4-658687630E50}" srcOrd="1" destOrd="0" presId="urn:microsoft.com/office/officeart/2018/2/layout/IconVerticalSolidList"/>
+    <dgm:cxn modelId="{84008527-9AC8-0F48-99AA-8A334FB05F1F}" type="presParOf" srcId="{DEF1955F-828E-4BC7-B27D-F74EB005B7B7}" destId="{3FE8F58B-B83C-4309-B792-A39C07E87F6B}" srcOrd="2" destOrd="0" presId="urn:microsoft.com/office/officeart/2018/2/layout/IconVerticalSolidList"/>
+    <dgm:cxn modelId="{B396523B-3EF5-E24D-961E-25B3A920BDC8}" type="presParOf" srcId="{DEF1955F-828E-4BC7-B27D-F74EB005B7B7}" destId="{E9D7A9CC-2166-4462-B2D2-C7BFC1D98667}" srcOrd="3" destOrd="0" presId="urn:microsoft.com/office/officeart/2018/2/layout/IconVerticalSolidList"/>
     <dgm:cxn modelId="{BC000162-DC0F-D64E-9B98-BA020C5DE8CB}" type="presParOf" srcId="{1B6DFCC5-06B6-4DA6-A6C3-1AB34316E32D}" destId="{03646230-36F3-4CFE-B3A3-03009C558E36}" srcOrd="7" destOrd="0" presId="urn:microsoft.com/office/officeart/2018/2/layout/IconVerticalSolidList"/>
     <dgm:cxn modelId="{3BD2564E-C559-E24B-86BC-CC4E39A0440C}" type="presParOf" srcId="{1B6DFCC5-06B6-4DA6-A6C3-1AB34316E32D}" destId="{E4B05C30-901D-4143-A579-1B1B24CE150A}" srcOrd="8" destOrd="0" presId="urn:microsoft.com/office/officeart/2018/2/layout/IconVerticalSolidList"/>
-    <dgm:cxn modelId="{6D1FEFAC-5EE8-C245-81DD-E37E2598D352}" type="presParOf" srcId="{E4B05C30-901D-4143-A579-1B1B24CE150A}" destId="{1198E562-6DD7-4EB4-A36D-12FBDECC9865}" srcOrd="0" destOrd="0" presId="urn:microsoft.com/office/officeart/2018/2/layout/IconVerticalSolidList"/>
-    <dgm:cxn modelId="{54557ACB-AC70-E949-A09E-CFEE88370FD5}" type="presParOf" srcId="{E4B05C30-901D-4143-A579-1B1B24CE150A}" destId="{54E18DA1-EA96-4395-91EE-5A0EF7AF9077}" srcOrd="1" destOrd="0" presId="urn:microsoft.com/office/officeart/2018/2/layout/IconVerticalSolidList"/>
-    <dgm:cxn modelId="{B1E0C701-B2C9-844D-8DEE-AE6514AE03C7}" type="presParOf" srcId="{E4B05C30-901D-4143-A579-1B1B24CE150A}" destId="{1812984E-9D15-4347-956E-B18155841D98}" srcOrd="2" destOrd="0" presId="urn:microsoft.com/office/officeart/2018/2/layout/IconVerticalSolidList"/>
-    <dgm:cxn modelId="{05C3EF9A-DF2F-F640-A1EA-C4099C8B2287}" type="presParOf" srcId="{E4B05C30-901D-4143-A579-1B1B24CE150A}" destId="{D0364DCC-49C6-4AD5-BE96-42BA8D8D41F9}" srcOrd="3" destOrd="0" presId="urn:microsoft.com/office/officeart/2018/2/layout/IconVerticalSolidList"/>
+    <dgm:cxn modelId="{62458C32-6883-ED47-B657-01372D5C3DFE}" type="presParOf" srcId="{E4B05C30-901D-4143-A579-1B1B24CE150A}" destId="{1198E562-6DD7-4EB4-A36D-12FBDECC9865}" srcOrd="0" destOrd="0" presId="urn:microsoft.com/office/officeart/2018/2/layout/IconVerticalSolidList"/>
+    <dgm:cxn modelId="{02332FA4-F55B-E44D-9D51-6973BE32C415}" type="presParOf" srcId="{E4B05C30-901D-4143-A579-1B1B24CE150A}" destId="{54E18DA1-EA96-4395-91EE-5A0EF7AF9077}" srcOrd="1" destOrd="0" presId="urn:microsoft.com/office/officeart/2018/2/layout/IconVerticalSolidList"/>
+    <dgm:cxn modelId="{0AFEE475-6291-474D-A6FE-91D2AC7AD5D7}" type="presParOf" srcId="{E4B05C30-901D-4143-A579-1B1B24CE150A}" destId="{1812984E-9D15-4347-956E-B18155841D98}" srcOrd="2" destOrd="0" presId="urn:microsoft.com/office/officeart/2018/2/layout/IconVerticalSolidList"/>
+    <dgm:cxn modelId="{30E8D463-25DE-4146-A78E-F5F7D5056747}" type="presParOf" srcId="{E4B05C30-901D-4143-A579-1B1B24CE150A}" destId="{D0364DCC-49C6-4AD5-BE96-42BA8D8D41F9}" srcOrd="3" destOrd="0" presId="urn:microsoft.com/office/officeart/2018/2/layout/IconVerticalSolidList"/>
     <dgm:cxn modelId="{B6131BE0-FDBF-E645-B351-447A892CEC70}" type="presParOf" srcId="{1B6DFCC5-06B6-4DA6-A6C3-1AB34316E32D}" destId="{55D63DD3-9C47-4030-9CE7-DEF424B0E7A4}" srcOrd="9" destOrd="0" presId="urn:microsoft.com/office/officeart/2018/2/layout/IconVerticalSolidList"/>
     <dgm:cxn modelId="{93835E3B-CADB-5745-9CBE-92DEFC2E4E96}" type="presParOf" srcId="{1B6DFCC5-06B6-4DA6-A6C3-1AB34316E32D}" destId="{8923182E-770E-4E90-BEC3-7C0B25AEE200}" srcOrd="10" destOrd="0" presId="urn:microsoft.com/office/officeart/2018/2/layout/IconVerticalSolidList"/>
-    <dgm:cxn modelId="{2E628506-2B6C-8341-9C7D-25965C059898}" type="presParOf" srcId="{8923182E-770E-4E90-BEC3-7C0B25AEE200}" destId="{92A797F2-5500-4279-B078-BFECDEAA0505}" srcOrd="0" destOrd="0" presId="urn:microsoft.com/office/officeart/2018/2/layout/IconVerticalSolidList"/>
-    <dgm:cxn modelId="{96F1EA25-D055-2F43-B3DC-646184EFA35F}" type="presParOf" srcId="{8923182E-770E-4E90-BEC3-7C0B25AEE200}" destId="{63E2F776-6A24-410A-8486-2603ECAD67DB}" srcOrd="1" destOrd="0" presId="urn:microsoft.com/office/officeart/2018/2/layout/IconVerticalSolidList"/>
-    <dgm:cxn modelId="{72152656-1BC2-CC45-ABDA-016FCB6A1ED3}" type="presParOf" srcId="{8923182E-770E-4E90-BEC3-7C0B25AEE200}" destId="{A54C311A-6D62-4FD7-87B2-8ACD2C2696E0}" srcOrd="2" destOrd="0" presId="urn:microsoft.com/office/officeart/2018/2/layout/IconVerticalSolidList"/>
-    <dgm:cxn modelId="{F3C51BCC-F480-5649-B53D-F901FD8314F1}" type="presParOf" srcId="{8923182E-770E-4E90-BEC3-7C0B25AEE200}" destId="{11FF74FA-ABE4-4FE5-8096-AD2373334694}" srcOrd="3" destOrd="0" presId="urn:microsoft.com/office/officeart/2018/2/layout/IconVerticalSolidList"/>
+    <dgm:cxn modelId="{2F257FA0-E3A0-DB41-BE44-B9973CC3977D}" type="presParOf" srcId="{8923182E-770E-4E90-BEC3-7C0B25AEE200}" destId="{92A797F2-5500-4279-B078-BFECDEAA0505}" srcOrd="0" destOrd="0" presId="urn:microsoft.com/office/officeart/2018/2/layout/IconVerticalSolidList"/>
+    <dgm:cxn modelId="{3F6B8B78-CA1D-2146-8122-A933DF9F720C}" type="presParOf" srcId="{8923182E-770E-4E90-BEC3-7C0B25AEE200}" destId="{63E2F776-6A24-410A-8486-2603ECAD67DB}" srcOrd="1" destOrd="0" presId="urn:microsoft.com/office/officeart/2018/2/layout/IconVerticalSolidList"/>
+    <dgm:cxn modelId="{582C4AA5-2429-8F48-9ACC-E3EF7AFADB75}" type="presParOf" srcId="{8923182E-770E-4E90-BEC3-7C0B25AEE200}" destId="{A54C311A-6D62-4FD7-87B2-8ACD2C2696E0}" srcOrd="2" destOrd="0" presId="urn:microsoft.com/office/officeart/2018/2/layout/IconVerticalSolidList"/>
+    <dgm:cxn modelId="{7D120995-5BD8-3B43-9AB7-1B7B646EC021}" type="presParOf" srcId="{8923182E-770E-4E90-BEC3-7C0B25AEE200}" destId="{11FF74FA-ABE4-4FE5-8096-AD2373334694}" srcOrd="3" destOrd="0" presId="urn:microsoft.com/office/officeart/2018/2/layout/IconVerticalSolidList"/>
   </dgm:cxnLst>
   <dgm:bg/>
   <dgm:whole/>
@@ -1776,6 +3821,7 @@
               </a:ext>
             </a:extLst>
           </a:blip>
+          <a:srcRect/>
           <a:stretch>
             <a:fillRect/>
           </a:stretch>
@@ -4235,6 +6281,90 @@
 </p:notes>
 </file>
 
+<file path=ppt/notesSlides/notesSlide2.xml><?xml version="1.0" encoding="utf-8"?>
+<p:notes xmlns:a="http://schemas.openxmlformats.org/drawingml/2006/main" xmlns:r="http://schemas.openxmlformats.org/officeDocument/2006/relationships" xmlns:p="http://schemas.openxmlformats.org/presentationml/2006/main">
+  <p:cSld>
+    <p:spTree>
+      <p:nvGrpSpPr>
+        <p:cNvPr id="1" name=""/>
+        <p:cNvGrpSpPr/>
+        <p:nvPr/>
+      </p:nvGrpSpPr>
+      <p:grpSpPr>
+        <a:xfrm>
+          <a:off x="0" y="0"/>
+          <a:ext cx="0" cy="0"/>
+          <a:chOff x="0" y="0"/>
+          <a:chExt cx="0" cy="0"/>
+        </a:xfrm>
+      </p:grpSpPr>
+      <p:sp>
+        <p:nvSpPr>
+          <p:cNvPr id="2" name="Slide Image Placeholder 1"/>
+          <p:cNvSpPr>
+            <a:spLocks noGrp="1" noRot="1" noChangeAspect="1"/>
+          </p:cNvSpPr>
+          <p:nvPr>
+            <p:ph type="sldImg"/>
+          </p:nvPr>
+        </p:nvSpPr>
+        <p:spPr/>
+      </p:sp>
+      <p:sp>
+        <p:nvSpPr>
+          <p:cNvPr id="3" name="Notes Placeholder 2"/>
+          <p:cNvSpPr>
+            <a:spLocks noGrp="1"/>
+          </p:cNvSpPr>
+          <p:nvPr>
+            <p:ph type="body" idx="1"/>
+          </p:nvPr>
+        </p:nvSpPr>
+        <p:spPr/>
+        <p:txBody>
+          <a:bodyPr/>
+          <a:lstStyle/>
+          <a:p>
+            <a:endParaRPr lang="en-US" dirty="0"/>
+          </a:p>
+        </p:txBody>
+      </p:sp>
+      <p:sp>
+        <p:nvSpPr>
+          <p:cNvPr id="4" name="Slide Number Placeholder 3"/>
+          <p:cNvSpPr>
+            <a:spLocks noGrp="1"/>
+          </p:cNvSpPr>
+          <p:nvPr>
+            <p:ph type="sldNum" sz="quarter" idx="5"/>
+          </p:nvPr>
+        </p:nvSpPr>
+        <p:spPr/>
+        <p:txBody>
+          <a:bodyPr/>
+          <a:lstStyle/>
+          <a:p>
+            <a:fld id="{9AB0CA05-F770-CF47-8662-96ED67F92753}" type="slidenum">
+              <a:rPr lang="en-US" smtClean="0"/>
+              <a:t>14</a:t>
+            </a:fld>
+            <a:endParaRPr lang="en-US"/>
+          </a:p>
+        </p:txBody>
+      </p:sp>
+    </p:spTree>
+    <p:extLst>
+      <p:ext uri="{BB962C8B-B14F-4D97-AF65-F5344CB8AC3E}">
+        <p14:creationId xmlns:p14="http://schemas.microsoft.com/office/powerpoint/2010/main" val="1635161151"/>
+      </p:ext>
+    </p:extLst>
+  </p:cSld>
+  <p:clrMapOvr>
+    <a:masterClrMapping/>
+  </p:clrMapOvr>
+</p:notes>
+</file>
+
 <file path=ppt/slideLayouts/slideLayout1.xml><?xml version="1.0" encoding="utf-8"?>
 <p:sldLayout xmlns:a="http://schemas.openxmlformats.org/drawingml/2006/main" xmlns:r="http://schemas.openxmlformats.org/officeDocument/2006/relationships" xmlns:p="http://schemas.openxmlformats.org/presentationml/2006/main" type="title" preserve="1">
   <p:cSld name="Title Slide">
@@ -7614,6 +9744,14 @@
 <file path=ppt/slides/slide10.xml><?xml version="1.0" encoding="utf-8"?>
 <p:sld xmlns:a="http://schemas.openxmlformats.org/drawingml/2006/main" xmlns:r="http://schemas.openxmlformats.org/officeDocument/2006/relationships" xmlns:p="http://schemas.openxmlformats.org/presentationml/2006/main">
   <p:cSld>
+    <p:bg>
+      <p:bgPr>
+        <a:solidFill>
+          <a:schemeClr val="bg1"/>
+        </a:solidFill>
+        <a:effectLst/>
+      </p:bgPr>
+    </p:bg>
     <p:spTree>
       <p:nvGrpSpPr>
         <p:cNvPr id="1" name=""/>
@@ -7630,10 +9768,76 @@
       </p:grpSpPr>
       <p:sp>
         <p:nvSpPr>
+          <p:cNvPr id="8" name="Rectangle 7">
+            <a:extLst>
+              <a:ext uri="{FF2B5EF4-FFF2-40B4-BE49-F238E27FC236}">
+                <a16:creationId xmlns:a16="http://schemas.microsoft.com/office/drawing/2014/main" id="{2BD55E05-51A2-4173-A7FA-869DE4F71AC3}"/>
+              </a:ext>
+              <a:ext uri="{C183D7F6-B498-43B3-948B-1728B52AA6E4}">
+                <adec:decorative xmlns:adec="http://schemas.microsoft.com/office/drawing/2017/decorative" val="1"/>
+              </a:ext>
+            </a:extLst>
+          </p:cNvPr>
+          <p:cNvSpPr>
+            <a:spLocks noGrp="1" noRot="1" noChangeAspect="1" noMove="1" noResize="1" noEditPoints="1" noAdjustHandles="1" noChangeArrowheads="1" noChangeShapeType="1" noTextEdit="1"/>
+          </p:cNvSpPr>
+          <p:nvPr>
+            <p:extLst>
+              <p:ext uri="{386F3935-93C4-4BCD-93E2-E3B085C9AB24}">
+                <p16:designElem xmlns:p16="http://schemas.microsoft.com/office/powerpoint/2015/main" val="1"/>
+              </p:ext>
+            </p:extLst>
+          </p:nvPr>
+        </p:nvSpPr>
+        <p:spPr>
+          <a:xfrm>
+            <a:off x="0" y="0"/>
+            <a:ext cx="6013450" cy="6858000"/>
+          </a:xfrm>
+          <a:prstGeom prst="rect">
+            <a:avLst/>
+          </a:prstGeom>
+          <a:solidFill>
+            <a:schemeClr val="tx1">
+              <a:lumMod val="75000"/>
+              <a:lumOff val="25000"/>
+            </a:schemeClr>
+          </a:solidFill>
+          <a:ln>
+            <a:noFill/>
+          </a:ln>
+        </p:spPr>
+        <p:style>
+          <a:lnRef idx="2">
+            <a:schemeClr val="accent1">
+              <a:shade val="50000"/>
+            </a:schemeClr>
+          </a:lnRef>
+          <a:fillRef idx="1">
+            <a:schemeClr val="accent1"/>
+          </a:fillRef>
+          <a:effectRef idx="0">
+            <a:schemeClr val="accent1"/>
+          </a:effectRef>
+          <a:fontRef idx="minor">
+            <a:schemeClr val="lt1"/>
+          </a:fontRef>
+        </p:style>
+        <p:txBody>
+          <a:bodyPr rtlCol="0" anchor="ctr"/>
+          <a:lstStyle/>
+          <a:p>
+            <a:pPr algn="ctr"/>
+            <a:endParaRPr lang="en-US"/>
+          </a:p>
+        </p:txBody>
+      </p:sp>
+      <p:sp>
+        <p:nvSpPr>
           <p:cNvPr id="2" name="Title 1">
             <a:extLst>
               <a:ext uri="{FF2B5EF4-FFF2-40B4-BE49-F238E27FC236}">
-                <a16:creationId xmlns:a16="http://schemas.microsoft.com/office/drawing/2014/main" id="{8D40F83E-6121-3B44-8FDF-5A78C8A8DF8F}"/>
+                <a16:creationId xmlns:a16="http://schemas.microsoft.com/office/drawing/2014/main" id="{A5CDAF09-0F58-F44F-8E98-15B06A17A179}"/>
               </a:ext>
             </a:extLst>
           </p:cNvPr>
@@ -7644,47 +9848,420 @@
             <p:ph type="title"/>
           </p:nvPr>
         </p:nvSpPr>
-        <p:spPr/>
+        <p:spPr>
+          <a:xfrm>
+            <a:off x="838200" y="621792"/>
+            <a:ext cx="4795157" cy="5413248"/>
+          </a:xfrm>
+        </p:spPr>
         <p:txBody>
-          <a:bodyPr/>
+          <a:bodyPr>
+            <a:normAutofit/>
+          </a:bodyPr>
           <a:lstStyle/>
           <a:p>
             <a:r>
-              <a:rPr lang="en-US" dirty="0"/>
-              <a:t>Tuning Issues</a:t>
+              <a:rPr lang="en-US" sz="5200">
+                <a:solidFill>
+                  <a:schemeClr val="bg1"/>
+                </a:solidFill>
+              </a:rPr>
+              <a:t>Definitions: Time-Series Data</a:t>
             </a:r>
           </a:p>
         </p:txBody>
       </p:sp>
-      <p:sp>
-        <p:nvSpPr>
-          <p:cNvPr id="3" name="Content Placeholder 2">
-            <a:extLst>
-              <a:ext uri="{FF2B5EF4-FFF2-40B4-BE49-F238E27FC236}">
-                <a16:creationId xmlns:a16="http://schemas.microsoft.com/office/drawing/2014/main" id="{8C2AE7A6-0F3C-874E-B629-D413605F663F}"/>
-              </a:ext>
-            </a:extLst>
-          </p:cNvPr>
-          <p:cNvSpPr>
-            <a:spLocks noGrp="1"/>
-          </p:cNvSpPr>
-          <p:nvPr>
-            <p:ph idx="1"/>
-          </p:nvPr>
-        </p:nvSpPr>
-        <p:spPr/>
-        <p:txBody>
-          <a:bodyPr/>
-          <a:lstStyle/>
-          <a:p>
-            <a:endParaRPr lang="en-US"/>
-          </a:p>
-        </p:txBody>
-      </p:sp>
+      <mc:AlternateContent xmlns:mc="http://schemas.openxmlformats.org/markup-compatibility/2006">
+        <mc:Choice xmlns:a14="http://schemas.microsoft.com/office/drawing/2010/main" Requires="a14">
+          <p:sp>
+            <p:nvSpPr>
+              <p:cNvPr id="3" name="Content Placeholder 2">
+                <a:extLst>
+                  <a:ext uri="{FF2B5EF4-FFF2-40B4-BE49-F238E27FC236}">
+                    <a16:creationId xmlns:a16="http://schemas.microsoft.com/office/drawing/2014/main" id="{FDA86BD4-A54C-D047-BCD7-26D5A45740A7}"/>
+                  </a:ext>
+                </a:extLst>
+              </p:cNvPr>
+              <p:cNvSpPr>
+                <a:spLocks noGrp="1"/>
+              </p:cNvSpPr>
+              <p:nvPr>
+                <p:ph idx="1"/>
+              </p:nvPr>
+            </p:nvSpPr>
+            <p:spPr>
+              <a:xfrm>
+                <a:off x="6178550" y="621792"/>
+                <a:ext cx="5695950" cy="5413248"/>
+              </a:xfrm>
+            </p:spPr>
+            <p:txBody>
+              <a:bodyPr anchor="ctr">
+                <a:normAutofit/>
+              </a:bodyPr>
+              <a:lstStyle/>
+              <a:p>
+                <a:r>
+                  <a:rPr lang="en-US" sz="2400" dirty="0"/>
+                  <a:t>Time-Series Data refers to data series that are indexed by time (in contrast to cross-sectional data)</a:t>
+                </a:r>
+              </a:p>
+              <a:p>
+                <a:r>
+                  <a:rPr lang="en-US" sz="2400" dirty="0"/>
+                  <a:t>Often characterized by seasonal trends and strong correlations between successive observations</a:t>
+                </a:r>
+              </a:p>
+              <a:p>
+                <a:r>
+                  <a:rPr lang="en-US" sz="2400" dirty="0"/>
+                  <a:t>Usually modelled as an “autoregression”:</a:t>
+                </a:r>
+              </a:p>
+              <a:p>
+                <a:pPr marL="0" indent="0">
+                  <a:buNone/>
+                </a:pPr>
+                <a:endParaRPr lang="en-US" sz="2400" b="0" i="1" dirty="0">
+                  <a:latin typeface="Cambria Math" panose="02040503050406030204" pitchFamily="18" charset="0"/>
+                </a:endParaRPr>
+              </a:p>
+              <a:p>
+                <a:pPr marL="0" indent="0">
+                  <a:buNone/>
+                </a:pPr>
+                <a14:m>
+                  <m:oMathPara xmlns:m="http://schemas.openxmlformats.org/officeDocument/2006/math">
+                    <m:oMathParaPr>
+                      <m:jc m:val="centerGroup"/>
+                    </m:oMathParaPr>
+                    <m:oMath xmlns:m="http://schemas.openxmlformats.org/officeDocument/2006/math">
+                      <m:sSub>
+                        <m:sSubPr>
+                          <m:ctrlPr>
+                            <a:rPr lang="en-US" sz="2400" b="0" i="1">
+                              <a:latin typeface="Cambria Math" panose="02040503050406030204" pitchFamily="18" charset="0"/>
+                            </a:rPr>
+                          </m:ctrlPr>
+                        </m:sSubPr>
+                        <m:e>
+                          <m:r>
+                            <a:rPr lang="en-US" sz="2400" b="0" i="1">
+                              <a:latin typeface="Cambria Math" panose="02040503050406030204" pitchFamily="18" charset="0"/>
+                            </a:rPr>
+                            <m:t>𝑦</m:t>
+                          </m:r>
+                        </m:e>
+                        <m:sub>
+                          <m:r>
+                            <a:rPr lang="en-US" sz="2400" b="0" i="1">
+                              <a:latin typeface="Cambria Math" panose="02040503050406030204" pitchFamily="18" charset="0"/>
+                            </a:rPr>
+                            <m:t>𝑡</m:t>
+                          </m:r>
+                        </m:sub>
+                      </m:sSub>
+                      <m:r>
+                        <a:rPr lang="en-US" sz="2400" b="0" i="1">
+                          <a:latin typeface="Cambria Math" panose="02040503050406030204" pitchFamily="18" charset="0"/>
+                        </a:rPr>
+                        <m:t>=</m:t>
+                      </m:r>
+                      <m:sSub>
+                        <m:sSubPr>
+                          <m:ctrlPr>
+                            <a:rPr lang="en-US" sz="2400" b="0" i="1">
+                              <a:latin typeface="Cambria Math" panose="02040503050406030204" pitchFamily="18" charset="0"/>
+                            </a:rPr>
+                          </m:ctrlPr>
+                        </m:sSubPr>
+                        <m:e>
+                          <m:r>
+                            <a:rPr lang="en-US" sz="2400" b="0" i="1">
+                              <a:latin typeface="Cambria Math" panose="02040503050406030204" pitchFamily="18" charset="0"/>
+                              <a:ea typeface="Cambria Math" panose="02040503050406030204" pitchFamily="18" charset="0"/>
+                            </a:rPr>
+                            <m:t>𝛽</m:t>
+                          </m:r>
+                        </m:e>
+                        <m:sub>
+                          <m:r>
+                            <a:rPr lang="en-US" sz="2400" b="0" i="1">
+                              <a:latin typeface="Cambria Math" panose="02040503050406030204" pitchFamily="18" charset="0"/>
+                            </a:rPr>
+                            <m:t>1</m:t>
+                          </m:r>
+                        </m:sub>
+                      </m:sSub>
+                      <m:sSub>
+                        <m:sSubPr>
+                          <m:ctrlPr>
+                            <a:rPr lang="en-US" sz="2400" b="0" i="1">
+                              <a:latin typeface="Cambria Math" panose="02040503050406030204" pitchFamily="18" charset="0"/>
+                            </a:rPr>
+                          </m:ctrlPr>
+                        </m:sSubPr>
+                        <m:e>
+                          <m:r>
+                            <a:rPr lang="en-US" sz="2400" b="0" i="1">
+                              <a:latin typeface="Cambria Math" panose="02040503050406030204" pitchFamily="18" charset="0"/>
+                            </a:rPr>
+                            <m:t>𝑦</m:t>
+                          </m:r>
+                        </m:e>
+                        <m:sub>
+                          <m:r>
+                            <a:rPr lang="en-US" sz="2400" b="0" i="1">
+                              <a:latin typeface="Cambria Math" panose="02040503050406030204" pitchFamily="18" charset="0"/>
+                            </a:rPr>
+                            <m:t>𝑡</m:t>
+                          </m:r>
+                          <m:r>
+                            <a:rPr lang="en-US" sz="2400" b="0" i="1">
+                              <a:latin typeface="Cambria Math" panose="02040503050406030204" pitchFamily="18" charset="0"/>
+                            </a:rPr>
+                            <m:t>−1</m:t>
+                          </m:r>
+                        </m:sub>
+                      </m:sSub>
+                      <m:r>
+                        <a:rPr lang="en-US" sz="2400" b="0" i="1">
+                          <a:latin typeface="Cambria Math" panose="02040503050406030204" pitchFamily="18" charset="0"/>
+                          <a:ea typeface="Cambria Math" panose="02040503050406030204" pitchFamily="18" charset="0"/>
+                        </a:rPr>
+                        <m:t>+ </m:t>
+                      </m:r>
+                      <m:sSub>
+                        <m:sSubPr>
+                          <m:ctrlPr>
+                            <a:rPr lang="en-US" sz="2400" b="0" i="1">
+                              <a:latin typeface="Cambria Math" panose="02040503050406030204" pitchFamily="18" charset="0"/>
+                              <a:ea typeface="Cambria Math" panose="02040503050406030204" pitchFamily="18" charset="0"/>
+                            </a:rPr>
+                          </m:ctrlPr>
+                        </m:sSubPr>
+                        <m:e>
+                          <m:r>
+                            <a:rPr lang="en-US" sz="2400" b="0" i="1">
+                              <a:latin typeface="Cambria Math" panose="02040503050406030204" pitchFamily="18" charset="0"/>
+                              <a:ea typeface="Cambria Math" panose="02040503050406030204" pitchFamily="18" charset="0"/>
+                            </a:rPr>
+                            <m:t>𝛽</m:t>
+                          </m:r>
+                        </m:e>
+                        <m:sub>
+                          <m:r>
+                            <a:rPr lang="en-US" sz="2400" b="0" i="1">
+                              <a:latin typeface="Cambria Math" panose="02040503050406030204" pitchFamily="18" charset="0"/>
+                              <a:ea typeface="Cambria Math" panose="02040503050406030204" pitchFamily="18" charset="0"/>
+                            </a:rPr>
+                            <m:t>2</m:t>
+                          </m:r>
+                        </m:sub>
+                      </m:sSub>
+                      <m:sSub>
+                        <m:sSubPr>
+                          <m:ctrlPr>
+                            <a:rPr lang="en-US" sz="2400" b="0" i="1">
+                              <a:latin typeface="Cambria Math" panose="02040503050406030204" pitchFamily="18" charset="0"/>
+                              <a:ea typeface="Cambria Math" panose="02040503050406030204" pitchFamily="18" charset="0"/>
+                            </a:rPr>
+                          </m:ctrlPr>
+                        </m:sSubPr>
+                        <m:e>
+                          <m:r>
+                            <a:rPr lang="en-US" sz="2400" b="0" i="1">
+                              <a:latin typeface="Cambria Math" panose="02040503050406030204" pitchFamily="18" charset="0"/>
+                              <a:ea typeface="Cambria Math" panose="02040503050406030204" pitchFamily="18" charset="0"/>
+                            </a:rPr>
+                            <m:t>𝑦</m:t>
+                          </m:r>
+                        </m:e>
+                        <m:sub>
+                          <m:r>
+                            <a:rPr lang="en-US" sz="2400" b="0" i="1">
+                              <a:latin typeface="Cambria Math" panose="02040503050406030204" pitchFamily="18" charset="0"/>
+                              <a:ea typeface="Cambria Math" panose="02040503050406030204" pitchFamily="18" charset="0"/>
+                            </a:rPr>
+                            <m:t>𝑡</m:t>
+                          </m:r>
+                          <m:r>
+                            <a:rPr lang="en-US" sz="2400" b="0" i="1">
+                              <a:latin typeface="Cambria Math" panose="02040503050406030204" pitchFamily="18" charset="0"/>
+                              <a:ea typeface="Cambria Math" panose="02040503050406030204" pitchFamily="18" charset="0"/>
+                            </a:rPr>
+                            <m:t>−2</m:t>
+                          </m:r>
+                        </m:sub>
+                      </m:sSub>
+                      <m:r>
+                        <a:rPr lang="en-US" sz="2400" b="0" i="1">
+                          <a:latin typeface="Cambria Math" panose="02040503050406030204" pitchFamily="18" charset="0"/>
+                          <a:ea typeface="Cambria Math" panose="02040503050406030204" pitchFamily="18" charset="0"/>
+                        </a:rPr>
+                        <m:t>+ …+ </m:t>
+                      </m:r>
+                      <m:sSub>
+                        <m:sSubPr>
+                          <m:ctrlPr>
+                            <a:rPr lang="en-US" sz="2400" b="0" i="1">
+                              <a:latin typeface="Cambria Math" panose="02040503050406030204" pitchFamily="18" charset="0"/>
+                              <a:ea typeface="Cambria Math" panose="02040503050406030204" pitchFamily="18" charset="0"/>
+                            </a:rPr>
+                          </m:ctrlPr>
+                        </m:sSubPr>
+                        <m:e>
+                          <m:r>
+                            <a:rPr lang="en-US" sz="2400" b="0" i="1">
+                              <a:latin typeface="Cambria Math" panose="02040503050406030204" pitchFamily="18" charset="0"/>
+                              <a:ea typeface="Cambria Math" panose="02040503050406030204" pitchFamily="18" charset="0"/>
+                            </a:rPr>
+                            <m:t>𝛽</m:t>
+                          </m:r>
+                        </m:e>
+                        <m:sub>
+                          <m:r>
+                            <a:rPr lang="en-US" sz="2400" b="0" i="1">
+                              <a:latin typeface="Cambria Math" panose="02040503050406030204" pitchFamily="18" charset="0"/>
+                              <a:ea typeface="Cambria Math" panose="02040503050406030204" pitchFamily="18" charset="0"/>
+                            </a:rPr>
+                            <m:t>𝑛</m:t>
+                          </m:r>
+                        </m:sub>
+                      </m:sSub>
+                      <m:sSub>
+                        <m:sSubPr>
+                          <m:ctrlPr>
+                            <a:rPr lang="en-US" sz="2400" b="0" i="1">
+                              <a:latin typeface="Cambria Math" panose="02040503050406030204" pitchFamily="18" charset="0"/>
+                              <a:ea typeface="Cambria Math" panose="02040503050406030204" pitchFamily="18" charset="0"/>
+                            </a:rPr>
+                          </m:ctrlPr>
+                        </m:sSubPr>
+                        <m:e>
+                          <m:r>
+                            <a:rPr lang="en-US" sz="2400" b="0" i="1">
+                              <a:latin typeface="Cambria Math" panose="02040503050406030204" pitchFamily="18" charset="0"/>
+                              <a:ea typeface="Cambria Math" panose="02040503050406030204" pitchFamily="18" charset="0"/>
+                            </a:rPr>
+                            <m:t>𝑦</m:t>
+                          </m:r>
+                        </m:e>
+                        <m:sub>
+                          <m:r>
+                            <a:rPr lang="en-US" sz="2400" b="0" i="1">
+                              <a:latin typeface="Cambria Math" panose="02040503050406030204" pitchFamily="18" charset="0"/>
+                              <a:ea typeface="Cambria Math" panose="02040503050406030204" pitchFamily="18" charset="0"/>
+                            </a:rPr>
+                            <m:t>𝑡</m:t>
+                          </m:r>
+                          <m:r>
+                            <a:rPr lang="en-US" sz="2400" b="0" i="1">
+                              <a:latin typeface="Cambria Math" panose="02040503050406030204" pitchFamily="18" charset="0"/>
+                              <a:ea typeface="Cambria Math" panose="02040503050406030204" pitchFamily="18" charset="0"/>
+                            </a:rPr>
+                            <m:t>−</m:t>
+                          </m:r>
+                          <m:r>
+                            <a:rPr lang="en-US" sz="2400" b="0" i="1">
+                              <a:latin typeface="Cambria Math" panose="02040503050406030204" pitchFamily="18" charset="0"/>
+                              <a:ea typeface="Cambria Math" panose="02040503050406030204" pitchFamily="18" charset="0"/>
+                            </a:rPr>
+                            <m:t>𝑛</m:t>
+                          </m:r>
+                        </m:sub>
+                      </m:sSub>
+                      <m:r>
+                        <a:rPr lang="en-US" sz="2400" b="0" i="1">
+                          <a:latin typeface="Cambria Math" panose="02040503050406030204" pitchFamily="18" charset="0"/>
+                          <a:ea typeface="Cambria Math" panose="02040503050406030204" pitchFamily="18" charset="0"/>
+                        </a:rPr>
+                        <m:t>+</m:t>
+                      </m:r>
+                      <m:sSub>
+                        <m:sSubPr>
+                          <m:ctrlPr>
+                            <a:rPr lang="en-US" sz="2400" b="0" i="1">
+                              <a:latin typeface="Cambria Math" panose="02040503050406030204" pitchFamily="18" charset="0"/>
+                              <a:ea typeface="Cambria Math" panose="02040503050406030204" pitchFamily="18" charset="0"/>
+                            </a:rPr>
+                          </m:ctrlPr>
+                        </m:sSubPr>
+                        <m:e>
+                          <m:r>
+                            <a:rPr lang="en-US" sz="2400" b="0" i="1">
+                              <a:latin typeface="Cambria Math" panose="02040503050406030204" pitchFamily="18" charset="0"/>
+                              <a:ea typeface="Cambria Math" panose="02040503050406030204" pitchFamily="18" charset="0"/>
+                            </a:rPr>
+                            <m:t>𝜀</m:t>
+                          </m:r>
+                        </m:e>
+                        <m:sub>
+                          <m:r>
+                            <a:rPr lang="en-US" sz="2400" b="0" i="1">
+                              <a:latin typeface="Cambria Math" panose="02040503050406030204" pitchFamily="18" charset="0"/>
+                              <a:ea typeface="Cambria Math" panose="02040503050406030204" pitchFamily="18" charset="0"/>
+                            </a:rPr>
+                            <m:t>𝑡</m:t>
+                          </m:r>
+                        </m:sub>
+                      </m:sSub>
+                    </m:oMath>
+                  </m:oMathPara>
+                </a14:m>
+                <a:endParaRPr lang="en-US" sz="2400" dirty="0"/>
+              </a:p>
+            </p:txBody>
+          </p:sp>
+        </mc:Choice>
+        <mc:Fallback>
+          <p:sp>
+            <p:nvSpPr>
+              <p:cNvPr id="3" name="Content Placeholder 2">
+                <a:extLst>
+                  <a:ext uri="{FF2B5EF4-FFF2-40B4-BE49-F238E27FC236}">
+                    <a16:creationId xmlns:a16="http://schemas.microsoft.com/office/drawing/2014/main" id="{FDA86BD4-A54C-D047-BCD7-26D5A45740A7}"/>
+                  </a:ext>
+                </a:extLst>
+              </p:cNvPr>
+              <p:cNvSpPr>
+                <a:spLocks noGrp="1" noRot="1" noChangeAspect="1" noMove="1" noResize="1" noEditPoints="1" noAdjustHandles="1" noChangeArrowheads="1" noChangeShapeType="1" noTextEdit="1"/>
+              </p:cNvSpPr>
+              <p:nvPr>
+                <p:ph idx="1"/>
+              </p:nvPr>
+            </p:nvSpPr>
+            <p:spPr>
+              <a:xfrm>
+                <a:off x="6178550" y="621792"/>
+                <a:ext cx="5695950" cy="5413248"/>
+              </a:xfrm>
+              <a:blipFill>
+                <a:blip r:embed="rId2"/>
+                <a:stretch>
+                  <a:fillRect l="-1333" r="-889"/>
+                </a:stretch>
+              </a:blipFill>
+            </p:spPr>
+            <p:txBody>
+              <a:bodyPr/>
+              <a:lstStyle/>
+              <a:p>
+                <a:r>
+                  <a:rPr lang="en-US">
+                    <a:noFill/>
+                  </a:rPr>
+                  <a:t> </a:t>
+                </a:r>
+              </a:p>
+            </p:txBody>
+          </p:sp>
+        </mc:Fallback>
+      </mc:AlternateContent>
     </p:spTree>
     <p:extLst>
       <p:ext uri="{BB962C8B-B14F-4D97-AF65-F5344CB8AC3E}">
-        <p14:creationId xmlns:p14="http://schemas.microsoft.com/office/powerpoint/2010/main" val="880482301"/>
+        <p14:creationId xmlns:p14="http://schemas.microsoft.com/office/powerpoint/2010/main" val="2449726672"/>
       </p:ext>
     </p:extLst>
   </p:cSld>
@@ -7697,6 +10274,14 @@
 <file path=ppt/slides/slide11.xml><?xml version="1.0" encoding="utf-8"?>
 <p:sld xmlns:a="http://schemas.openxmlformats.org/drawingml/2006/main" xmlns:r="http://schemas.openxmlformats.org/officeDocument/2006/relationships" xmlns:p="http://schemas.openxmlformats.org/presentationml/2006/main">
   <p:cSld>
+    <p:bg>
+      <p:bgPr>
+        <a:solidFill>
+          <a:schemeClr val="bg1"/>
+        </a:solidFill>
+        <a:effectLst/>
+      </p:bgPr>
+    </p:bg>
     <p:spTree>
       <p:nvGrpSpPr>
         <p:cNvPr id="1" name=""/>
@@ -7713,10 +10298,76 @@
       </p:grpSpPr>
       <p:sp>
         <p:nvSpPr>
+          <p:cNvPr id="13" name="Rectangle 12">
+            <a:extLst>
+              <a:ext uri="{FF2B5EF4-FFF2-40B4-BE49-F238E27FC236}">
+                <a16:creationId xmlns:a16="http://schemas.microsoft.com/office/drawing/2014/main" id="{A3A6602B-CADB-48C2-8885-B1E1586EF3F2}"/>
+              </a:ext>
+              <a:ext uri="{C183D7F6-B498-43B3-948B-1728B52AA6E4}">
+                <adec:decorative xmlns:adec="http://schemas.microsoft.com/office/drawing/2017/decorative" val="1"/>
+              </a:ext>
+            </a:extLst>
+          </p:cNvPr>
+          <p:cNvSpPr>
+            <a:spLocks noGrp="1" noRot="1" noChangeAspect="1" noMove="1" noResize="1" noEditPoints="1" noAdjustHandles="1" noChangeArrowheads="1" noChangeShapeType="1" noTextEdit="1"/>
+          </p:cNvSpPr>
+          <p:nvPr>
+            <p:extLst>
+              <p:ext uri="{386F3935-93C4-4BCD-93E2-E3B085C9AB24}">
+                <p16:designElem xmlns:p16="http://schemas.microsoft.com/office/powerpoint/2015/main" val="1"/>
+              </p:ext>
+            </p:extLst>
+          </p:nvPr>
+        </p:nvSpPr>
+        <p:spPr>
+          <a:xfrm>
+            <a:off x="555625" y="381000"/>
+            <a:ext cx="11080750" cy="5759450"/>
+          </a:xfrm>
+          <a:prstGeom prst="rect">
+            <a:avLst/>
+          </a:prstGeom>
+          <a:solidFill>
+            <a:schemeClr val="tx1">
+              <a:lumMod val="75000"/>
+              <a:lumOff val="25000"/>
+            </a:schemeClr>
+          </a:solidFill>
+          <a:ln>
+            <a:noFill/>
+          </a:ln>
+        </p:spPr>
+        <p:style>
+          <a:lnRef idx="2">
+            <a:schemeClr val="accent1">
+              <a:shade val="50000"/>
+            </a:schemeClr>
+          </a:lnRef>
+          <a:fillRef idx="1">
+            <a:schemeClr val="accent1"/>
+          </a:fillRef>
+          <a:effectRef idx="0">
+            <a:schemeClr val="accent1"/>
+          </a:effectRef>
+          <a:fontRef idx="minor">
+            <a:schemeClr val="lt1"/>
+          </a:fontRef>
+        </p:style>
+        <p:txBody>
+          <a:bodyPr rtlCol="0" anchor="ctr"/>
+          <a:lstStyle/>
+          <a:p>
+            <a:pPr algn="ctr"/>
+            <a:endParaRPr lang="en-US"/>
+          </a:p>
+        </p:txBody>
+      </p:sp>
+      <p:sp>
+        <p:nvSpPr>
           <p:cNvPr id="2" name="Title 1">
             <a:extLst>
               <a:ext uri="{FF2B5EF4-FFF2-40B4-BE49-F238E27FC236}">
-                <a16:creationId xmlns:a16="http://schemas.microsoft.com/office/drawing/2014/main" id="{DE03C02B-47D9-C545-A294-559B32D7484D}"/>
+                <a16:creationId xmlns:a16="http://schemas.microsoft.com/office/drawing/2014/main" id="{01D878FE-B9DC-A14D-913A-55045358270A}"/>
               </a:ext>
             </a:extLst>
           </p:cNvPr>
@@ -7727,14 +10378,25 @@
             <p:ph type="title"/>
           </p:nvPr>
         </p:nvSpPr>
-        <p:spPr/>
+        <p:spPr>
+          <a:xfrm>
+            <a:off x="1288064" y="1049781"/>
+            <a:ext cx="9637776" cy="1430696"/>
+          </a:xfrm>
+        </p:spPr>
         <p:txBody>
-          <a:bodyPr/>
+          <a:bodyPr>
+            <a:normAutofit/>
+          </a:bodyPr>
           <a:lstStyle/>
           <a:p>
             <a:r>
-              <a:rPr lang="en-US" dirty="0"/>
-              <a:t>Time-Series Issues</a:t>
+              <a:rPr lang="en-US">
+                <a:solidFill>
+                  <a:schemeClr val="bg1"/>
+                </a:solidFill>
+              </a:rPr>
+              <a:t>The Project</a:t>
             </a:r>
           </a:p>
         </p:txBody>
@@ -7744,7 +10406,7 @@
           <p:cNvPr id="3" name="Content Placeholder 2">
             <a:extLst>
               <a:ext uri="{FF2B5EF4-FFF2-40B4-BE49-F238E27FC236}">
-                <a16:creationId xmlns:a16="http://schemas.microsoft.com/office/drawing/2014/main" id="{D422E0F9-0D2C-1F4B-98F9-B0001FC6A57B}"/>
+                <a16:creationId xmlns:a16="http://schemas.microsoft.com/office/drawing/2014/main" id="{B5BE2F2E-F7D6-B841-A8A8-799D82CA8BBA}"/>
               </a:ext>
             </a:extLst>
           </p:cNvPr>
@@ -7755,12 +10417,894 @@
             <p:ph idx="1"/>
           </p:nvPr>
         </p:nvSpPr>
-        <p:spPr/>
+        <p:spPr>
+          <a:xfrm>
+            <a:off x="1288064" y="2618928"/>
+            <a:ext cx="9637776" cy="3064321"/>
+          </a:xfrm>
+        </p:spPr>
         <p:txBody>
-          <a:bodyPr/>
+          <a:bodyPr>
+            <a:normAutofit/>
+          </a:bodyPr>
           <a:lstStyle/>
           <a:p>
+            <a:r>
+              <a:rPr lang="en-US" sz="2400">
+                <a:solidFill>
+                  <a:schemeClr val="bg1"/>
+                </a:solidFill>
+              </a:rPr>
+              <a:t>Modelling US monthly inflation using a random forest method</a:t>
+            </a:r>
+          </a:p>
+          <a:p>
+            <a:r>
+              <a:rPr lang="en-US" sz="2400">
+                <a:solidFill>
+                  <a:schemeClr val="bg1"/>
+                </a:solidFill>
+              </a:rPr>
+              <a:t>Advantages of random forest</a:t>
+            </a:r>
+          </a:p>
+          <a:p>
+            <a:r>
+              <a:rPr lang="en-US" sz="2400">
+                <a:solidFill>
+                  <a:schemeClr val="bg1"/>
+                </a:solidFill>
+              </a:rPr>
+              <a:t>Goal: Outperform a standard autoregressive model with a 1-month horizon</a:t>
+            </a:r>
+          </a:p>
+          <a:p>
+            <a:pPr marL="0" indent="0">
+              <a:buNone/>
+            </a:pPr>
+            <a:endParaRPr lang="en-US" sz="2400">
+              <a:solidFill>
+                <a:schemeClr val="bg1"/>
+              </a:solidFill>
+            </a:endParaRPr>
+          </a:p>
+        </p:txBody>
+      </p:sp>
+    </p:spTree>
+    <p:extLst>
+      <p:ext uri="{BB962C8B-B14F-4D97-AF65-F5344CB8AC3E}">
+        <p14:creationId xmlns:p14="http://schemas.microsoft.com/office/powerpoint/2010/main" val="1329862898"/>
+      </p:ext>
+    </p:extLst>
+  </p:cSld>
+  <p:clrMapOvr>
+    <a:masterClrMapping/>
+  </p:clrMapOvr>
+</p:sld>
+</file>
+
+<file path=ppt/slides/slide12.xml><?xml version="1.0" encoding="utf-8"?>
+<p:sld xmlns:a="http://schemas.openxmlformats.org/drawingml/2006/main" xmlns:r="http://schemas.openxmlformats.org/officeDocument/2006/relationships" xmlns:p="http://schemas.openxmlformats.org/presentationml/2006/main">
+  <p:cSld>
+    <p:bg>
+      <p:bgPr>
+        <a:solidFill>
+          <a:schemeClr val="bg1">
+            <a:tint val="95000"/>
+            <a:satMod val="170000"/>
+          </a:schemeClr>
+        </a:solidFill>
+        <a:effectLst/>
+      </p:bgPr>
+    </p:bg>
+    <p:spTree>
+      <p:nvGrpSpPr>
+        <p:cNvPr id="1" name=""/>
+        <p:cNvGrpSpPr/>
+        <p:nvPr/>
+      </p:nvGrpSpPr>
+      <p:grpSpPr>
+        <a:xfrm>
+          <a:off x="0" y="0"/>
+          <a:ext cx="0" cy="0"/>
+          <a:chOff x="0" y="0"/>
+          <a:chExt cx="0" cy="0"/>
+        </a:xfrm>
+      </p:grpSpPr>
+      <p:sp>
+        <p:nvSpPr>
+          <p:cNvPr id="7" name="Freeform: Shape 6">
+            <a:extLst>
+              <a:ext uri="{FF2B5EF4-FFF2-40B4-BE49-F238E27FC236}">
+                <a16:creationId xmlns:a16="http://schemas.microsoft.com/office/drawing/2014/main" id="{66B332A4-D438-4773-A77F-5ED49A448D9D}"/>
+              </a:ext>
+              <a:ext uri="{C183D7F6-B498-43B3-948B-1728B52AA6E4}">
+                <adec:decorative xmlns:adec="http://schemas.microsoft.com/office/drawing/2017/decorative" val="1"/>
+              </a:ext>
+            </a:extLst>
+          </p:cNvPr>
+          <p:cNvSpPr>
+            <a:spLocks noGrp="1" noRot="1" noChangeAspect="1" noMove="1" noResize="1" noEditPoints="1" noAdjustHandles="1" noChangeArrowheads="1" noChangeShapeType="1" noTextEdit="1"/>
+          </p:cNvSpPr>
+          <p:nvPr>
+            <p:extLst>
+              <p:ext uri="{386F3935-93C4-4BCD-93E2-E3B085C9AB24}">
+                <p16:designElem xmlns:p16="http://schemas.microsoft.com/office/powerpoint/2015/main" val="1"/>
+              </p:ext>
+            </p:extLst>
+          </p:nvPr>
+        </p:nvSpPr>
+        <p:spPr>
+          <a:xfrm>
+            <a:off x="1953768" y="0"/>
+            <a:ext cx="8284464" cy="6858000"/>
+          </a:xfrm>
+          <a:custGeom>
+            <a:avLst/>
+            <a:gdLst>
+              <a:gd name="connsiteX0" fmla="*/ 1818109 w 8284464"/>
+              <a:gd name="connsiteY0" fmla="*/ 0 h 6858000"/>
+              <a:gd name="connsiteX1" fmla="*/ 6466355 w 8284464"/>
+              <a:gd name="connsiteY1" fmla="*/ 0 h 6858000"/>
+              <a:gd name="connsiteX2" fmla="*/ 6620596 w 8284464"/>
+              <a:gd name="connsiteY2" fmla="*/ 109683 h 6858000"/>
+              <a:gd name="connsiteX3" fmla="*/ 8284464 w 8284464"/>
+              <a:gd name="connsiteY3" fmla="*/ 3429000 h 6858000"/>
+              <a:gd name="connsiteX4" fmla="*/ 6620596 w 8284464"/>
+              <a:gd name="connsiteY4" fmla="*/ 6748318 h 6858000"/>
+              <a:gd name="connsiteX5" fmla="*/ 6466355 w 8284464"/>
+              <a:gd name="connsiteY5" fmla="*/ 6858000 h 6858000"/>
+              <a:gd name="connsiteX6" fmla="*/ 1818109 w 8284464"/>
+              <a:gd name="connsiteY6" fmla="*/ 6858000 h 6858000"/>
+              <a:gd name="connsiteX7" fmla="*/ 1663869 w 8284464"/>
+              <a:gd name="connsiteY7" fmla="*/ 6748318 h 6858000"/>
+              <a:gd name="connsiteX8" fmla="*/ 0 w 8284464"/>
+              <a:gd name="connsiteY8" fmla="*/ 3429000 h 6858000"/>
+              <a:gd name="connsiteX9" fmla="*/ 1663869 w 8284464"/>
+              <a:gd name="connsiteY9" fmla="*/ 109683 h 6858000"/>
+            </a:gdLst>
+            <a:ahLst/>
+            <a:cxnLst>
+              <a:cxn ang="0">
+                <a:pos x="connsiteX0" y="connsiteY0"/>
+              </a:cxn>
+              <a:cxn ang="0">
+                <a:pos x="connsiteX1" y="connsiteY1"/>
+              </a:cxn>
+              <a:cxn ang="0">
+                <a:pos x="connsiteX2" y="connsiteY2"/>
+              </a:cxn>
+              <a:cxn ang="0">
+                <a:pos x="connsiteX3" y="connsiteY3"/>
+              </a:cxn>
+              <a:cxn ang="0">
+                <a:pos x="connsiteX4" y="connsiteY4"/>
+              </a:cxn>
+              <a:cxn ang="0">
+                <a:pos x="connsiteX5" y="connsiteY5"/>
+              </a:cxn>
+              <a:cxn ang="0">
+                <a:pos x="connsiteX6" y="connsiteY6"/>
+              </a:cxn>
+              <a:cxn ang="0">
+                <a:pos x="connsiteX7" y="connsiteY7"/>
+              </a:cxn>
+              <a:cxn ang="0">
+                <a:pos x="connsiteX8" y="connsiteY8"/>
+              </a:cxn>
+              <a:cxn ang="0">
+                <a:pos x="connsiteX9" y="connsiteY9"/>
+              </a:cxn>
+            </a:cxnLst>
+            <a:rect l="l" t="t" r="r" b="b"/>
+            <a:pathLst>
+              <a:path w="8284464" h="6858000">
+                <a:moveTo>
+                  <a:pt x="1818109" y="0"/>
+                </a:moveTo>
+                <a:lnTo>
+                  <a:pt x="6466355" y="0"/>
+                </a:lnTo>
+                <a:lnTo>
+                  <a:pt x="6620596" y="109683"/>
+                </a:lnTo>
+                <a:cubicBezTo>
+                  <a:pt x="7630666" y="865069"/>
+                  <a:pt x="8284464" y="2070683"/>
+                  <a:pt x="8284464" y="3429000"/>
+                </a:cubicBezTo>
+                <a:cubicBezTo>
+                  <a:pt x="8284464" y="4787317"/>
+                  <a:pt x="7630666" y="5992931"/>
+                  <a:pt x="6620596" y="6748318"/>
+                </a:cubicBezTo>
+                <a:lnTo>
+                  <a:pt x="6466355" y="6858000"/>
+                </a:lnTo>
+                <a:lnTo>
+                  <a:pt x="1818109" y="6858000"/>
+                </a:lnTo>
+                <a:lnTo>
+                  <a:pt x="1663869" y="6748318"/>
+                </a:lnTo>
+                <a:cubicBezTo>
+                  <a:pt x="653798" y="5992931"/>
+                  <a:pt x="0" y="4787317"/>
+                  <a:pt x="0" y="3429000"/>
+                </a:cubicBezTo>
+                <a:cubicBezTo>
+                  <a:pt x="0" y="2070683"/>
+                  <a:pt x="653798" y="865069"/>
+                  <a:pt x="1663869" y="109683"/>
+                </a:cubicBezTo>
+                <a:close/>
+              </a:path>
+            </a:pathLst>
+          </a:custGeom>
+          <a:solidFill>
+            <a:srgbClr val="FFFFFF">
+              <a:alpha val="80000"/>
+            </a:srgbClr>
+          </a:solidFill>
+          <a:ln>
+            <a:noFill/>
+          </a:ln>
+        </p:spPr>
+        <p:style>
+          <a:lnRef idx="2">
+            <a:schemeClr val="accent1">
+              <a:shade val="50000"/>
+            </a:schemeClr>
+          </a:lnRef>
+          <a:fillRef idx="1">
+            <a:schemeClr val="accent1"/>
+          </a:fillRef>
+          <a:effectRef idx="0">
+            <a:schemeClr val="accent1"/>
+          </a:effectRef>
+          <a:fontRef idx="minor">
+            <a:schemeClr val="lt1"/>
+          </a:fontRef>
+        </p:style>
+        <p:txBody>
+          <a:bodyPr wrap="square" rtlCol="0" anchor="ctr">
+            <a:noAutofit/>
+          </a:bodyPr>
+          <a:lstStyle/>
+          <a:p>
+            <a:pPr algn="ctr"/>
             <a:endParaRPr lang="en-US"/>
+          </a:p>
+        </p:txBody>
+      </p:sp>
+      <p:sp>
+        <p:nvSpPr>
+          <p:cNvPr id="9" name="Freeform: Shape 8">
+            <a:extLst>
+              <a:ext uri="{FF2B5EF4-FFF2-40B4-BE49-F238E27FC236}">
+                <a16:creationId xmlns:a16="http://schemas.microsoft.com/office/drawing/2014/main" id="{DF9AD32D-FF05-44F4-BD4D-9CEE89B71EB9}"/>
+              </a:ext>
+              <a:ext uri="{C183D7F6-B498-43B3-948B-1728B52AA6E4}">
+                <adec:decorative xmlns:adec="http://schemas.microsoft.com/office/drawing/2017/decorative" val="1"/>
+              </a:ext>
+            </a:extLst>
+          </p:cNvPr>
+          <p:cNvSpPr>
+            <a:spLocks noGrp="1" noRot="1" noChangeAspect="1" noMove="1" noResize="1" noEditPoints="1" noAdjustHandles="1" noChangeArrowheads="1" noChangeShapeType="1" noTextEdit="1"/>
+          </p:cNvSpPr>
+          <p:nvPr>
+            <p:extLst>
+              <p:ext uri="{386F3935-93C4-4BCD-93E2-E3B085C9AB24}">
+                <p16:designElem xmlns:p16="http://schemas.microsoft.com/office/powerpoint/2015/main" val="1"/>
+              </p:ext>
+            </p:extLst>
+          </p:nvPr>
+        </p:nvSpPr>
+        <p:spPr>
+          <a:xfrm>
+            <a:off x="2118360" y="0"/>
+            <a:ext cx="7955280" cy="6858000"/>
+          </a:xfrm>
+          <a:custGeom>
+            <a:avLst/>
+            <a:gdLst>
+              <a:gd name="connsiteX0" fmla="*/ 1962423 w 7955280"/>
+              <a:gd name="connsiteY0" fmla="*/ 0 h 6858000"/>
+              <a:gd name="connsiteX1" fmla="*/ 5992858 w 7955280"/>
+              <a:gd name="connsiteY1" fmla="*/ 0 h 6858000"/>
+              <a:gd name="connsiteX2" fmla="*/ 6040191 w 7955280"/>
+              <a:gd name="connsiteY2" fmla="*/ 27216 h 6858000"/>
+              <a:gd name="connsiteX3" fmla="*/ 7955280 w 7955280"/>
+              <a:gd name="connsiteY3" fmla="*/ 3429000 h 6858000"/>
+              <a:gd name="connsiteX4" fmla="*/ 6040191 w 7955280"/>
+              <a:gd name="connsiteY4" fmla="*/ 6830784 h 6858000"/>
+              <a:gd name="connsiteX5" fmla="*/ 5992858 w 7955280"/>
+              <a:gd name="connsiteY5" fmla="*/ 6858000 h 6858000"/>
+              <a:gd name="connsiteX6" fmla="*/ 1962423 w 7955280"/>
+              <a:gd name="connsiteY6" fmla="*/ 6858000 h 6858000"/>
+              <a:gd name="connsiteX7" fmla="*/ 1915089 w 7955280"/>
+              <a:gd name="connsiteY7" fmla="*/ 6830784 h 6858000"/>
+              <a:gd name="connsiteX8" fmla="*/ 0 w 7955280"/>
+              <a:gd name="connsiteY8" fmla="*/ 3429000 h 6858000"/>
+              <a:gd name="connsiteX9" fmla="*/ 1915089 w 7955280"/>
+              <a:gd name="connsiteY9" fmla="*/ 27216 h 6858000"/>
+            </a:gdLst>
+            <a:ahLst/>
+            <a:cxnLst>
+              <a:cxn ang="0">
+                <a:pos x="connsiteX0" y="connsiteY0"/>
+              </a:cxn>
+              <a:cxn ang="0">
+                <a:pos x="connsiteX1" y="connsiteY1"/>
+              </a:cxn>
+              <a:cxn ang="0">
+                <a:pos x="connsiteX2" y="connsiteY2"/>
+              </a:cxn>
+              <a:cxn ang="0">
+                <a:pos x="connsiteX3" y="connsiteY3"/>
+              </a:cxn>
+              <a:cxn ang="0">
+                <a:pos x="connsiteX4" y="connsiteY4"/>
+              </a:cxn>
+              <a:cxn ang="0">
+                <a:pos x="connsiteX5" y="connsiteY5"/>
+              </a:cxn>
+              <a:cxn ang="0">
+                <a:pos x="connsiteX6" y="connsiteY6"/>
+              </a:cxn>
+              <a:cxn ang="0">
+                <a:pos x="connsiteX7" y="connsiteY7"/>
+              </a:cxn>
+              <a:cxn ang="0">
+                <a:pos x="connsiteX8" y="connsiteY8"/>
+              </a:cxn>
+              <a:cxn ang="0">
+                <a:pos x="connsiteX9" y="connsiteY9"/>
+              </a:cxn>
+            </a:cxnLst>
+            <a:rect l="l" t="t" r="r" b="b"/>
+            <a:pathLst>
+              <a:path w="7955280" h="6858000">
+                <a:moveTo>
+                  <a:pt x="1962423" y="0"/>
+                </a:moveTo>
+                <a:lnTo>
+                  <a:pt x="5992858" y="0"/>
+                </a:lnTo>
+                <a:lnTo>
+                  <a:pt x="6040191" y="27216"/>
+                </a:lnTo>
+                <a:cubicBezTo>
+                  <a:pt x="7188332" y="724844"/>
+                  <a:pt x="7955280" y="1987357"/>
+                  <a:pt x="7955280" y="3429000"/>
+                </a:cubicBezTo>
+                <a:cubicBezTo>
+                  <a:pt x="7955280" y="4870644"/>
+                  <a:pt x="7188332" y="6133157"/>
+                  <a:pt x="6040191" y="6830784"/>
+                </a:cubicBezTo>
+                <a:lnTo>
+                  <a:pt x="5992858" y="6858000"/>
+                </a:lnTo>
+                <a:lnTo>
+                  <a:pt x="1962423" y="6858000"/>
+                </a:lnTo>
+                <a:lnTo>
+                  <a:pt x="1915089" y="6830784"/>
+                </a:lnTo>
+                <a:cubicBezTo>
+                  <a:pt x="766948" y="6133157"/>
+                  <a:pt x="0" y="4870644"/>
+                  <a:pt x="0" y="3429000"/>
+                </a:cubicBezTo>
+                <a:cubicBezTo>
+                  <a:pt x="0" y="1987357"/>
+                  <a:pt x="766948" y="724844"/>
+                  <a:pt x="1915089" y="27216"/>
+                </a:cubicBezTo>
+                <a:close/>
+              </a:path>
+            </a:pathLst>
+          </a:custGeom>
+          <a:solidFill>
+            <a:schemeClr val="tx1"/>
+          </a:solidFill>
+          <a:ln>
+            <a:noFill/>
+          </a:ln>
+        </p:spPr>
+        <p:style>
+          <a:lnRef idx="2">
+            <a:schemeClr val="accent1">
+              <a:shade val="50000"/>
+            </a:schemeClr>
+          </a:lnRef>
+          <a:fillRef idx="1">
+            <a:schemeClr val="accent1"/>
+          </a:fillRef>
+          <a:effectRef idx="0">
+            <a:schemeClr val="accent1"/>
+          </a:effectRef>
+          <a:fontRef idx="minor">
+            <a:schemeClr val="lt1"/>
+          </a:fontRef>
+        </p:style>
+        <p:txBody>
+          <a:bodyPr wrap="square" rtlCol="0" anchor="ctr">
+            <a:noAutofit/>
+          </a:bodyPr>
+          <a:lstStyle/>
+          <a:p>
+            <a:pPr algn="ctr"/>
+            <a:endParaRPr lang="en-US"/>
+          </a:p>
+        </p:txBody>
+      </p:sp>
+      <p:sp>
+        <p:nvSpPr>
+          <p:cNvPr id="2" name="Title 1">
+            <a:extLst>
+              <a:ext uri="{FF2B5EF4-FFF2-40B4-BE49-F238E27FC236}">
+                <a16:creationId xmlns:a16="http://schemas.microsoft.com/office/drawing/2014/main" id="{D52DDC19-ACA8-644F-8BAE-103DEB62071E}"/>
+              </a:ext>
+            </a:extLst>
+          </p:cNvPr>
+          <p:cNvSpPr>
+            <a:spLocks noGrp="1"/>
+          </p:cNvSpPr>
+          <p:nvPr>
+            <p:ph type="ctrTitle"/>
+          </p:nvPr>
+        </p:nvSpPr>
+        <p:spPr>
+          <a:xfrm>
+            <a:off x="2555631" y="1441938"/>
+            <a:ext cx="7080738" cy="3974124"/>
+          </a:xfrm>
+        </p:spPr>
+        <p:txBody>
+          <a:bodyPr vert="horz" lIns="91440" tIns="45720" rIns="91440" bIns="45720" rtlCol="0" anchor="ctr">
+            <a:normAutofit/>
+          </a:bodyPr>
+          <a:lstStyle/>
+          <a:p>
+            <a:r>
+              <a:rPr lang="en-US" sz="5400" dirty="0">
+                <a:solidFill>
+                  <a:schemeClr val="bg1">
+                    <a:lumMod val="95000"/>
+                    <a:lumOff val="5000"/>
+                  </a:schemeClr>
+                </a:solidFill>
+              </a:rPr>
+              <a:t>Issues</a:t>
+            </a:r>
+          </a:p>
+        </p:txBody>
+      </p:sp>
+    </p:spTree>
+    <p:extLst>
+      <p:ext uri="{BB962C8B-B14F-4D97-AF65-F5344CB8AC3E}">
+        <p14:creationId xmlns:p14="http://schemas.microsoft.com/office/powerpoint/2010/main" val="2964074265"/>
+      </p:ext>
+    </p:extLst>
+  </p:cSld>
+  <p:clrMapOvr>
+    <a:overrideClrMapping bg1="dk1" tx1="lt1" bg2="dk2" tx2="lt2" accent1="accent1" accent2="accent2" accent3="accent3" accent4="accent4" accent5="accent5" accent6="accent6" hlink="hlink" folHlink="folHlink"/>
+  </p:clrMapOvr>
+</p:sld>
+</file>
+
+<file path=ppt/slides/slide13.xml><?xml version="1.0" encoding="utf-8"?>
+<p:sld xmlns:a="http://schemas.openxmlformats.org/drawingml/2006/main" xmlns:r="http://schemas.openxmlformats.org/officeDocument/2006/relationships" xmlns:p="http://schemas.openxmlformats.org/presentationml/2006/main">
+  <p:cSld>
+    <p:bg>
+      <p:bgPr>
+        <a:solidFill>
+          <a:schemeClr val="bg1"/>
+        </a:solidFill>
+        <a:effectLst/>
+      </p:bgPr>
+    </p:bg>
+    <p:spTree>
+      <p:nvGrpSpPr>
+        <p:cNvPr id="1" name=""/>
+        <p:cNvGrpSpPr/>
+        <p:nvPr/>
+      </p:nvGrpSpPr>
+      <p:grpSpPr>
+        <a:xfrm>
+          <a:off x="0" y="0"/>
+          <a:ext cx="0" cy="0"/>
+          <a:chOff x="0" y="0"/>
+          <a:chExt cx="0" cy="0"/>
+        </a:xfrm>
+      </p:grpSpPr>
+      <p:sp>
+        <p:nvSpPr>
+          <p:cNvPr id="8" name="Rectangle 7">
+            <a:extLst>
+              <a:ext uri="{FF2B5EF4-FFF2-40B4-BE49-F238E27FC236}">
+                <a16:creationId xmlns:a16="http://schemas.microsoft.com/office/drawing/2014/main" id="{2BD55E05-51A2-4173-A7FA-869DE4F71AC3}"/>
+              </a:ext>
+              <a:ext uri="{C183D7F6-B498-43B3-948B-1728B52AA6E4}">
+                <adec:decorative xmlns:adec="http://schemas.microsoft.com/office/drawing/2017/decorative" val="1"/>
+              </a:ext>
+            </a:extLst>
+          </p:cNvPr>
+          <p:cNvSpPr>
+            <a:spLocks noGrp="1" noRot="1" noChangeAspect="1" noMove="1" noResize="1" noEditPoints="1" noAdjustHandles="1" noChangeArrowheads="1" noChangeShapeType="1" noTextEdit="1"/>
+          </p:cNvSpPr>
+          <p:nvPr>
+            <p:extLst>
+              <p:ext uri="{386F3935-93C4-4BCD-93E2-E3B085C9AB24}">
+                <p16:designElem xmlns:p16="http://schemas.microsoft.com/office/powerpoint/2015/main" val="1"/>
+              </p:ext>
+            </p:extLst>
+          </p:nvPr>
+        </p:nvSpPr>
+        <p:spPr>
+          <a:xfrm>
+            <a:off x="0" y="0"/>
+            <a:ext cx="6013450" cy="6858000"/>
+          </a:xfrm>
+          <a:prstGeom prst="rect">
+            <a:avLst/>
+          </a:prstGeom>
+          <a:solidFill>
+            <a:schemeClr val="tx1">
+              <a:lumMod val="75000"/>
+              <a:lumOff val="25000"/>
+            </a:schemeClr>
+          </a:solidFill>
+          <a:ln>
+            <a:noFill/>
+          </a:ln>
+        </p:spPr>
+        <p:style>
+          <a:lnRef idx="2">
+            <a:schemeClr val="accent1">
+              <a:shade val="50000"/>
+            </a:schemeClr>
+          </a:lnRef>
+          <a:fillRef idx="1">
+            <a:schemeClr val="accent1"/>
+          </a:fillRef>
+          <a:effectRef idx="0">
+            <a:schemeClr val="accent1"/>
+          </a:effectRef>
+          <a:fontRef idx="minor">
+            <a:schemeClr val="lt1"/>
+          </a:fontRef>
+        </p:style>
+        <p:txBody>
+          <a:bodyPr rtlCol="0" anchor="ctr"/>
+          <a:lstStyle/>
+          <a:p>
+            <a:pPr algn="ctr"/>
+            <a:endParaRPr lang="en-US"/>
+          </a:p>
+        </p:txBody>
+      </p:sp>
+      <p:sp>
+        <p:nvSpPr>
+          <p:cNvPr id="2" name="Title 1">
+            <a:extLst>
+              <a:ext uri="{FF2B5EF4-FFF2-40B4-BE49-F238E27FC236}">
+                <a16:creationId xmlns:a16="http://schemas.microsoft.com/office/drawing/2014/main" id="{8D40F83E-6121-3B44-8FDF-5A78C8A8DF8F}"/>
+              </a:ext>
+            </a:extLst>
+          </p:cNvPr>
+          <p:cNvSpPr>
+            <a:spLocks noGrp="1"/>
+          </p:cNvSpPr>
+          <p:nvPr>
+            <p:ph type="title"/>
+          </p:nvPr>
+        </p:nvSpPr>
+        <p:spPr>
+          <a:xfrm>
+            <a:off x="838200" y="621792"/>
+            <a:ext cx="4795157" cy="5413248"/>
+          </a:xfrm>
+        </p:spPr>
+        <p:txBody>
+          <a:bodyPr>
+            <a:normAutofit/>
+          </a:bodyPr>
+          <a:lstStyle/>
+          <a:p>
+            <a:r>
+              <a:rPr lang="en-US" sz="5200">
+                <a:solidFill>
+                  <a:schemeClr val="bg1"/>
+                </a:solidFill>
+              </a:rPr>
+              <a:t>Tuning Issues</a:t>
+            </a:r>
+          </a:p>
+        </p:txBody>
+      </p:sp>
+      <p:sp>
+        <p:nvSpPr>
+          <p:cNvPr id="3" name="Content Placeholder 2">
+            <a:extLst>
+              <a:ext uri="{FF2B5EF4-FFF2-40B4-BE49-F238E27FC236}">
+                <a16:creationId xmlns:a16="http://schemas.microsoft.com/office/drawing/2014/main" id="{8C2AE7A6-0F3C-874E-B629-D413605F663F}"/>
+              </a:ext>
+            </a:extLst>
+          </p:cNvPr>
+          <p:cNvSpPr>
+            <a:spLocks noGrp="1"/>
+          </p:cNvSpPr>
+          <p:nvPr>
+            <p:ph idx="1"/>
+          </p:nvPr>
+        </p:nvSpPr>
+        <p:spPr>
+          <a:xfrm>
+            <a:off x="6521450" y="621792"/>
+            <a:ext cx="4832349" cy="5413248"/>
+          </a:xfrm>
+        </p:spPr>
+        <p:txBody>
+          <a:bodyPr anchor="ctr">
+            <a:normAutofit/>
+          </a:bodyPr>
+          <a:lstStyle/>
+          <a:p>
+            <a:r>
+              <a:rPr lang="en-US" sz="2400" dirty="0"/>
+              <a:t>Tuning the tree</a:t>
+            </a:r>
+          </a:p>
+          <a:p>
+            <a:pPr lvl="1"/>
+            <a:r>
+              <a:rPr lang="en-US" dirty="0"/>
+              <a:t>Splitting criteria</a:t>
+            </a:r>
+          </a:p>
+          <a:p>
+            <a:r>
+              <a:rPr lang="en-US" sz="2400" dirty="0"/>
+              <a:t>Tuning the forest</a:t>
+            </a:r>
+          </a:p>
+          <a:p>
+            <a:pPr lvl="1"/>
+            <a:r>
+              <a:rPr lang="en-US" dirty="0"/>
+              <a:t>Number of trees</a:t>
+            </a:r>
+          </a:p>
+          <a:p>
+            <a:pPr lvl="1"/>
+            <a:r>
+              <a:rPr lang="en-US" dirty="0"/>
+              <a:t>% of variables</a:t>
+            </a:r>
+          </a:p>
+          <a:p>
+            <a:pPr lvl="1"/>
+            <a:endParaRPr lang="en-US" dirty="0"/>
+          </a:p>
+        </p:txBody>
+      </p:sp>
+    </p:spTree>
+    <p:extLst>
+      <p:ext uri="{BB962C8B-B14F-4D97-AF65-F5344CB8AC3E}">
+        <p14:creationId xmlns:p14="http://schemas.microsoft.com/office/powerpoint/2010/main" val="880482301"/>
+      </p:ext>
+    </p:extLst>
+  </p:cSld>
+  <p:clrMapOvr>
+    <a:masterClrMapping/>
+  </p:clrMapOvr>
+</p:sld>
+</file>
+
+<file path=ppt/slides/slide14.xml><?xml version="1.0" encoding="utf-8"?>
+<p:sld xmlns:a="http://schemas.openxmlformats.org/drawingml/2006/main" xmlns:r="http://schemas.openxmlformats.org/officeDocument/2006/relationships" xmlns:p="http://schemas.openxmlformats.org/presentationml/2006/main">
+  <p:cSld>
+    <p:bg>
+      <p:bgPr>
+        <a:solidFill>
+          <a:schemeClr val="bg1"/>
+        </a:solidFill>
+        <a:effectLst/>
+      </p:bgPr>
+    </p:bg>
+    <p:spTree>
+      <p:nvGrpSpPr>
+        <p:cNvPr id="1" name=""/>
+        <p:cNvGrpSpPr/>
+        <p:nvPr/>
+      </p:nvGrpSpPr>
+      <p:grpSpPr>
+        <a:xfrm>
+          <a:off x="0" y="0"/>
+          <a:ext cx="0" cy="0"/>
+          <a:chOff x="0" y="0"/>
+          <a:chExt cx="0" cy="0"/>
+        </a:xfrm>
+      </p:grpSpPr>
+      <p:sp>
+        <p:nvSpPr>
+          <p:cNvPr id="8" name="Rectangle 7">
+            <a:extLst>
+              <a:ext uri="{FF2B5EF4-FFF2-40B4-BE49-F238E27FC236}">
+                <a16:creationId xmlns:a16="http://schemas.microsoft.com/office/drawing/2014/main" id="{2BD55E05-51A2-4173-A7FA-869DE4F71AC3}"/>
+              </a:ext>
+              <a:ext uri="{C183D7F6-B498-43B3-948B-1728B52AA6E4}">
+                <adec:decorative xmlns:adec="http://schemas.microsoft.com/office/drawing/2017/decorative" val="1"/>
+              </a:ext>
+            </a:extLst>
+          </p:cNvPr>
+          <p:cNvSpPr>
+            <a:spLocks noGrp="1" noRot="1" noChangeAspect="1" noMove="1" noResize="1" noEditPoints="1" noAdjustHandles="1" noChangeArrowheads="1" noChangeShapeType="1" noTextEdit="1"/>
+          </p:cNvSpPr>
+          <p:nvPr>
+            <p:extLst>
+              <p:ext uri="{386F3935-93C4-4BCD-93E2-E3B085C9AB24}">
+                <p16:designElem xmlns:p16="http://schemas.microsoft.com/office/powerpoint/2015/main" val="1"/>
+              </p:ext>
+            </p:extLst>
+          </p:nvPr>
+        </p:nvSpPr>
+        <p:spPr>
+          <a:xfrm>
+            <a:off x="0" y="0"/>
+            <a:ext cx="6013450" cy="6858000"/>
+          </a:xfrm>
+          <a:prstGeom prst="rect">
+            <a:avLst/>
+          </a:prstGeom>
+          <a:solidFill>
+            <a:schemeClr val="tx1">
+              <a:lumMod val="75000"/>
+              <a:lumOff val="25000"/>
+            </a:schemeClr>
+          </a:solidFill>
+          <a:ln>
+            <a:noFill/>
+          </a:ln>
+        </p:spPr>
+        <p:style>
+          <a:lnRef idx="2">
+            <a:schemeClr val="accent1">
+              <a:shade val="50000"/>
+            </a:schemeClr>
+          </a:lnRef>
+          <a:fillRef idx="1">
+            <a:schemeClr val="accent1"/>
+          </a:fillRef>
+          <a:effectRef idx="0">
+            <a:schemeClr val="accent1"/>
+          </a:effectRef>
+          <a:fontRef idx="minor">
+            <a:schemeClr val="lt1"/>
+          </a:fontRef>
+        </p:style>
+        <p:txBody>
+          <a:bodyPr rtlCol="0" anchor="ctr"/>
+          <a:lstStyle/>
+          <a:p>
+            <a:pPr algn="ctr"/>
+            <a:endParaRPr lang="en-US"/>
+          </a:p>
+        </p:txBody>
+      </p:sp>
+      <p:sp>
+        <p:nvSpPr>
+          <p:cNvPr id="2" name="Title 1">
+            <a:extLst>
+              <a:ext uri="{FF2B5EF4-FFF2-40B4-BE49-F238E27FC236}">
+                <a16:creationId xmlns:a16="http://schemas.microsoft.com/office/drawing/2014/main" id="{DE03C02B-47D9-C545-A294-559B32D7484D}"/>
+              </a:ext>
+            </a:extLst>
+          </p:cNvPr>
+          <p:cNvSpPr>
+            <a:spLocks noGrp="1"/>
+          </p:cNvSpPr>
+          <p:nvPr>
+            <p:ph type="title"/>
+          </p:nvPr>
+        </p:nvSpPr>
+        <p:spPr>
+          <a:xfrm>
+            <a:off x="838200" y="621792"/>
+            <a:ext cx="4795157" cy="5413248"/>
+          </a:xfrm>
+        </p:spPr>
+        <p:txBody>
+          <a:bodyPr>
+            <a:normAutofit/>
+          </a:bodyPr>
+          <a:lstStyle/>
+          <a:p>
+            <a:r>
+              <a:rPr lang="en-US" sz="5200">
+                <a:solidFill>
+                  <a:schemeClr val="bg1"/>
+                </a:solidFill>
+              </a:rPr>
+              <a:t>Time-Series Issues</a:t>
+            </a:r>
+          </a:p>
+        </p:txBody>
+      </p:sp>
+      <p:sp>
+        <p:nvSpPr>
+          <p:cNvPr id="3" name="Content Placeholder 2">
+            <a:extLst>
+              <a:ext uri="{FF2B5EF4-FFF2-40B4-BE49-F238E27FC236}">
+                <a16:creationId xmlns:a16="http://schemas.microsoft.com/office/drawing/2014/main" id="{D422E0F9-0D2C-1F4B-98F9-B0001FC6A57B}"/>
+              </a:ext>
+            </a:extLst>
+          </p:cNvPr>
+          <p:cNvSpPr>
+            <a:spLocks noGrp="1"/>
+          </p:cNvSpPr>
+          <p:nvPr>
+            <p:ph idx="1"/>
+          </p:nvPr>
+        </p:nvSpPr>
+        <p:spPr>
+          <a:xfrm>
+            <a:off x="6521450" y="621792"/>
+            <a:ext cx="4832349" cy="5413248"/>
+          </a:xfrm>
+        </p:spPr>
+        <p:txBody>
+          <a:bodyPr anchor="ctr">
+            <a:normAutofit/>
+          </a:bodyPr>
+          <a:lstStyle/>
+          <a:p>
+            <a:r>
+              <a:rPr lang="en-US" sz="2400"/>
+              <a:t>Random forest is meant as a cross-sectional method</a:t>
+            </a:r>
+          </a:p>
+          <a:p>
+            <a:r>
+              <a:rPr lang="en-US" sz="2400"/>
+              <a:t>Treating data as cross-sectional: good or bad?</a:t>
+            </a:r>
+          </a:p>
+          <a:p>
+            <a:r>
+              <a:rPr lang="en-US" sz="2400"/>
+              <a:t>Correlation worries</a:t>
+            </a:r>
+          </a:p>
+          <a:p>
+            <a:pPr lvl="1"/>
+            <a:r>
+              <a:rPr lang="en-US" dirty="0"/>
+              <a:t>Autocorrelation</a:t>
+            </a:r>
+          </a:p>
+          <a:p>
+            <a:pPr lvl="1"/>
+            <a:r>
+              <a:rPr lang="en-US" dirty="0"/>
+              <a:t>Residual correlation</a:t>
+            </a:r>
+          </a:p>
+          <a:p>
+            <a:r>
+              <a:rPr lang="en-US" sz="2400"/>
+              <a:t>Stationarity</a:t>
+            </a:r>
+          </a:p>
+          <a:p>
+            <a:r>
+              <a:rPr lang="en-US" sz="2400"/>
+              <a:t>Seasonality</a:t>
+            </a:r>
           </a:p>
         </p:txBody>
       </p:sp>
@@ -7777,7 +11321,7 @@
 </p:sld>
 </file>
 
-<file path=ppt/slides/slide12.xml><?xml version="1.0" encoding="utf-8"?>
+<file path=ppt/slides/slide15.xml><?xml version="1.0" encoding="utf-8"?>
 <p:sld xmlns:a="http://schemas.openxmlformats.org/drawingml/2006/main" xmlns:r="http://schemas.openxmlformats.org/officeDocument/2006/relationships" xmlns:p="http://schemas.openxmlformats.org/presentationml/2006/main">
   <p:cSld>
     <p:bg>
@@ -8054,7 +11598,7 @@
         <p:spPr>
           <a:xfrm>
             <a:off x="1168114" y="3000924"/>
-            <a:ext cx="2557542" cy="1587674"/>
+            <a:ext cx="2557542" cy="2968076"/>
           </a:xfrm>
         </p:spPr>
         <p:txBody>
@@ -8103,17 +11647,79 @@
                   <a:schemeClr val="bg1"/>
                 </a:solidFill>
               </a:rPr>
-              <a:t>Arima: 0.00291196</a:t>
+              <a:t>ARIMA: 0.00291196</a:t>
+            </a:r>
+          </a:p>
+          <a:p>
+            <a:pPr marL="0" indent="0">
+              <a:buNone/>
+            </a:pPr>
+            <a:endParaRPr lang="en-US" sz="1600" dirty="0">
+              <a:solidFill>
+                <a:schemeClr val="bg1"/>
+              </a:solidFill>
+            </a:endParaRPr>
+          </a:p>
+          <a:p>
+            <a:pPr marL="0" indent="0">
+              <a:buNone/>
+            </a:pPr>
+            <a:r>
+              <a:rPr lang="en-US" sz="2200" dirty="0">
+                <a:solidFill>
+                  <a:schemeClr val="bg1"/>
+                </a:solidFill>
+              </a:rPr>
+              <a:t>MEAN</a:t>
+            </a:r>
+          </a:p>
+          <a:p>
+            <a:pPr marL="0" indent="0">
+              <a:buNone/>
+            </a:pPr>
+            <a:r>
+              <a:rPr lang="en-US" sz="1600" dirty="0">
+                <a:solidFill>
+                  <a:schemeClr val="bg1"/>
+                </a:solidFill>
+              </a:rPr>
+              <a:t>Forest: 0.002690328</a:t>
+            </a:r>
+          </a:p>
+          <a:p>
+            <a:pPr marL="0" indent="0">
+              <a:buNone/>
+            </a:pPr>
+            <a:r>
+              <a:rPr lang="en-US" sz="1600" dirty="0">
+                <a:solidFill>
+                  <a:schemeClr val="bg1"/>
+                </a:solidFill>
+              </a:rPr>
+              <a:t>ARIMA: 0.001785547</a:t>
+            </a:r>
+          </a:p>
+          <a:p>
+            <a:pPr marL="0" indent="0">
+              <a:buNone/>
+            </a:pPr>
+            <a:r>
+              <a:rPr lang="en-US" sz="1600" dirty="0">
+                <a:solidFill>
+                  <a:schemeClr val="bg1"/>
+                </a:solidFill>
+              </a:rPr>
+              <a:t>Actual: 0.001788014</a:t>
             </a:r>
           </a:p>
         </p:txBody>
       </p:sp>
       <p:pic>
         <p:nvPicPr>
-          <p:cNvPr id="7" name="Picture 6" descr="Chart&#10;&#10;Description automatically generated">
+          <p:cNvPr id="10" name="Picture 9" descr="Chart&#10;&#10;Description automatically generated">
             <a:extLst>
               <a:ext uri="{FF2B5EF4-FFF2-40B4-BE49-F238E27FC236}">
-                <a16:creationId xmlns:a16="http://schemas.microsoft.com/office/drawing/2014/main" id="{74DE656F-6D5D-5A47-B05D-EC52FCDBAD03}"/>
+                <a16:creationId xmlns:a16="http://schemas.microsoft.com/office/drawing/2014/main" id="{972E5AEB-C67A-B842-ADC1-9B8B5CE93F9F}"/>
               </a:ext>
             </a:extLst>
           </p:cNvPr>
@@ -8122,15 +11728,16 @@
           </p:cNvPicPr>
           <p:nvPr/>
         </p:nvPicPr>
-        <p:blipFill rotWithShape="1">
+        <p:blipFill>
           <a:blip r:embed="rId2"/>
-          <a:srcRect r="1" b="12398"/>
-          <a:stretch/>
+          <a:stretch>
+            <a:fillRect/>
+          </a:stretch>
         </p:blipFill>
         <p:spPr>
           <a:xfrm>
-            <a:off x="4666834" y="637761"/>
-            <a:ext cx="6365960" cy="5576771"/>
+            <a:off x="4574191" y="38100"/>
+            <a:ext cx="6781799" cy="6781799"/>
           </a:xfrm>
           <a:prstGeom prst="rect">
             <a:avLst/>
@@ -8150,7 +11757,7 @@
 </p:sld>
 </file>
 
-<file path=ppt/slides/slide13.xml><?xml version="1.0" encoding="utf-8"?>
+<file path=ppt/slides/slide16.xml><?xml version="1.0" encoding="utf-8"?>
 <p:sld xmlns:a="http://schemas.openxmlformats.org/drawingml/2006/main" xmlns:r="http://schemas.openxmlformats.org/officeDocument/2006/relationships" xmlns:p="http://schemas.openxmlformats.org/presentationml/2006/main">
   <p:cSld>
     <p:bg>
@@ -8309,67 +11916,107 @@
           <a:lstStyle/>
           <a:p>
             <a:r>
-              <a:rPr lang="en-US" sz="2400"/>
+              <a:rPr lang="en-US" sz="2400" dirty="0"/>
               <a:t>Tune the trees for time-series data</a:t>
             </a:r>
           </a:p>
           <a:p>
             <a:r>
-              <a:rPr lang="en-US" sz="2400"/>
-              <a:t>Replicability</a:t>
+              <a:rPr lang="en-US" sz="2400" dirty="0"/>
+              <a:t>Replicability (seeding)</a:t>
             </a:r>
           </a:p>
           <a:p>
             <a:r>
-              <a:rPr lang="en-US" sz="2400"/>
+              <a:rPr lang="en-US" sz="2400" dirty="0"/>
               <a:t>Tune the random forest</a:t>
             </a:r>
           </a:p>
           <a:p>
             <a:r>
-              <a:rPr lang="en-US" sz="2400"/>
+              <a:rPr lang="en-US" sz="2400" dirty="0"/>
+              <a:t>Robustness:</a:t>
+            </a:r>
+          </a:p>
+          <a:p>
+            <a:pPr lvl="1"/>
+            <a:r>
+              <a:rPr lang="en-US" sz="2000" dirty="0"/>
               <a:t>Explore results with different horizons</a:t>
             </a:r>
           </a:p>
           <a:p>
+            <a:pPr lvl="1"/>
             <a:r>
-              <a:rPr lang="en-US" sz="2400"/>
+              <a:rPr lang="en-US" sz="2000" dirty="0"/>
               <a:t>Explore results with different data</a:t>
             </a:r>
           </a:p>
           <a:p>
-            <a:pPr lvl="1"/>
+            <a:pPr lvl="2"/>
             <a:r>
               <a:rPr lang="en-US" dirty="0"/>
               <a:t>Foreign inflation</a:t>
             </a:r>
           </a:p>
           <a:p>
-            <a:pPr lvl="1"/>
+            <a:pPr lvl="2"/>
             <a:r>
               <a:rPr lang="en-US" dirty="0"/>
               <a:t>Unemployment</a:t>
             </a:r>
           </a:p>
           <a:p>
-            <a:pPr lvl="1"/>
+            <a:pPr lvl="2"/>
             <a:r>
               <a:rPr lang="en-US" dirty="0"/>
               <a:t>Exchange rates</a:t>
             </a:r>
           </a:p>
           <a:p>
-            <a:pPr lvl="1"/>
+            <a:pPr lvl="2"/>
             <a:r>
               <a:rPr lang="en-US" dirty="0"/>
-              <a:t>Etc.</a:t>
+              <a:t>etc.</a:t>
             </a:r>
           </a:p>
           <a:p>
             <a:pPr marL="0" indent="0">
               <a:buNone/>
             </a:pPr>
-            <a:endParaRPr lang="en-US" sz="2400"/>
+            <a:endParaRPr lang="en-US" sz="2400" dirty="0"/>
+          </a:p>
+        </p:txBody>
+      </p:sp>
+      <p:sp>
+        <p:nvSpPr>
+          <p:cNvPr id="4" name="TextBox 3">
+            <a:extLst>
+              <a:ext uri="{FF2B5EF4-FFF2-40B4-BE49-F238E27FC236}">
+                <a16:creationId xmlns:a16="http://schemas.microsoft.com/office/drawing/2014/main" id="{9CD6A295-29A4-E34B-AADF-CF0B6BC9EFE1}"/>
+              </a:ext>
+            </a:extLst>
+          </p:cNvPr>
+          <p:cNvSpPr txBox="1"/>
+          <p:nvPr/>
+        </p:nvSpPr>
+        <p:spPr>
+          <a:xfrm>
+            <a:off x="1181100" y="-355600"/>
+            <a:ext cx="184731" cy="369332"/>
+          </a:xfrm>
+          <a:prstGeom prst="rect">
+            <a:avLst/>
+          </a:prstGeom>
+          <a:noFill/>
+        </p:spPr>
+        <p:txBody>
+          <a:bodyPr wrap="none" rtlCol="0">
+            <a:spAutoFit/>
+          </a:bodyPr>
+          <a:lstStyle/>
+          <a:p>
+            <a:endParaRPr lang="en-US" dirty="0"/>
           </a:p>
         </p:txBody>
       </p:sp>
@@ -8531,7 +12178,7 @@
             <p:ph idx="1"/>
             <p:extLst>
               <p:ext uri="{D42A27DB-BD31-4B8C-83A1-F6EECF244321}">
-                <p14:modId xmlns:p14="http://schemas.microsoft.com/office/powerpoint/2010/main" val="2253789297"/>
+                <p14:modId xmlns:p14="http://schemas.microsoft.com/office/powerpoint/2010/main" val="1918498033"/>
               </p:ext>
             </p:extLst>
           </p:nvPr>
@@ -8562,6 +12209,17 @@
 <file path=ppt/slides/slide3.xml><?xml version="1.0" encoding="utf-8"?>
 <p:sld xmlns:a="http://schemas.openxmlformats.org/drawingml/2006/main" xmlns:r="http://schemas.openxmlformats.org/officeDocument/2006/relationships" xmlns:p="http://schemas.openxmlformats.org/presentationml/2006/main">
   <p:cSld>
+    <p:bg>
+      <p:bgPr>
+        <a:solidFill>
+          <a:schemeClr val="bg1">
+            <a:tint val="95000"/>
+            <a:satMod val="170000"/>
+          </a:schemeClr>
+        </a:solidFill>
+        <a:effectLst/>
+      </p:bgPr>
+    </p:bg>
     <p:spTree>
       <p:nvGrpSpPr>
         <p:cNvPr id="1" name=""/>
@@ -8578,6 +12236,336 @@
       </p:grpSpPr>
       <p:sp>
         <p:nvSpPr>
+          <p:cNvPr id="7" name="Freeform: Shape 6">
+            <a:extLst>
+              <a:ext uri="{FF2B5EF4-FFF2-40B4-BE49-F238E27FC236}">
+                <a16:creationId xmlns:a16="http://schemas.microsoft.com/office/drawing/2014/main" id="{66B332A4-D438-4773-A77F-5ED49A448D9D}"/>
+              </a:ext>
+              <a:ext uri="{C183D7F6-B498-43B3-948B-1728B52AA6E4}">
+                <adec:decorative xmlns:adec="http://schemas.microsoft.com/office/drawing/2017/decorative" val="1"/>
+              </a:ext>
+            </a:extLst>
+          </p:cNvPr>
+          <p:cNvSpPr>
+            <a:spLocks noGrp="1" noRot="1" noChangeAspect="1" noMove="1" noResize="1" noEditPoints="1" noAdjustHandles="1" noChangeArrowheads="1" noChangeShapeType="1" noTextEdit="1"/>
+          </p:cNvSpPr>
+          <p:nvPr>
+            <p:extLst>
+              <p:ext uri="{386F3935-93C4-4BCD-93E2-E3B085C9AB24}">
+                <p16:designElem xmlns:p16="http://schemas.microsoft.com/office/powerpoint/2015/main" val="1"/>
+              </p:ext>
+            </p:extLst>
+          </p:nvPr>
+        </p:nvSpPr>
+        <p:spPr>
+          <a:xfrm>
+            <a:off x="1953768" y="0"/>
+            <a:ext cx="8284464" cy="6858000"/>
+          </a:xfrm>
+          <a:custGeom>
+            <a:avLst/>
+            <a:gdLst>
+              <a:gd name="connsiteX0" fmla="*/ 1818109 w 8284464"/>
+              <a:gd name="connsiteY0" fmla="*/ 0 h 6858000"/>
+              <a:gd name="connsiteX1" fmla="*/ 6466355 w 8284464"/>
+              <a:gd name="connsiteY1" fmla="*/ 0 h 6858000"/>
+              <a:gd name="connsiteX2" fmla="*/ 6620596 w 8284464"/>
+              <a:gd name="connsiteY2" fmla="*/ 109683 h 6858000"/>
+              <a:gd name="connsiteX3" fmla="*/ 8284464 w 8284464"/>
+              <a:gd name="connsiteY3" fmla="*/ 3429000 h 6858000"/>
+              <a:gd name="connsiteX4" fmla="*/ 6620596 w 8284464"/>
+              <a:gd name="connsiteY4" fmla="*/ 6748318 h 6858000"/>
+              <a:gd name="connsiteX5" fmla="*/ 6466355 w 8284464"/>
+              <a:gd name="connsiteY5" fmla="*/ 6858000 h 6858000"/>
+              <a:gd name="connsiteX6" fmla="*/ 1818109 w 8284464"/>
+              <a:gd name="connsiteY6" fmla="*/ 6858000 h 6858000"/>
+              <a:gd name="connsiteX7" fmla="*/ 1663869 w 8284464"/>
+              <a:gd name="connsiteY7" fmla="*/ 6748318 h 6858000"/>
+              <a:gd name="connsiteX8" fmla="*/ 0 w 8284464"/>
+              <a:gd name="connsiteY8" fmla="*/ 3429000 h 6858000"/>
+              <a:gd name="connsiteX9" fmla="*/ 1663869 w 8284464"/>
+              <a:gd name="connsiteY9" fmla="*/ 109683 h 6858000"/>
+            </a:gdLst>
+            <a:ahLst/>
+            <a:cxnLst>
+              <a:cxn ang="0">
+                <a:pos x="connsiteX0" y="connsiteY0"/>
+              </a:cxn>
+              <a:cxn ang="0">
+                <a:pos x="connsiteX1" y="connsiteY1"/>
+              </a:cxn>
+              <a:cxn ang="0">
+                <a:pos x="connsiteX2" y="connsiteY2"/>
+              </a:cxn>
+              <a:cxn ang="0">
+                <a:pos x="connsiteX3" y="connsiteY3"/>
+              </a:cxn>
+              <a:cxn ang="0">
+                <a:pos x="connsiteX4" y="connsiteY4"/>
+              </a:cxn>
+              <a:cxn ang="0">
+                <a:pos x="connsiteX5" y="connsiteY5"/>
+              </a:cxn>
+              <a:cxn ang="0">
+                <a:pos x="connsiteX6" y="connsiteY6"/>
+              </a:cxn>
+              <a:cxn ang="0">
+                <a:pos x="connsiteX7" y="connsiteY7"/>
+              </a:cxn>
+              <a:cxn ang="0">
+                <a:pos x="connsiteX8" y="connsiteY8"/>
+              </a:cxn>
+              <a:cxn ang="0">
+                <a:pos x="connsiteX9" y="connsiteY9"/>
+              </a:cxn>
+            </a:cxnLst>
+            <a:rect l="l" t="t" r="r" b="b"/>
+            <a:pathLst>
+              <a:path w="8284464" h="6858000">
+                <a:moveTo>
+                  <a:pt x="1818109" y="0"/>
+                </a:moveTo>
+                <a:lnTo>
+                  <a:pt x="6466355" y="0"/>
+                </a:lnTo>
+                <a:lnTo>
+                  <a:pt x="6620596" y="109683"/>
+                </a:lnTo>
+                <a:cubicBezTo>
+                  <a:pt x="7630666" y="865069"/>
+                  <a:pt x="8284464" y="2070683"/>
+                  <a:pt x="8284464" y="3429000"/>
+                </a:cubicBezTo>
+                <a:cubicBezTo>
+                  <a:pt x="8284464" y="4787317"/>
+                  <a:pt x="7630666" y="5992931"/>
+                  <a:pt x="6620596" y="6748318"/>
+                </a:cubicBezTo>
+                <a:lnTo>
+                  <a:pt x="6466355" y="6858000"/>
+                </a:lnTo>
+                <a:lnTo>
+                  <a:pt x="1818109" y="6858000"/>
+                </a:lnTo>
+                <a:lnTo>
+                  <a:pt x="1663869" y="6748318"/>
+                </a:lnTo>
+                <a:cubicBezTo>
+                  <a:pt x="653798" y="5992931"/>
+                  <a:pt x="0" y="4787317"/>
+                  <a:pt x="0" y="3429000"/>
+                </a:cubicBezTo>
+                <a:cubicBezTo>
+                  <a:pt x="0" y="2070683"/>
+                  <a:pt x="653798" y="865069"/>
+                  <a:pt x="1663869" y="109683"/>
+                </a:cubicBezTo>
+                <a:close/>
+              </a:path>
+            </a:pathLst>
+          </a:custGeom>
+          <a:solidFill>
+            <a:srgbClr val="FFFFFF">
+              <a:alpha val="80000"/>
+            </a:srgbClr>
+          </a:solidFill>
+          <a:ln>
+            <a:noFill/>
+          </a:ln>
+        </p:spPr>
+        <p:style>
+          <a:lnRef idx="2">
+            <a:schemeClr val="accent1">
+              <a:shade val="50000"/>
+            </a:schemeClr>
+          </a:lnRef>
+          <a:fillRef idx="1">
+            <a:schemeClr val="accent1"/>
+          </a:fillRef>
+          <a:effectRef idx="0">
+            <a:schemeClr val="accent1"/>
+          </a:effectRef>
+          <a:fontRef idx="minor">
+            <a:schemeClr val="lt1"/>
+          </a:fontRef>
+        </p:style>
+        <p:txBody>
+          <a:bodyPr wrap="square" rtlCol="0" anchor="ctr">
+            <a:noAutofit/>
+          </a:bodyPr>
+          <a:lstStyle/>
+          <a:p>
+            <a:pPr algn="ctr"/>
+            <a:endParaRPr lang="en-US"/>
+          </a:p>
+        </p:txBody>
+      </p:sp>
+      <p:sp>
+        <p:nvSpPr>
+          <p:cNvPr id="9" name="Freeform: Shape 8">
+            <a:extLst>
+              <a:ext uri="{FF2B5EF4-FFF2-40B4-BE49-F238E27FC236}">
+                <a16:creationId xmlns:a16="http://schemas.microsoft.com/office/drawing/2014/main" id="{DF9AD32D-FF05-44F4-BD4D-9CEE89B71EB9}"/>
+              </a:ext>
+              <a:ext uri="{C183D7F6-B498-43B3-948B-1728B52AA6E4}">
+                <adec:decorative xmlns:adec="http://schemas.microsoft.com/office/drawing/2017/decorative" val="1"/>
+              </a:ext>
+            </a:extLst>
+          </p:cNvPr>
+          <p:cNvSpPr>
+            <a:spLocks noGrp="1" noRot="1" noChangeAspect="1" noMove="1" noResize="1" noEditPoints="1" noAdjustHandles="1" noChangeArrowheads="1" noChangeShapeType="1" noTextEdit="1"/>
+          </p:cNvSpPr>
+          <p:nvPr>
+            <p:extLst>
+              <p:ext uri="{386F3935-93C4-4BCD-93E2-E3B085C9AB24}">
+                <p16:designElem xmlns:p16="http://schemas.microsoft.com/office/powerpoint/2015/main" val="1"/>
+              </p:ext>
+            </p:extLst>
+          </p:nvPr>
+        </p:nvSpPr>
+        <p:spPr>
+          <a:xfrm>
+            <a:off x="2118360" y="0"/>
+            <a:ext cx="7955280" cy="6858000"/>
+          </a:xfrm>
+          <a:custGeom>
+            <a:avLst/>
+            <a:gdLst>
+              <a:gd name="connsiteX0" fmla="*/ 1962423 w 7955280"/>
+              <a:gd name="connsiteY0" fmla="*/ 0 h 6858000"/>
+              <a:gd name="connsiteX1" fmla="*/ 5992858 w 7955280"/>
+              <a:gd name="connsiteY1" fmla="*/ 0 h 6858000"/>
+              <a:gd name="connsiteX2" fmla="*/ 6040191 w 7955280"/>
+              <a:gd name="connsiteY2" fmla="*/ 27216 h 6858000"/>
+              <a:gd name="connsiteX3" fmla="*/ 7955280 w 7955280"/>
+              <a:gd name="connsiteY3" fmla="*/ 3429000 h 6858000"/>
+              <a:gd name="connsiteX4" fmla="*/ 6040191 w 7955280"/>
+              <a:gd name="connsiteY4" fmla="*/ 6830784 h 6858000"/>
+              <a:gd name="connsiteX5" fmla="*/ 5992858 w 7955280"/>
+              <a:gd name="connsiteY5" fmla="*/ 6858000 h 6858000"/>
+              <a:gd name="connsiteX6" fmla="*/ 1962423 w 7955280"/>
+              <a:gd name="connsiteY6" fmla="*/ 6858000 h 6858000"/>
+              <a:gd name="connsiteX7" fmla="*/ 1915089 w 7955280"/>
+              <a:gd name="connsiteY7" fmla="*/ 6830784 h 6858000"/>
+              <a:gd name="connsiteX8" fmla="*/ 0 w 7955280"/>
+              <a:gd name="connsiteY8" fmla="*/ 3429000 h 6858000"/>
+              <a:gd name="connsiteX9" fmla="*/ 1915089 w 7955280"/>
+              <a:gd name="connsiteY9" fmla="*/ 27216 h 6858000"/>
+            </a:gdLst>
+            <a:ahLst/>
+            <a:cxnLst>
+              <a:cxn ang="0">
+                <a:pos x="connsiteX0" y="connsiteY0"/>
+              </a:cxn>
+              <a:cxn ang="0">
+                <a:pos x="connsiteX1" y="connsiteY1"/>
+              </a:cxn>
+              <a:cxn ang="0">
+                <a:pos x="connsiteX2" y="connsiteY2"/>
+              </a:cxn>
+              <a:cxn ang="0">
+                <a:pos x="connsiteX3" y="connsiteY3"/>
+              </a:cxn>
+              <a:cxn ang="0">
+                <a:pos x="connsiteX4" y="connsiteY4"/>
+              </a:cxn>
+              <a:cxn ang="0">
+                <a:pos x="connsiteX5" y="connsiteY5"/>
+              </a:cxn>
+              <a:cxn ang="0">
+                <a:pos x="connsiteX6" y="connsiteY6"/>
+              </a:cxn>
+              <a:cxn ang="0">
+                <a:pos x="connsiteX7" y="connsiteY7"/>
+              </a:cxn>
+              <a:cxn ang="0">
+                <a:pos x="connsiteX8" y="connsiteY8"/>
+              </a:cxn>
+              <a:cxn ang="0">
+                <a:pos x="connsiteX9" y="connsiteY9"/>
+              </a:cxn>
+            </a:cxnLst>
+            <a:rect l="l" t="t" r="r" b="b"/>
+            <a:pathLst>
+              <a:path w="7955280" h="6858000">
+                <a:moveTo>
+                  <a:pt x="1962423" y="0"/>
+                </a:moveTo>
+                <a:lnTo>
+                  <a:pt x="5992858" y="0"/>
+                </a:lnTo>
+                <a:lnTo>
+                  <a:pt x="6040191" y="27216"/>
+                </a:lnTo>
+                <a:cubicBezTo>
+                  <a:pt x="7188332" y="724844"/>
+                  <a:pt x="7955280" y="1987357"/>
+                  <a:pt x="7955280" y="3429000"/>
+                </a:cubicBezTo>
+                <a:cubicBezTo>
+                  <a:pt x="7955280" y="4870644"/>
+                  <a:pt x="7188332" y="6133157"/>
+                  <a:pt x="6040191" y="6830784"/>
+                </a:cubicBezTo>
+                <a:lnTo>
+                  <a:pt x="5992858" y="6858000"/>
+                </a:lnTo>
+                <a:lnTo>
+                  <a:pt x="1962423" y="6858000"/>
+                </a:lnTo>
+                <a:lnTo>
+                  <a:pt x="1915089" y="6830784"/>
+                </a:lnTo>
+                <a:cubicBezTo>
+                  <a:pt x="766948" y="6133157"/>
+                  <a:pt x="0" y="4870644"/>
+                  <a:pt x="0" y="3429000"/>
+                </a:cubicBezTo>
+                <a:cubicBezTo>
+                  <a:pt x="0" y="1987357"/>
+                  <a:pt x="766948" y="724844"/>
+                  <a:pt x="1915089" y="27216"/>
+                </a:cubicBezTo>
+                <a:close/>
+              </a:path>
+            </a:pathLst>
+          </a:custGeom>
+          <a:solidFill>
+            <a:schemeClr val="tx1"/>
+          </a:solidFill>
+          <a:ln>
+            <a:noFill/>
+          </a:ln>
+        </p:spPr>
+        <p:style>
+          <a:lnRef idx="2">
+            <a:schemeClr val="accent1">
+              <a:shade val="50000"/>
+            </a:schemeClr>
+          </a:lnRef>
+          <a:fillRef idx="1">
+            <a:schemeClr val="accent1"/>
+          </a:fillRef>
+          <a:effectRef idx="0">
+            <a:schemeClr val="accent1"/>
+          </a:effectRef>
+          <a:fontRef idx="minor">
+            <a:schemeClr val="lt1"/>
+          </a:fontRef>
+        </p:style>
+        <p:txBody>
+          <a:bodyPr wrap="square" rtlCol="0" anchor="ctr">
+            <a:noAutofit/>
+          </a:bodyPr>
+          <a:lstStyle/>
+          <a:p>
+            <a:pPr algn="ctr"/>
+            <a:endParaRPr lang="en-US"/>
+          </a:p>
+        </p:txBody>
+      </p:sp>
+      <p:sp>
+        <p:nvSpPr>
           <p:cNvPr id="2" name="Title 1">
             <a:extLst>
               <a:ext uri="{FF2B5EF4-FFF2-40B4-BE49-F238E27FC236}">
@@ -8592,13 +12580,27 @@
             <p:ph type="ctrTitle"/>
           </p:nvPr>
         </p:nvSpPr>
-        <p:spPr/>
+        <p:spPr>
+          <a:xfrm>
+            <a:off x="2555631" y="1441938"/>
+            <a:ext cx="7080738" cy="3974124"/>
+          </a:xfrm>
+        </p:spPr>
         <p:txBody>
-          <a:bodyPr/>
+          <a:bodyPr vert="horz" lIns="91440" tIns="45720" rIns="91440" bIns="45720" rtlCol="0" anchor="ctr">
+            <a:normAutofit/>
+          </a:bodyPr>
           <a:lstStyle/>
           <a:p>
             <a:r>
-              <a:rPr lang="en-US" dirty="0"/>
+              <a:rPr lang="en-US" sz="5400">
+                <a:solidFill>
+                  <a:schemeClr val="bg1">
+                    <a:lumMod val="95000"/>
+                    <a:lumOff val="5000"/>
+                  </a:schemeClr>
+                </a:solidFill>
+              </a:rPr>
               <a:t>Definitions</a:t>
             </a:r>
           </a:p>
@@ -8612,7 +12614,7 @@
     </p:extLst>
   </p:cSld>
   <p:clrMapOvr>
-    <a:masterClrMapping/>
+    <a:overrideClrMapping bg1="dk1" tx1="lt1" bg2="dk2" tx2="lt2" accent1="accent1" accent2="accent2" accent3="accent3" accent4="accent4" accent5="accent5" accent6="accent6" hlink="hlink" folHlink="folHlink"/>
   </p:clrMapOvr>
 </p:sld>
 </file>
@@ -8737,12 +12739,12 @@
           <a:lstStyle/>
           <a:p>
             <a:r>
-              <a:rPr lang="en-US" sz="5200">
+              <a:rPr lang="en-US" sz="5200" dirty="0">
                 <a:solidFill>
                   <a:schemeClr val="bg1"/>
                 </a:solidFill>
               </a:rPr>
-              <a:t>Definitions: Regression Tree</a:t>
+              <a:t>Definitions: Random Forest</a:t>
             </a:r>
           </a:p>
         </p:txBody>
@@ -8776,15 +12778,202 @@
           <a:lstStyle/>
           <a:p>
             <a:r>
-              <a:rPr lang="en-US" sz="2400"/>
+              <a:rPr lang="en-US" dirty="0"/>
+              <a:t>Collection of regression trees</a:t>
+            </a:r>
+          </a:p>
+          <a:p>
+            <a:endParaRPr lang="en-US" sz="2400" dirty="0"/>
+          </a:p>
+        </p:txBody>
+      </p:sp>
+    </p:spTree>
+    <p:extLst>
+      <p:ext uri="{BB962C8B-B14F-4D97-AF65-F5344CB8AC3E}">
+        <p14:creationId xmlns:p14="http://schemas.microsoft.com/office/powerpoint/2010/main" val="2863108865"/>
+      </p:ext>
+    </p:extLst>
+  </p:cSld>
+  <p:clrMapOvr>
+    <a:masterClrMapping/>
+  </p:clrMapOvr>
+</p:sld>
+</file>
+
+<file path=ppt/slides/slide5.xml><?xml version="1.0" encoding="utf-8"?>
+<p:sld xmlns:a="http://schemas.openxmlformats.org/drawingml/2006/main" xmlns:r="http://schemas.openxmlformats.org/officeDocument/2006/relationships" xmlns:p="http://schemas.openxmlformats.org/presentationml/2006/main">
+  <p:cSld>
+    <p:bg>
+      <p:bgPr>
+        <a:solidFill>
+          <a:schemeClr val="bg1"/>
+        </a:solidFill>
+        <a:effectLst/>
+      </p:bgPr>
+    </p:bg>
+    <p:spTree>
+      <p:nvGrpSpPr>
+        <p:cNvPr id="1" name=""/>
+        <p:cNvGrpSpPr/>
+        <p:nvPr/>
+      </p:nvGrpSpPr>
+      <p:grpSpPr>
+        <a:xfrm>
+          <a:off x="0" y="0"/>
+          <a:ext cx="0" cy="0"/>
+          <a:chOff x="0" y="0"/>
+          <a:chExt cx="0" cy="0"/>
+        </a:xfrm>
+      </p:grpSpPr>
+      <p:sp>
+        <p:nvSpPr>
+          <p:cNvPr id="8" name="Rectangle 7">
+            <a:extLst>
+              <a:ext uri="{FF2B5EF4-FFF2-40B4-BE49-F238E27FC236}">
+                <a16:creationId xmlns:a16="http://schemas.microsoft.com/office/drawing/2014/main" id="{2BD55E05-51A2-4173-A7FA-869DE4F71AC3}"/>
+              </a:ext>
+              <a:ext uri="{C183D7F6-B498-43B3-948B-1728B52AA6E4}">
+                <adec:decorative xmlns:adec="http://schemas.microsoft.com/office/drawing/2017/decorative" val="1"/>
+              </a:ext>
+            </a:extLst>
+          </p:cNvPr>
+          <p:cNvSpPr>
+            <a:spLocks noGrp="1" noRot="1" noChangeAspect="1" noMove="1" noResize="1" noEditPoints="1" noAdjustHandles="1" noChangeArrowheads="1" noChangeShapeType="1" noTextEdit="1"/>
+          </p:cNvSpPr>
+          <p:nvPr>
+            <p:extLst>
+              <p:ext uri="{386F3935-93C4-4BCD-93E2-E3B085C9AB24}">
+                <p16:designElem xmlns:p16="http://schemas.microsoft.com/office/powerpoint/2015/main" val="1"/>
+              </p:ext>
+            </p:extLst>
+          </p:nvPr>
+        </p:nvSpPr>
+        <p:spPr>
+          <a:xfrm>
+            <a:off x="0" y="0"/>
+            <a:ext cx="6013450" cy="6858000"/>
+          </a:xfrm>
+          <a:prstGeom prst="rect">
+            <a:avLst/>
+          </a:prstGeom>
+          <a:solidFill>
+            <a:schemeClr val="tx1">
+              <a:lumMod val="75000"/>
+              <a:lumOff val="25000"/>
+            </a:schemeClr>
+          </a:solidFill>
+          <a:ln>
+            <a:noFill/>
+          </a:ln>
+        </p:spPr>
+        <p:style>
+          <a:lnRef idx="2">
+            <a:schemeClr val="accent1">
+              <a:shade val="50000"/>
+            </a:schemeClr>
+          </a:lnRef>
+          <a:fillRef idx="1">
+            <a:schemeClr val="accent1"/>
+          </a:fillRef>
+          <a:effectRef idx="0">
+            <a:schemeClr val="accent1"/>
+          </a:effectRef>
+          <a:fontRef idx="minor">
+            <a:schemeClr val="lt1"/>
+          </a:fontRef>
+        </p:style>
+        <p:txBody>
+          <a:bodyPr rtlCol="0" anchor="ctr"/>
+          <a:lstStyle/>
+          <a:p>
+            <a:pPr algn="ctr"/>
+            <a:endParaRPr lang="en-US"/>
+          </a:p>
+        </p:txBody>
+      </p:sp>
+      <p:sp>
+        <p:nvSpPr>
+          <p:cNvPr id="2" name="Title 1">
+            <a:extLst>
+              <a:ext uri="{FF2B5EF4-FFF2-40B4-BE49-F238E27FC236}">
+                <a16:creationId xmlns:a16="http://schemas.microsoft.com/office/drawing/2014/main" id="{5B2855B0-BB7A-8740-80FF-E514885F64EB}"/>
+              </a:ext>
+            </a:extLst>
+          </p:cNvPr>
+          <p:cNvSpPr>
+            <a:spLocks noGrp="1"/>
+          </p:cNvSpPr>
+          <p:nvPr>
+            <p:ph type="title"/>
+          </p:nvPr>
+        </p:nvSpPr>
+        <p:spPr>
+          <a:xfrm>
+            <a:off x="838200" y="621792"/>
+            <a:ext cx="4795157" cy="5413248"/>
+          </a:xfrm>
+        </p:spPr>
+        <p:txBody>
+          <a:bodyPr>
+            <a:normAutofit/>
+          </a:bodyPr>
+          <a:lstStyle/>
+          <a:p>
+            <a:r>
+              <a:rPr lang="en-US" sz="5200">
+                <a:solidFill>
+                  <a:schemeClr val="bg1"/>
+                </a:solidFill>
+              </a:rPr>
+              <a:t>Definitions: Regression Tree</a:t>
+            </a:r>
+          </a:p>
+        </p:txBody>
+      </p:sp>
+      <p:sp>
+        <p:nvSpPr>
+          <p:cNvPr id="3" name="Content Placeholder 2">
+            <a:extLst>
+              <a:ext uri="{FF2B5EF4-FFF2-40B4-BE49-F238E27FC236}">
+                <a16:creationId xmlns:a16="http://schemas.microsoft.com/office/drawing/2014/main" id="{B1C08B8F-D7BE-014F-878C-8C4C3C636371}"/>
+              </a:ext>
+            </a:extLst>
+          </p:cNvPr>
+          <p:cNvSpPr>
+            <a:spLocks noGrp="1"/>
+          </p:cNvSpPr>
+          <p:nvPr>
+            <p:ph idx="1"/>
+          </p:nvPr>
+        </p:nvSpPr>
+        <p:spPr>
+          <a:xfrm>
+            <a:off x="6521450" y="621792"/>
+            <a:ext cx="4832349" cy="5413248"/>
+          </a:xfrm>
+        </p:spPr>
+        <p:txBody>
+          <a:bodyPr anchor="ctr">
+            <a:normAutofit/>
+          </a:bodyPr>
+          <a:lstStyle/>
+          <a:p>
+            <a:r>
+              <a:rPr lang="en-US" sz="2400" dirty="0"/>
               <a:t>A data modelling technique that splits data into different groups (“leaves”) which are assumed to be similar</a:t>
+            </a:r>
+          </a:p>
+          <a:p>
+            <a:r>
+              <a:rPr lang="en-US" sz="2400" dirty="0"/>
+              <a:t>Splits performed to minimize the sum of squared errors</a:t>
             </a:r>
           </a:p>
           <a:p>
             <a:pPr marL="0" indent="0">
               <a:buNone/>
             </a:pPr>
-            <a:endParaRPr lang="en-US" sz="2400"/>
+            <a:endParaRPr lang="en-US" sz="2400" dirty="0"/>
           </a:p>
         </p:txBody>
       </p:sp>
@@ -8801,7 +12990,7 @@
 </p:sld>
 </file>
 
-<file path=ppt/slides/slide5.xml><?xml version="1.0" encoding="utf-8"?>
+<file path=ppt/slides/slide6.xml><?xml version="1.0" encoding="utf-8"?>
 <p:sld xmlns:a="http://schemas.openxmlformats.org/drawingml/2006/main" xmlns:r="http://schemas.openxmlformats.org/officeDocument/2006/relationships" xmlns:p="http://schemas.openxmlformats.org/presentationml/2006/main">
   <p:cSld>
     <p:spTree>
@@ -12391,7 +16580,377 @@
 </p:sld>
 </file>
 
-<file path=ppt/slides/slide6.xml><?xml version="1.0" encoding="utf-8"?>
+<file path=ppt/slides/slide7.xml><?xml version="1.0" encoding="utf-8"?>
+<p:sld xmlns:a="http://schemas.openxmlformats.org/drawingml/2006/main" xmlns:r="http://schemas.openxmlformats.org/officeDocument/2006/relationships" xmlns:p="http://schemas.openxmlformats.org/presentationml/2006/main">
+  <p:cSld>
+    <p:spTree>
+      <p:nvGrpSpPr>
+        <p:cNvPr id="1" name=""/>
+        <p:cNvGrpSpPr/>
+        <p:nvPr/>
+      </p:nvGrpSpPr>
+      <p:grpSpPr>
+        <a:xfrm>
+          <a:off x="0" y="0"/>
+          <a:ext cx="0" cy="0"/>
+          <a:chOff x="0" y="0"/>
+          <a:chExt cx="0" cy="0"/>
+        </a:xfrm>
+      </p:grpSpPr>
+      <p:sp>
+        <p:nvSpPr>
+          <p:cNvPr id="2" name="Title 1">
+            <a:extLst>
+              <a:ext uri="{FF2B5EF4-FFF2-40B4-BE49-F238E27FC236}">
+                <a16:creationId xmlns:a16="http://schemas.microsoft.com/office/drawing/2014/main" id="{B79390EB-2EFD-904F-8E43-102CDDA523D6}"/>
+              </a:ext>
+            </a:extLst>
+          </p:cNvPr>
+          <p:cNvSpPr>
+            <a:spLocks noGrp="1"/>
+          </p:cNvSpPr>
+          <p:nvPr>
+            <p:ph type="title"/>
+          </p:nvPr>
+        </p:nvSpPr>
+        <p:spPr/>
+        <p:txBody>
+          <a:bodyPr/>
+          <a:lstStyle/>
+          <a:p>
+            <a:r>
+              <a:rPr lang="en-US" dirty="0"/>
+              <a:t>Detail: Minimizing SSE</a:t>
+            </a:r>
+          </a:p>
+        </p:txBody>
+      </p:sp>
+      <p:graphicFrame>
+        <p:nvGraphicFramePr>
+          <p:cNvPr id="4" name="Content Placeholder 3">
+            <a:extLst>
+              <a:ext uri="{FF2B5EF4-FFF2-40B4-BE49-F238E27FC236}">
+                <a16:creationId xmlns:a16="http://schemas.microsoft.com/office/drawing/2014/main" id="{BB37E245-5198-CA47-8940-CA08E96F7E97}"/>
+              </a:ext>
+            </a:extLst>
+          </p:cNvPr>
+          <p:cNvGraphicFramePr>
+            <a:graphicFrameLocks noGrp="1"/>
+          </p:cNvGraphicFramePr>
+          <p:nvPr>
+            <p:ph idx="1"/>
+            <p:extLst>
+              <p:ext uri="{D42A27DB-BD31-4B8C-83A1-F6EECF244321}">
+                <p14:modId xmlns:p14="http://schemas.microsoft.com/office/powerpoint/2010/main" val="1257349861"/>
+              </p:ext>
+            </p:extLst>
+          </p:nvPr>
+        </p:nvGraphicFramePr>
+        <p:xfrm>
+          <a:off x="838200" y="1825625"/>
+          <a:ext cx="10515600" cy="4351338"/>
+        </p:xfrm>
+        <a:graphic>
+          <a:graphicData uri="http://schemas.openxmlformats.org/drawingml/2006/chart">
+            <c:chart xmlns:c="http://schemas.openxmlformats.org/drawingml/2006/chart" xmlns:r="http://schemas.openxmlformats.org/officeDocument/2006/relationships" r:id="rId2"/>
+          </a:graphicData>
+        </a:graphic>
+      </p:graphicFrame>
+    </p:spTree>
+    <p:extLst>
+      <p:ext uri="{BB962C8B-B14F-4D97-AF65-F5344CB8AC3E}">
+        <p14:creationId xmlns:p14="http://schemas.microsoft.com/office/powerpoint/2010/main" val="678070521"/>
+      </p:ext>
+    </p:extLst>
+  </p:cSld>
+  <p:clrMapOvr>
+    <a:masterClrMapping/>
+  </p:clrMapOvr>
+  <p:timing>
+    <p:tnLst>
+      <p:par>
+        <p:cTn id="1" dur="indefinite" restart="never" nodeType="tmRoot">
+          <p:childTnLst>
+            <p:seq concurrent="1" nextAc="seek">
+              <p:cTn id="2" dur="indefinite" nodeType="mainSeq">
+                <p:childTnLst>
+                  <p:par>
+                    <p:cTn id="3" fill="hold">
+                      <p:stCondLst>
+                        <p:cond delay="indefinite"/>
+                      </p:stCondLst>
+                      <p:childTnLst>
+                        <p:par>
+                          <p:cTn id="4" fill="hold">
+                            <p:stCondLst>
+                              <p:cond delay="0"/>
+                            </p:stCondLst>
+                            <p:childTnLst>
+                              <p:par>
+                                <p:cTn id="5" presetID="9" presetClass="entr" presetSubtype="0" fill="hold" grpId="0" nodeType="clickEffect">
+                                  <p:stCondLst>
+                                    <p:cond delay="0"/>
+                                  </p:stCondLst>
+                                  <p:childTnLst>
+                                    <p:set>
+                                      <p:cBhvr>
+                                        <p:cTn id="6" dur="1" fill="hold">
+                                          <p:stCondLst>
+                                            <p:cond delay="0"/>
+                                          </p:stCondLst>
+                                        </p:cTn>
+                                        <p:tgtEl>
+                                          <p:spTgt spid="4">
+                                            <p:graphicEl>
+                                              <a:chart seriesIdx="0" categoryIdx="-4" bldStep="series"/>
+                                            </p:graphicEl>
+                                          </p:spTgt>
+                                        </p:tgtEl>
+                                        <p:attrNameLst>
+                                          <p:attrName>style.visibility</p:attrName>
+                                        </p:attrNameLst>
+                                      </p:cBhvr>
+                                      <p:to>
+                                        <p:strVal val="visible"/>
+                                      </p:to>
+                                    </p:set>
+                                    <p:animEffect transition="in" filter="dissolve">
+                                      <p:cBhvr>
+                                        <p:cTn id="7" dur="500"/>
+                                        <p:tgtEl>
+                                          <p:spTgt spid="4">
+                                            <p:graphicEl>
+                                              <a:chart seriesIdx="0" categoryIdx="-4" bldStep="series"/>
+                                            </p:graphicEl>
+                                          </p:spTgt>
+                                        </p:tgtEl>
+                                      </p:cBhvr>
+                                    </p:animEffect>
+                                  </p:childTnLst>
+                                </p:cTn>
+                              </p:par>
+                            </p:childTnLst>
+                          </p:cTn>
+                        </p:par>
+                      </p:childTnLst>
+                    </p:cTn>
+                  </p:par>
+                  <p:par>
+                    <p:cTn id="8" fill="hold">
+                      <p:stCondLst>
+                        <p:cond delay="indefinite"/>
+                      </p:stCondLst>
+                      <p:childTnLst>
+                        <p:par>
+                          <p:cTn id="9" fill="hold">
+                            <p:stCondLst>
+                              <p:cond delay="0"/>
+                            </p:stCondLst>
+                            <p:childTnLst>
+                              <p:par>
+                                <p:cTn id="10" presetID="9" presetClass="entr" presetSubtype="0" fill="hold" grpId="0" nodeType="clickEffect">
+                                  <p:stCondLst>
+                                    <p:cond delay="0"/>
+                                  </p:stCondLst>
+                                  <p:childTnLst>
+                                    <p:set>
+                                      <p:cBhvr>
+                                        <p:cTn id="11" dur="1" fill="hold">
+                                          <p:stCondLst>
+                                            <p:cond delay="0"/>
+                                          </p:stCondLst>
+                                        </p:cTn>
+                                        <p:tgtEl>
+                                          <p:spTgt spid="4">
+                                            <p:graphicEl>
+                                              <a:chart seriesIdx="1" categoryIdx="-4" bldStep="series"/>
+                                            </p:graphicEl>
+                                          </p:spTgt>
+                                        </p:tgtEl>
+                                        <p:attrNameLst>
+                                          <p:attrName>style.visibility</p:attrName>
+                                        </p:attrNameLst>
+                                      </p:cBhvr>
+                                      <p:to>
+                                        <p:strVal val="visible"/>
+                                      </p:to>
+                                    </p:set>
+                                    <p:animEffect transition="in" filter="dissolve">
+                                      <p:cBhvr>
+                                        <p:cTn id="12" dur="500"/>
+                                        <p:tgtEl>
+                                          <p:spTgt spid="4">
+                                            <p:graphicEl>
+                                              <a:chart seriesIdx="1" categoryIdx="-4" bldStep="series"/>
+                                            </p:graphicEl>
+                                          </p:spTgt>
+                                        </p:tgtEl>
+                                      </p:cBhvr>
+                                    </p:animEffect>
+                                  </p:childTnLst>
+                                </p:cTn>
+                              </p:par>
+                            </p:childTnLst>
+                          </p:cTn>
+                        </p:par>
+                      </p:childTnLst>
+                    </p:cTn>
+                  </p:par>
+                  <p:par>
+                    <p:cTn id="13" fill="hold">
+                      <p:stCondLst>
+                        <p:cond delay="indefinite"/>
+                      </p:stCondLst>
+                      <p:childTnLst>
+                        <p:par>
+                          <p:cTn id="14" fill="hold">
+                            <p:stCondLst>
+                              <p:cond delay="0"/>
+                            </p:stCondLst>
+                            <p:childTnLst>
+                              <p:par>
+                                <p:cTn id="15" presetID="9" presetClass="entr" presetSubtype="0" fill="hold" grpId="0" nodeType="clickEffect">
+                                  <p:stCondLst>
+                                    <p:cond delay="0"/>
+                                  </p:stCondLst>
+                                  <p:childTnLst>
+                                    <p:set>
+                                      <p:cBhvr>
+                                        <p:cTn id="16" dur="1" fill="hold">
+                                          <p:stCondLst>
+                                            <p:cond delay="0"/>
+                                          </p:stCondLst>
+                                        </p:cTn>
+                                        <p:tgtEl>
+                                          <p:spTgt spid="4">
+                                            <p:graphicEl>
+                                              <a:chart seriesIdx="2" categoryIdx="-4" bldStep="series"/>
+                                            </p:graphicEl>
+                                          </p:spTgt>
+                                        </p:tgtEl>
+                                        <p:attrNameLst>
+                                          <p:attrName>style.visibility</p:attrName>
+                                        </p:attrNameLst>
+                                      </p:cBhvr>
+                                      <p:to>
+                                        <p:strVal val="visible"/>
+                                      </p:to>
+                                    </p:set>
+                                    <p:animEffect transition="in" filter="dissolve">
+                                      <p:cBhvr>
+                                        <p:cTn id="17" dur="500"/>
+                                        <p:tgtEl>
+                                          <p:spTgt spid="4">
+                                            <p:graphicEl>
+                                              <a:chart seriesIdx="2" categoryIdx="-4" bldStep="series"/>
+                                            </p:graphicEl>
+                                          </p:spTgt>
+                                        </p:tgtEl>
+                                      </p:cBhvr>
+                                    </p:animEffect>
+                                  </p:childTnLst>
+                                </p:cTn>
+                              </p:par>
+                            </p:childTnLst>
+                          </p:cTn>
+                        </p:par>
+                      </p:childTnLst>
+                    </p:cTn>
+                  </p:par>
+                  <p:par>
+                    <p:cTn id="18" fill="hold">
+                      <p:stCondLst>
+                        <p:cond delay="indefinite"/>
+                      </p:stCondLst>
+                      <p:childTnLst>
+                        <p:par>
+                          <p:cTn id="19" fill="hold">
+                            <p:stCondLst>
+                              <p:cond delay="0"/>
+                            </p:stCondLst>
+                            <p:childTnLst>
+                              <p:par>
+                                <p:cTn id="20" presetID="9" presetClass="entr" presetSubtype="0" fill="hold" grpId="0" nodeType="clickEffect">
+                                  <p:stCondLst>
+                                    <p:cond delay="0"/>
+                                  </p:stCondLst>
+                                  <p:childTnLst>
+                                    <p:set>
+                                      <p:cBhvr>
+                                        <p:cTn id="21" dur="1" fill="hold">
+                                          <p:stCondLst>
+                                            <p:cond delay="0"/>
+                                          </p:stCondLst>
+                                        </p:cTn>
+                                        <p:tgtEl>
+                                          <p:spTgt spid="4">
+                                            <p:graphicEl>
+                                              <a:chart seriesIdx="3" categoryIdx="-4" bldStep="series"/>
+                                            </p:graphicEl>
+                                          </p:spTgt>
+                                        </p:tgtEl>
+                                        <p:attrNameLst>
+                                          <p:attrName>style.visibility</p:attrName>
+                                        </p:attrNameLst>
+                                      </p:cBhvr>
+                                      <p:to>
+                                        <p:strVal val="visible"/>
+                                      </p:to>
+                                    </p:set>
+                                    <p:animEffect transition="in" filter="dissolve">
+                                      <p:cBhvr>
+                                        <p:cTn id="22" dur="500"/>
+                                        <p:tgtEl>
+                                          <p:spTgt spid="4">
+                                            <p:graphicEl>
+                                              <a:chart seriesIdx="3" categoryIdx="-4" bldStep="series"/>
+                                            </p:graphicEl>
+                                          </p:spTgt>
+                                        </p:tgtEl>
+                                      </p:cBhvr>
+                                    </p:animEffect>
+                                  </p:childTnLst>
+                                </p:cTn>
+                              </p:par>
+                            </p:childTnLst>
+                          </p:cTn>
+                        </p:par>
+                      </p:childTnLst>
+                    </p:cTn>
+                  </p:par>
+                </p:childTnLst>
+              </p:cTn>
+              <p:prevCondLst>
+                <p:cond evt="onPrev" delay="0">
+                  <p:tgtEl>
+                    <p:sldTgt/>
+                  </p:tgtEl>
+                </p:cond>
+              </p:prevCondLst>
+              <p:nextCondLst>
+                <p:cond evt="onNext" delay="0">
+                  <p:tgtEl>
+                    <p:sldTgt/>
+                  </p:tgtEl>
+                </p:cond>
+              </p:nextCondLst>
+            </p:seq>
+          </p:childTnLst>
+        </p:cTn>
+      </p:par>
+    </p:tnLst>
+    <p:bldLst>
+      <p:bldGraphic spid="4" grpId="0" uiExpand="1">
+        <p:bldSub>
+          <a:bldChart bld="series" animBg="0"/>
+        </p:bldSub>
+      </p:bldGraphic>
+    </p:bldLst>
+  </p:timing>
+</p:sld>
+</file>
+
+<file path=ppt/slides/slide8.xml><?xml version="1.0" encoding="utf-8"?>
 <p:sld xmlns:a="http://schemas.openxmlformats.org/drawingml/2006/main" xmlns:r="http://schemas.openxmlformats.org/officeDocument/2006/relationships" xmlns:p="http://schemas.openxmlformats.org/presentationml/2006/main">
   <p:cSld>
     <p:bg>
@@ -12593,7 +17152,7 @@
 </p:sld>
 </file>
 
-<file path=ppt/slides/slide7.xml><?xml version="1.0" encoding="utf-8"?>
+<file path=ppt/slides/slide9.xml><?xml version="1.0" encoding="utf-8"?>
 <p:sld xmlns:a="http://schemas.openxmlformats.org/drawingml/2006/main" xmlns:r="http://schemas.openxmlformats.org/officeDocument/2006/relationships" xmlns:p="http://schemas.openxmlformats.org/presentationml/2006/main">
   <p:cSld>
     <p:bg>
@@ -12753,7 +17312,7 @@
           <a:p>
             <a:r>
               <a:rPr lang="en-US" dirty="0"/>
-              <a:t>Collection of trees</a:t>
+              <a:t>Collection of regression trees</a:t>
             </a:r>
           </a:p>
           <a:p>
@@ -12805,652 +17364,6 @@
     <p:extLst>
       <p:ext uri="{BB962C8B-B14F-4D97-AF65-F5344CB8AC3E}">
         <p14:creationId xmlns:p14="http://schemas.microsoft.com/office/powerpoint/2010/main" val="3068074394"/>
-      </p:ext>
-    </p:extLst>
-  </p:cSld>
-  <p:clrMapOvr>
-    <a:masterClrMapping/>
-  </p:clrMapOvr>
-</p:sld>
-</file>
-
-<file path=ppt/slides/slide8.xml><?xml version="1.0" encoding="utf-8"?>
-<p:sld xmlns:a="http://schemas.openxmlformats.org/drawingml/2006/main" xmlns:r="http://schemas.openxmlformats.org/officeDocument/2006/relationships" xmlns:p="http://schemas.openxmlformats.org/presentationml/2006/main">
-  <p:cSld>
-    <p:spTree>
-      <p:nvGrpSpPr>
-        <p:cNvPr id="1" name=""/>
-        <p:cNvGrpSpPr/>
-        <p:nvPr/>
-      </p:nvGrpSpPr>
-      <p:grpSpPr>
-        <a:xfrm>
-          <a:off x="0" y="0"/>
-          <a:ext cx="0" cy="0"/>
-          <a:chOff x="0" y="0"/>
-          <a:chExt cx="0" cy="0"/>
-        </a:xfrm>
-      </p:grpSpPr>
-      <p:sp>
-        <p:nvSpPr>
-          <p:cNvPr id="2" name="Title 1">
-            <a:extLst>
-              <a:ext uri="{FF2B5EF4-FFF2-40B4-BE49-F238E27FC236}">
-                <a16:creationId xmlns:a16="http://schemas.microsoft.com/office/drawing/2014/main" id="{A5CDAF09-0F58-F44F-8E98-15B06A17A179}"/>
-              </a:ext>
-            </a:extLst>
-          </p:cNvPr>
-          <p:cNvSpPr>
-            <a:spLocks noGrp="1"/>
-          </p:cNvSpPr>
-          <p:nvPr>
-            <p:ph type="title"/>
-          </p:nvPr>
-        </p:nvSpPr>
-        <p:spPr/>
-        <p:txBody>
-          <a:bodyPr/>
-          <a:lstStyle/>
-          <a:p>
-            <a:r>
-              <a:rPr lang="en-US" dirty="0"/>
-              <a:t>Definitions: Time-Series Data</a:t>
-            </a:r>
-          </a:p>
-        </p:txBody>
-      </p:sp>
-      <mc:AlternateContent xmlns:mc="http://schemas.openxmlformats.org/markup-compatibility/2006">
-        <mc:Choice xmlns:a14="http://schemas.microsoft.com/office/drawing/2010/main" Requires="a14">
-          <p:sp>
-            <p:nvSpPr>
-              <p:cNvPr id="3" name="Content Placeholder 2">
-                <a:extLst>
-                  <a:ext uri="{FF2B5EF4-FFF2-40B4-BE49-F238E27FC236}">
-                    <a16:creationId xmlns:a16="http://schemas.microsoft.com/office/drawing/2014/main" id="{FDA86BD4-A54C-D047-BCD7-26D5A45740A7}"/>
-                  </a:ext>
-                </a:extLst>
-              </p:cNvPr>
-              <p:cNvSpPr>
-                <a:spLocks noGrp="1"/>
-              </p:cNvSpPr>
-              <p:nvPr>
-                <p:ph idx="1"/>
-              </p:nvPr>
-            </p:nvSpPr>
-            <p:spPr/>
-            <p:txBody>
-              <a:bodyPr/>
-              <a:lstStyle/>
-              <a:p>
-                <a:r>
-                  <a:rPr lang="en-US" dirty="0"/>
-                  <a:t>Time-Series Data refers to data series that are indexed by time</a:t>
-                </a:r>
-              </a:p>
-              <a:p>
-                <a:r>
-                  <a:rPr lang="en-US" dirty="0"/>
-                  <a:t>Often characterized by seasonal trends and strong correlations between successive observations</a:t>
-                </a:r>
-              </a:p>
-              <a:p>
-                <a:r>
-                  <a:rPr lang="en-US" dirty="0"/>
-                  <a:t>Usually modelled as an “autoregression”:</a:t>
-                </a:r>
-              </a:p>
-              <a:p>
-                <a:pPr marL="0" indent="0">
-                  <a:buNone/>
-                </a:pPr>
-                <a:endParaRPr lang="en-US" b="0" i="1" dirty="0">
-                  <a:latin typeface="Cambria Math" panose="02040503050406030204" pitchFamily="18" charset="0"/>
-                </a:endParaRPr>
-              </a:p>
-              <a:p>
-                <a:pPr marL="0" indent="0">
-                  <a:buNone/>
-                </a:pPr>
-                <a14:m>
-                  <m:oMathPara xmlns:m="http://schemas.openxmlformats.org/officeDocument/2006/math">
-                    <m:oMathParaPr>
-                      <m:jc m:val="centerGroup"/>
-                    </m:oMathParaPr>
-                    <m:oMath xmlns:m="http://schemas.openxmlformats.org/officeDocument/2006/math">
-                      <m:sSub>
-                        <m:sSubPr>
-                          <m:ctrlPr>
-                            <a:rPr lang="en-US" b="0" i="1" smtClean="0">
-                              <a:latin typeface="Cambria Math" panose="02040503050406030204" pitchFamily="18" charset="0"/>
-                            </a:rPr>
-                          </m:ctrlPr>
-                        </m:sSubPr>
-                        <m:e>
-                          <m:r>
-                            <a:rPr lang="en-US" b="0" i="1" smtClean="0">
-                              <a:latin typeface="Cambria Math" panose="02040503050406030204" pitchFamily="18" charset="0"/>
-                            </a:rPr>
-                            <m:t>𝑦</m:t>
-                          </m:r>
-                        </m:e>
-                        <m:sub>
-                          <m:r>
-                            <a:rPr lang="en-US" b="0" i="1" smtClean="0">
-                              <a:latin typeface="Cambria Math" panose="02040503050406030204" pitchFamily="18" charset="0"/>
-                            </a:rPr>
-                            <m:t>𝑡</m:t>
-                          </m:r>
-                        </m:sub>
-                      </m:sSub>
-                      <m:r>
-                        <a:rPr lang="en-US" b="0" i="1" smtClean="0">
-                          <a:latin typeface="Cambria Math" panose="02040503050406030204" pitchFamily="18" charset="0"/>
-                        </a:rPr>
-                        <m:t>=</m:t>
-                      </m:r>
-                      <m:sSub>
-                        <m:sSubPr>
-                          <m:ctrlPr>
-                            <a:rPr lang="en-US" b="0" i="1" smtClean="0">
-                              <a:latin typeface="Cambria Math" panose="02040503050406030204" pitchFamily="18" charset="0"/>
-                            </a:rPr>
-                          </m:ctrlPr>
-                        </m:sSubPr>
-                        <m:e>
-                          <m:r>
-                            <a:rPr lang="en-US" b="0" i="1" smtClean="0">
-                              <a:latin typeface="Cambria Math" panose="02040503050406030204" pitchFamily="18" charset="0"/>
-                              <a:ea typeface="Cambria Math" panose="02040503050406030204" pitchFamily="18" charset="0"/>
-                            </a:rPr>
-                            <m:t>𝛽</m:t>
-                          </m:r>
-                        </m:e>
-                        <m:sub>
-                          <m:r>
-                            <a:rPr lang="en-US" b="0" i="1" smtClean="0">
-                              <a:latin typeface="Cambria Math" panose="02040503050406030204" pitchFamily="18" charset="0"/>
-                            </a:rPr>
-                            <m:t>1</m:t>
-                          </m:r>
-                        </m:sub>
-                      </m:sSub>
-                      <m:sSub>
-                        <m:sSubPr>
-                          <m:ctrlPr>
-                            <a:rPr lang="en-US" b="0" i="1" smtClean="0">
-                              <a:latin typeface="Cambria Math" panose="02040503050406030204" pitchFamily="18" charset="0"/>
-                            </a:rPr>
-                          </m:ctrlPr>
-                        </m:sSubPr>
-                        <m:e>
-                          <m:r>
-                            <a:rPr lang="en-US" b="0" i="1" smtClean="0">
-                              <a:latin typeface="Cambria Math" panose="02040503050406030204" pitchFamily="18" charset="0"/>
-                            </a:rPr>
-                            <m:t>𝑦</m:t>
-                          </m:r>
-                        </m:e>
-                        <m:sub>
-                          <m:r>
-                            <a:rPr lang="en-US" b="0" i="1" smtClean="0">
-                              <a:latin typeface="Cambria Math" panose="02040503050406030204" pitchFamily="18" charset="0"/>
-                            </a:rPr>
-                            <m:t>𝑡</m:t>
-                          </m:r>
-                          <m:r>
-                            <a:rPr lang="en-US" b="0" i="1" smtClean="0">
-                              <a:latin typeface="Cambria Math" panose="02040503050406030204" pitchFamily="18" charset="0"/>
-                            </a:rPr>
-                            <m:t>−1</m:t>
-                          </m:r>
-                        </m:sub>
-                      </m:sSub>
-                      <m:r>
-                        <a:rPr lang="en-US" b="0" i="1" smtClean="0">
-                          <a:latin typeface="Cambria Math" panose="02040503050406030204" pitchFamily="18" charset="0"/>
-                          <a:ea typeface="Cambria Math" panose="02040503050406030204" pitchFamily="18" charset="0"/>
-                        </a:rPr>
-                        <m:t>+ </m:t>
-                      </m:r>
-                      <m:sSub>
-                        <m:sSubPr>
-                          <m:ctrlPr>
-                            <a:rPr lang="en-US" b="0" i="1" smtClean="0">
-                              <a:latin typeface="Cambria Math" panose="02040503050406030204" pitchFamily="18" charset="0"/>
-                              <a:ea typeface="Cambria Math" panose="02040503050406030204" pitchFamily="18" charset="0"/>
-                            </a:rPr>
-                          </m:ctrlPr>
-                        </m:sSubPr>
-                        <m:e>
-                          <m:r>
-                            <a:rPr lang="en-US" b="0" i="1" smtClean="0">
-                              <a:latin typeface="Cambria Math" panose="02040503050406030204" pitchFamily="18" charset="0"/>
-                              <a:ea typeface="Cambria Math" panose="02040503050406030204" pitchFamily="18" charset="0"/>
-                            </a:rPr>
-                            <m:t>𝛽</m:t>
-                          </m:r>
-                        </m:e>
-                        <m:sub>
-                          <m:r>
-                            <a:rPr lang="en-US" b="0" i="1" smtClean="0">
-                              <a:latin typeface="Cambria Math" panose="02040503050406030204" pitchFamily="18" charset="0"/>
-                              <a:ea typeface="Cambria Math" panose="02040503050406030204" pitchFamily="18" charset="0"/>
-                            </a:rPr>
-                            <m:t>2</m:t>
-                          </m:r>
-                        </m:sub>
-                      </m:sSub>
-                      <m:sSub>
-                        <m:sSubPr>
-                          <m:ctrlPr>
-                            <a:rPr lang="en-US" b="0" i="1" smtClean="0">
-                              <a:latin typeface="Cambria Math" panose="02040503050406030204" pitchFamily="18" charset="0"/>
-                              <a:ea typeface="Cambria Math" panose="02040503050406030204" pitchFamily="18" charset="0"/>
-                            </a:rPr>
-                          </m:ctrlPr>
-                        </m:sSubPr>
-                        <m:e>
-                          <m:r>
-                            <a:rPr lang="en-US" b="0" i="1" smtClean="0">
-                              <a:latin typeface="Cambria Math" panose="02040503050406030204" pitchFamily="18" charset="0"/>
-                              <a:ea typeface="Cambria Math" panose="02040503050406030204" pitchFamily="18" charset="0"/>
-                            </a:rPr>
-                            <m:t>𝑦</m:t>
-                          </m:r>
-                        </m:e>
-                        <m:sub>
-                          <m:r>
-                            <a:rPr lang="en-US" b="0" i="1" smtClean="0">
-                              <a:latin typeface="Cambria Math" panose="02040503050406030204" pitchFamily="18" charset="0"/>
-                              <a:ea typeface="Cambria Math" panose="02040503050406030204" pitchFamily="18" charset="0"/>
-                            </a:rPr>
-                            <m:t>𝑡</m:t>
-                          </m:r>
-                          <m:r>
-                            <a:rPr lang="en-US" b="0" i="1" smtClean="0">
-                              <a:latin typeface="Cambria Math" panose="02040503050406030204" pitchFamily="18" charset="0"/>
-                              <a:ea typeface="Cambria Math" panose="02040503050406030204" pitchFamily="18" charset="0"/>
-                            </a:rPr>
-                            <m:t>−2</m:t>
-                          </m:r>
-                        </m:sub>
-                      </m:sSub>
-                      <m:r>
-                        <a:rPr lang="en-US" b="0" i="1" smtClean="0">
-                          <a:latin typeface="Cambria Math" panose="02040503050406030204" pitchFamily="18" charset="0"/>
-                          <a:ea typeface="Cambria Math" panose="02040503050406030204" pitchFamily="18" charset="0"/>
-                        </a:rPr>
-                        <m:t>+ …+ </m:t>
-                      </m:r>
-                      <m:sSub>
-                        <m:sSubPr>
-                          <m:ctrlPr>
-                            <a:rPr lang="en-US" b="0" i="1" smtClean="0">
-                              <a:latin typeface="Cambria Math" panose="02040503050406030204" pitchFamily="18" charset="0"/>
-                              <a:ea typeface="Cambria Math" panose="02040503050406030204" pitchFamily="18" charset="0"/>
-                            </a:rPr>
-                          </m:ctrlPr>
-                        </m:sSubPr>
-                        <m:e>
-                          <m:r>
-                            <a:rPr lang="en-US" b="0" i="1" smtClean="0">
-                              <a:latin typeface="Cambria Math" panose="02040503050406030204" pitchFamily="18" charset="0"/>
-                              <a:ea typeface="Cambria Math" panose="02040503050406030204" pitchFamily="18" charset="0"/>
-                            </a:rPr>
-                            <m:t>𝛽</m:t>
-                          </m:r>
-                        </m:e>
-                        <m:sub>
-                          <m:r>
-                            <a:rPr lang="en-US" b="0" i="1" smtClean="0">
-                              <a:latin typeface="Cambria Math" panose="02040503050406030204" pitchFamily="18" charset="0"/>
-                              <a:ea typeface="Cambria Math" panose="02040503050406030204" pitchFamily="18" charset="0"/>
-                            </a:rPr>
-                            <m:t>𝑛</m:t>
-                          </m:r>
-                        </m:sub>
-                      </m:sSub>
-                      <m:sSub>
-                        <m:sSubPr>
-                          <m:ctrlPr>
-                            <a:rPr lang="en-US" b="0" i="1" smtClean="0">
-                              <a:latin typeface="Cambria Math" panose="02040503050406030204" pitchFamily="18" charset="0"/>
-                              <a:ea typeface="Cambria Math" panose="02040503050406030204" pitchFamily="18" charset="0"/>
-                            </a:rPr>
-                          </m:ctrlPr>
-                        </m:sSubPr>
-                        <m:e>
-                          <m:r>
-                            <a:rPr lang="en-US" b="0" i="1" smtClean="0">
-                              <a:latin typeface="Cambria Math" panose="02040503050406030204" pitchFamily="18" charset="0"/>
-                              <a:ea typeface="Cambria Math" panose="02040503050406030204" pitchFamily="18" charset="0"/>
-                            </a:rPr>
-                            <m:t>𝑦</m:t>
-                          </m:r>
-                        </m:e>
-                        <m:sub>
-                          <m:r>
-                            <a:rPr lang="en-US" b="0" i="1" smtClean="0">
-                              <a:latin typeface="Cambria Math" panose="02040503050406030204" pitchFamily="18" charset="0"/>
-                              <a:ea typeface="Cambria Math" panose="02040503050406030204" pitchFamily="18" charset="0"/>
-                            </a:rPr>
-                            <m:t>𝑡</m:t>
-                          </m:r>
-                          <m:r>
-                            <a:rPr lang="en-US" b="0" i="1" smtClean="0">
-                              <a:latin typeface="Cambria Math" panose="02040503050406030204" pitchFamily="18" charset="0"/>
-                              <a:ea typeface="Cambria Math" panose="02040503050406030204" pitchFamily="18" charset="0"/>
-                            </a:rPr>
-                            <m:t>−</m:t>
-                          </m:r>
-                          <m:r>
-                            <a:rPr lang="en-US" b="0" i="1" smtClean="0">
-                              <a:latin typeface="Cambria Math" panose="02040503050406030204" pitchFamily="18" charset="0"/>
-                              <a:ea typeface="Cambria Math" panose="02040503050406030204" pitchFamily="18" charset="0"/>
-                            </a:rPr>
-                            <m:t>𝑛</m:t>
-                          </m:r>
-                        </m:sub>
-                      </m:sSub>
-                      <m:r>
-                        <a:rPr lang="en-US" b="0" i="1" smtClean="0">
-                          <a:latin typeface="Cambria Math" panose="02040503050406030204" pitchFamily="18" charset="0"/>
-                          <a:ea typeface="Cambria Math" panose="02040503050406030204" pitchFamily="18" charset="0"/>
-                        </a:rPr>
-                        <m:t>+</m:t>
-                      </m:r>
-                      <m:sSub>
-                        <m:sSubPr>
-                          <m:ctrlPr>
-                            <a:rPr lang="en-US" b="0" i="1" smtClean="0">
-                              <a:latin typeface="Cambria Math" panose="02040503050406030204" pitchFamily="18" charset="0"/>
-                              <a:ea typeface="Cambria Math" panose="02040503050406030204" pitchFamily="18" charset="0"/>
-                            </a:rPr>
-                          </m:ctrlPr>
-                        </m:sSubPr>
-                        <m:e>
-                          <m:r>
-                            <a:rPr lang="en-US" b="0" i="1" smtClean="0">
-                              <a:latin typeface="Cambria Math" panose="02040503050406030204" pitchFamily="18" charset="0"/>
-                              <a:ea typeface="Cambria Math" panose="02040503050406030204" pitchFamily="18" charset="0"/>
-                            </a:rPr>
-                            <m:t>𝜀</m:t>
-                          </m:r>
-                        </m:e>
-                        <m:sub>
-                          <m:r>
-                            <a:rPr lang="en-US" b="0" i="1" smtClean="0">
-                              <a:latin typeface="Cambria Math" panose="02040503050406030204" pitchFamily="18" charset="0"/>
-                              <a:ea typeface="Cambria Math" panose="02040503050406030204" pitchFamily="18" charset="0"/>
-                            </a:rPr>
-                            <m:t>𝑡</m:t>
-                          </m:r>
-                        </m:sub>
-                      </m:sSub>
-                    </m:oMath>
-                  </m:oMathPara>
-                </a14:m>
-                <a:endParaRPr lang="en-US" dirty="0"/>
-              </a:p>
-            </p:txBody>
-          </p:sp>
-        </mc:Choice>
-        <mc:Fallback>
-          <p:sp>
-            <p:nvSpPr>
-              <p:cNvPr id="3" name="Content Placeholder 2">
-                <a:extLst>
-                  <a:ext uri="{FF2B5EF4-FFF2-40B4-BE49-F238E27FC236}">
-                    <a16:creationId xmlns:a16="http://schemas.microsoft.com/office/drawing/2014/main" id="{FDA86BD4-A54C-D047-BCD7-26D5A45740A7}"/>
-                  </a:ext>
-                </a:extLst>
-              </p:cNvPr>
-              <p:cNvSpPr>
-                <a:spLocks noGrp="1" noRot="1" noChangeAspect="1" noMove="1" noResize="1" noEditPoints="1" noAdjustHandles="1" noChangeArrowheads="1" noChangeShapeType="1" noTextEdit="1"/>
-              </p:cNvSpPr>
-              <p:nvPr>
-                <p:ph idx="1"/>
-              </p:nvPr>
-            </p:nvSpPr>
-            <p:spPr>
-              <a:blipFill>
-                <a:blip r:embed="rId2"/>
-                <a:stretch>
-                  <a:fillRect l="-1086" t="-2326"/>
-                </a:stretch>
-              </a:blipFill>
-            </p:spPr>
-            <p:txBody>
-              <a:bodyPr/>
-              <a:lstStyle/>
-              <a:p>
-                <a:r>
-                  <a:rPr lang="en-US">
-                    <a:noFill/>
-                  </a:rPr>
-                  <a:t> </a:t>
-                </a:r>
-              </a:p>
-            </p:txBody>
-          </p:sp>
-        </mc:Fallback>
-      </mc:AlternateContent>
-    </p:spTree>
-    <p:extLst>
-      <p:ext uri="{BB962C8B-B14F-4D97-AF65-F5344CB8AC3E}">
-        <p14:creationId xmlns:p14="http://schemas.microsoft.com/office/powerpoint/2010/main" val="2449726672"/>
-      </p:ext>
-    </p:extLst>
-  </p:cSld>
-  <p:clrMapOvr>
-    <a:masterClrMapping/>
-  </p:clrMapOvr>
-</p:sld>
-</file>
-
-<file path=ppt/slides/slide9.xml><?xml version="1.0" encoding="utf-8"?>
-<p:sld xmlns:a="http://schemas.openxmlformats.org/drawingml/2006/main" xmlns:r="http://schemas.openxmlformats.org/officeDocument/2006/relationships" xmlns:p="http://schemas.openxmlformats.org/presentationml/2006/main">
-  <p:cSld>
-    <p:bg>
-      <p:bgPr>
-        <a:solidFill>
-          <a:schemeClr val="bg1"/>
-        </a:solidFill>
-        <a:effectLst/>
-      </p:bgPr>
-    </p:bg>
-    <p:spTree>
-      <p:nvGrpSpPr>
-        <p:cNvPr id="1" name=""/>
-        <p:cNvGrpSpPr/>
-        <p:nvPr/>
-      </p:nvGrpSpPr>
-      <p:grpSpPr>
-        <a:xfrm>
-          <a:off x="0" y="0"/>
-          <a:ext cx="0" cy="0"/>
-          <a:chOff x="0" y="0"/>
-          <a:chExt cx="0" cy="0"/>
-        </a:xfrm>
-      </p:grpSpPr>
-      <p:sp>
-        <p:nvSpPr>
-          <p:cNvPr id="13" name="Rectangle 12">
-            <a:extLst>
-              <a:ext uri="{FF2B5EF4-FFF2-40B4-BE49-F238E27FC236}">
-                <a16:creationId xmlns:a16="http://schemas.microsoft.com/office/drawing/2014/main" id="{A3A6602B-CADB-48C2-8885-B1E1586EF3F2}"/>
-              </a:ext>
-              <a:ext uri="{C183D7F6-B498-43B3-948B-1728B52AA6E4}">
-                <adec:decorative xmlns:adec="http://schemas.microsoft.com/office/drawing/2017/decorative" val="1"/>
-              </a:ext>
-            </a:extLst>
-          </p:cNvPr>
-          <p:cNvSpPr>
-            <a:spLocks noGrp="1" noRot="1" noChangeAspect="1" noMove="1" noResize="1" noEditPoints="1" noAdjustHandles="1" noChangeArrowheads="1" noChangeShapeType="1" noTextEdit="1"/>
-          </p:cNvSpPr>
-          <p:nvPr>
-            <p:extLst>
-              <p:ext uri="{386F3935-93C4-4BCD-93E2-E3B085C9AB24}">
-                <p16:designElem xmlns:p16="http://schemas.microsoft.com/office/powerpoint/2015/main" val="1"/>
-              </p:ext>
-            </p:extLst>
-          </p:nvPr>
-        </p:nvSpPr>
-        <p:spPr>
-          <a:xfrm>
-            <a:off x="555625" y="381000"/>
-            <a:ext cx="11080750" cy="5759450"/>
-          </a:xfrm>
-          <a:prstGeom prst="rect">
-            <a:avLst/>
-          </a:prstGeom>
-          <a:solidFill>
-            <a:schemeClr val="tx1">
-              <a:lumMod val="75000"/>
-              <a:lumOff val="25000"/>
-            </a:schemeClr>
-          </a:solidFill>
-          <a:ln>
-            <a:noFill/>
-          </a:ln>
-        </p:spPr>
-        <p:style>
-          <a:lnRef idx="2">
-            <a:schemeClr val="accent1">
-              <a:shade val="50000"/>
-            </a:schemeClr>
-          </a:lnRef>
-          <a:fillRef idx="1">
-            <a:schemeClr val="accent1"/>
-          </a:fillRef>
-          <a:effectRef idx="0">
-            <a:schemeClr val="accent1"/>
-          </a:effectRef>
-          <a:fontRef idx="minor">
-            <a:schemeClr val="lt1"/>
-          </a:fontRef>
-        </p:style>
-        <p:txBody>
-          <a:bodyPr rtlCol="0" anchor="ctr"/>
-          <a:lstStyle/>
-          <a:p>
-            <a:pPr algn="ctr"/>
-            <a:endParaRPr lang="en-US"/>
-          </a:p>
-        </p:txBody>
-      </p:sp>
-      <p:sp>
-        <p:nvSpPr>
-          <p:cNvPr id="2" name="Title 1">
-            <a:extLst>
-              <a:ext uri="{FF2B5EF4-FFF2-40B4-BE49-F238E27FC236}">
-                <a16:creationId xmlns:a16="http://schemas.microsoft.com/office/drawing/2014/main" id="{01D878FE-B9DC-A14D-913A-55045358270A}"/>
-              </a:ext>
-            </a:extLst>
-          </p:cNvPr>
-          <p:cNvSpPr>
-            <a:spLocks noGrp="1"/>
-          </p:cNvSpPr>
-          <p:nvPr>
-            <p:ph type="title"/>
-          </p:nvPr>
-        </p:nvSpPr>
-        <p:spPr>
-          <a:xfrm>
-            <a:off x="1288064" y="1049781"/>
-            <a:ext cx="9637776" cy="1430696"/>
-          </a:xfrm>
-        </p:spPr>
-        <p:txBody>
-          <a:bodyPr>
-            <a:normAutofit/>
-          </a:bodyPr>
-          <a:lstStyle/>
-          <a:p>
-            <a:r>
-              <a:rPr lang="en-US">
-                <a:solidFill>
-                  <a:schemeClr val="bg1"/>
-                </a:solidFill>
-              </a:rPr>
-              <a:t>The Project</a:t>
-            </a:r>
-          </a:p>
-        </p:txBody>
-      </p:sp>
-      <p:sp>
-        <p:nvSpPr>
-          <p:cNvPr id="3" name="Content Placeholder 2">
-            <a:extLst>
-              <a:ext uri="{FF2B5EF4-FFF2-40B4-BE49-F238E27FC236}">
-                <a16:creationId xmlns:a16="http://schemas.microsoft.com/office/drawing/2014/main" id="{B5BE2F2E-F7D6-B841-A8A8-799D82CA8BBA}"/>
-              </a:ext>
-            </a:extLst>
-          </p:cNvPr>
-          <p:cNvSpPr>
-            <a:spLocks noGrp="1"/>
-          </p:cNvSpPr>
-          <p:nvPr>
-            <p:ph idx="1"/>
-          </p:nvPr>
-        </p:nvSpPr>
-        <p:spPr>
-          <a:xfrm>
-            <a:off x="1288064" y="2618928"/>
-            <a:ext cx="9637776" cy="3064321"/>
-          </a:xfrm>
-        </p:spPr>
-        <p:txBody>
-          <a:bodyPr>
-            <a:normAutofit/>
-          </a:bodyPr>
-          <a:lstStyle/>
-          <a:p>
-            <a:r>
-              <a:rPr lang="en-US" sz="2400">
-                <a:solidFill>
-                  <a:schemeClr val="bg1"/>
-                </a:solidFill>
-              </a:rPr>
-              <a:t>Modelling US monthly inflation using a random forest method</a:t>
-            </a:r>
-          </a:p>
-          <a:p>
-            <a:r>
-              <a:rPr lang="en-US" sz="2400">
-                <a:solidFill>
-                  <a:schemeClr val="bg1"/>
-                </a:solidFill>
-              </a:rPr>
-              <a:t>Advantages of random forest</a:t>
-            </a:r>
-          </a:p>
-          <a:p>
-            <a:r>
-              <a:rPr lang="en-US" sz="2400">
-                <a:solidFill>
-                  <a:schemeClr val="bg1"/>
-                </a:solidFill>
-              </a:rPr>
-              <a:t>Goal: Outperform a standard autoregressive model with a 1-month horizon</a:t>
-            </a:r>
-          </a:p>
-          <a:p>
-            <a:pPr marL="0" indent="0">
-              <a:buNone/>
-            </a:pPr>
-            <a:endParaRPr lang="en-US" sz="2400">
-              <a:solidFill>
-                <a:schemeClr val="bg1"/>
-              </a:solidFill>
-            </a:endParaRPr>
-          </a:p>
-        </p:txBody>
-      </p:sp>
-    </p:spTree>
-    <p:extLst>
-      <p:ext uri="{BB962C8B-B14F-4D97-AF65-F5344CB8AC3E}">
-        <p14:creationId xmlns:p14="http://schemas.microsoft.com/office/powerpoint/2010/main" val="1329862898"/>
       </p:ext>
     </p:extLst>
   </p:cSld>
